--- a/hackhackhack.pptx
+++ b/hackhackhack.pptx
@@ -11589,7 +11589,7 @@
               <a:p>
                 <a:r>
                   <a:rPr lang="en-US" altLang="zh-TW" dirty="0" smtClean="0"/>
-                  <a:t>To simulate the dynamics of a system, we need </a:t>
+                  <a:t>To simulate the dynamics of a physical system, we need </a:t>
                 </a:r>
                 <a:r>
                   <a:rPr lang="en-US" altLang="zh-TW" dirty="0" err="1" smtClean="0"/>

--- a/hackhackhack.pptx
+++ b/hackhackhack.pptx
@@ -4,20 +4,24 @@
   <p:sldMasterIdLst>
     <p:sldMasterId id="2147483648" r:id="rId1"/>
   </p:sldMasterIdLst>
+  <p:notesMasterIdLst>
+    <p:notesMasterId r:id="rId16"/>
+  </p:notesMasterIdLst>
   <p:sldIdLst>
     <p:sldId id="256" r:id="rId2"/>
     <p:sldId id="267" r:id="rId3"/>
     <p:sldId id="268" r:id="rId4"/>
-    <p:sldId id="269" r:id="rId5"/>
-    <p:sldId id="257" r:id="rId6"/>
-    <p:sldId id="258" r:id="rId7"/>
-    <p:sldId id="259" r:id="rId8"/>
-    <p:sldId id="260" r:id="rId9"/>
-    <p:sldId id="261" r:id="rId10"/>
-    <p:sldId id="262" r:id="rId11"/>
-    <p:sldId id="263" r:id="rId12"/>
-    <p:sldId id="264" r:id="rId13"/>
-    <p:sldId id="265" r:id="rId14"/>
+    <p:sldId id="270" r:id="rId5"/>
+    <p:sldId id="269" r:id="rId6"/>
+    <p:sldId id="257" r:id="rId7"/>
+    <p:sldId id="258" r:id="rId8"/>
+    <p:sldId id="259" r:id="rId9"/>
+    <p:sldId id="260" r:id="rId10"/>
+    <p:sldId id="261" r:id="rId11"/>
+    <p:sldId id="262" r:id="rId12"/>
+    <p:sldId id="263" r:id="rId13"/>
+    <p:sldId id="264" r:id="rId14"/>
+    <p:sldId id="265" r:id="rId15"/>
   </p:sldIdLst>
   <p:sldSz cx="12192000" cy="6858000"/>
   <p:notesSz cx="6858000" cy="9144000"/>
@@ -117,6 +121,356 @@
     </a:lvl9pPr>
   </p:defaultTextStyle>
 </p:presentation>
+</file>
+
+<file path=ppt/notesMasters/notesMaster1.xml><?xml version="1.0" encoding="utf-8"?>
+<p:notesMaster xmlns:a="http://schemas.openxmlformats.org/drawingml/2006/main" xmlns:r="http://schemas.openxmlformats.org/officeDocument/2006/relationships" xmlns:p="http://schemas.openxmlformats.org/presentationml/2006/main">
+  <p:cSld>
+    <p:bg>
+      <p:bgRef idx="1001">
+        <a:schemeClr val="bg1"/>
+      </p:bgRef>
+    </p:bg>
+    <p:spTree>
+      <p:nvGrpSpPr>
+        <p:cNvPr id="1" name=""/>
+        <p:cNvGrpSpPr/>
+        <p:nvPr/>
+      </p:nvGrpSpPr>
+      <p:grpSpPr>
+        <a:xfrm>
+          <a:off x="0" y="0"/>
+          <a:ext cx="0" cy="0"/>
+          <a:chOff x="0" y="0"/>
+          <a:chExt cx="0" cy="0"/>
+        </a:xfrm>
+      </p:grpSpPr>
+      <p:sp>
+        <p:nvSpPr>
+          <p:cNvPr id="2" name="頁首版面配置區 1"/>
+          <p:cNvSpPr>
+            <a:spLocks noGrp="1"/>
+          </p:cNvSpPr>
+          <p:nvPr>
+            <p:ph type="hdr" sz="quarter"/>
+          </p:nvPr>
+        </p:nvSpPr>
+        <p:spPr>
+          <a:xfrm>
+            <a:off x="0" y="0"/>
+            <a:ext cx="2971800" cy="458788"/>
+          </a:xfrm>
+          <a:prstGeom prst="rect">
+            <a:avLst/>
+          </a:prstGeom>
+        </p:spPr>
+        <p:txBody>
+          <a:bodyPr vert="horz" lIns="91440" tIns="45720" rIns="91440" bIns="45720" rtlCol="0"/>
+          <a:lstStyle>
+            <a:lvl1pPr algn="l">
+              <a:defRPr sz="1200"/>
+            </a:lvl1pPr>
+          </a:lstStyle>
+          <a:p>
+            <a:endParaRPr lang="zh-TW" altLang="en-US"/>
+          </a:p>
+        </p:txBody>
+      </p:sp>
+      <p:sp>
+        <p:nvSpPr>
+          <p:cNvPr id="3" name="日期版面配置區 2"/>
+          <p:cNvSpPr>
+            <a:spLocks noGrp="1"/>
+          </p:cNvSpPr>
+          <p:nvPr>
+            <p:ph type="dt" idx="1"/>
+          </p:nvPr>
+        </p:nvSpPr>
+        <p:spPr>
+          <a:xfrm>
+            <a:off x="3884613" y="0"/>
+            <a:ext cx="2971800" cy="458788"/>
+          </a:xfrm>
+          <a:prstGeom prst="rect">
+            <a:avLst/>
+          </a:prstGeom>
+        </p:spPr>
+        <p:txBody>
+          <a:bodyPr vert="horz" lIns="91440" tIns="45720" rIns="91440" bIns="45720" rtlCol="0"/>
+          <a:lstStyle>
+            <a:lvl1pPr algn="r">
+              <a:defRPr sz="1200"/>
+            </a:lvl1pPr>
+          </a:lstStyle>
+          <a:p>
+            <a:fld id="{E385B65F-E8EE-4271-8C14-D093A662EBE8}" type="datetimeFigureOut">
+              <a:rPr lang="zh-TW" altLang="en-US" smtClean="0"/>
+              <a:t>2019/11/20</a:t>
+            </a:fld>
+            <a:endParaRPr lang="zh-TW" altLang="en-US"/>
+          </a:p>
+        </p:txBody>
+      </p:sp>
+      <p:sp>
+        <p:nvSpPr>
+          <p:cNvPr id="4" name="投影片圖像版面配置區 3"/>
+          <p:cNvSpPr>
+            <a:spLocks noGrp="1" noRot="1" noChangeAspect="1"/>
+          </p:cNvSpPr>
+          <p:nvPr>
+            <p:ph type="sldImg" idx="2"/>
+          </p:nvPr>
+        </p:nvSpPr>
+        <p:spPr>
+          <a:xfrm>
+            <a:off x="685800" y="1143000"/>
+            <a:ext cx="5486400" cy="3086100"/>
+          </a:xfrm>
+          <a:prstGeom prst="rect">
+            <a:avLst/>
+          </a:prstGeom>
+          <a:noFill/>
+          <a:ln w="12700">
+            <a:solidFill>
+              <a:prstClr val="black"/>
+            </a:solidFill>
+          </a:ln>
+        </p:spPr>
+        <p:txBody>
+          <a:bodyPr vert="horz" lIns="91440" tIns="45720" rIns="91440" bIns="45720" rtlCol="0" anchor="ctr"/>
+          <a:lstStyle/>
+          <a:p>
+            <a:endParaRPr lang="zh-TW" altLang="en-US"/>
+          </a:p>
+        </p:txBody>
+      </p:sp>
+      <p:sp>
+        <p:nvSpPr>
+          <p:cNvPr id="5" name="備忘稿版面配置區 4"/>
+          <p:cNvSpPr>
+            <a:spLocks noGrp="1"/>
+          </p:cNvSpPr>
+          <p:nvPr>
+            <p:ph type="body" sz="quarter" idx="3"/>
+          </p:nvPr>
+        </p:nvSpPr>
+        <p:spPr>
+          <a:xfrm>
+            <a:off x="685800" y="4400550"/>
+            <a:ext cx="5486400" cy="3600450"/>
+          </a:xfrm>
+          <a:prstGeom prst="rect">
+            <a:avLst/>
+          </a:prstGeom>
+        </p:spPr>
+        <p:txBody>
+          <a:bodyPr vert="horz" lIns="91440" tIns="45720" rIns="91440" bIns="45720" rtlCol="0"/>
+          <a:lstStyle/>
+          <a:p>
+            <a:pPr lvl="0"/>
+            <a:r>
+              <a:rPr lang="zh-TW" altLang="en-US" smtClean="0"/>
+              <a:t>編輯母片文字樣式</a:t>
+            </a:r>
+          </a:p>
+          <a:p>
+            <a:pPr lvl="1"/>
+            <a:r>
+              <a:rPr lang="zh-TW" altLang="en-US" smtClean="0"/>
+              <a:t>第二層</a:t>
+            </a:r>
+          </a:p>
+          <a:p>
+            <a:pPr lvl="2"/>
+            <a:r>
+              <a:rPr lang="zh-TW" altLang="en-US" smtClean="0"/>
+              <a:t>第三層</a:t>
+            </a:r>
+          </a:p>
+          <a:p>
+            <a:pPr lvl="3"/>
+            <a:r>
+              <a:rPr lang="zh-TW" altLang="en-US" smtClean="0"/>
+              <a:t>第四層</a:t>
+            </a:r>
+          </a:p>
+          <a:p>
+            <a:pPr lvl="4"/>
+            <a:r>
+              <a:rPr lang="zh-TW" altLang="en-US" smtClean="0"/>
+              <a:t>第五層</a:t>
+            </a:r>
+            <a:endParaRPr lang="zh-TW" altLang="en-US"/>
+          </a:p>
+        </p:txBody>
+      </p:sp>
+      <p:sp>
+        <p:nvSpPr>
+          <p:cNvPr id="6" name="頁尾版面配置區 5"/>
+          <p:cNvSpPr>
+            <a:spLocks noGrp="1"/>
+          </p:cNvSpPr>
+          <p:nvPr>
+            <p:ph type="ftr" sz="quarter" idx="4"/>
+          </p:nvPr>
+        </p:nvSpPr>
+        <p:spPr>
+          <a:xfrm>
+            <a:off x="0" y="8685213"/>
+            <a:ext cx="2971800" cy="458787"/>
+          </a:xfrm>
+          <a:prstGeom prst="rect">
+            <a:avLst/>
+          </a:prstGeom>
+        </p:spPr>
+        <p:txBody>
+          <a:bodyPr vert="horz" lIns="91440" tIns="45720" rIns="91440" bIns="45720" rtlCol="0" anchor="b"/>
+          <a:lstStyle>
+            <a:lvl1pPr algn="l">
+              <a:defRPr sz="1200"/>
+            </a:lvl1pPr>
+          </a:lstStyle>
+          <a:p>
+            <a:endParaRPr lang="zh-TW" altLang="en-US"/>
+          </a:p>
+        </p:txBody>
+      </p:sp>
+      <p:sp>
+        <p:nvSpPr>
+          <p:cNvPr id="7" name="投影片編號版面配置區 6"/>
+          <p:cNvSpPr>
+            <a:spLocks noGrp="1"/>
+          </p:cNvSpPr>
+          <p:nvPr>
+            <p:ph type="sldNum" sz="quarter" idx="5"/>
+          </p:nvPr>
+        </p:nvSpPr>
+        <p:spPr>
+          <a:xfrm>
+            <a:off x="3884613" y="8685213"/>
+            <a:ext cx="2971800" cy="458787"/>
+          </a:xfrm>
+          <a:prstGeom prst="rect">
+            <a:avLst/>
+          </a:prstGeom>
+        </p:spPr>
+        <p:txBody>
+          <a:bodyPr vert="horz" lIns="91440" tIns="45720" rIns="91440" bIns="45720" rtlCol="0" anchor="b"/>
+          <a:lstStyle>
+            <a:lvl1pPr algn="r">
+              <a:defRPr sz="1200"/>
+            </a:lvl1pPr>
+          </a:lstStyle>
+          <a:p>
+            <a:fld id="{C269EE85-CDCE-46DE-A98A-2FD471AC5B9A}" type="slidenum">
+              <a:rPr lang="zh-TW" altLang="en-US" smtClean="0"/>
+              <a:t>‹#›</a:t>
+            </a:fld>
+            <a:endParaRPr lang="zh-TW" altLang="en-US"/>
+          </a:p>
+        </p:txBody>
+      </p:sp>
+    </p:spTree>
+    <p:extLst>
+      <p:ext uri="{BB962C8B-B14F-4D97-AF65-F5344CB8AC3E}">
+        <p14:creationId xmlns:p14="http://schemas.microsoft.com/office/powerpoint/2010/main" val="2488956260"/>
+      </p:ext>
+    </p:extLst>
+  </p:cSld>
+  <p:clrMap bg1="lt1" tx1="dk1" bg2="lt2" tx2="dk2" accent1="accent1" accent2="accent2" accent3="accent3" accent4="accent4" accent5="accent5" accent6="accent6" hlink="hlink" folHlink="folHlink"/>
+  <p:notesStyle>
+    <a:lvl1pPr marL="0" algn="l" defTabSz="914400" rtl="0" eaLnBrk="1" latinLnBrk="0" hangingPunct="1">
+      <a:defRPr sz="1200" kern="1200">
+        <a:solidFill>
+          <a:schemeClr val="tx1"/>
+        </a:solidFill>
+        <a:latin typeface="+mn-lt"/>
+        <a:ea typeface="+mn-ea"/>
+        <a:cs typeface="+mn-cs"/>
+      </a:defRPr>
+    </a:lvl1pPr>
+    <a:lvl2pPr marL="457200" algn="l" defTabSz="914400" rtl="0" eaLnBrk="1" latinLnBrk="0" hangingPunct="1">
+      <a:defRPr sz="1200" kern="1200">
+        <a:solidFill>
+          <a:schemeClr val="tx1"/>
+        </a:solidFill>
+        <a:latin typeface="+mn-lt"/>
+        <a:ea typeface="+mn-ea"/>
+        <a:cs typeface="+mn-cs"/>
+      </a:defRPr>
+    </a:lvl2pPr>
+    <a:lvl3pPr marL="914400" algn="l" defTabSz="914400" rtl="0" eaLnBrk="1" latinLnBrk="0" hangingPunct="1">
+      <a:defRPr sz="1200" kern="1200">
+        <a:solidFill>
+          <a:schemeClr val="tx1"/>
+        </a:solidFill>
+        <a:latin typeface="+mn-lt"/>
+        <a:ea typeface="+mn-ea"/>
+        <a:cs typeface="+mn-cs"/>
+      </a:defRPr>
+    </a:lvl3pPr>
+    <a:lvl4pPr marL="1371600" algn="l" defTabSz="914400" rtl="0" eaLnBrk="1" latinLnBrk="0" hangingPunct="1">
+      <a:defRPr sz="1200" kern="1200">
+        <a:solidFill>
+          <a:schemeClr val="tx1"/>
+        </a:solidFill>
+        <a:latin typeface="+mn-lt"/>
+        <a:ea typeface="+mn-ea"/>
+        <a:cs typeface="+mn-cs"/>
+      </a:defRPr>
+    </a:lvl4pPr>
+    <a:lvl5pPr marL="1828800" algn="l" defTabSz="914400" rtl="0" eaLnBrk="1" latinLnBrk="0" hangingPunct="1">
+      <a:defRPr sz="1200" kern="1200">
+        <a:solidFill>
+          <a:schemeClr val="tx1"/>
+        </a:solidFill>
+        <a:latin typeface="+mn-lt"/>
+        <a:ea typeface="+mn-ea"/>
+        <a:cs typeface="+mn-cs"/>
+      </a:defRPr>
+    </a:lvl5pPr>
+    <a:lvl6pPr marL="2286000" algn="l" defTabSz="914400" rtl="0" eaLnBrk="1" latinLnBrk="0" hangingPunct="1">
+      <a:defRPr sz="1200" kern="1200">
+        <a:solidFill>
+          <a:schemeClr val="tx1"/>
+        </a:solidFill>
+        <a:latin typeface="+mn-lt"/>
+        <a:ea typeface="+mn-ea"/>
+        <a:cs typeface="+mn-cs"/>
+      </a:defRPr>
+    </a:lvl6pPr>
+    <a:lvl7pPr marL="2743200" algn="l" defTabSz="914400" rtl="0" eaLnBrk="1" latinLnBrk="0" hangingPunct="1">
+      <a:defRPr sz="1200" kern="1200">
+        <a:solidFill>
+          <a:schemeClr val="tx1"/>
+        </a:solidFill>
+        <a:latin typeface="+mn-lt"/>
+        <a:ea typeface="+mn-ea"/>
+        <a:cs typeface="+mn-cs"/>
+      </a:defRPr>
+    </a:lvl7pPr>
+    <a:lvl8pPr marL="3200400" algn="l" defTabSz="914400" rtl="0" eaLnBrk="1" latinLnBrk="0" hangingPunct="1">
+      <a:defRPr sz="1200" kern="1200">
+        <a:solidFill>
+          <a:schemeClr val="tx1"/>
+        </a:solidFill>
+        <a:latin typeface="+mn-lt"/>
+        <a:ea typeface="+mn-ea"/>
+        <a:cs typeface="+mn-cs"/>
+      </a:defRPr>
+    </a:lvl8pPr>
+    <a:lvl9pPr marL="3657600" algn="l" defTabSz="914400" rtl="0" eaLnBrk="1" latinLnBrk="0" hangingPunct="1">
+      <a:defRPr sz="1200" kern="1200">
+        <a:solidFill>
+          <a:schemeClr val="tx1"/>
+        </a:solidFill>
+        <a:latin typeface="+mn-lt"/>
+        <a:ea typeface="+mn-ea"/>
+        <a:cs typeface="+mn-cs"/>
+      </a:defRPr>
+    </a:lvl9pPr>
+  </p:notesStyle>
+</p:notesMaster>
 </file>
 
 <file path=ppt/slideLayouts/slideLayout1.xml><?xml version="1.0" encoding="utf-8"?>
@@ -248,7 +602,7 @@
           <a:bodyPr/>
           <a:lstStyle/>
           <a:p>
-            <a:fld id="{BFAF423B-65F9-4B1D-BB9A-5883E7D86C7B}" type="datetimeFigureOut">
+            <a:fld id="{29A5C19B-ED84-4586-9279-4650993E95FB}" type="datetime1">
               <a:rPr lang="zh-TW" altLang="en-US" smtClean="0"/>
               <a:t>2019/11/20</a:t>
             </a:fld>
@@ -418,7 +772,7 @@
           <a:bodyPr/>
           <a:lstStyle/>
           <a:p>
-            <a:fld id="{BFAF423B-65F9-4B1D-BB9A-5883E7D86C7B}" type="datetimeFigureOut">
+            <a:fld id="{3F85EE10-44E0-4B0B-BA3C-129F8A12571A}" type="datetime1">
               <a:rPr lang="zh-TW" altLang="en-US" smtClean="0"/>
               <a:t>2019/11/20</a:t>
             </a:fld>
@@ -598,7 +952,7 @@
           <a:bodyPr/>
           <a:lstStyle/>
           <a:p>
-            <a:fld id="{BFAF423B-65F9-4B1D-BB9A-5883E7D86C7B}" type="datetimeFigureOut">
+            <a:fld id="{BF104C3E-932A-4E1E-956D-1CF17471DB2C}" type="datetime1">
               <a:rPr lang="zh-TW" altLang="en-US" smtClean="0"/>
               <a:t>2019/11/20</a:t>
             </a:fld>
@@ -768,7 +1122,7 @@
           <a:bodyPr/>
           <a:lstStyle/>
           <a:p>
-            <a:fld id="{BFAF423B-65F9-4B1D-BB9A-5883E7D86C7B}" type="datetimeFigureOut">
+            <a:fld id="{C398089F-3391-472D-905B-763C29F4774A}" type="datetime1">
               <a:rPr lang="zh-TW" altLang="en-US" smtClean="0"/>
               <a:t>2019/11/20</a:t>
             </a:fld>
@@ -1014,7 +1368,7 @@
           <a:bodyPr/>
           <a:lstStyle/>
           <a:p>
-            <a:fld id="{BFAF423B-65F9-4B1D-BB9A-5883E7D86C7B}" type="datetimeFigureOut">
+            <a:fld id="{99945BC6-294F-4492-B285-0A198D8AF4E0}" type="datetime1">
               <a:rPr lang="zh-TW" altLang="en-US" smtClean="0"/>
               <a:t>2019/11/20</a:t>
             </a:fld>
@@ -1246,7 +1600,7 @@
           <a:bodyPr/>
           <a:lstStyle/>
           <a:p>
-            <a:fld id="{BFAF423B-65F9-4B1D-BB9A-5883E7D86C7B}" type="datetimeFigureOut">
+            <a:fld id="{6CD10BB7-7651-4D98-9DC4-FA890A3300A2}" type="datetime1">
               <a:rPr lang="zh-TW" altLang="en-US" smtClean="0"/>
               <a:t>2019/11/20</a:t>
             </a:fld>
@@ -1613,7 +1967,7 @@
           <a:bodyPr/>
           <a:lstStyle/>
           <a:p>
-            <a:fld id="{BFAF423B-65F9-4B1D-BB9A-5883E7D86C7B}" type="datetimeFigureOut">
+            <a:fld id="{E146CE07-E50C-4FC5-B9EB-E43AA9AB23A8}" type="datetime1">
               <a:rPr lang="zh-TW" altLang="en-US" smtClean="0"/>
               <a:t>2019/11/20</a:t>
             </a:fld>
@@ -1731,7 +2085,7 @@
           <a:bodyPr/>
           <a:lstStyle/>
           <a:p>
-            <a:fld id="{BFAF423B-65F9-4B1D-BB9A-5883E7D86C7B}" type="datetimeFigureOut">
+            <a:fld id="{13BDF848-253F-4ABD-A4D3-2F304A66E89C}" type="datetime1">
               <a:rPr lang="zh-TW" altLang="en-US" smtClean="0"/>
               <a:t>2019/11/20</a:t>
             </a:fld>
@@ -1826,7 +2180,7 @@
           <a:bodyPr/>
           <a:lstStyle/>
           <a:p>
-            <a:fld id="{BFAF423B-65F9-4B1D-BB9A-5883E7D86C7B}" type="datetimeFigureOut">
+            <a:fld id="{7457777B-12BD-451F-833D-1B486B6FFDDC}" type="datetime1">
               <a:rPr lang="zh-TW" altLang="en-US" smtClean="0"/>
               <a:t>2019/11/20</a:t>
             </a:fld>
@@ -2103,7 +2457,7 @@
           <a:bodyPr/>
           <a:lstStyle/>
           <a:p>
-            <a:fld id="{BFAF423B-65F9-4B1D-BB9A-5883E7D86C7B}" type="datetimeFigureOut">
+            <a:fld id="{FCCD3FCD-B146-4A2F-AFDA-81E43EBB3697}" type="datetime1">
               <a:rPr lang="zh-TW" altLang="en-US" smtClean="0"/>
               <a:t>2019/11/20</a:t>
             </a:fld>
@@ -2356,7 +2710,7 @@
           <a:bodyPr/>
           <a:lstStyle/>
           <a:p>
-            <a:fld id="{BFAF423B-65F9-4B1D-BB9A-5883E7D86C7B}" type="datetimeFigureOut">
+            <a:fld id="{02A665C2-63C7-412C-B9B1-F29055201A91}" type="datetime1">
               <a:rPr lang="zh-TW" altLang="en-US" smtClean="0"/>
               <a:t>2019/11/20</a:t>
             </a:fld>
@@ -2569,7 +2923,7 @@
             </a:lvl1pPr>
           </a:lstStyle>
           <a:p>
-            <a:fld id="{BFAF423B-65F9-4B1D-BB9A-5883E7D86C7B}" type="datetimeFigureOut">
+            <a:fld id="{48628FC9-B547-4E11-81D1-E7303358A2DB}" type="datetime1">
               <a:rPr lang="zh-TW" altLang="en-US" smtClean="0"/>
               <a:t>2019/11/20</a:t>
             </a:fld>
@@ -2676,6 +3030,7 @@
     <p:sldLayoutId id="2147483658" r:id="rId10"/>
     <p:sldLayoutId id="2147483659" r:id="rId11"/>
   </p:sldLayoutIdLst>
+  <p:hf sldNum="0" hdr="0" ftr="0" dt="0"/>
   <p:txStyles>
     <p:titleStyle>
       <a:lvl1pPr algn="l" defTabSz="914400" rtl="0" eaLnBrk="1" latinLnBrk="0" hangingPunct="1">
@@ -3636,7 +3991,7 @@
             <p:spPr>
               <a:xfrm>
                 <a:off x="1701501" y="4142161"/>
-                <a:ext cx="8788998" cy="1106265"/>
+                <a:ext cx="8788998" cy="954107"/>
               </a:xfrm>
               <a:prstGeom prst="rect">
                 <a:avLst/>
@@ -3741,31 +4096,15 @@
                                     </a:rPr>
                                     <m:t>2</m:t>
                                   </m:r>
-                                  <m:sSub>
-                                    <m:sSubPr>
-                                      <m:ctrlPr>
-                                        <a:rPr lang="en-US" altLang="zh-TW" sz="2800" b="0" i="1" smtClean="0">
-                                          <a:latin typeface="Cambria Math" panose="02040503050406030204" pitchFamily="18" charset="0"/>
-                                        </a:rPr>
-                                      </m:ctrlPr>
-                                    </m:sSubPr>
-                                    <m:e>
-                                      <m:r>
-                                        <a:rPr lang="en-US" altLang="zh-TW" sz="2800" b="0" i="1" smtClean="0">
-                                          <a:latin typeface="Cambria Math" panose="02040503050406030204" pitchFamily="18" charset="0"/>
-                                        </a:rPr>
-                                        <m:t>𝑀</m:t>
-                                      </m:r>
-                                    </m:e>
-                                    <m:sub>
-                                      <m:r>
-                                        <a:rPr lang="en-US" altLang="zh-TW" sz="2800" b="0" i="1" smtClean="0">
-                                          <a:latin typeface="Cambria Math" panose="02040503050406030204" pitchFamily="18" charset="0"/>
-                                        </a:rPr>
-                                        <m:t>1</m:t>
-                                      </m:r>
-                                    </m:sub>
-                                  </m:sSub>
+                                  <m:r>
+                                    <m:rPr>
+                                      <m:sty m:val="p"/>
+                                    </m:rPr>
+                                    <a:rPr lang="en-US" altLang="zh-TW" sz="2800" i="1">
+                                      <a:latin typeface="Cambria Math" panose="02040503050406030204" pitchFamily="18" charset="0"/>
+                                    </a:rPr>
+                                    <m:t>M</m:t>
+                                  </m:r>
                                 </m:den>
                               </m:f>
                             </m:sup>
@@ -3835,31 +4174,15 @@
                                   </m:r>
                                 </m:num>
                                 <m:den>
-                                  <m:sSub>
-                                    <m:sSubPr>
-                                      <m:ctrlPr>
-                                        <a:rPr lang="en-US" altLang="zh-TW" sz="2800" b="0" i="1" smtClean="0">
-                                          <a:latin typeface="Cambria Math" panose="02040503050406030204" pitchFamily="18" charset="0"/>
-                                        </a:rPr>
-                                      </m:ctrlPr>
-                                    </m:sSubPr>
-                                    <m:e>
-                                      <m:r>
-                                        <a:rPr lang="en-US" altLang="zh-TW" sz="2800" b="0" i="1" smtClean="0">
-                                          <a:latin typeface="Cambria Math" panose="02040503050406030204" pitchFamily="18" charset="0"/>
-                                        </a:rPr>
-                                        <m:t>𝑀</m:t>
-                                      </m:r>
-                                    </m:e>
-                                    <m:sub>
-                                      <m:r>
-                                        <a:rPr lang="en-US" altLang="zh-TW" sz="2800" b="0" i="1" smtClean="0">
-                                          <a:latin typeface="Cambria Math" panose="02040503050406030204" pitchFamily="18" charset="0"/>
-                                        </a:rPr>
-                                        <m:t>1</m:t>
-                                      </m:r>
-                                    </m:sub>
-                                  </m:sSub>
+                                  <m:r>
+                                    <m:rPr>
+                                      <m:sty m:val="p"/>
+                                    </m:rPr>
+                                    <a:rPr lang="en-US" altLang="zh-TW" sz="2800" i="1">
+                                      <a:latin typeface="Cambria Math" panose="02040503050406030204" pitchFamily="18" charset="0"/>
+                                    </a:rPr>
+                                    <m:t>M</m:t>
+                                  </m:r>
                                 </m:den>
                               </m:f>
                             </m:sup>
@@ -3935,31 +4258,15 @@
                                     </a:rPr>
                                     <m:t>2</m:t>
                                   </m:r>
-                                  <m:sSub>
-                                    <m:sSubPr>
-                                      <m:ctrlPr>
-                                        <a:rPr lang="en-US" altLang="zh-TW" sz="2800" b="0" i="1" smtClean="0">
-                                          <a:latin typeface="Cambria Math" panose="02040503050406030204" pitchFamily="18" charset="0"/>
-                                        </a:rPr>
-                                      </m:ctrlPr>
-                                    </m:sSubPr>
-                                    <m:e>
-                                      <m:r>
-                                        <a:rPr lang="en-US" altLang="zh-TW" sz="2800" b="0" i="1" smtClean="0">
-                                          <a:latin typeface="Cambria Math" panose="02040503050406030204" pitchFamily="18" charset="0"/>
-                                        </a:rPr>
-                                        <m:t>𝑀</m:t>
-                                      </m:r>
-                                    </m:e>
-                                    <m:sub>
-                                      <m:r>
-                                        <a:rPr lang="en-US" altLang="zh-TW" sz="2800" b="0" i="1" smtClean="0">
-                                          <a:latin typeface="Cambria Math" panose="02040503050406030204" pitchFamily="18" charset="0"/>
-                                        </a:rPr>
-                                        <m:t>1</m:t>
-                                      </m:r>
-                                    </m:sub>
-                                  </m:sSub>
+                                  <m:r>
+                                    <m:rPr>
+                                      <m:sty m:val="p"/>
+                                    </m:rPr>
+                                    <a:rPr lang="en-US" altLang="zh-TW" sz="2800" i="1">
+                                      <a:latin typeface="Cambria Math" panose="02040503050406030204" pitchFamily="18" charset="0"/>
+                                    </a:rPr>
+                                    <m:t>M</m:t>
+                                  </m:r>
                                 </m:den>
                               </m:f>
                             </m:sup>
@@ -3972,31 +4279,15 @@
                           </m:r>
                         </m:e>
                         <m:sup>
-                          <m:sSub>
-                            <m:sSubPr>
-                              <m:ctrlPr>
-                                <a:rPr lang="en-US" altLang="zh-TW" sz="2800" i="1" smtClean="0">
-                                  <a:latin typeface="Cambria Math" panose="02040503050406030204" pitchFamily="18" charset="0"/>
-                                </a:rPr>
-                              </m:ctrlPr>
-                            </m:sSubPr>
-                            <m:e>
-                              <m:r>
-                                <a:rPr lang="en-US" altLang="zh-TW" sz="2800" b="0" i="1" smtClean="0">
-                                  <a:latin typeface="Cambria Math" panose="02040503050406030204" pitchFamily="18" charset="0"/>
-                                </a:rPr>
-                                <m:t>𝑀</m:t>
-                              </m:r>
-                            </m:e>
-                            <m:sub>
-                              <m:r>
-                                <a:rPr lang="en-US" altLang="zh-TW" sz="2800" b="0" i="1" smtClean="0">
-                                  <a:latin typeface="Cambria Math" panose="02040503050406030204" pitchFamily="18" charset="0"/>
-                                </a:rPr>
-                                <m:t>1</m:t>
-                              </m:r>
-                            </m:sub>
-                          </m:sSub>
+                          <m:r>
+                            <m:rPr>
+                              <m:sty m:val="p"/>
+                            </m:rPr>
+                            <a:rPr lang="en-US" altLang="zh-TW" sz="2800" i="1">
+                              <a:latin typeface="Cambria Math" panose="02040503050406030204" pitchFamily="18" charset="0"/>
+                            </a:rPr>
+                            <m:t>M</m:t>
+                          </m:r>
                         </m:sup>
                       </m:sSup>
                       <m:r>
@@ -4048,94 +4339,6 @@
                         </a:rPr>
                         <m:t>+</m:t>
                       </m:r>
-                      <m:f>
-                        <m:fPr>
-                          <m:ctrlPr>
-                            <a:rPr lang="en-US" altLang="zh-TW" sz="2800" b="0" i="1" smtClean="0">
-                              <a:latin typeface="Cambria Math" panose="02040503050406030204" pitchFamily="18" charset="0"/>
-                            </a:rPr>
-                          </m:ctrlPr>
-                        </m:fPr>
-                        <m:num>
-                          <m:sSup>
-                            <m:sSupPr>
-                              <m:ctrlPr>
-                                <a:rPr lang="en-US" altLang="zh-TW" sz="2800" b="0" i="1" smtClean="0">
-                                  <a:latin typeface="Cambria Math" panose="02040503050406030204" pitchFamily="18" charset="0"/>
-                                </a:rPr>
-                              </m:ctrlPr>
-                            </m:sSupPr>
-                            <m:e>
-                              <m:r>
-                                <a:rPr lang="en-US" altLang="zh-TW" sz="2800" b="0" i="1" smtClean="0">
-                                  <a:latin typeface="Cambria Math" panose="02040503050406030204" pitchFamily="18" charset="0"/>
-                                </a:rPr>
-                                <m:t>𝑡</m:t>
-                              </m:r>
-                            </m:e>
-                            <m:sup>
-                              <m:r>
-                                <a:rPr lang="en-US" altLang="zh-TW" sz="2800" b="0" i="1" smtClean="0">
-                                  <a:latin typeface="Cambria Math" panose="02040503050406030204" pitchFamily="18" charset="0"/>
-                                </a:rPr>
-                                <m:t>3</m:t>
-                              </m:r>
-                            </m:sup>
-                          </m:sSup>
-                        </m:num>
-                        <m:den>
-                          <m:sSup>
-                            <m:sSupPr>
-                              <m:ctrlPr>
-                                <a:rPr lang="en-US" altLang="zh-TW" sz="2800" b="0" i="1" smtClean="0">
-                                  <a:latin typeface="Cambria Math" panose="02040503050406030204" pitchFamily="18" charset="0"/>
-                                </a:rPr>
-                              </m:ctrlPr>
-                            </m:sSupPr>
-                            <m:e>
-                              <m:sSub>
-                                <m:sSubPr>
-                                  <m:ctrlPr>
-                                    <a:rPr lang="en-US" altLang="zh-TW" sz="2800" b="0" i="1" smtClean="0">
-                                      <a:latin typeface="Cambria Math" panose="02040503050406030204" pitchFamily="18" charset="0"/>
-                                    </a:rPr>
-                                  </m:ctrlPr>
-                                </m:sSubPr>
-                                <m:e>
-                                  <m:r>
-                                    <a:rPr lang="en-US" altLang="zh-TW" sz="2800" b="0" i="1" smtClean="0">
-                                      <a:latin typeface="Cambria Math" panose="02040503050406030204" pitchFamily="18" charset="0"/>
-                                    </a:rPr>
-                                    <m:t>𝑀</m:t>
-                                  </m:r>
-                                </m:e>
-                                <m:sub>
-                                  <m:r>
-                                    <a:rPr lang="en-US" altLang="zh-TW" sz="2800" b="0" i="1" smtClean="0">
-                                      <a:latin typeface="Cambria Math" panose="02040503050406030204" pitchFamily="18" charset="0"/>
-                                    </a:rPr>
-                                    <m:t>1</m:t>
-                                  </m:r>
-                                </m:sub>
-                              </m:sSub>
-                            </m:e>
-                            <m:sup>
-                              <m:r>
-                                <a:rPr lang="en-US" altLang="zh-TW" sz="2800" b="0" i="1" smtClean="0">
-                                  <a:latin typeface="Cambria Math" panose="02040503050406030204" pitchFamily="18" charset="0"/>
-                                </a:rPr>
-                                <m:t>2</m:t>
-                              </m:r>
-                            </m:sup>
-                          </m:sSup>
-                        </m:den>
-                      </m:f>
-                      <m:r>
-                        <a:rPr lang="en-US" altLang="zh-TW" sz="2800" b="0" i="1" smtClean="0">
-                          <a:latin typeface="Cambria Math" panose="02040503050406030204" pitchFamily="18" charset="0"/>
-                        </a:rPr>
-                        <m:t>+</m:t>
-                      </m:r>
                       <m:r>
                         <a:rPr lang="zh-TW" altLang="en-US" sz="2800" b="0" i="1" smtClean="0">
                           <a:latin typeface="Cambria Math" panose="02040503050406030204" pitchFamily="18" charset="0"/>
@@ -4178,7 +4381,7 @@
                                 <a:rPr lang="en-US" altLang="zh-TW" sz="2800" b="0" i="1" smtClean="0">
                                   <a:latin typeface="Cambria Math" panose="02040503050406030204" pitchFamily="18" charset="0"/>
                                 </a:rPr>
-                                <m:t>4</m:t>
+                                <m:t>3</m:t>
                               </m:r>
                             </m:sup>
                           </m:sSup>
@@ -4193,38 +4396,19 @@
                               </m:ctrlPr>
                             </m:sSupPr>
                             <m:e>
-                              <m:sSub>
-                                <m:sSubPr>
-                                  <m:ctrlPr>
-                                    <a:rPr lang="en-US" altLang="zh-TW" sz="2800" b="0" i="1" smtClean="0">
-                                      <a:latin typeface="Cambria Math" panose="02040503050406030204" pitchFamily="18" charset="0"/>
-                                    </a:rPr>
-                                  </m:ctrlPr>
-                                </m:sSubPr>
-                                <m:e>
-                                  <m:r>
-                                    <a:rPr lang="en-US" altLang="zh-TW" sz="2800" b="0" i="1" smtClean="0">
-                                      <a:latin typeface="Cambria Math" panose="02040503050406030204" pitchFamily="18" charset="0"/>
-                                    </a:rPr>
-                                    <m:t>𝑀</m:t>
-                                  </m:r>
-                                </m:e>
-                                <m:sub>
-                                  <m:r>
-                                    <a:rPr lang="en-US" altLang="zh-TW" sz="2800" b="0" i="1" smtClean="0">
-                                      <a:latin typeface="Cambria Math" panose="02040503050406030204" pitchFamily="18" charset="0"/>
-                                    </a:rPr>
-                                    <m:t>1</m:t>
-                                  </m:r>
-                                </m:sub>
-                              </m:sSub>
+                              <m:r>
+                                <a:rPr lang="en-US" altLang="zh-TW" sz="2800" b="0" i="1" smtClean="0">
+                                  <a:latin typeface="Cambria Math" panose="02040503050406030204" pitchFamily="18" charset="0"/>
+                                </a:rPr>
+                                <m:t>𝑀</m:t>
+                              </m:r>
                             </m:e>
                             <m:sup>
                               <m:r>
                                 <a:rPr lang="en-US" altLang="zh-TW" sz="2800" b="0" i="1" smtClean="0">
                                   <a:latin typeface="Cambria Math" panose="02040503050406030204" pitchFamily="18" charset="0"/>
                                 </a:rPr>
-                                <m:t>3</m:t>
+                                <m:t>2</m:t>
                               </m:r>
                             </m:sup>
                           </m:sSup>
@@ -4256,7 +4440,7 @@
             <p:spPr>
               <a:xfrm>
                 <a:off x="1701501" y="4142161"/>
-                <a:ext cx="8788998" cy="1106265"/>
+                <a:ext cx="8788998" cy="954107"/>
               </a:xfrm>
               <a:prstGeom prst="rect">
                 <a:avLst/>
@@ -4283,668 +4467,10 @@
           </p:sp>
         </mc:Fallback>
       </mc:AlternateContent>
-      <mc:AlternateContent xmlns:mc="http://schemas.openxmlformats.org/markup-compatibility/2006">
-        <mc:Choice xmlns:a14="http://schemas.microsoft.com/office/drawing/2010/main" Requires="a14">
-          <p:sp>
-            <p:nvSpPr>
-              <p:cNvPr id="6" name="文字方塊 5"/>
-              <p:cNvSpPr txBox="1"/>
-              <p:nvPr/>
-            </p:nvSpPr>
-            <p:spPr>
-              <a:xfrm>
-                <a:off x="1701501" y="5383363"/>
-                <a:ext cx="8788998" cy="1106265"/>
-              </a:xfrm>
-              <a:prstGeom prst="rect">
-                <a:avLst/>
-              </a:prstGeom>
-              <a:noFill/>
-            </p:spPr>
-            <p:txBody>
-              <a:bodyPr wrap="square" rtlCol="0">
-                <a:spAutoFit/>
-              </a:bodyPr>
-              <a:lstStyle/>
-              <a:p>
-                <a14:m>
-                  <m:oMathPara xmlns:m="http://schemas.openxmlformats.org/officeDocument/2006/math">
-                    <m:oMathParaPr>
-                      <m:jc m:val="centerGroup"/>
-                    </m:oMathParaPr>
-                    <m:oMath xmlns:m="http://schemas.openxmlformats.org/officeDocument/2006/math">
-                      <m:sSup>
-                        <m:sSupPr>
-                          <m:ctrlPr>
-                            <a:rPr lang="en-US" altLang="zh-TW" sz="2800" i="1" smtClean="0">
-                              <a:latin typeface="Cambria Math" panose="02040503050406030204" pitchFamily="18" charset="0"/>
-                            </a:rPr>
-                          </m:ctrlPr>
-                        </m:sSupPr>
-                        <m:e>
-                          <m:r>
-                            <a:rPr lang="en-US" altLang="zh-TW" sz="2800" i="1" smtClean="0">
-                              <a:latin typeface="Cambria Math" panose="02040503050406030204" pitchFamily="18" charset="0"/>
-                            </a:rPr>
-                            <m:t>(</m:t>
-                          </m:r>
-                          <m:sSup>
-                            <m:sSupPr>
-                              <m:ctrlPr>
-                                <a:rPr lang="en-US" altLang="zh-TW" sz="2800" i="1" smtClean="0">
-                                  <a:latin typeface="Cambria Math" panose="02040503050406030204" pitchFamily="18" charset="0"/>
-                                </a:rPr>
-                              </m:ctrlPr>
-                            </m:sSupPr>
-                            <m:e>
-                              <m:r>
-                                <a:rPr lang="en-US" altLang="zh-TW" sz="2800" b="0" i="1" smtClean="0">
-                                  <a:latin typeface="Cambria Math" panose="02040503050406030204" pitchFamily="18" charset="0"/>
-                                </a:rPr>
-                                <m:t>𝑒</m:t>
-                              </m:r>
-                            </m:e>
-                            <m:sup>
-                              <m:f>
-                                <m:fPr>
-                                  <m:ctrlPr>
-                                    <a:rPr lang="en-US" altLang="zh-TW" sz="2800" i="1" smtClean="0">
-                                      <a:latin typeface="Cambria Math" panose="02040503050406030204" pitchFamily="18" charset="0"/>
-                                    </a:rPr>
-                                  </m:ctrlPr>
-                                </m:fPr>
-                                <m:num>
-                                  <m:r>
-                                    <a:rPr lang="en-US" altLang="zh-TW" sz="2800" i="1" smtClean="0">
-                                      <a:latin typeface="Cambria Math" panose="02040503050406030204" pitchFamily="18" charset="0"/>
-                                    </a:rPr>
-                                    <m:t>𝑖</m:t>
-                                  </m:r>
-                                  <m:sSub>
-                                    <m:sSubPr>
-                                      <m:ctrlPr>
-                                        <a:rPr lang="en-US" altLang="zh-TW" sz="2800" i="1">
-                                          <a:latin typeface="Cambria Math" panose="02040503050406030204" pitchFamily="18" charset="0"/>
-                                        </a:rPr>
-                                      </m:ctrlPr>
-                                    </m:sSubPr>
-                                    <m:e>
-                                      <m:r>
-                                        <a:rPr lang="en-US" altLang="zh-TW" sz="2800" i="1">
-                                          <a:latin typeface="Cambria Math" panose="02040503050406030204" pitchFamily="18" charset="0"/>
-                                        </a:rPr>
-                                        <m:t>𝐻</m:t>
-                                      </m:r>
-                                    </m:e>
-                                    <m:sub>
-                                      <m:r>
-                                        <a:rPr lang="en-US" altLang="zh-TW" sz="2800" b="0" i="1" smtClean="0">
-                                          <a:latin typeface="Cambria Math" panose="02040503050406030204" pitchFamily="18" charset="0"/>
-                                        </a:rPr>
-                                        <m:t>1</m:t>
-                                      </m:r>
-                                    </m:sub>
-                                  </m:sSub>
-                                  <m:r>
-                                    <a:rPr lang="en-US" altLang="zh-TW" sz="2800" b="0" i="1" smtClean="0">
-                                      <a:latin typeface="Cambria Math" panose="02040503050406030204" pitchFamily="18" charset="0"/>
-                                    </a:rPr>
-                                    <m:t>𝑡</m:t>
-                                  </m:r>
-                                </m:num>
-                                <m:den>
-                                  <m:r>
-                                    <a:rPr lang="en-US" altLang="zh-TW" sz="2800" b="0" i="1" smtClean="0">
-                                      <a:latin typeface="Cambria Math" panose="02040503050406030204" pitchFamily="18" charset="0"/>
-                                    </a:rPr>
-                                    <m:t>2</m:t>
-                                  </m:r>
-                                  <m:sSub>
-                                    <m:sSubPr>
-                                      <m:ctrlPr>
-                                        <a:rPr lang="en-US" altLang="zh-TW" sz="2800" b="0" i="1" smtClean="0">
-                                          <a:latin typeface="Cambria Math" panose="02040503050406030204" pitchFamily="18" charset="0"/>
-                                        </a:rPr>
-                                      </m:ctrlPr>
-                                    </m:sSubPr>
-                                    <m:e>
-                                      <m:r>
-                                        <a:rPr lang="en-US" altLang="zh-TW" sz="2800" b="0" i="1" smtClean="0">
-                                          <a:latin typeface="Cambria Math" panose="02040503050406030204" pitchFamily="18" charset="0"/>
-                                        </a:rPr>
-                                        <m:t>𝑀</m:t>
-                                      </m:r>
-                                    </m:e>
-                                    <m:sub>
-                                      <m:r>
-                                        <a:rPr lang="en-US" altLang="zh-TW" sz="2800" b="0" i="1" smtClean="0">
-                                          <a:latin typeface="Cambria Math" panose="02040503050406030204" pitchFamily="18" charset="0"/>
-                                        </a:rPr>
-                                        <m:t>2</m:t>
-                                      </m:r>
-                                    </m:sub>
-                                  </m:sSub>
-                                </m:den>
-                              </m:f>
-                            </m:sup>
-                          </m:sSup>
-                          <m:sSup>
-                            <m:sSupPr>
-                              <m:ctrlPr>
-                                <a:rPr lang="en-US" altLang="zh-TW" sz="2800" i="1" smtClean="0">
-                                  <a:latin typeface="Cambria Math" panose="02040503050406030204" pitchFamily="18" charset="0"/>
-                                </a:rPr>
-                              </m:ctrlPr>
-                            </m:sSupPr>
-                            <m:e>
-                              <m:r>
-                                <a:rPr lang="en-US" altLang="zh-TW" sz="2800" b="0" i="1" smtClean="0">
-                                  <a:latin typeface="Cambria Math" panose="02040503050406030204" pitchFamily="18" charset="0"/>
-                                </a:rPr>
-                                <m:t>𝑒</m:t>
-                              </m:r>
-                            </m:e>
-                            <m:sup>
-                              <m:f>
-                                <m:fPr>
-                                  <m:ctrlPr>
-                                    <a:rPr lang="en-US" altLang="zh-TW" sz="2800" i="1" smtClean="0">
-                                      <a:latin typeface="Cambria Math" panose="02040503050406030204" pitchFamily="18" charset="0"/>
-                                    </a:rPr>
-                                  </m:ctrlPr>
-                                </m:fPr>
-                                <m:num>
-                                  <m:r>
-                                    <a:rPr lang="en-US" altLang="zh-TW" sz="2800" i="1" smtClean="0">
-                                      <a:latin typeface="Cambria Math" panose="02040503050406030204" pitchFamily="18" charset="0"/>
-                                    </a:rPr>
-                                    <m:t>𝑖</m:t>
-                                  </m:r>
-                                  <m:sSub>
-                                    <m:sSubPr>
-                                      <m:ctrlPr>
-                                        <a:rPr lang="en-US" altLang="zh-TW" sz="2800" i="1">
-                                          <a:latin typeface="Cambria Math" panose="02040503050406030204" pitchFamily="18" charset="0"/>
-                                        </a:rPr>
-                                      </m:ctrlPr>
-                                    </m:sSubPr>
-                                    <m:e>
-                                      <m:r>
-                                        <a:rPr lang="en-US" altLang="zh-TW" sz="2800" i="1">
-                                          <a:latin typeface="Cambria Math" panose="02040503050406030204" pitchFamily="18" charset="0"/>
-                                        </a:rPr>
-                                        <m:t>𝐻</m:t>
-                                      </m:r>
-                                    </m:e>
-                                    <m:sub>
-                                      <m:r>
-                                        <a:rPr lang="en-US" altLang="zh-TW" sz="2800" b="0" i="1" smtClean="0">
-                                          <a:latin typeface="Cambria Math" panose="02040503050406030204" pitchFamily="18" charset="0"/>
-                                        </a:rPr>
-                                        <m:t>2</m:t>
-                                      </m:r>
-                                    </m:sub>
-                                  </m:sSub>
-                                  <m:r>
-                                    <a:rPr lang="en-US" altLang="zh-TW" sz="2800" b="0" i="1" smtClean="0">
-                                      <a:latin typeface="Cambria Math" panose="02040503050406030204" pitchFamily="18" charset="0"/>
-                                    </a:rPr>
-                                    <m:t>𝑡</m:t>
-                                  </m:r>
-                                </m:num>
-                                <m:den>
-                                  <m:sSub>
-                                    <m:sSubPr>
-                                      <m:ctrlPr>
-                                        <a:rPr lang="en-US" altLang="zh-TW" sz="2800" b="0" i="1" smtClean="0">
-                                          <a:latin typeface="Cambria Math" panose="02040503050406030204" pitchFamily="18" charset="0"/>
-                                        </a:rPr>
-                                      </m:ctrlPr>
-                                    </m:sSubPr>
-                                    <m:e>
-                                      <m:r>
-                                        <a:rPr lang="en-US" altLang="zh-TW" sz="2800" b="0" i="1" smtClean="0">
-                                          <a:latin typeface="Cambria Math" panose="02040503050406030204" pitchFamily="18" charset="0"/>
-                                        </a:rPr>
-                                        <m:t>𝑀</m:t>
-                                      </m:r>
-                                    </m:e>
-                                    <m:sub>
-                                      <m:r>
-                                        <a:rPr lang="en-US" altLang="zh-TW" sz="2800" b="0" i="1" smtClean="0">
-                                          <a:latin typeface="Cambria Math" panose="02040503050406030204" pitchFamily="18" charset="0"/>
-                                        </a:rPr>
-                                        <m:t>2</m:t>
-                                      </m:r>
-                                    </m:sub>
-                                  </m:sSub>
-                                </m:den>
-                              </m:f>
-                            </m:sup>
-                          </m:sSup>
-                          <m:sSup>
-                            <m:sSupPr>
-                              <m:ctrlPr>
-                                <a:rPr lang="en-US" altLang="zh-TW" sz="2800" i="1" smtClean="0">
-                                  <a:latin typeface="Cambria Math" panose="02040503050406030204" pitchFamily="18" charset="0"/>
-                                </a:rPr>
-                              </m:ctrlPr>
-                            </m:sSupPr>
-                            <m:e>
-                              <m:r>
-                                <a:rPr lang="en-US" altLang="zh-TW" sz="2800" b="0" i="1" smtClean="0">
-                                  <a:latin typeface="Cambria Math" panose="02040503050406030204" pitchFamily="18" charset="0"/>
-                                </a:rPr>
-                                <m:t>𝑒</m:t>
-                              </m:r>
-                            </m:e>
-                            <m:sup>
-                              <m:f>
-                                <m:fPr>
-                                  <m:ctrlPr>
-                                    <a:rPr lang="en-US" altLang="zh-TW" sz="2800" i="1" smtClean="0">
-                                      <a:latin typeface="Cambria Math" panose="02040503050406030204" pitchFamily="18" charset="0"/>
-                                    </a:rPr>
-                                  </m:ctrlPr>
-                                </m:fPr>
-                                <m:num>
-                                  <m:r>
-                                    <a:rPr lang="en-US" altLang="zh-TW" sz="2800" i="1" smtClean="0">
-                                      <a:latin typeface="Cambria Math" panose="02040503050406030204" pitchFamily="18" charset="0"/>
-                                    </a:rPr>
-                                    <m:t>𝑖</m:t>
-                                  </m:r>
-                                  <m:sSub>
-                                    <m:sSubPr>
-                                      <m:ctrlPr>
-                                        <a:rPr lang="en-US" altLang="zh-TW" sz="2800" i="1">
-                                          <a:latin typeface="Cambria Math" panose="02040503050406030204" pitchFamily="18" charset="0"/>
-                                        </a:rPr>
-                                      </m:ctrlPr>
-                                    </m:sSubPr>
-                                    <m:e>
-                                      <m:r>
-                                        <a:rPr lang="en-US" altLang="zh-TW" sz="2800" i="1">
-                                          <a:latin typeface="Cambria Math" panose="02040503050406030204" pitchFamily="18" charset="0"/>
-                                        </a:rPr>
-                                        <m:t>𝐻</m:t>
-                                      </m:r>
-                                    </m:e>
-                                    <m:sub>
-                                      <m:r>
-                                        <a:rPr lang="en-US" altLang="zh-TW" sz="2800" b="0" i="1" smtClean="0">
-                                          <a:latin typeface="Cambria Math" panose="02040503050406030204" pitchFamily="18" charset="0"/>
-                                        </a:rPr>
-                                        <m:t>1</m:t>
-                                      </m:r>
-                                    </m:sub>
-                                  </m:sSub>
-                                  <m:r>
-                                    <a:rPr lang="en-US" altLang="zh-TW" sz="2800" b="0" i="1" smtClean="0">
-                                      <a:latin typeface="Cambria Math" panose="02040503050406030204" pitchFamily="18" charset="0"/>
-                                    </a:rPr>
-                                    <m:t>𝑡</m:t>
-                                  </m:r>
-                                </m:num>
-                                <m:den>
-                                  <m:r>
-                                    <a:rPr lang="en-US" altLang="zh-TW" sz="2800" b="0" i="1" smtClean="0">
-                                      <a:latin typeface="Cambria Math" panose="02040503050406030204" pitchFamily="18" charset="0"/>
-                                    </a:rPr>
-                                    <m:t>2</m:t>
-                                  </m:r>
-                                  <m:sSub>
-                                    <m:sSubPr>
-                                      <m:ctrlPr>
-                                        <a:rPr lang="en-US" altLang="zh-TW" sz="2800" b="0" i="1" smtClean="0">
-                                          <a:latin typeface="Cambria Math" panose="02040503050406030204" pitchFamily="18" charset="0"/>
-                                        </a:rPr>
-                                      </m:ctrlPr>
-                                    </m:sSubPr>
-                                    <m:e>
-                                      <m:r>
-                                        <a:rPr lang="en-US" altLang="zh-TW" sz="2800" b="0" i="1" smtClean="0">
-                                          <a:latin typeface="Cambria Math" panose="02040503050406030204" pitchFamily="18" charset="0"/>
-                                        </a:rPr>
-                                        <m:t>𝑀</m:t>
-                                      </m:r>
-                                    </m:e>
-                                    <m:sub>
-                                      <m:r>
-                                        <a:rPr lang="en-US" altLang="zh-TW" sz="2800" b="0" i="1" smtClean="0">
-                                          <a:latin typeface="Cambria Math" panose="02040503050406030204" pitchFamily="18" charset="0"/>
-                                        </a:rPr>
-                                        <m:t>2</m:t>
-                                      </m:r>
-                                    </m:sub>
-                                  </m:sSub>
-                                </m:den>
-                              </m:f>
-                            </m:sup>
-                          </m:sSup>
-                          <m:r>
-                            <a:rPr lang="en-US" altLang="zh-TW" sz="2800" i="1">
-                              <a:latin typeface="Cambria Math" panose="02040503050406030204" pitchFamily="18" charset="0"/>
-                            </a:rPr>
-                            <m:t>)</m:t>
-                          </m:r>
-                        </m:e>
-                        <m:sup>
-                          <m:sSub>
-                            <m:sSubPr>
-                              <m:ctrlPr>
-                                <a:rPr lang="en-US" altLang="zh-TW" sz="2800" i="1" smtClean="0">
-                                  <a:latin typeface="Cambria Math" panose="02040503050406030204" pitchFamily="18" charset="0"/>
-                                </a:rPr>
-                              </m:ctrlPr>
-                            </m:sSubPr>
-                            <m:e>
-                              <m:r>
-                                <a:rPr lang="en-US" altLang="zh-TW" sz="2800" b="0" i="1" smtClean="0">
-                                  <a:latin typeface="Cambria Math" panose="02040503050406030204" pitchFamily="18" charset="0"/>
-                                </a:rPr>
-                                <m:t>𝑀</m:t>
-                              </m:r>
-                            </m:e>
-                            <m:sub>
-                              <m:r>
-                                <a:rPr lang="en-US" altLang="zh-TW" sz="2800" b="0" i="1" smtClean="0">
-                                  <a:latin typeface="Cambria Math" panose="02040503050406030204" pitchFamily="18" charset="0"/>
-                                </a:rPr>
-                                <m:t>2</m:t>
-                              </m:r>
-                            </m:sub>
-                          </m:sSub>
-                        </m:sup>
-                      </m:sSup>
-                      <m:r>
-                        <a:rPr lang="en-US" altLang="zh-TW" sz="2800" i="1">
-                          <a:latin typeface="Cambria Math" panose="02040503050406030204" pitchFamily="18" charset="0"/>
-                        </a:rPr>
-                        <m:t>=</m:t>
-                      </m:r>
-                      <m:sSup>
-                        <m:sSupPr>
-                          <m:ctrlPr>
-                            <a:rPr lang="en-US" altLang="zh-TW" sz="2800" b="0" i="1" smtClean="0">
-                              <a:latin typeface="Cambria Math" panose="02040503050406030204" pitchFamily="18" charset="0"/>
-                            </a:rPr>
-                          </m:ctrlPr>
-                        </m:sSupPr>
-                        <m:e>
-                          <m:r>
-                            <a:rPr lang="en-US" altLang="zh-TW" sz="2800" b="0" i="1" smtClean="0">
-                              <a:latin typeface="Cambria Math" panose="02040503050406030204" pitchFamily="18" charset="0"/>
-                            </a:rPr>
-                            <m:t>𝑒</m:t>
-                          </m:r>
-                        </m:e>
-                        <m:sup>
-                          <m:r>
-                            <a:rPr lang="en-US" altLang="zh-TW" sz="2800" i="1" smtClean="0">
-                              <a:latin typeface="Cambria Math" panose="02040503050406030204" pitchFamily="18" charset="0"/>
-                            </a:rPr>
-                            <m:t>𝑖</m:t>
-                          </m:r>
-                          <m:r>
-                            <a:rPr lang="en-US" altLang="zh-TW" sz="2800" b="0" i="1" smtClean="0">
-                              <a:latin typeface="Cambria Math" panose="02040503050406030204" pitchFamily="18" charset="0"/>
-                            </a:rPr>
-                            <m:t>𝐴</m:t>
-                          </m:r>
-                          <m:r>
-                            <a:rPr lang="en-US" altLang="zh-TW" sz="2800" i="1">
-                              <a:latin typeface="Cambria Math" panose="02040503050406030204" pitchFamily="18" charset="0"/>
-                            </a:rPr>
-                            <m:t>𝑡</m:t>
-                          </m:r>
-                        </m:sup>
-                      </m:sSup>
-                      <m:r>
-                        <a:rPr lang="en-US" altLang="zh-TW" sz="2800" b="0" i="1" smtClean="0">
-                          <a:latin typeface="Cambria Math" panose="02040503050406030204" pitchFamily="18" charset="0"/>
-                        </a:rPr>
-                        <m:t>+</m:t>
-                      </m:r>
-                      <m:f>
-                        <m:fPr>
-                          <m:ctrlPr>
-                            <a:rPr lang="en-US" altLang="zh-TW" sz="2800" b="0" i="1" smtClean="0">
-                              <a:latin typeface="Cambria Math" panose="02040503050406030204" pitchFamily="18" charset="0"/>
-                            </a:rPr>
-                          </m:ctrlPr>
-                        </m:fPr>
-                        <m:num>
-                          <m:sSup>
-                            <m:sSupPr>
-                              <m:ctrlPr>
-                                <a:rPr lang="en-US" altLang="zh-TW" sz="2800" b="0" i="1" smtClean="0">
-                                  <a:latin typeface="Cambria Math" panose="02040503050406030204" pitchFamily="18" charset="0"/>
-                                </a:rPr>
-                              </m:ctrlPr>
-                            </m:sSupPr>
-                            <m:e>
-                              <m:r>
-                                <a:rPr lang="en-US" altLang="zh-TW" sz="2800" b="0" i="1" smtClean="0">
-                                  <a:latin typeface="Cambria Math" panose="02040503050406030204" pitchFamily="18" charset="0"/>
-                                </a:rPr>
-                                <m:t>𝑡</m:t>
-                              </m:r>
-                            </m:e>
-                            <m:sup>
-                              <m:r>
-                                <a:rPr lang="en-US" altLang="zh-TW" sz="2800" b="0" i="1" smtClean="0">
-                                  <a:latin typeface="Cambria Math" panose="02040503050406030204" pitchFamily="18" charset="0"/>
-                                </a:rPr>
-                                <m:t>3</m:t>
-                              </m:r>
-                            </m:sup>
-                          </m:sSup>
-                        </m:num>
-                        <m:den>
-                          <m:sSup>
-                            <m:sSupPr>
-                              <m:ctrlPr>
-                                <a:rPr lang="en-US" altLang="zh-TW" sz="2800" b="0" i="1" smtClean="0">
-                                  <a:latin typeface="Cambria Math" panose="02040503050406030204" pitchFamily="18" charset="0"/>
-                                </a:rPr>
-                              </m:ctrlPr>
-                            </m:sSupPr>
-                            <m:e>
-                              <m:sSub>
-                                <m:sSubPr>
-                                  <m:ctrlPr>
-                                    <a:rPr lang="en-US" altLang="zh-TW" sz="2800" b="0" i="1" smtClean="0">
-                                      <a:latin typeface="Cambria Math" panose="02040503050406030204" pitchFamily="18" charset="0"/>
-                                    </a:rPr>
-                                  </m:ctrlPr>
-                                </m:sSubPr>
-                                <m:e>
-                                  <m:r>
-                                    <a:rPr lang="en-US" altLang="zh-TW" sz="2800" b="0" i="1" smtClean="0">
-                                      <a:latin typeface="Cambria Math" panose="02040503050406030204" pitchFamily="18" charset="0"/>
-                                    </a:rPr>
-                                    <m:t>𝑀</m:t>
-                                  </m:r>
-                                </m:e>
-                                <m:sub>
-                                  <m:r>
-                                    <a:rPr lang="en-US" altLang="zh-TW" sz="2800" b="0" i="1" smtClean="0">
-                                      <a:latin typeface="Cambria Math" panose="02040503050406030204" pitchFamily="18" charset="0"/>
-                                    </a:rPr>
-                                    <m:t>2</m:t>
-                                  </m:r>
-                                </m:sub>
-                              </m:sSub>
-                            </m:e>
-                            <m:sup>
-                              <m:r>
-                                <a:rPr lang="en-US" altLang="zh-TW" sz="2800" b="0" i="1" smtClean="0">
-                                  <a:latin typeface="Cambria Math" panose="02040503050406030204" pitchFamily="18" charset="0"/>
-                                </a:rPr>
-                                <m:t>2</m:t>
-                              </m:r>
-                            </m:sup>
-                          </m:sSup>
-                        </m:den>
-                      </m:f>
-                      <m:r>
-                        <a:rPr lang="en-US" altLang="zh-TW" sz="2800" b="0" i="1" smtClean="0">
-                          <a:latin typeface="Cambria Math" panose="02040503050406030204" pitchFamily="18" charset="0"/>
-                        </a:rPr>
-                        <m:t>+</m:t>
-                      </m:r>
-                      <m:r>
-                        <a:rPr lang="zh-TW" altLang="en-US" sz="2800" b="0" i="1" smtClean="0">
-                          <a:latin typeface="Cambria Math" panose="02040503050406030204" pitchFamily="18" charset="0"/>
-                        </a:rPr>
-                        <m:t>𝒪</m:t>
-                      </m:r>
-                      <m:r>
-                        <a:rPr lang="en-US" altLang="zh-TW" sz="2800" b="0" i="1" smtClean="0">
-                          <a:latin typeface="Cambria Math" panose="02040503050406030204" pitchFamily="18" charset="0"/>
-                        </a:rPr>
-                        <m:t>(</m:t>
-                      </m:r>
-                      <m:f>
-                        <m:fPr>
-                          <m:ctrlPr>
-                            <a:rPr lang="en-US" altLang="zh-TW" sz="2800" b="0" i="1" smtClean="0">
-                              <a:latin typeface="Cambria Math" panose="02040503050406030204" pitchFamily="18" charset="0"/>
-                            </a:rPr>
-                          </m:ctrlPr>
-                        </m:fPr>
-                        <m:num>
-                          <m:sSup>
-                            <m:sSupPr>
-                              <m:ctrlPr>
-                                <a:rPr lang="en-US" altLang="zh-TW" sz="2800" b="0" i="1" smtClean="0">
-                                  <a:latin typeface="Cambria Math" panose="02040503050406030204" pitchFamily="18" charset="0"/>
-                                </a:rPr>
-                              </m:ctrlPr>
-                            </m:sSupPr>
-                            <m:e>
-                              <m:r>
-                                <a:rPr lang="en-US" altLang="zh-TW" sz="2800" b="0" i="1" smtClean="0">
-                                  <a:latin typeface="Cambria Math" panose="02040503050406030204" pitchFamily="18" charset="0"/>
-                                </a:rPr>
-                                <m:t>𝑡</m:t>
-                              </m:r>
-                            </m:e>
-                            <m:sup>
-                              <m:r>
-                                <a:rPr lang="en-US" altLang="zh-TW" sz="2800" b="0" i="1" smtClean="0">
-                                  <a:latin typeface="Cambria Math" panose="02040503050406030204" pitchFamily="18" charset="0"/>
-                                </a:rPr>
-                                <m:t>4</m:t>
-                              </m:r>
-                            </m:sup>
-                          </m:sSup>
-                        </m:num>
-                        <m:den>
-                          <m:sSup>
-                            <m:sSupPr>
-                              <m:ctrlPr>
-                                <a:rPr lang="en-US" altLang="zh-TW" sz="2800" b="0" i="1" smtClean="0">
-                                  <a:latin typeface="Cambria Math" panose="02040503050406030204" pitchFamily="18" charset="0"/>
-                                </a:rPr>
-                              </m:ctrlPr>
-                            </m:sSupPr>
-                            <m:e>
-                              <m:sSub>
-                                <m:sSubPr>
-                                  <m:ctrlPr>
-                                    <a:rPr lang="en-US" altLang="zh-TW" sz="2800" b="0" i="1" smtClean="0">
-                                      <a:latin typeface="Cambria Math" panose="02040503050406030204" pitchFamily="18" charset="0"/>
-                                    </a:rPr>
-                                  </m:ctrlPr>
-                                </m:sSubPr>
-                                <m:e>
-                                  <m:r>
-                                    <a:rPr lang="en-US" altLang="zh-TW" sz="2800" b="0" i="1" smtClean="0">
-                                      <a:latin typeface="Cambria Math" panose="02040503050406030204" pitchFamily="18" charset="0"/>
-                                    </a:rPr>
-                                    <m:t>𝑀</m:t>
-                                  </m:r>
-                                </m:e>
-                                <m:sub>
-                                  <m:r>
-                                    <a:rPr lang="en-US" altLang="zh-TW" sz="2800" b="0" i="1" smtClean="0">
-                                      <a:latin typeface="Cambria Math" panose="02040503050406030204" pitchFamily="18" charset="0"/>
-                                    </a:rPr>
-                                    <m:t>2</m:t>
-                                  </m:r>
-                                </m:sub>
-                              </m:sSub>
-                            </m:e>
-                            <m:sup>
-                              <m:r>
-                                <a:rPr lang="en-US" altLang="zh-TW" sz="2800" b="0" i="1" smtClean="0">
-                                  <a:latin typeface="Cambria Math" panose="02040503050406030204" pitchFamily="18" charset="0"/>
-                                </a:rPr>
-                                <m:t>3</m:t>
-                              </m:r>
-                            </m:sup>
-                          </m:sSup>
-                        </m:den>
-                      </m:f>
-                      <m:r>
-                        <a:rPr lang="en-US" altLang="zh-TW" sz="2800" b="0" i="1" smtClean="0">
-                          <a:latin typeface="Cambria Math" panose="02040503050406030204" pitchFamily="18" charset="0"/>
-                        </a:rPr>
-                        <m:t>)</m:t>
-                      </m:r>
-                    </m:oMath>
-                  </m:oMathPara>
-                </a14:m>
-                <a:endParaRPr lang="zh-TW" altLang="en-US" sz="2800" dirty="0"/>
-              </a:p>
-            </p:txBody>
-          </p:sp>
-        </mc:Choice>
-        <mc:Fallback>
-          <p:sp>
-            <p:nvSpPr>
-              <p:cNvPr id="6" name="文字方塊 5"/>
-              <p:cNvSpPr txBox="1">
-                <a:spLocks noRot="1" noChangeAspect="1" noMove="1" noResize="1" noEditPoints="1" noAdjustHandles="1" noChangeArrowheads="1" noChangeShapeType="1" noTextEdit="1"/>
-              </p:cNvSpPr>
-              <p:nvPr/>
-            </p:nvSpPr>
-            <p:spPr>
-              <a:xfrm>
-                <a:off x="1701501" y="5383363"/>
-                <a:ext cx="8788998" cy="1106265"/>
-              </a:xfrm>
-              <a:prstGeom prst="rect">
-                <a:avLst/>
-              </a:prstGeom>
-              <a:blipFill>
-                <a:blip r:embed="rId4"/>
-                <a:stretch>
-                  <a:fillRect/>
-                </a:stretch>
-              </a:blipFill>
-            </p:spPr>
-            <p:txBody>
-              <a:bodyPr/>
-              <a:lstStyle/>
-              <a:p>
-                <a:r>
-                  <a:rPr lang="zh-TW" altLang="en-US">
-                    <a:noFill/>
-                  </a:rPr>
-                  <a:t> </a:t>
-                </a:r>
-              </a:p>
-            </p:txBody>
-          </p:sp>
-        </mc:Fallback>
-      </mc:AlternateContent>
     </p:spTree>
     <p:extLst>
       <p:ext uri="{BB962C8B-B14F-4D97-AF65-F5344CB8AC3E}">
-        <p14:creationId xmlns:p14="http://schemas.microsoft.com/office/powerpoint/2010/main" val="4043260310"/>
+        <p14:creationId xmlns:p14="http://schemas.microsoft.com/office/powerpoint/2010/main" val="2796709132"/>
       </p:ext>
     </p:extLst>
   </p:cSld>
@@ -6817,6 +6343,1882 @@
           </p:sp>
         </mc:Fallback>
       </mc:AlternateContent>
+    </p:spTree>
+    <p:extLst>
+      <p:ext uri="{BB962C8B-B14F-4D97-AF65-F5344CB8AC3E}">
+        <p14:creationId xmlns:p14="http://schemas.microsoft.com/office/powerpoint/2010/main" val="4043260310"/>
+      </p:ext>
+    </p:extLst>
+  </p:cSld>
+  <p:clrMapOvr>
+    <a:masterClrMapping/>
+  </p:clrMapOvr>
+  <mc:AlternateContent xmlns:mc="http://schemas.openxmlformats.org/markup-compatibility/2006">
+    <mc:Choice xmlns:p14="http://schemas.microsoft.com/office/powerpoint/2010/main" Requires="p14">
+      <p:transition spd="slow" p14:dur="2000"/>
+    </mc:Choice>
+    <mc:Fallback>
+      <p:transition spd="slow"/>
+    </mc:Fallback>
+  </mc:AlternateContent>
+</p:sld>
+</file>
+
+<file path=ppt/slides/slide12.xml><?xml version="1.0" encoding="utf-8"?>
+<p:sld xmlns:a="http://schemas.openxmlformats.org/drawingml/2006/main" xmlns:r="http://schemas.openxmlformats.org/officeDocument/2006/relationships" xmlns:p="http://schemas.openxmlformats.org/presentationml/2006/main" show="0">
+  <p:cSld>
+    <p:spTree>
+      <p:nvGrpSpPr>
+        <p:cNvPr id="1" name=""/>
+        <p:cNvGrpSpPr/>
+        <p:nvPr/>
+      </p:nvGrpSpPr>
+      <p:grpSpPr>
+        <a:xfrm>
+          <a:off x="0" y="0"/>
+          <a:ext cx="0" cy="0"/>
+          <a:chOff x="0" y="0"/>
+          <a:chExt cx="0" cy="0"/>
+        </a:xfrm>
+      </p:grpSpPr>
+      <p:sp>
+        <p:nvSpPr>
+          <p:cNvPr id="2" name="標題 1"/>
+          <p:cNvSpPr>
+            <a:spLocks noGrp="1"/>
+          </p:cNvSpPr>
+          <p:nvPr>
+            <p:ph type="title"/>
+          </p:nvPr>
+        </p:nvSpPr>
+        <p:spPr/>
+        <p:txBody>
+          <a:bodyPr/>
+          <a:lstStyle/>
+          <a:p>
+            <a:r>
+              <a:rPr lang="en-US" altLang="zh-TW" dirty="0" smtClean="0"/>
+              <a:t>Problem</a:t>
+            </a:r>
+            <a:endParaRPr lang="zh-TW" altLang="en-US" dirty="0"/>
+          </a:p>
+        </p:txBody>
+      </p:sp>
+      <mc:AlternateContent xmlns:mc="http://schemas.openxmlformats.org/markup-compatibility/2006">
+        <mc:Choice xmlns:a14="http://schemas.microsoft.com/office/drawing/2010/main" Requires="a14">
+          <p:sp>
+            <p:nvSpPr>
+              <p:cNvPr id="3" name="內容版面配置區 2"/>
+              <p:cNvSpPr>
+                <a:spLocks noGrp="1"/>
+              </p:cNvSpPr>
+              <p:nvPr>
+                <p:ph idx="1"/>
+              </p:nvPr>
+            </p:nvSpPr>
+            <p:spPr>
+              <a:xfrm>
+                <a:off x="838200" y="1825625"/>
+                <a:ext cx="10515600" cy="2181599"/>
+              </a:xfrm>
+            </p:spPr>
+            <p:txBody>
+              <a:bodyPr>
+                <a:normAutofit/>
+              </a:bodyPr>
+              <a:lstStyle/>
+              <a:p>
+                <a:r>
+                  <a:rPr lang="en-US" altLang="zh-TW" dirty="0" smtClean="0"/>
+                  <a:t>To simulate the dynamics of a system, we need </a:t>
+                </a:r>
+                <a:r>
+                  <a:rPr lang="en-US" altLang="zh-TW" dirty="0" err="1" smtClean="0"/>
+                  <a:t>exponentiated</a:t>
+                </a:r>
+                <a:r>
+                  <a:rPr lang="en-US" altLang="zh-TW" dirty="0" smtClean="0"/>
+                  <a:t> operators.</a:t>
+                </a:r>
+              </a:p>
+              <a:p>
+                <a:r>
+                  <a:rPr lang="en-US" altLang="zh-TW" b="1" u="sng" dirty="0" smtClean="0"/>
+                  <a:t>Want</a:t>
+                </a:r>
+                <a:r>
+                  <a:rPr lang="en-US" altLang="zh-TW" dirty="0"/>
+                  <a:t>: Find a circuit for </a:t>
+                </a:r>
+                <a14:m>
+                  <m:oMath xmlns:m="http://schemas.openxmlformats.org/officeDocument/2006/math">
+                    <m:sSup>
+                      <m:sSupPr>
+                        <m:ctrlPr>
+                          <a:rPr lang="en-US" altLang="zh-TW" i="1">
+                            <a:latin typeface="Cambria Math" panose="02040503050406030204" pitchFamily="18" charset="0"/>
+                          </a:rPr>
+                        </m:ctrlPr>
+                      </m:sSupPr>
+                      <m:e>
+                        <m:r>
+                          <a:rPr lang="en-US" altLang="zh-TW" i="1">
+                            <a:latin typeface="Cambria Math" panose="02040503050406030204" pitchFamily="18" charset="0"/>
+                          </a:rPr>
+                          <m:t>𝑒</m:t>
+                        </m:r>
+                      </m:e>
+                      <m:sup>
+                        <m:r>
+                          <a:rPr lang="en-US" altLang="zh-TW" i="1">
+                            <a:latin typeface="Cambria Math" panose="02040503050406030204" pitchFamily="18" charset="0"/>
+                          </a:rPr>
+                          <m:t>𝑖𝐴𝑡</m:t>
+                        </m:r>
+                      </m:sup>
+                    </m:sSup>
+                  </m:oMath>
+                </a14:m>
+                <a:r>
+                  <a:rPr lang="en-US" altLang="zh-TW" dirty="0"/>
+                  <a:t>, where </a:t>
+                </a:r>
+                <a14:m>
+                  <m:oMath xmlns:m="http://schemas.openxmlformats.org/officeDocument/2006/math">
+                    <m:r>
+                      <a:rPr lang="en-US" altLang="zh-TW" i="1">
+                        <a:latin typeface="Cambria Math" panose="02040503050406030204" pitchFamily="18" charset="0"/>
+                      </a:rPr>
+                      <m:t>𝐴</m:t>
+                    </m:r>
+                    <m:r>
+                      <a:rPr lang="en-US" altLang="zh-TW" i="1">
+                        <a:latin typeface="Cambria Math" panose="02040503050406030204" pitchFamily="18" charset="0"/>
+                        <a:ea typeface="Cambria Math" panose="02040503050406030204" pitchFamily="18" charset="0"/>
+                      </a:rPr>
+                      <m:t>∈</m:t>
+                    </m:r>
+                    <m:sSup>
+                      <m:sSupPr>
+                        <m:ctrlPr>
+                          <a:rPr lang="en-US" altLang="zh-TW" i="1">
+                            <a:latin typeface="Cambria Math" panose="02040503050406030204" pitchFamily="18" charset="0"/>
+                            <a:ea typeface="Cambria Math" panose="02040503050406030204" pitchFamily="18" charset="0"/>
+                          </a:rPr>
+                        </m:ctrlPr>
+                      </m:sSupPr>
+                      <m:e>
+                        <m:r>
+                          <a:rPr lang="en-US" altLang="zh-TW" i="1">
+                            <a:latin typeface="Cambria Math" panose="02040503050406030204" pitchFamily="18" charset="0"/>
+                            <a:ea typeface="Cambria Math" panose="02040503050406030204" pitchFamily="18" charset="0"/>
+                          </a:rPr>
+                          <m:t>ℂ</m:t>
+                        </m:r>
+                      </m:e>
+                      <m:sup>
+                        <m:r>
+                          <a:rPr lang="en-US" altLang="zh-TW" i="1">
+                            <a:latin typeface="Cambria Math" panose="02040503050406030204" pitchFamily="18" charset="0"/>
+                            <a:ea typeface="Cambria Math" panose="02040503050406030204" pitchFamily="18" charset="0"/>
+                          </a:rPr>
+                          <m:t>𝑁</m:t>
+                        </m:r>
+                        <m:r>
+                          <a:rPr lang="en-US" altLang="zh-TW" i="1">
+                            <a:latin typeface="Cambria Math" panose="02040503050406030204" pitchFamily="18" charset="0"/>
+                            <a:ea typeface="Cambria Math" panose="02040503050406030204" pitchFamily="18" charset="0"/>
+                          </a:rPr>
+                          <m:t>×</m:t>
+                        </m:r>
+                        <m:r>
+                          <a:rPr lang="en-US" altLang="zh-TW" i="1">
+                            <a:latin typeface="Cambria Math" panose="02040503050406030204" pitchFamily="18" charset="0"/>
+                            <a:ea typeface="Cambria Math" panose="02040503050406030204" pitchFamily="18" charset="0"/>
+                          </a:rPr>
+                          <m:t>𝑁</m:t>
+                        </m:r>
+                      </m:sup>
+                    </m:sSup>
+                  </m:oMath>
+                </a14:m>
+                <a:r>
+                  <a:rPr lang="en-US" altLang="zh-TW" dirty="0"/>
+                  <a:t> and </a:t>
+                </a:r>
+                <a14:m>
+                  <m:oMath xmlns:m="http://schemas.openxmlformats.org/officeDocument/2006/math">
+                    <m:r>
+                      <a:rPr lang="en-US" altLang="zh-TW" i="1">
+                        <a:latin typeface="Cambria Math" panose="02040503050406030204" pitchFamily="18" charset="0"/>
+                      </a:rPr>
+                      <m:t>𝑡</m:t>
+                    </m:r>
+                    <m:r>
+                      <a:rPr lang="en-US" altLang="zh-TW" i="1">
+                        <a:latin typeface="Cambria Math" panose="02040503050406030204" pitchFamily="18" charset="0"/>
+                        <a:ea typeface="Cambria Math" panose="02040503050406030204" pitchFamily="18" charset="0"/>
+                      </a:rPr>
+                      <m:t>∈</m:t>
+                    </m:r>
+                    <m:r>
+                      <a:rPr lang="en-US" altLang="zh-TW" i="1">
+                        <a:latin typeface="Cambria Math" panose="02040503050406030204" pitchFamily="18" charset="0"/>
+                        <a:ea typeface="Cambria Math" panose="02040503050406030204" pitchFamily="18" charset="0"/>
+                      </a:rPr>
+                      <m:t>ℝ</m:t>
+                    </m:r>
+                  </m:oMath>
+                </a14:m>
+                <a:endParaRPr lang="en-US" altLang="zh-TW" dirty="0"/>
+              </a:p>
+              <a:p>
+                <a:r>
+                  <a:rPr lang="en-US" altLang="zh-TW" b="1" u="sng" dirty="0"/>
+                  <a:t>Given</a:t>
+                </a:r>
+                <a:r>
+                  <a:rPr lang="en-US" altLang="zh-TW" dirty="0"/>
+                  <a:t>: </a:t>
+                </a:r>
+                <a14:m>
+                  <m:oMath xmlns:m="http://schemas.openxmlformats.org/officeDocument/2006/math">
+                    <m:r>
+                      <a:rPr lang="en-US" altLang="zh-TW" i="1">
+                        <a:latin typeface="Cambria Math" panose="02040503050406030204" pitchFamily="18" charset="0"/>
+                      </a:rPr>
+                      <m:t>𝐴</m:t>
+                    </m:r>
+                    <m:r>
+                      <a:rPr lang="en-US" altLang="zh-TW" i="1">
+                        <a:latin typeface="Cambria Math" panose="02040503050406030204" pitchFamily="18" charset="0"/>
+                      </a:rPr>
+                      <m:t>=</m:t>
+                    </m:r>
+                    <m:sSub>
+                      <m:sSubPr>
+                        <m:ctrlPr>
+                          <a:rPr lang="en-US" altLang="zh-TW" i="1">
+                            <a:latin typeface="Cambria Math" panose="02040503050406030204" pitchFamily="18" charset="0"/>
+                          </a:rPr>
+                        </m:ctrlPr>
+                      </m:sSubPr>
+                      <m:e>
+                        <m:r>
+                          <a:rPr lang="en-US" altLang="zh-TW" i="1">
+                            <a:latin typeface="Cambria Math" panose="02040503050406030204" pitchFamily="18" charset="0"/>
+                          </a:rPr>
+                          <m:t>𝐻</m:t>
+                        </m:r>
+                      </m:e>
+                      <m:sub>
+                        <m:r>
+                          <a:rPr lang="en-US" altLang="zh-TW" i="1">
+                            <a:latin typeface="Cambria Math" panose="02040503050406030204" pitchFamily="18" charset="0"/>
+                          </a:rPr>
+                          <m:t>1</m:t>
+                        </m:r>
+                      </m:sub>
+                    </m:sSub>
+                    <m:r>
+                      <a:rPr lang="en-US" altLang="zh-TW" i="1">
+                        <a:latin typeface="Cambria Math" panose="02040503050406030204" pitchFamily="18" charset="0"/>
+                      </a:rPr>
+                      <m:t>+</m:t>
+                    </m:r>
+                    <m:sSub>
+                      <m:sSubPr>
+                        <m:ctrlPr>
+                          <a:rPr lang="en-US" altLang="zh-TW" i="1">
+                            <a:latin typeface="Cambria Math" panose="02040503050406030204" pitchFamily="18" charset="0"/>
+                          </a:rPr>
+                        </m:ctrlPr>
+                      </m:sSubPr>
+                      <m:e>
+                        <m:r>
+                          <a:rPr lang="en-US" altLang="zh-TW" i="1">
+                            <a:latin typeface="Cambria Math" panose="02040503050406030204" pitchFamily="18" charset="0"/>
+                          </a:rPr>
+                          <m:t>𝐻</m:t>
+                        </m:r>
+                      </m:e>
+                      <m:sub>
+                        <m:r>
+                          <a:rPr lang="en-US" altLang="zh-TW" i="1">
+                            <a:latin typeface="Cambria Math" panose="02040503050406030204" pitchFamily="18" charset="0"/>
+                          </a:rPr>
+                          <m:t>2</m:t>
+                        </m:r>
+                      </m:sub>
+                    </m:sSub>
+                  </m:oMath>
+                </a14:m>
+                <a:r>
+                  <a:rPr lang="en-US" altLang="zh-TW" dirty="0"/>
+                  <a:t>, circuits for </a:t>
+                </a:r>
+                <a14:m>
+                  <m:oMath xmlns:m="http://schemas.openxmlformats.org/officeDocument/2006/math">
+                    <m:sSup>
+                      <m:sSupPr>
+                        <m:ctrlPr>
+                          <a:rPr lang="en-US" altLang="zh-TW" i="1">
+                            <a:latin typeface="Cambria Math" panose="02040503050406030204" pitchFamily="18" charset="0"/>
+                          </a:rPr>
+                        </m:ctrlPr>
+                      </m:sSupPr>
+                      <m:e>
+                        <m:r>
+                          <a:rPr lang="en-US" altLang="zh-TW" i="1">
+                            <a:latin typeface="Cambria Math" panose="02040503050406030204" pitchFamily="18" charset="0"/>
+                          </a:rPr>
+                          <m:t>𝑒</m:t>
+                        </m:r>
+                      </m:e>
+                      <m:sup>
+                        <m:r>
+                          <a:rPr lang="en-US" altLang="zh-TW" i="1">
+                            <a:latin typeface="Cambria Math" panose="02040503050406030204" pitchFamily="18" charset="0"/>
+                          </a:rPr>
+                          <m:t>𝑖</m:t>
+                        </m:r>
+                        <m:sSub>
+                          <m:sSubPr>
+                            <m:ctrlPr>
+                              <a:rPr lang="en-US" altLang="zh-TW" i="1">
+                                <a:latin typeface="Cambria Math" panose="02040503050406030204" pitchFamily="18" charset="0"/>
+                              </a:rPr>
+                            </m:ctrlPr>
+                          </m:sSubPr>
+                          <m:e>
+                            <m:r>
+                              <a:rPr lang="en-US" altLang="zh-TW" i="1">
+                                <a:latin typeface="Cambria Math" panose="02040503050406030204" pitchFamily="18" charset="0"/>
+                              </a:rPr>
+                              <m:t>𝐻</m:t>
+                            </m:r>
+                          </m:e>
+                          <m:sub>
+                            <m:r>
+                              <a:rPr lang="en-US" altLang="zh-TW" i="1">
+                                <a:latin typeface="Cambria Math" panose="02040503050406030204" pitchFamily="18" charset="0"/>
+                              </a:rPr>
+                              <m:t>𝑖</m:t>
+                            </m:r>
+                          </m:sub>
+                        </m:sSub>
+                        <m:r>
+                          <a:rPr lang="en-US" altLang="zh-TW" i="1">
+                            <a:latin typeface="Cambria Math" panose="02040503050406030204" pitchFamily="18" charset="0"/>
+                          </a:rPr>
+                          <m:t>𝑡</m:t>
+                        </m:r>
+                      </m:sup>
+                    </m:sSup>
+                    <m:r>
+                      <a:rPr lang="en-US" altLang="zh-TW" i="1">
+                        <a:latin typeface="Cambria Math" panose="02040503050406030204" pitchFamily="18" charset="0"/>
+                      </a:rPr>
+                      <m:t>,</m:t>
+                    </m:r>
+                    <m:r>
+                      <a:rPr lang="en-US" altLang="zh-TW" i="1">
+                        <a:latin typeface="Cambria Math" panose="02040503050406030204" pitchFamily="18" charset="0"/>
+                      </a:rPr>
+                      <m:t>𝑖</m:t>
+                    </m:r>
+                    <m:r>
+                      <a:rPr lang="en-US" altLang="zh-TW" i="1">
+                        <a:latin typeface="Cambria Math" panose="02040503050406030204" pitchFamily="18" charset="0"/>
+                      </a:rPr>
+                      <m:t>=1, 2</m:t>
+                    </m:r>
+                  </m:oMath>
+                </a14:m>
+                <a:r>
+                  <a:rPr lang="en-US" altLang="zh-TW" dirty="0" smtClean="0"/>
+                  <a:t>, </a:t>
+                </a:r>
+                <a14:m>
+                  <m:oMath xmlns:m="http://schemas.openxmlformats.org/officeDocument/2006/math">
+                    <m:d>
+                      <m:dPr>
+                        <m:begChr m:val="["/>
+                        <m:endChr m:val="]"/>
+                        <m:ctrlPr>
+                          <a:rPr lang="en-US" altLang="zh-TW" i="1" smtClean="0">
+                            <a:solidFill>
+                              <a:schemeClr val="tx1"/>
+                            </a:solidFill>
+                            <a:latin typeface="Cambria Math" panose="02040503050406030204" pitchFamily="18" charset="0"/>
+                            <a:ea typeface="Cambria Math" panose="02040503050406030204" pitchFamily="18" charset="0"/>
+                          </a:rPr>
+                        </m:ctrlPr>
+                      </m:dPr>
+                      <m:e>
+                        <m:sSub>
+                          <m:sSubPr>
+                            <m:ctrlPr>
+                              <a:rPr lang="en-US" altLang="zh-TW" i="1">
+                                <a:solidFill>
+                                  <a:schemeClr val="tx1"/>
+                                </a:solidFill>
+                                <a:latin typeface="Cambria Math" panose="02040503050406030204" pitchFamily="18" charset="0"/>
+                                <a:ea typeface="Cambria Math" panose="02040503050406030204" pitchFamily="18" charset="0"/>
+                              </a:rPr>
+                            </m:ctrlPr>
+                          </m:sSubPr>
+                          <m:e>
+                            <m:r>
+                              <a:rPr lang="en-US" altLang="zh-TW" i="1">
+                                <a:solidFill>
+                                  <a:schemeClr val="tx1"/>
+                                </a:solidFill>
+                                <a:latin typeface="Cambria Math" panose="02040503050406030204" pitchFamily="18" charset="0"/>
+                                <a:ea typeface="Cambria Math" panose="02040503050406030204" pitchFamily="18" charset="0"/>
+                              </a:rPr>
+                              <m:t>𝐻</m:t>
+                            </m:r>
+                          </m:e>
+                          <m:sub>
+                            <m:r>
+                              <a:rPr lang="en-US" altLang="zh-TW" i="1">
+                                <a:solidFill>
+                                  <a:schemeClr val="tx1"/>
+                                </a:solidFill>
+                                <a:latin typeface="Cambria Math" panose="02040503050406030204" pitchFamily="18" charset="0"/>
+                                <a:ea typeface="Cambria Math" panose="02040503050406030204" pitchFamily="18" charset="0"/>
+                              </a:rPr>
+                              <m:t>1</m:t>
+                            </m:r>
+                          </m:sub>
+                        </m:sSub>
+                        <m:r>
+                          <a:rPr lang="en-US" altLang="zh-TW" i="1">
+                            <a:solidFill>
+                              <a:schemeClr val="tx1"/>
+                            </a:solidFill>
+                            <a:latin typeface="Cambria Math" panose="02040503050406030204" pitchFamily="18" charset="0"/>
+                            <a:ea typeface="Cambria Math" panose="02040503050406030204" pitchFamily="18" charset="0"/>
+                          </a:rPr>
+                          <m:t>,</m:t>
+                        </m:r>
+                        <m:sSub>
+                          <m:sSubPr>
+                            <m:ctrlPr>
+                              <a:rPr lang="en-US" altLang="zh-TW" i="1">
+                                <a:solidFill>
+                                  <a:schemeClr val="tx1"/>
+                                </a:solidFill>
+                                <a:latin typeface="Cambria Math" panose="02040503050406030204" pitchFamily="18" charset="0"/>
+                                <a:ea typeface="Cambria Math" panose="02040503050406030204" pitchFamily="18" charset="0"/>
+                              </a:rPr>
+                            </m:ctrlPr>
+                          </m:sSubPr>
+                          <m:e>
+                            <m:r>
+                              <a:rPr lang="en-US" altLang="zh-TW" i="1">
+                                <a:solidFill>
+                                  <a:schemeClr val="tx1"/>
+                                </a:solidFill>
+                                <a:latin typeface="Cambria Math" panose="02040503050406030204" pitchFamily="18" charset="0"/>
+                                <a:ea typeface="Cambria Math" panose="02040503050406030204" pitchFamily="18" charset="0"/>
+                              </a:rPr>
+                              <m:t>𝐻</m:t>
+                            </m:r>
+                          </m:e>
+                          <m:sub>
+                            <m:r>
+                              <a:rPr lang="en-US" altLang="zh-TW" i="1">
+                                <a:solidFill>
+                                  <a:schemeClr val="tx1"/>
+                                </a:solidFill>
+                                <a:latin typeface="Cambria Math" panose="02040503050406030204" pitchFamily="18" charset="0"/>
+                                <a:ea typeface="Cambria Math" panose="02040503050406030204" pitchFamily="18" charset="0"/>
+                              </a:rPr>
+                              <m:t>2</m:t>
+                            </m:r>
+                          </m:sub>
+                        </m:sSub>
+                      </m:e>
+                    </m:d>
+                    <m:r>
+                      <a:rPr lang="en-US" altLang="zh-TW" i="1">
+                        <a:solidFill>
+                          <a:schemeClr val="tx1"/>
+                        </a:solidFill>
+                        <a:latin typeface="Cambria Math" panose="02040503050406030204" pitchFamily="18" charset="0"/>
+                        <a:ea typeface="Cambria Math" panose="02040503050406030204" pitchFamily="18" charset="0"/>
+                      </a:rPr>
+                      <m:t>≠0</m:t>
+                    </m:r>
+                  </m:oMath>
+                </a14:m>
+                <a:endParaRPr lang="en-US" altLang="zh-TW" dirty="0">
+                  <a:solidFill>
+                    <a:schemeClr val="tx1"/>
+                  </a:solidFill>
+                  <a:latin typeface="Cambria Math" panose="02040503050406030204" pitchFamily="18" charset="0"/>
+                  <a:ea typeface="Cambria Math" panose="02040503050406030204" pitchFamily="18" charset="0"/>
+                </a:endParaRPr>
+              </a:p>
+            </p:txBody>
+          </p:sp>
+        </mc:Choice>
+        <mc:Fallback>
+          <p:sp>
+            <p:nvSpPr>
+              <p:cNvPr id="3" name="內容版面配置區 2"/>
+              <p:cNvSpPr>
+                <a:spLocks noGrp="1" noRot="1" noChangeAspect="1" noMove="1" noResize="1" noEditPoints="1" noAdjustHandles="1" noChangeArrowheads="1" noChangeShapeType="1" noTextEdit="1"/>
+              </p:cNvSpPr>
+              <p:nvPr>
+                <p:ph idx="1"/>
+              </p:nvPr>
+            </p:nvSpPr>
+            <p:spPr>
+              <a:xfrm>
+                <a:off x="838200" y="1825625"/>
+                <a:ext cx="10515600" cy="2181599"/>
+              </a:xfrm>
+              <a:blipFill>
+                <a:blip r:embed="rId2"/>
+                <a:stretch>
+                  <a:fillRect l="-1043" t="-4469"/>
+                </a:stretch>
+              </a:blipFill>
+            </p:spPr>
+            <p:txBody>
+              <a:bodyPr/>
+              <a:lstStyle/>
+              <a:p>
+                <a:r>
+                  <a:rPr lang="zh-TW" altLang="en-US">
+                    <a:noFill/>
+                  </a:rPr>
+                  <a:t> </a:t>
+                </a:r>
+              </a:p>
+            </p:txBody>
+          </p:sp>
+        </mc:Fallback>
+      </mc:AlternateContent>
+      <mc:AlternateContent xmlns:mc="http://schemas.openxmlformats.org/markup-compatibility/2006">
+        <mc:Choice xmlns:a14="http://schemas.microsoft.com/office/drawing/2010/main" Requires="a14">
+          <p:sp>
+            <p:nvSpPr>
+              <p:cNvPr id="4" name="文字方塊 3"/>
+              <p:cNvSpPr txBox="1"/>
+              <p:nvPr/>
+            </p:nvSpPr>
+            <p:spPr>
+              <a:xfrm>
+                <a:off x="1701501" y="4142161"/>
+                <a:ext cx="8788998" cy="1106265"/>
+              </a:xfrm>
+              <a:prstGeom prst="rect">
+                <a:avLst/>
+              </a:prstGeom>
+              <a:noFill/>
+            </p:spPr>
+            <p:txBody>
+              <a:bodyPr wrap="square" rtlCol="0">
+                <a:spAutoFit/>
+              </a:bodyPr>
+              <a:lstStyle/>
+              <a:p>
+                <a14:m>
+                  <m:oMathPara xmlns:m="http://schemas.openxmlformats.org/officeDocument/2006/math">
+                    <m:oMathParaPr>
+                      <m:jc m:val="centerGroup"/>
+                    </m:oMathParaPr>
+                    <m:oMath xmlns:m="http://schemas.openxmlformats.org/officeDocument/2006/math">
+                      <m:sSup>
+                        <m:sSupPr>
+                          <m:ctrlPr>
+                            <a:rPr lang="en-US" altLang="zh-TW" sz="2800" i="1" smtClean="0">
+                              <a:latin typeface="Cambria Math" panose="02040503050406030204" pitchFamily="18" charset="0"/>
+                            </a:rPr>
+                          </m:ctrlPr>
+                        </m:sSupPr>
+                        <m:e>
+                          <m:r>
+                            <a:rPr lang="en-US" altLang="zh-TW" sz="2800" i="1" smtClean="0">
+                              <a:latin typeface="Cambria Math" panose="02040503050406030204" pitchFamily="18" charset="0"/>
+                            </a:rPr>
+                            <m:t>(</m:t>
+                          </m:r>
+                          <m:sSup>
+                            <m:sSupPr>
+                              <m:ctrlPr>
+                                <a:rPr lang="en-US" altLang="zh-TW" sz="2800" i="1" smtClean="0">
+                                  <a:latin typeface="Cambria Math" panose="02040503050406030204" pitchFamily="18" charset="0"/>
+                                </a:rPr>
+                              </m:ctrlPr>
+                            </m:sSupPr>
+                            <m:e>
+                              <m:r>
+                                <a:rPr lang="en-US" altLang="zh-TW" sz="2800" b="0" i="1" smtClean="0">
+                                  <a:latin typeface="Cambria Math" panose="02040503050406030204" pitchFamily="18" charset="0"/>
+                                </a:rPr>
+                                <m:t>𝑒</m:t>
+                              </m:r>
+                            </m:e>
+                            <m:sup>
+                              <m:f>
+                                <m:fPr>
+                                  <m:ctrlPr>
+                                    <a:rPr lang="en-US" altLang="zh-TW" sz="2800" i="1" smtClean="0">
+                                      <a:latin typeface="Cambria Math" panose="02040503050406030204" pitchFamily="18" charset="0"/>
+                                    </a:rPr>
+                                  </m:ctrlPr>
+                                </m:fPr>
+                                <m:num>
+                                  <m:r>
+                                    <a:rPr lang="en-US" altLang="zh-TW" sz="2800" i="1" smtClean="0">
+                                      <a:latin typeface="Cambria Math" panose="02040503050406030204" pitchFamily="18" charset="0"/>
+                                    </a:rPr>
+                                    <m:t>𝑖</m:t>
+                                  </m:r>
+                                  <m:sSub>
+                                    <m:sSubPr>
+                                      <m:ctrlPr>
+                                        <a:rPr lang="en-US" altLang="zh-TW" sz="2800" i="1">
+                                          <a:latin typeface="Cambria Math" panose="02040503050406030204" pitchFamily="18" charset="0"/>
+                                        </a:rPr>
+                                      </m:ctrlPr>
+                                    </m:sSubPr>
+                                    <m:e>
+                                      <m:r>
+                                        <a:rPr lang="en-US" altLang="zh-TW" sz="2800" i="1">
+                                          <a:latin typeface="Cambria Math" panose="02040503050406030204" pitchFamily="18" charset="0"/>
+                                        </a:rPr>
+                                        <m:t>𝐻</m:t>
+                                      </m:r>
+                                    </m:e>
+                                    <m:sub>
+                                      <m:r>
+                                        <a:rPr lang="en-US" altLang="zh-TW" sz="2800" b="0" i="1" smtClean="0">
+                                          <a:latin typeface="Cambria Math" panose="02040503050406030204" pitchFamily="18" charset="0"/>
+                                        </a:rPr>
+                                        <m:t>1</m:t>
+                                      </m:r>
+                                    </m:sub>
+                                  </m:sSub>
+                                  <m:r>
+                                    <a:rPr lang="en-US" altLang="zh-TW" sz="2800" b="0" i="1" smtClean="0">
+                                      <a:latin typeface="Cambria Math" panose="02040503050406030204" pitchFamily="18" charset="0"/>
+                                    </a:rPr>
+                                    <m:t>𝑡</m:t>
+                                  </m:r>
+                                </m:num>
+                                <m:den>
+                                  <m:r>
+                                    <a:rPr lang="en-US" altLang="zh-TW" sz="2800" b="0" i="1" smtClean="0">
+                                      <a:latin typeface="Cambria Math" panose="02040503050406030204" pitchFamily="18" charset="0"/>
+                                    </a:rPr>
+                                    <m:t>2</m:t>
+                                  </m:r>
+                                  <m:sSub>
+                                    <m:sSubPr>
+                                      <m:ctrlPr>
+                                        <a:rPr lang="en-US" altLang="zh-TW" sz="2800" b="0" i="1" smtClean="0">
+                                          <a:latin typeface="Cambria Math" panose="02040503050406030204" pitchFamily="18" charset="0"/>
+                                        </a:rPr>
+                                      </m:ctrlPr>
+                                    </m:sSubPr>
+                                    <m:e>
+                                      <m:r>
+                                        <a:rPr lang="en-US" altLang="zh-TW" sz="2800" b="0" i="1" smtClean="0">
+                                          <a:latin typeface="Cambria Math" panose="02040503050406030204" pitchFamily="18" charset="0"/>
+                                        </a:rPr>
+                                        <m:t>𝑀</m:t>
+                                      </m:r>
+                                    </m:e>
+                                    <m:sub>
+                                      <m:r>
+                                        <a:rPr lang="en-US" altLang="zh-TW" sz="2800" b="0" i="1" smtClean="0">
+                                          <a:latin typeface="Cambria Math" panose="02040503050406030204" pitchFamily="18" charset="0"/>
+                                        </a:rPr>
+                                        <m:t>1</m:t>
+                                      </m:r>
+                                    </m:sub>
+                                  </m:sSub>
+                                </m:den>
+                              </m:f>
+                            </m:sup>
+                          </m:sSup>
+                          <m:sSup>
+                            <m:sSupPr>
+                              <m:ctrlPr>
+                                <a:rPr lang="en-US" altLang="zh-TW" sz="2800" i="1" smtClean="0">
+                                  <a:latin typeface="Cambria Math" panose="02040503050406030204" pitchFamily="18" charset="0"/>
+                                </a:rPr>
+                              </m:ctrlPr>
+                            </m:sSupPr>
+                            <m:e>
+                              <m:r>
+                                <a:rPr lang="en-US" altLang="zh-TW" sz="2800" b="0" i="1" smtClean="0">
+                                  <a:latin typeface="Cambria Math" panose="02040503050406030204" pitchFamily="18" charset="0"/>
+                                </a:rPr>
+                                <m:t>𝑒</m:t>
+                              </m:r>
+                            </m:e>
+                            <m:sup>
+                              <m:f>
+                                <m:fPr>
+                                  <m:ctrlPr>
+                                    <a:rPr lang="en-US" altLang="zh-TW" sz="2800" i="1" smtClean="0">
+                                      <a:latin typeface="Cambria Math" panose="02040503050406030204" pitchFamily="18" charset="0"/>
+                                    </a:rPr>
+                                  </m:ctrlPr>
+                                </m:fPr>
+                                <m:num>
+                                  <m:r>
+                                    <a:rPr lang="en-US" altLang="zh-TW" sz="2800" i="1" smtClean="0">
+                                      <a:latin typeface="Cambria Math" panose="02040503050406030204" pitchFamily="18" charset="0"/>
+                                    </a:rPr>
+                                    <m:t>𝑖</m:t>
+                                  </m:r>
+                                  <m:sSub>
+                                    <m:sSubPr>
+                                      <m:ctrlPr>
+                                        <a:rPr lang="en-US" altLang="zh-TW" sz="2800" i="1">
+                                          <a:latin typeface="Cambria Math" panose="02040503050406030204" pitchFamily="18" charset="0"/>
+                                        </a:rPr>
+                                      </m:ctrlPr>
+                                    </m:sSubPr>
+                                    <m:e>
+                                      <m:r>
+                                        <a:rPr lang="en-US" altLang="zh-TW" sz="2800" i="1">
+                                          <a:latin typeface="Cambria Math" panose="02040503050406030204" pitchFamily="18" charset="0"/>
+                                        </a:rPr>
+                                        <m:t>𝐻</m:t>
+                                      </m:r>
+                                    </m:e>
+                                    <m:sub>
+                                      <m:r>
+                                        <a:rPr lang="en-US" altLang="zh-TW" sz="2800" b="0" i="1" smtClean="0">
+                                          <a:latin typeface="Cambria Math" panose="02040503050406030204" pitchFamily="18" charset="0"/>
+                                        </a:rPr>
+                                        <m:t>2</m:t>
+                                      </m:r>
+                                    </m:sub>
+                                  </m:sSub>
+                                  <m:r>
+                                    <a:rPr lang="en-US" altLang="zh-TW" sz="2800" b="0" i="1" smtClean="0">
+                                      <a:latin typeface="Cambria Math" panose="02040503050406030204" pitchFamily="18" charset="0"/>
+                                    </a:rPr>
+                                    <m:t>𝑡</m:t>
+                                  </m:r>
+                                </m:num>
+                                <m:den>
+                                  <m:sSub>
+                                    <m:sSubPr>
+                                      <m:ctrlPr>
+                                        <a:rPr lang="en-US" altLang="zh-TW" sz="2800" b="0" i="1" smtClean="0">
+                                          <a:latin typeface="Cambria Math" panose="02040503050406030204" pitchFamily="18" charset="0"/>
+                                        </a:rPr>
+                                      </m:ctrlPr>
+                                    </m:sSubPr>
+                                    <m:e>
+                                      <m:r>
+                                        <a:rPr lang="en-US" altLang="zh-TW" sz="2800" b="0" i="1" smtClean="0">
+                                          <a:latin typeface="Cambria Math" panose="02040503050406030204" pitchFamily="18" charset="0"/>
+                                        </a:rPr>
+                                        <m:t>𝑀</m:t>
+                                      </m:r>
+                                    </m:e>
+                                    <m:sub>
+                                      <m:r>
+                                        <a:rPr lang="en-US" altLang="zh-TW" sz="2800" b="0" i="1" smtClean="0">
+                                          <a:latin typeface="Cambria Math" panose="02040503050406030204" pitchFamily="18" charset="0"/>
+                                        </a:rPr>
+                                        <m:t>1</m:t>
+                                      </m:r>
+                                    </m:sub>
+                                  </m:sSub>
+                                </m:den>
+                              </m:f>
+                            </m:sup>
+                          </m:sSup>
+                          <m:sSup>
+                            <m:sSupPr>
+                              <m:ctrlPr>
+                                <a:rPr lang="en-US" altLang="zh-TW" sz="2800" i="1" smtClean="0">
+                                  <a:latin typeface="Cambria Math" panose="02040503050406030204" pitchFamily="18" charset="0"/>
+                                </a:rPr>
+                              </m:ctrlPr>
+                            </m:sSupPr>
+                            <m:e>
+                              <m:r>
+                                <a:rPr lang="en-US" altLang="zh-TW" sz="2800" b="0" i="1" smtClean="0">
+                                  <a:latin typeface="Cambria Math" panose="02040503050406030204" pitchFamily="18" charset="0"/>
+                                </a:rPr>
+                                <m:t>𝑒</m:t>
+                              </m:r>
+                            </m:e>
+                            <m:sup>
+                              <m:f>
+                                <m:fPr>
+                                  <m:ctrlPr>
+                                    <a:rPr lang="en-US" altLang="zh-TW" sz="2800" i="1" smtClean="0">
+                                      <a:latin typeface="Cambria Math" panose="02040503050406030204" pitchFamily="18" charset="0"/>
+                                    </a:rPr>
+                                  </m:ctrlPr>
+                                </m:fPr>
+                                <m:num>
+                                  <m:r>
+                                    <a:rPr lang="en-US" altLang="zh-TW" sz="2800" i="1" smtClean="0">
+                                      <a:latin typeface="Cambria Math" panose="02040503050406030204" pitchFamily="18" charset="0"/>
+                                    </a:rPr>
+                                    <m:t>𝑖</m:t>
+                                  </m:r>
+                                  <m:sSub>
+                                    <m:sSubPr>
+                                      <m:ctrlPr>
+                                        <a:rPr lang="en-US" altLang="zh-TW" sz="2800" i="1">
+                                          <a:latin typeface="Cambria Math" panose="02040503050406030204" pitchFamily="18" charset="0"/>
+                                        </a:rPr>
+                                      </m:ctrlPr>
+                                    </m:sSubPr>
+                                    <m:e>
+                                      <m:r>
+                                        <a:rPr lang="en-US" altLang="zh-TW" sz="2800" i="1">
+                                          <a:latin typeface="Cambria Math" panose="02040503050406030204" pitchFamily="18" charset="0"/>
+                                        </a:rPr>
+                                        <m:t>𝐻</m:t>
+                                      </m:r>
+                                    </m:e>
+                                    <m:sub>
+                                      <m:r>
+                                        <a:rPr lang="en-US" altLang="zh-TW" sz="2800" b="0" i="1" smtClean="0">
+                                          <a:latin typeface="Cambria Math" panose="02040503050406030204" pitchFamily="18" charset="0"/>
+                                        </a:rPr>
+                                        <m:t>1</m:t>
+                                      </m:r>
+                                    </m:sub>
+                                  </m:sSub>
+                                  <m:r>
+                                    <a:rPr lang="en-US" altLang="zh-TW" sz="2800" b="0" i="1" smtClean="0">
+                                      <a:latin typeface="Cambria Math" panose="02040503050406030204" pitchFamily="18" charset="0"/>
+                                    </a:rPr>
+                                    <m:t>𝑡</m:t>
+                                  </m:r>
+                                </m:num>
+                                <m:den>
+                                  <m:r>
+                                    <a:rPr lang="en-US" altLang="zh-TW" sz="2800" b="0" i="1" smtClean="0">
+                                      <a:latin typeface="Cambria Math" panose="02040503050406030204" pitchFamily="18" charset="0"/>
+                                    </a:rPr>
+                                    <m:t>2</m:t>
+                                  </m:r>
+                                  <m:sSub>
+                                    <m:sSubPr>
+                                      <m:ctrlPr>
+                                        <a:rPr lang="en-US" altLang="zh-TW" sz="2800" b="0" i="1" smtClean="0">
+                                          <a:latin typeface="Cambria Math" panose="02040503050406030204" pitchFamily="18" charset="0"/>
+                                        </a:rPr>
+                                      </m:ctrlPr>
+                                    </m:sSubPr>
+                                    <m:e>
+                                      <m:r>
+                                        <a:rPr lang="en-US" altLang="zh-TW" sz="2800" b="0" i="1" smtClean="0">
+                                          <a:latin typeface="Cambria Math" panose="02040503050406030204" pitchFamily="18" charset="0"/>
+                                        </a:rPr>
+                                        <m:t>𝑀</m:t>
+                                      </m:r>
+                                    </m:e>
+                                    <m:sub>
+                                      <m:r>
+                                        <a:rPr lang="en-US" altLang="zh-TW" sz="2800" b="0" i="1" smtClean="0">
+                                          <a:latin typeface="Cambria Math" panose="02040503050406030204" pitchFamily="18" charset="0"/>
+                                        </a:rPr>
+                                        <m:t>1</m:t>
+                                      </m:r>
+                                    </m:sub>
+                                  </m:sSub>
+                                </m:den>
+                              </m:f>
+                            </m:sup>
+                          </m:sSup>
+                          <m:r>
+                            <a:rPr lang="en-US" altLang="zh-TW" sz="2800" i="1">
+                              <a:latin typeface="Cambria Math" panose="02040503050406030204" pitchFamily="18" charset="0"/>
+                            </a:rPr>
+                            <m:t>)</m:t>
+                          </m:r>
+                        </m:e>
+                        <m:sup>
+                          <m:sSub>
+                            <m:sSubPr>
+                              <m:ctrlPr>
+                                <a:rPr lang="en-US" altLang="zh-TW" sz="2800" i="1" smtClean="0">
+                                  <a:latin typeface="Cambria Math" panose="02040503050406030204" pitchFamily="18" charset="0"/>
+                                </a:rPr>
+                              </m:ctrlPr>
+                            </m:sSubPr>
+                            <m:e>
+                              <m:r>
+                                <a:rPr lang="en-US" altLang="zh-TW" sz="2800" b="0" i="1" smtClean="0">
+                                  <a:latin typeface="Cambria Math" panose="02040503050406030204" pitchFamily="18" charset="0"/>
+                                </a:rPr>
+                                <m:t>𝑀</m:t>
+                              </m:r>
+                            </m:e>
+                            <m:sub>
+                              <m:r>
+                                <a:rPr lang="en-US" altLang="zh-TW" sz="2800" b="0" i="1" smtClean="0">
+                                  <a:latin typeface="Cambria Math" panose="02040503050406030204" pitchFamily="18" charset="0"/>
+                                </a:rPr>
+                                <m:t>1</m:t>
+                              </m:r>
+                            </m:sub>
+                          </m:sSub>
+                        </m:sup>
+                      </m:sSup>
+                      <m:r>
+                        <a:rPr lang="en-US" altLang="zh-TW" sz="2800" i="1">
+                          <a:latin typeface="Cambria Math" panose="02040503050406030204" pitchFamily="18" charset="0"/>
+                        </a:rPr>
+                        <m:t>=</m:t>
+                      </m:r>
+                      <m:sSup>
+                        <m:sSupPr>
+                          <m:ctrlPr>
+                            <a:rPr lang="en-US" altLang="zh-TW" sz="2800" b="0" i="1" smtClean="0">
+                              <a:latin typeface="Cambria Math" panose="02040503050406030204" pitchFamily="18" charset="0"/>
+                            </a:rPr>
+                          </m:ctrlPr>
+                        </m:sSupPr>
+                        <m:e>
+                          <m:r>
+                            <a:rPr lang="en-US" altLang="zh-TW" sz="2800" b="0" i="1" smtClean="0">
+                              <a:latin typeface="Cambria Math" panose="02040503050406030204" pitchFamily="18" charset="0"/>
+                            </a:rPr>
+                            <m:t>𝑒</m:t>
+                          </m:r>
+                        </m:e>
+                        <m:sup>
+                          <m:r>
+                            <a:rPr lang="en-US" altLang="zh-TW" sz="2800" i="1" smtClean="0">
+                              <a:latin typeface="Cambria Math" panose="02040503050406030204" pitchFamily="18" charset="0"/>
+                            </a:rPr>
+                            <m:t>𝑖</m:t>
+                          </m:r>
+                          <m:r>
+                            <a:rPr lang="en-US" altLang="zh-TW" sz="2800" b="0" i="1" smtClean="0">
+                              <a:latin typeface="Cambria Math" panose="02040503050406030204" pitchFamily="18" charset="0"/>
+                            </a:rPr>
+                            <m:t>𝐴</m:t>
+                          </m:r>
+                          <m:r>
+                            <a:rPr lang="en-US" altLang="zh-TW" sz="2800" i="1">
+                              <a:latin typeface="Cambria Math" panose="02040503050406030204" pitchFamily="18" charset="0"/>
+                            </a:rPr>
+                            <m:t>𝑡</m:t>
+                          </m:r>
+                        </m:sup>
+                      </m:sSup>
+                      <m:r>
+                        <a:rPr lang="en-US" altLang="zh-TW" sz="2800" b="0" i="1" smtClean="0">
+                          <a:latin typeface="Cambria Math" panose="02040503050406030204" pitchFamily="18" charset="0"/>
+                        </a:rPr>
+                        <m:t>+</m:t>
+                      </m:r>
+                      <m:f>
+                        <m:fPr>
+                          <m:ctrlPr>
+                            <a:rPr lang="en-US" altLang="zh-TW" sz="2800" b="0" i="1" smtClean="0">
+                              <a:latin typeface="Cambria Math" panose="02040503050406030204" pitchFamily="18" charset="0"/>
+                            </a:rPr>
+                          </m:ctrlPr>
+                        </m:fPr>
+                        <m:num>
+                          <m:sSup>
+                            <m:sSupPr>
+                              <m:ctrlPr>
+                                <a:rPr lang="en-US" altLang="zh-TW" sz="2800" b="0" i="1" smtClean="0">
+                                  <a:latin typeface="Cambria Math" panose="02040503050406030204" pitchFamily="18" charset="0"/>
+                                </a:rPr>
+                              </m:ctrlPr>
+                            </m:sSupPr>
+                            <m:e>
+                              <m:r>
+                                <a:rPr lang="en-US" altLang="zh-TW" sz="2800" b="0" i="1" smtClean="0">
+                                  <a:latin typeface="Cambria Math" panose="02040503050406030204" pitchFamily="18" charset="0"/>
+                                </a:rPr>
+                                <m:t>𝑡</m:t>
+                              </m:r>
+                            </m:e>
+                            <m:sup>
+                              <m:r>
+                                <a:rPr lang="en-US" altLang="zh-TW" sz="2800" b="0" i="1" smtClean="0">
+                                  <a:latin typeface="Cambria Math" panose="02040503050406030204" pitchFamily="18" charset="0"/>
+                                </a:rPr>
+                                <m:t>3</m:t>
+                              </m:r>
+                            </m:sup>
+                          </m:sSup>
+                        </m:num>
+                        <m:den>
+                          <m:sSup>
+                            <m:sSupPr>
+                              <m:ctrlPr>
+                                <a:rPr lang="en-US" altLang="zh-TW" sz="2800" b="0" i="1" smtClean="0">
+                                  <a:latin typeface="Cambria Math" panose="02040503050406030204" pitchFamily="18" charset="0"/>
+                                </a:rPr>
+                              </m:ctrlPr>
+                            </m:sSupPr>
+                            <m:e>
+                              <m:sSub>
+                                <m:sSubPr>
+                                  <m:ctrlPr>
+                                    <a:rPr lang="en-US" altLang="zh-TW" sz="2800" b="0" i="1" smtClean="0">
+                                      <a:latin typeface="Cambria Math" panose="02040503050406030204" pitchFamily="18" charset="0"/>
+                                    </a:rPr>
+                                  </m:ctrlPr>
+                                </m:sSubPr>
+                                <m:e>
+                                  <m:r>
+                                    <a:rPr lang="en-US" altLang="zh-TW" sz="2800" b="0" i="1" smtClean="0">
+                                      <a:latin typeface="Cambria Math" panose="02040503050406030204" pitchFamily="18" charset="0"/>
+                                    </a:rPr>
+                                    <m:t>𝑀</m:t>
+                                  </m:r>
+                                </m:e>
+                                <m:sub>
+                                  <m:r>
+                                    <a:rPr lang="en-US" altLang="zh-TW" sz="2800" b="0" i="1" smtClean="0">
+                                      <a:latin typeface="Cambria Math" panose="02040503050406030204" pitchFamily="18" charset="0"/>
+                                    </a:rPr>
+                                    <m:t>1</m:t>
+                                  </m:r>
+                                </m:sub>
+                              </m:sSub>
+                            </m:e>
+                            <m:sup>
+                              <m:r>
+                                <a:rPr lang="en-US" altLang="zh-TW" sz="2800" b="0" i="1" smtClean="0">
+                                  <a:latin typeface="Cambria Math" panose="02040503050406030204" pitchFamily="18" charset="0"/>
+                                </a:rPr>
+                                <m:t>2</m:t>
+                              </m:r>
+                            </m:sup>
+                          </m:sSup>
+                        </m:den>
+                      </m:f>
+                      <m:r>
+                        <a:rPr lang="en-US" altLang="zh-TW" sz="2800" b="0" i="1" smtClean="0">
+                          <a:latin typeface="Cambria Math" panose="02040503050406030204" pitchFamily="18" charset="0"/>
+                        </a:rPr>
+                        <m:t>+</m:t>
+                      </m:r>
+                      <m:r>
+                        <a:rPr lang="zh-TW" altLang="en-US" sz="2800" b="0" i="1" smtClean="0">
+                          <a:latin typeface="Cambria Math" panose="02040503050406030204" pitchFamily="18" charset="0"/>
+                        </a:rPr>
+                        <m:t>𝒪</m:t>
+                      </m:r>
+                      <m:r>
+                        <a:rPr lang="en-US" altLang="zh-TW" sz="2800" b="0" i="1" smtClean="0">
+                          <a:latin typeface="Cambria Math" panose="02040503050406030204" pitchFamily="18" charset="0"/>
+                        </a:rPr>
+                        <m:t>(</m:t>
+                      </m:r>
+                      <m:f>
+                        <m:fPr>
+                          <m:ctrlPr>
+                            <a:rPr lang="en-US" altLang="zh-TW" sz="2800" b="0" i="1" smtClean="0">
+                              <a:latin typeface="Cambria Math" panose="02040503050406030204" pitchFamily="18" charset="0"/>
+                            </a:rPr>
+                          </m:ctrlPr>
+                        </m:fPr>
+                        <m:num>
+                          <m:sSup>
+                            <m:sSupPr>
+                              <m:ctrlPr>
+                                <a:rPr lang="en-US" altLang="zh-TW" sz="2800" b="0" i="1" smtClean="0">
+                                  <a:latin typeface="Cambria Math" panose="02040503050406030204" pitchFamily="18" charset="0"/>
+                                </a:rPr>
+                              </m:ctrlPr>
+                            </m:sSupPr>
+                            <m:e>
+                              <m:r>
+                                <a:rPr lang="en-US" altLang="zh-TW" sz="2800" b="0" i="1" smtClean="0">
+                                  <a:latin typeface="Cambria Math" panose="02040503050406030204" pitchFamily="18" charset="0"/>
+                                </a:rPr>
+                                <m:t>𝑡</m:t>
+                              </m:r>
+                            </m:e>
+                            <m:sup>
+                              <m:r>
+                                <a:rPr lang="en-US" altLang="zh-TW" sz="2800" b="0" i="1" smtClean="0">
+                                  <a:latin typeface="Cambria Math" panose="02040503050406030204" pitchFamily="18" charset="0"/>
+                                </a:rPr>
+                                <m:t>4</m:t>
+                              </m:r>
+                            </m:sup>
+                          </m:sSup>
+                        </m:num>
+                        <m:den>
+                          <m:sSup>
+                            <m:sSupPr>
+                              <m:ctrlPr>
+                                <a:rPr lang="en-US" altLang="zh-TW" sz="2800" b="0" i="1" smtClean="0">
+                                  <a:latin typeface="Cambria Math" panose="02040503050406030204" pitchFamily="18" charset="0"/>
+                                </a:rPr>
+                              </m:ctrlPr>
+                            </m:sSupPr>
+                            <m:e>
+                              <m:sSub>
+                                <m:sSubPr>
+                                  <m:ctrlPr>
+                                    <a:rPr lang="en-US" altLang="zh-TW" sz="2800" b="0" i="1" smtClean="0">
+                                      <a:latin typeface="Cambria Math" panose="02040503050406030204" pitchFamily="18" charset="0"/>
+                                    </a:rPr>
+                                  </m:ctrlPr>
+                                </m:sSubPr>
+                                <m:e>
+                                  <m:r>
+                                    <a:rPr lang="en-US" altLang="zh-TW" sz="2800" b="0" i="1" smtClean="0">
+                                      <a:latin typeface="Cambria Math" panose="02040503050406030204" pitchFamily="18" charset="0"/>
+                                    </a:rPr>
+                                    <m:t>𝑀</m:t>
+                                  </m:r>
+                                </m:e>
+                                <m:sub>
+                                  <m:r>
+                                    <a:rPr lang="en-US" altLang="zh-TW" sz="2800" b="0" i="1" smtClean="0">
+                                      <a:latin typeface="Cambria Math" panose="02040503050406030204" pitchFamily="18" charset="0"/>
+                                    </a:rPr>
+                                    <m:t>1</m:t>
+                                  </m:r>
+                                </m:sub>
+                              </m:sSub>
+                            </m:e>
+                            <m:sup>
+                              <m:r>
+                                <a:rPr lang="en-US" altLang="zh-TW" sz="2800" b="0" i="1" smtClean="0">
+                                  <a:latin typeface="Cambria Math" panose="02040503050406030204" pitchFamily="18" charset="0"/>
+                                </a:rPr>
+                                <m:t>3</m:t>
+                              </m:r>
+                            </m:sup>
+                          </m:sSup>
+                        </m:den>
+                      </m:f>
+                      <m:r>
+                        <a:rPr lang="en-US" altLang="zh-TW" sz="2800" b="0" i="1" smtClean="0">
+                          <a:latin typeface="Cambria Math" panose="02040503050406030204" pitchFamily="18" charset="0"/>
+                        </a:rPr>
+                        <m:t>)</m:t>
+                      </m:r>
+                    </m:oMath>
+                  </m:oMathPara>
+                </a14:m>
+                <a:endParaRPr lang="zh-TW" altLang="en-US" sz="2800" dirty="0"/>
+              </a:p>
+            </p:txBody>
+          </p:sp>
+        </mc:Choice>
+        <mc:Fallback>
+          <p:sp>
+            <p:nvSpPr>
+              <p:cNvPr id="4" name="文字方塊 3"/>
+              <p:cNvSpPr txBox="1">
+                <a:spLocks noRot="1" noChangeAspect="1" noMove="1" noResize="1" noEditPoints="1" noAdjustHandles="1" noChangeArrowheads="1" noChangeShapeType="1" noTextEdit="1"/>
+              </p:cNvSpPr>
+              <p:nvPr/>
+            </p:nvSpPr>
+            <p:spPr>
+              <a:xfrm>
+                <a:off x="1701501" y="4142161"/>
+                <a:ext cx="8788998" cy="1106265"/>
+              </a:xfrm>
+              <a:prstGeom prst="rect">
+                <a:avLst/>
+              </a:prstGeom>
+              <a:blipFill>
+                <a:blip r:embed="rId3"/>
+                <a:stretch>
+                  <a:fillRect/>
+                </a:stretch>
+              </a:blipFill>
+            </p:spPr>
+            <p:txBody>
+              <a:bodyPr/>
+              <a:lstStyle/>
+              <a:p>
+                <a:r>
+                  <a:rPr lang="zh-TW" altLang="en-US">
+                    <a:noFill/>
+                  </a:rPr>
+                  <a:t> </a:t>
+                </a:r>
+              </a:p>
+            </p:txBody>
+          </p:sp>
+        </mc:Fallback>
+      </mc:AlternateContent>
+      <mc:AlternateContent xmlns:mc="http://schemas.openxmlformats.org/markup-compatibility/2006">
+        <mc:Choice xmlns:a14="http://schemas.microsoft.com/office/drawing/2010/main" Requires="a14">
+          <p:sp>
+            <p:nvSpPr>
+              <p:cNvPr id="6" name="文字方塊 5"/>
+              <p:cNvSpPr txBox="1"/>
+              <p:nvPr/>
+            </p:nvSpPr>
+            <p:spPr>
+              <a:xfrm>
+                <a:off x="1701501" y="5383363"/>
+                <a:ext cx="8788998" cy="1106265"/>
+              </a:xfrm>
+              <a:prstGeom prst="rect">
+                <a:avLst/>
+              </a:prstGeom>
+              <a:noFill/>
+            </p:spPr>
+            <p:txBody>
+              <a:bodyPr wrap="square" rtlCol="0">
+                <a:spAutoFit/>
+              </a:bodyPr>
+              <a:lstStyle/>
+              <a:p>
+                <a14:m>
+                  <m:oMathPara xmlns:m="http://schemas.openxmlformats.org/officeDocument/2006/math">
+                    <m:oMathParaPr>
+                      <m:jc m:val="centerGroup"/>
+                    </m:oMathParaPr>
+                    <m:oMath xmlns:m="http://schemas.openxmlformats.org/officeDocument/2006/math">
+                      <m:sSup>
+                        <m:sSupPr>
+                          <m:ctrlPr>
+                            <a:rPr lang="en-US" altLang="zh-TW" sz="2800" i="1" smtClean="0">
+                              <a:latin typeface="Cambria Math" panose="02040503050406030204" pitchFamily="18" charset="0"/>
+                            </a:rPr>
+                          </m:ctrlPr>
+                        </m:sSupPr>
+                        <m:e>
+                          <m:r>
+                            <a:rPr lang="en-US" altLang="zh-TW" sz="2800" i="1" smtClean="0">
+                              <a:latin typeface="Cambria Math" panose="02040503050406030204" pitchFamily="18" charset="0"/>
+                            </a:rPr>
+                            <m:t>(</m:t>
+                          </m:r>
+                          <m:sSup>
+                            <m:sSupPr>
+                              <m:ctrlPr>
+                                <a:rPr lang="en-US" altLang="zh-TW" sz="2800" i="1" smtClean="0">
+                                  <a:latin typeface="Cambria Math" panose="02040503050406030204" pitchFamily="18" charset="0"/>
+                                </a:rPr>
+                              </m:ctrlPr>
+                            </m:sSupPr>
+                            <m:e>
+                              <m:r>
+                                <a:rPr lang="en-US" altLang="zh-TW" sz="2800" b="0" i="1" smtClean="0">
+                                  <a:latin typeface="Cambria Math" panose="02040503050406030204" pitchFamily="18" charset="0"/>
+                                </a:rPr>
+                                <m:t>𝑒</m:t>
+                              </m:r>
+                            </m:e>
+                            <m:sup>
+                              <m:f>
+                                <m:fPr>
+                                  <m:ctrlPr>
+                                    <a:rPr lang="en-US" altLang="zh-TW" sz="2800" i="1" smtClean="0">
+                                      <a:latin typeface="Cambria Math" panose="02040503050406030204" pitchFamily="18" charset="0"/>
+                                    </a:rPr>
+                                  </m:ctrlPr>
+                                </m:fPr>
+                                <m:num>
+                                  <m:r>
+                                    <a:rPr lang="en-US" altLang="zh-TW" sz="2800" i="1" smtClean="0">
+                                      <a:latin typeface="Cambria Math" panose="02040503050406030204" pitchFamily="18" charset="0"/>
+                                    </a:rPr>
+                                    <m:t>𝑖</m:t>
+                                  </m:r>
+                                  <m:sSub>
+                                    <m:sSubPr>
+                                      <m:ctrlPr>
+                                        <a:rPr lang="en-US" altLang="zh-TW" sz="2800" i="1">
+                                          <a:latin typeface="Cambria Math" panose="02040503050406030204" pitchFamily="18" charset="0"/>
+                                        </a:rPr>
+                                      </m:ctrlPr>
+                                    </m:sSubPr>
+                                    <m:e>
+                                      <m:r>
+                                        <a:rPr lang="en-US" altLang="zh-TW" sz="2800" i="1">
+                                          <a:latin typeface="Cambria Math" panose="02040503050406030204" pitchFamily="18" charset="0"/>
+                                        </a:rPr>
+                                        <m:t>𝐻</m:t>
+                                      </m:r>
+                                    </m:e>
+                                    <m:sub>
+                                      <m:r>
+                                        <a:rPr lang="en-US" altLang="zh-TW" sz="2800" b="0" i="1" smtClean="0">
+                                          <a:latin typeface="Cambria Math" panose="02040503050406030204" pitchFamily="18" charset="0"/>
+                                        </a:rPr>
+                                        <m:t>1</m:t>
+                                      </m:r>
+                                    </m:sub>
+                                  </m:sSub>
+                                  <m:r>
+                                    <a:rPr lang="en-US" altLang="zh-TW" sz="2800" b="0" i="1" smtClean="0">
+                                      <a:latin typeface="Cambria Math" panose="02040503050406030204" pitchFamily="18" charset="0"/>
+                                    </a:rPr>
+                                    <m:t>𝑡</m:t>
+                                  </m:r>
+                                </m:num>
+                                <m:den>
+                                  <m:r>
+                                    <a:rPr lang="en-US" altLang="zh-TW" sz="2800" b="0" i="1" smtClean="0">
+                                      <a:latin typeface="Cambria Math" panose="02040503050406030204" pitchFamily="18" charset="0"/>
+                                    </a:rPr>
+                                    <m:t>2</m:t>
+                                  </m:r>
+                                  <m:sSub>
+                                    <m:sSubPr>
+                                      <m:ctrlPr>
+                                        <a:rPr lang="en-US" altLang="zh-TW" sz="2800" b="0" i="1" smtClean="0">
+                                          <a:latin typeface="Cambria Math" panose="02040503050406030204" pitchFamily="18" charset="0"/>
+                                        </a:rPr>
+                                      </m:ctrlPr>
+                                    </m:sSubPr>
+                                    <m:e>
+                                      <m:r>
+                                        <a:rPr lang="en-US" altLang="zh-TW" sz="2800" b="0" i="1" smtClean="0">
+                                          <a:latin typeface="Cambria Math" panose="02040503050406030204" pitchFamily="18" charset="0"/>
+                                        </a:rPr>
+                                        <m:t>𝑀</m:t>
+                                      </m:r>
+                                    </m:e>
+                                    <m:sub>
+                                      <m:r>
+                                        <a:rPr lang="en-US" altLang="zh-TW" sz="2800" b="0" i="1" smtClean="0">
+                                          <a:latin typeface="Cambria Math" panose="02040503050406030204" pitchFamily="18" charset="0"/>
+                                        </a:rPr>
+                                        <m:t>2</m:t>
+                                      </m:r>
+                                    </m:sub>
+                                  </m:sSub>
+                                </m:den>
+                              </m:f>
+                            </m:sup>
+                          </m:sSup>
+                          <m:sSup>
+                            <m:sSupPr>
+                              <m:ctrlPr>
+                                <a:rPr lang="en-US" altLang="zh-TW" sz="2800" i="1" smtClean="0">
+                                  <a:latin typeface="Cambria Math" panose="02040503050406030204" pitchFamily="18" charset="0"/>
+                                </a:rPr>
+                              </m:ctrlPr>
+                            </m:sSupPr>
+                            <m:e>
+                              <m:r>
+                                <a:rPr lang="en-US" altLang="zh-TW" sz="2800" b="0" i="1" smtClean="0">
+                                  <a:latin typeface="Cambria Math" panose="02040503050406030204" pitchFamily="18" charset="0"/>
+                                </a:rPr>
+                                <m:t>𝑒</m:t>
+                              </m:r>
+                            </m:e>
+                            <m:sup>
+                              <m:f>
+                                <m:fPr>
+                                  <m:ctrlPr>
+                                    <a:rPr lang="en-US" altLang="zh-TW" sz="2800" i="1" smtClean="0">
+                                      <a:latin typeface="Cambria Math" panose="02040503050406030204" pitchFamily="18" charset="0"/>
+                                    </a:rPr>
+                                  </m:ctrlPr>
+                                </m:fPr>
+                                <m:num>
+                                  <m:r>
+                                    <a:rPr lang="en-US" altLang="zh-TW" sz="2800" i="1" smtClean="0">
+                                      <a:latin typeface="Cambria Math" panose="02040503050406030204" pitchFamily="18" charset="0"/>
+                                    </a:rPr>
+                                    <m:t>𝑖</m:t>
+                                  </m:r>
+                                  <m:sSub>
+                                    <m:sSubPr>
+                                      <m:ctrlPr>
+                                        <a:rPr lang="en-US" altLang="zh-TW" sz="2800" i="1">
+                                          <a:latin typeface="Cambria Math" panose="02040503050406030204" pitchFamily="18" charset="0"/>
+                                        </a:rPr>
+                                      </m:ctrlPr>
+                                    </m:sSubPr>
+                                    <m:e>
+                                      <m:r>
+                                        <a:rPr lang="en-US" altLang="zh-TW" sz="2800" i="1">
+                                          <a:latin typeface="Cambria Math" panose="02040503050406030204" pitchFamily="18" charset="0"/>
+                                        </a:rPr>
+                                        <m:t>𝐻</m:t>
+                                      </m:r>
+                                    </m:e>
+                                    <m:sub>
+                                      <m:r>
+                                        <a:rPr lang="en-US" altLang="zh-TW" sz="2800" b="0" i="1" smtClean="0">
+                                          <a:latin typeface="Cambria Math" panose="02040503050406030204" pitchFamily="18" charset="0"/>
+                                        </a:rPr>
+                                        <m:t>2</m:t>
+                                      </m:r>
+                                    </m:sub>
+                                  </m:sSub>
+                                  <m:r>
+                                    <a:rPr lang="en-US" altLang="zh-TW" sz="2800" b="0" i="1" smtClean="0">
+                                      <a:latin typeface="Cambria Math" panose="02040503050406030204" pitchFamily="18" charset="0"/>
+                                    </a:rPr>
+                                    <m:t>𝑡</m:t>
+                                  </m:r>
+                                </m:num>
+                                <m:den>
+                                  <m:sSub>
+                                    <m:sSubPr>
+                                      <m:ctrlPr>
+                                        <a:rPr lang="en-US" altLang="zh-TW" sz="2800" b="0" i="1" smtClean="0">
+                                          <a:latin typeface="Cambria Math" panose="02040503050406030204" pitchFamily="18" charset="0"/>
+                                        </a:rPr>
+                                      </m:ctrlPr>
+                                    </m:sSubPr>
+                                    <m:e>
+                                      <m:r>
+                                        <a:rPr lang="en-US" altLang="zh-TW" sz="2800" b="0" i="1" smtClean="0">
+                                          <a:latin typeface="Cambria Math" panose="02040503050406030204" pitchFamily="18" charset="0"/>
+                                        </a:rPr>
+                                        <m:t>𝑀</m:t>
+                                      </m:r>
+                                    </m:e>
+                                    <m:sub>
+                                      <m:r>
+                                        <a:rPr lang="en-US" altLang="zh-TW" sz="2800" b="0" i="1" smtClean="0">
+                                          <a:latin typeface="Cambria Math" panose="02040503050406030204" pitchFamily="18" charset="0"/>
+                                        </a:rPr>
+                                        <m:t>2</m:t>
+                                      </m:r>
+                                    </m:sub>
+                                  </m:sSub>
+                                </m:den>
+                              </m:f>
+                            </m:sup>
+                          </m:sSup>
+                          <m:sSup>
+                            <m:sSupPr>
+                              <m:ctrlPr>
+                                <a:rPr lang="en-US" altLang="zh-TW" sz="2800" i="1" smtClean="0">
+                                  <a:latin typeface="Cambria Math" panose="02040503050406030204" pitchFamily="18" charset="0"/>
+                                </a:rPr>
+                              </m:ctrlPr>
+                            </m:sSupPr>
+                            <m:e>
+                              <m:r>
+                                <a:rPr lang="en-US" altLang="zh-TW" sz="2800" b="0" i="1" smtClean="0">
+                                  <a:latin typeface="Cambria Math" panose="02040503050406030204" pitchFamily="18" charset="0"/>
+                                </a:rPr>
+                                <m:t>𝑒</m:t>
+                              </m:r>
+                            </m:e>
+                            <m:sup>
+                              <m:f>
+                                <m:fPr>
+                                  <m:ctrlPr>
+                                    <a:rPr lang="en-US" altLang="zh-TW" sz="2800" i="1" smtClean="0">
+                                      <a:latin typeface="Cambria Math" panose="02040503050406030204" pitchFamily="18" charset="0"/>
+                                    </a:rPr>
+                                  </m:ctrlPr>
+                                </m:fPr>
+                                <m:num>
+                                  <m:r>
+                                    <a:rPr lang="en-US" altLang="zh-TW" sz="2800" i="1" smtClean="0">
+                                      <a:latin typeface="Cambria Math" panose="02040503050406030204" pitchFamily="18" charset="0"/>
+                                    </a:rPr>
+                                    <m:t>𝑖</m:t>
+                                  </m:r>
+                                  <m:sSub>
+                                    <m:sSubPr>
+                                      <m:ctrlPr>
+                                        <a:rPr lang="en-US" altLang="zh-TW" sz="2800" i="1">
+                                          <a:latin typeface="Cambria Math" panose="02040503050406030204" pitchFamily="18" charset="0"/>
+                                        </a:rPr>
+                                      </m:ctrlPr>
+                                    </m:sSubPr>
+                                    <m:e>
+                                      <m:r>
+                                        <a:rPr lang="en-US" altLang="zh-TW" sz="2800" i="1">
+                                          <a:latin typeface="Cambria Math" panose="02040503050406030204" pitchFamily="18" charset="0"/>
+                                        </a:rPr>
+                                        <m:t>𝐻</m:t>
+                                      </m:r>
+                                    </m:e>
+                                    <m:sub>
+                                      <m:r>
+                                        <a:rPr lang="en-US" altLang="zh-TW" sz="2800" b="0" i="1" smtClean="0">
+                                          <a:latin typeface="Cambria Math" panose="02040503050406030204" pitchFamily="18" charset="0"/>
+                                        </a:rPr>
+                                        <m:t>1</m:t>
+                                      </m:r>
+                                    </m:sub>
+                                  </m:sSub>
+                                  <m:r>
+                                    <a:rPr lang="en-US" altLang="zh-TW" sz="2800" b="0" i="1" smtClean="0">
+                                      <a:latin typeface="Cambria Math" panose="02040503050406030204" pitchFamily="18" charset="0"/>
+                                    </a:rPr>
+                                    <m:t>𝑡</m:t>
+                                  </m:r>
+                                </m:num>
+                                <m:den>
+                                  <m:r>
+                                    <a:rPr lang="en-US" altLang="zh-TW" sz="2800" b="0" i="1" smtClean="0">
+                                      <a:latin typeface="Cambria Math" panose="02040503050406030204" pitchFamily="18" charset="0"/>
+                                    </a:rPr>
+                                    <m:t>2</m:t>
+                                  </m:r>
+                                  <m:sSub>
+                                    <m:sSubPr>
+                                      <m:ctrlPr>
+                                        <a:rPr lang="en-US" altLang="zh-TW" sz="2800" b="0" i="1" smtClean="0">
+                                          <a:latin typeface="Cambria Math" panose="02040503050406030204" pitchFamily="18" charset="0"/>
+                                        </a:rPr>
+                                      </m:ctrlPr>
+                                    </m:sSubPr>
+                                    <m:e>
+                                      <m:r>
+                                        <a:rPr lang="en-US" altLang="zh-TW" sz="2800" b="0" i="1" smtClean="0">
+                                          <a:latin typeface="Cambria Math" panose="02040503050406030204" pitchFamily="18" charset="0"/>
+                                        </a:rPr>
+                                        <m:t>𝑀</m:t>
+                                      </m:r>
+                                    </m:e>
+                                    <m:sub>
+                                      <m:r>
+                                        <a:rPr lang="en-US" altLang="zh-TW" sz="2800" b="0" i="1" smtClean="0">
+                                          <a:latin typeface="Cambria Math" panose="02040503050406030204" pitchFamily="18" charset="0"/>
+                                        </a:rPr>
+                                        <m:t>2</m:t>
+                                      </m:r>
+                                    </m:sub>
+                                  </m:sSub>
+                                </m:den>
+                              </m:f>
+                            </m:sup>
+                          </m:sSup>
+                          <m:r>
+                            <a:rPr lang="en-US" altLang="zh-TW" sz="2800" i="1">
+                              <a:latin typeface="Cambria Math" panose="02040503050406030204" pitchFamily="18" charset="0"/>
+                            </a:rPr>
+                            <m:t>)</m:t>
+                          </m:r>
+                        </m:e>
+                        <m:sup>
+                          <m:sSub>
+                            <m:sSubPr>
+                              <m:ctrlPr>
+                                <a:rPr lang="en-US" altLang="zh-TW" sz="2800" i="1" smtClean="0">
+                                  <a:latin typeface="Cambria Math" panose="02040503050406030204" pitchFamily="18" charset="0"/>
+                                </a:rPr>
+                              </m:ctrlPr>
+                            </m:sSubPr>
+                            <m:e>
+                              <m:r>
+                                <a:rPr lang="en-US" altLang="zh-TW" sz="2800" b="0" i="1" smtClean="0">
+                                  <a:latin typeface="Cambria Math" panose="02040503050406030204" pitchFamily="18" charset="0"/>
+                                </a:rPr>
+                                <m:t>𝑀</m:t>
+                              </m:r>
+                            </m:e>
+                            <m:sub>
+                              <m:r>
+                                <a:rPr lang="en-US" altLang="zh-TW" sz="2800" b="0" i="1" smtClean="0">
+                                  <a:latin typeface="Cambria Math" panose="02040503050406030204" pitchFamily="18" charset="0"/>
+                                </a:rPr>
+                                <m:t>2</m:t>
+                              </m:r>
+                            </m:sub>
+                          </m:sSub>
+                        </m:sup>
+                      </m:sSup>
+                      <m:r>
+                        <a:rPr lang="en-US" altLang="zh-TW" sz="2800" i="1">
+                          <a:latin typeface="Cambria Math" panose="02040503050406030204" pitchFamily="18" charset="0"/>
+                        </a:rPr>
+                        <m:t>=</m:t>
+                      </m:r>
+                      <m:sSup>
+                        <m:sSupPr>
+                          <m:ctrlPr>
+                            <a:rPr lang="en-US" altLang="zh-TW" sz="2800" b="0" i="1" smtClean="0">
+                              <a:latin typeface="Cambria Math" panose="02040503050406030204" pitchFamily="18" charset="0"/>
+                            </a:rPr>
+                          </m:ctrlPr>
+                        </m:sSupPr>
+                        <m:e>
+                          <m:r>
+                            <a:rPr lang="en-US" altLang="zh-TW" sz="2800" b="0" i="1" smtClean="0">
+                              <a:latin typeface="Cambria Math" panose="02040503050406030204" pitchFamily="18" charset="0"/>
+                            </a:rPr>
+                            <m:t>𝑒</m:t>
+                          </m:r>
+                        </m:e>
+                        <m:sup>
+                          <m:r>
+                            <a:rPr lang="en-US" altLang="zh-TW" sz="2800" i="1" smtClean="0">
+                              <a:latin typeface="Cambria Math" panose="02040503050406030204" pitchFamily="18" charset="0"/>
+                            </a:rPr>
+                            <m:t>𝑖</m:t>
+                          </m:r>
+                          <m:r>
+                            <a:rPr lang="en-US" altLang="zh-TW" sz="2800" b="0" i="1" smtClean="0">
+                              <a:latin typeface="Cambria Math" panose="02040503050406030204" pitchFamily="18" charset="0"/>
+                            </a:rPr>
+                            <m:t>𝐴</m:t>
+                          </m:r>
+                          <m:r>
+                            <a:rPr lang="en-US" altLang="zh-TW" sz="2800" i="1">
+                              <a:latin typeface="Cambria Math" panose="02040503050406030204" pitchFamily="18" charset="0"/>
+                            </a:rPr>
+                            <m:t>𝑡</m:t>
+                          </m:r>
+                        </m:sup>
+                      </m:sSup>
+                      <m:r>
+                        <a:rPr lang="en-US" altLang="zh-TW" sz="2800" b="0" i="1" smtClean="0">
+                          <a:latin typeface="Cambria Math" panose="02040503050406030204" pitchFamily="18" charset="0"/>
+                        </a:rPr>
+                        <m:t>+</m:t>
+                      </m:r>
+                      <m:f>
+                        <m:fPr>
+                          <m:ctrlPr>
+                            <a:rPr lang="en-US" altLang="zh-TW" sz="2800" b="0" i="1" smtClean="0">
+                              <a:latin typeface="Cambria Math" panose="02040503050406030204" pitchFamily="18" charset="0"/>
+                            </a:rPr>
+                          </m:ctrlPr>
+                        </m:fPr>
+                        <m:num>
+                          <m:sSup>
+                            <m:sSupPr>
+                              <m:ctrlPr>
+                                <a:rPr lang="en-US" altLang="zh-TW" sz="2800" b="0" i="1" smtClean="0">
+                                  <a:latin typeface="Cambria Math" panose="02040503050406030204" pitchFamily="18" charset="0"/>
+                                </a:rPr>
+                              </m:ctrlPr>
+                            </m:sSupPr>
+                            <m:e>
+                              <m:r>
+                                <a:rPr lang="en-US" altLang="zh-TW" sz="2800" b="0" i="1" smtClean="0">
+                                  <a:latin typeface="Cambria Math" panose="02040503050406030204" pitchFamily="18" charset="0"/>
+                                </a:rPr>
+                                <m:t>𝑡</m:t>
+                              </m:r>
+                            </m:e>
+                            <m:sup>
+                              <m:r>
+                                <a:rPr lang="en-US" altLang="zh-TW" sz="2800" b="0" i="1" smtClean="0">
+                                  <a:latin typeface="Cambria Math" panose="02040503050406030204" pitchFamily="18" charset="0"/>
+                                </a:rPr>
+                                <m:t>3</m:t>
+                              </m:r>
+                            </m:sup>
+                          </m:sSup>
+                        </m:num>
+                        <m:den>
+                          <m:sSup>
+                            <m:sSupPr>
+                              <m:ctrlPr>
+                                <a:rPr lang="en-US" altLang="zh-TW" sz="2800" b="0" i="1" smtClean="0">
+                                  <a:latin typeface="Cambria Math" panose="02040503050406030204" pitchFamily="18" charset="0"/>
+                                </a:rPr>
+                              </m:ctrlPr>
+                            </m:sSupPr>
+                            <m:e>
+                              <m:sSub>
+                                <m:sSubPr>
+                                  <m:ctrlPr>
+                                    <a:rPr lang="en-US" altLang="zh-TW" sz="2800" b="0" i="1" smtClean="0">
+                                      <a:latin typeface="Cambria Math" panose="02040503050406030204" pitchFamily="18" charset="0"/>
+                                    </a:rPr>
+                                  </m:ctrlPr>
+                                </m:sSubPr>
+                                <m:e>
+                                  <m:r>
+                                    <a:rPr lang="en-US" altLang="zh-TW" sz="2800" b="0" i="1" smtClean="0">
+                                      <a:latin typeface="Cambria Math" panose="02040503050406030204" pitchFamily="18" charset="0"/>
+                                    </a:rPr>
+                                    <m:t>𝑀</m:t>
+                                  </m:r>
+                                </m:e>
+                                <m:sub>
+                                  <m:r>
+                                    <a:rPr lang="en-US" altLang="zh-TW" sz="2800" b="0" i="1" smtClean="0">
+                                      <a:latin typeface="Cambria Math" panose="02040503050406030204" pitchFamily="18" charset="0"/>
+                                    </a:rPr>
+                                    <m:t>2</m:t>
+                                  </m:r>
+                                </m:sub>
+                              </m:sSub>
+                            </m:e>
+                            <m:sup>
+                              <m:r>
+                                <a:rPr lang="en-US" altLang="zh-TW" sz="2800" b="0" i="1" smtClean="0">
+                                  <a:latin typeface="Cambria Math" panose="02040503050406030204" pitchFamily="18" charset="0"/>
+                                </a:rPr>
+                                <m:t>2</m:t>
+                              </m:r>
+                            </m:sup>
+                          </m:sSup>
+                        </m:den>
+                      </m:f>
+                      <m:r>
+                        <a:rPr lang="en-US" altLang="zh-TW" sz="2800" b="0" i="1" smtClean="0">
+                          <a:latin typeface="Cambria Math" panose="02040503050406030204" pitchFamily="18" charset="0"/>
+                        </a:rPr>
+                        <m:t>+</m:t>
+                      </m:r>
+                      <m:r>
+                        <a:rPr lang="zh-TW" altLang="en-US" sz="2800" b="0" i="1" smtClean="0">
+                          <a:latin typeface="Cambria Math" panose="02040503050406030204" pitchFamily="18" charset="0"/>
+                        </a:rPr>
+                        <m:t>𝒪</m:t>
+                      </m:r>
+                      <m:r>
+                        <a:rPr lang="en-US" altLang="zh-TW" sz="2800" b="0" i="1" smtClean="0">
+                          <a:latin typeface="Cambria Math" panose="02040503050406030204" pitchFamily="18" charset="0"/>
+                        </a:rPr>
+                        <m:t>(</m:t>
+                      </m:r>
+                      <m:f>
+                        <m:fPr>
+                          <m:ctrlPr>
+                            <a:rPr lang="en-US" altLang="zh-TW" sz="2800" b="0" i="1" smtClean="0">
+                              <a:latin typeface="Cambria Math" panose="02040503050406030204" pitchFamily="18" charset="0"/>
+                            </a:rPr>
+                          </m:ctrlPr>
+                        </m:fPr>
+                        <m:num>
+                          <m:sSup>
+                            <m:sSupPr>
+                              <m:ctrlPr>
+                                <a:rPr lang="en-US" altLang="zh-TW" sz="2800" b="0" i="1" smtClean="0">
+                                  <a:latin typeface="Cambria Math" panose="02040503050406030204" pitchFamily="18" charset="0"/>
+                                </a:rPr>
+                              </m:ctrlPr>
+                            </m:sSupPr>
+                            <m:e>
+                              <m:r>
+                                <a:rPr lang="en-US" altLang="zh-TW" sz="2800" b="0" i="1" smtClean="0">
+                                  <a:latin typeface="Cambria Math" panose="02040503050406030204" pitchFamily="18" charset="0"/>
+                                </a:rPr>
+                                <m:t>𝑡</m:t>
+                              </m:r>
+                            </m:e>
+                            <m:sup>
+                              <m:r>
+                                <a:rPr lang="en-US" altLang="zh-TW" sz="2800" b="0" i="1" smtClean="0">
+                                  <a:latin typeface="Cambria Math" panose="02040503050406030204" pitchFamily="18" charset="0"/>
+                                </a:rPr>
+                                <m:t>4</m:t>
+                              </m:r>
+                            </m:sup>
+                          </m:sSup>
+                        </m:num>
+                        <m:den>
+                          <m:sSup>
+                            <m:sSupPr>
+                              <m:ctrlPr>
+                                <a:rPr lang="en-US" altLang="zh-TW" sz="2800" b="0" i="1" smtClean="0">
+                                  <a:latin typeface="Cambria Math" panose="02040503050406030204" pitchFamily="18" charset="0"/>
+                                </a:rPr>
+                              </m:ctrlPr>
+                            </m:sSupPr>
+                            <m:e>
+                              <m:sSub>
+                                <m:sSubPr>
+                                  <m:ctrlPr>
+                                    <a:rPr lang="en-US" altLang="zh-TW" sz="2800" b="0" i="1" smtClean="0">
+                                      <a:latin typeface="Cambria Math" panose="02040503050406030204" pitchFamily="18" charset="0"/>
+                                    </a:rPr>
+                                  </m:ctrlPr>
+                                </m:sSubPr>
+                                <m:e>
+                                  <m:r>
+                                    <a:rPr lang="en-US" altLang="zh-TW" sz="2800" b="0" i="1" smtClean="0">
+                                      <a:latin typeface="Cambria Math" panose="02040503050406030204" pitchFamily="18" charset="0"/>
+                                    </a:rPr>
+                                    <m:t>𝑀</m:t>
+                                  </m:r>
+                                </m:e>
+                                <m:sub>
+                                  <m:r>
+                                    <a:rPr lang="en-US" altLang="zh-TW" sz="2800" b="0" i="1" smtClean="0">
+                                      <a:latin typeface="Cambria Math" panose="02040503050406030204" pitchFamily="18" charset="0"/>
+                                    </a:rPr>
+                                    <m:t>2</m:t>
+                                  </m:r>
+                                </m:sub>
+                              </m:sSub>
+                            </m:e>
+                            <m:sup>
+                              <m:r>
+                                <a:rPr lang="en-US" altLang="zh-TW" sz="2800" b="0" i="1" smtClean="0">
+                                  <a:latin typeface="Cambria Math" panose="02040503050406030204" pitchFamily="18" charset="0"/>
+                                </a:rPr>
+                                <m:t>3</m:t>
+                              </m:r>
+                            </m:sup>
+                          </m:sSup>
+                        </m:den>
+                      </m:f>
+                      <m:r>
+                        <a:rPr lang="en-US" altLang="zh-TW" sz="2800" b="0" i="1" smtClean="0">
+                          <a:latin typeface="Cambria Math" panose="02040503050406030204" pitchFamily="18" charset="0"/>
+                        </a:rPr>
+                        <m:t>)</m:t>
+                      </m:r>
+                    </m:oMath>
+                  </m:oMathPara>
+                </a14:m>
+                <a:endParaRPr lang="zh-TW" altLang="en-US" sz="2800" dirty="0"/>
+              </a:p>
+            </p:txBody>
+          </p:sp>
+        </mc:Choice>
+        <mc:Fallback>
+          <p:sp>
+            <p:nvSpPr>
+              <p:cNvPr id="6" name="文字方塊 5"/>
+              <p:cNvSpPr txBox="1">
+                <a:spLocks noRot="1" noChangeAspect="1" noMove="1" noResize="1" noEditPoints="1" noAdjustHandles="1" noChangeArrowheads="1" noChangeShapeType="1" noTextEdit="1"/>
+              </p:cNvSpPr>
+              <p:nvPr/>
+            </p:nvSpPr>
+            <p:spPr>
+              <a:xfrm>
+                <a:off x="1701501" y="5383363"/>
+                <a:ext cx="8788998" cy="1106265"/>
+              </a:xfrm>
+              <a:prstGeom prst="rect">
+                <a:avLst/>
+              </a:prstGeom>
+              <a:blipFill>
+                <a:blip r:embed="rId4"/>
+                <a:stretch>
+                  <a:fillRect/>
+                </a:stretch>
+              </a:blipFill>
+            </p:spPr>
+            <p:txBody>
+              <a:bodyPr/>
+              <a:lstStyle/>
+              <a:p>
+                <a:r>
+                  <a:rPr lang="zh-TW" altLang="en-US">
+                    <a:noFill/>
+                  </a:rPr>
+                  <a:t> </a:t>
+                </a:r>
+              </a:p>
+            </p:txBody>
+          </p:sp>
+        </mc:Fallback>
+      </mc:AlternateContent>
       <mc:AlternateContent xmlns:mc="http://schemas.openxmlformats.org/markup-compatibility/2006">
         <mc:Choice xmlns:a14="http://schemas.microsoft.com/office/drawing/2010/main" Requires="a14">
           <p:sp>
@@ -7063,7 +8465,7 @@
 </p:sld>
 </file>
 
-<file path=ppt/slides/slide12.xml><?xml version="1.0" encoding="utf-8"?>
+<file path=ppt/slides/slide13.xml><?xml version="1.0" encoding="utf-8"?>
 <p:sld xmlns:a="http://schemas.openxmlformats.org/drawingml/2006/main" xmlns:r="http://schemas.openxmlformats.org/officeDocument/2006/relationships" xmlns:p="http://schemas.openxmlformats.org/presentationml/2006/main" show="0">
   <p:cSld>
     <p:spTree>
@@ -9258,7 +10660,7 @@
 </p:sld>
 </file>
 
-<file path=ppt/slides/slide13.xml><?xml version="1.0" encoding="utf-8"?>
+<file path=ppt/slides/slide14.xml><?xml version="1.0" encoding="utf-8"?>
 <p:sld xmlns:a="http://schemas.openxmlformats.org/drawingml/2006/main" xmlns:r="http://schemas.openxmlformats.org/officeDocument/2006/relationships" xmlns:p="http://schemas.openxmlformats.org/presentationml/2006/main" show="0">
   <p:cSld>
     <p:spTree>
@@ -12640,7 +14042,7 @@
                 </a:r>
                 <a:r>
                   <a:rPr lang="en-US" altLang="zh-TW" dirty="0" smtClean="0"/>
-                  <a:t>, we implemented a way to construct </a:t>
+                  <a:t>, we implemented a circuit to construct </a:t>
                 </a:r>
                 <a14:m>
                   <m:oMath xmlns:m="http://schemas.openxmlformats.org/officeDocument/2006/math">
@@ -12814,7 +14216,7 @@
               <a:blipFill>
                 <a:blip r:embed="rId2"/>
                 <a:stretch>
-                  <a:fillRect l="-1043" t="-2241"/>
+                  <a:fillRect l="-1043" t="-2241" r="-812"/>
                 </a:stretch>
               </a:blipFill>
             </p:spPr>
@@ -13309,6 +14711,215 @@
           </p:sp>
         </mc:Fallback>
       </mc:AlternateContent>
+      <mc:AlternateContent xmlns:mc="http://schemas.openxmlformats.org/markup-compatibility/2006">
+        <mc:Choice xmlns:a14="http://schemas.microsoft.com/office/drawing/2010/main" Requires="a14">
+          <p:sp>
+            <p:nvSpPr>
+              <p:cNvPr id="14" name="矩形 13"/>
+              <p:cNvSpPr/>
+              <p:nvPr/>
+            </p:nvSpPr>
+            <p:spPr>
+              <a:xfrm>
+                <a:off x="2482427" y="6112250"/>
+                <a:ext cx="4269759" cy="714683"/>
+              </a:xfrm>
+              <a:prstGeom prst="rect">
+                <a:avLst/>
+              </a:prstGeom>
+            </p:spPr>
+            <p:txBody>
+              <a:bodyPr wrap="none">
+                <a:spAutoFit/>
+              </a:bodyPr>
+              <a:lstStyle/>
+              <a:p>
+                <a14:m>
+                  <m:oMath xmlns:m="http://schemas.openxmlformats.org/officeDocument/2006/math">
+                    <m:sSup>
+                      <m:sSupPr>
+                        <m:ctrlPr>
+                          <a:rPr lang="en-US" altLang="zh-TW" i="1">
+                            <a:latin typeface="Cambria Math" panose="02040503050406030204" pitchFamily="18" charset="0"/>
+                          </a:rPr>
+                        </m:ctrlPr>
+                      </m:sSupPr>
+                      <m:e>
+                        <m:r>
+                          <a:rPr lang="en-US" altLang="zh-TW" i="1">
+                            <a:latin typeface="Cambria Math" panose="02040503050406030204" pitchFamily="18" charset="0"/>
+                          </a:rPr>
+                          <m:t>𝑈</m:t>
+                        </m:r>
+                      </m:e>
+                      <m:sup>
+                        <m:sSub>
+                          <m:sSubPr>
+                            <m:ctrlPr>
+                              <a:rPr lang="en-US" altLang="zh-TW" i="1">
+                                <a:latin typeface="Cambria Math" panose="02040503050406030204" pitchFamily="18" charset="0"/>
+                              </a:rPr>
+                            </m:ctrlPr>
+                          </m:sSubPr>
+                          <m:e>
+                            <m:r>
+                              <a:rPr lang="en-US" altLang="zh-TW" i="1">
+                                <a:latin typeface="Cambria Math" panose="02040503050406030204" pitchFamily="18" charset="0"/>
+                              </a:rPr>
+                              <m:t>𝑘</m:t>
+                            </m:r>
+                          </m:e>
+                          <m:sub>
+                            <m:r>
+                              <a:rPr lang="en-US" altLang="zh-TW" i="1">
+                                <a:latin typeface="Cambria Math" panose="02040503050406030204" pitchFamily="18" charset="0"/>
+                              </a:rPr>
+                              <m:t>𝑗</m:t>
+                            </m:r>
+                          </m:sub>
+                        </m:sSub>
+                      </m:sup>
+                    </m:sSup>
+                    <m:d>
+                      <m:dPr>
+                        <m:ctrlPr>
+                          <a:rPr lang="en-US" altLang="zh-TW" i="1">
+                            <a:latin typeface="Cambria Math" panose="02040503050406030204" pitchFamily="18" charset="0"/>
+                          </a:rPr>
+                        </m:ctrlPr>
+                      </m:dPr>
+                      <m:e>
+                        <m:f>
+                          <m:fPr>
+                            <m:ctrlPr>
+                              <a:rPr lang="en-US" altLang="zh-TW" i="1">
+                                <a:latin typeface="Cambria Math" panose="02040503050406030204" pitchFamily="18" charset="0"/>
+                              </a:rPr>
+                            </m:ctrlPr>
+                          </m:fPr>
+                          <m:num>
+                            <m:r>
+                              <a:rPr lang="en-US" altLang="zh-TW" i="1">
+                                <a:latin typeface="Cambria Math" panose="02040503050406030204" pitchFamily="18" charset="0"/>
+                              </a:rPr>
+                              <m:t>𝑡</m:t>
+                            </m:r>
+                          </m:num>
+                          <m:den>
+                            <m:sSub>
+                              <m:sSubPr>
+                                <m:ctrlPr>
+                                  <a:rPr lang="en-US" altLang="zh-TW" i="1">
+                                    <a:latin typeface="Cambria Math" panose="02040503050406030204" pitchFamily="18" charset="0"/>
+                                  </a:rPr>
+                                </m:ctrlPr>
+                              </m:sSubPr>
+                              <m:e>
+                                <m:r>
+                                  <a:rPr lang="en-US" altLang="zh-TW" i="1">
+                                    <a:latin typeface="Cambria Math" panose="02040503050406030204" pitchFamily="18" charset="0"/>
+                                  </a:rPr>
+                                  <m:t>𝑘</m:t>
+                                </m:r>
+                              </m:e>
+                              <m:sub>
+                                <m:r>
+                                  <a:rPr lang="en-US" altLang="zh-TW" i="1">
+                                    <a:latin typeface="Cambria Math" panose="02040503050406030204" pitchFamily="18" charset="0"/>
+                                  </a:rPr>
+                                  <m:t>𝑗</m:t>
+                                </m:r>
+                              </m:sub>
+                            </m:sSub>
+                          </m:den>
+                        </m:f>
+                      </m:e>
+                    </m:d>
+                  </m:oMath>
+                </a14:m>
+                <a:r>
+                  <a:rPr lang="zh-TW" altLang="en-US" dirty="0" smtClean="0"/>
+                  <a:t> </a:t>
+                </a:r>
+                <a:r>
+                  <a:rPr lang="en-US" altLang="zh-TW" dirty="0" smtClean="0"/>
+                  <a:t>from</a:t>
+                </a:r>
+                <a:r>
+                  <a:rPr lang="zh-TW" altLang="en-US" dirty="0" smtClean="0"/>
+                  <a:t> </a:t>
+                </a:r>
+                <a:r>
+                  <a:rPr lang="en-US" altLang="zh-TW" u="sng" dirty="0" smtClean="0">
+                    <a:solidFill>
+                      <a:schemeClr val="tx1"/>
+                    </a:solidFill>
+                    <a:ea typeface="Cambria Math" panose="02040503050406030204" pitchFamily="18" charset="0"/>
+                  </a:rPr>
+                  <a:t>arXiv:1907.11679 [quant-</a:t>
+                </a:r>
+                <a:r>
+                  <a:rPr lang="en-US" altLang="zh-TW" u="sng" dirty="0" err="1" smtClean="0">
+                    <a:solidFill>
+                      <a:schemeClr val="tx1"/>
+                    </a:solidFill>
+                    <a:ea typeface="Cambria Math" panose="02040503050406030204" pitchFamily="18" charset="0"/>
+                  </a:rPr>
+                  <a:t>ph</a:t>
+                </a:r>
+                <a:r>
+                  <a:rPr lang="en-US" altLang="zh-TW" u="sng" dirty="0" smtClean="0">
+                    <a:solidFill>
+                      <a:schemeClr val="tx1"/>
+                    </a:solidFill>
+                    <a:ea typeface="Cambria Math" panose="02040503050406030204" pitchFamily="18" charset="0"/>
+                  </a:rPr>
+                  <a:t>]</a:t>
+                </a:r>
+                <a:endParaRPr lang="zh-TW" altLang="en-US" dirty="0"/>
+              </a:p>
+            </p:txBody>
+          </p:sp>
+        </mc:Choice>
+        <mc:Fallback>
+          <p:sp>
+            <p:nvSpPr>
+              <p:cNvPr id="14" name="矩形 13"/>
+              <p:cNvSpPr>
+                <a:spLocks noRot="1" noChangeAspect="1" noMove="1" noResize="1" noEditPoints="1" noAdjustHandles="1" noChangeArrowheads="1" noChangeShapeType="1" noTextEdit="1"/>
+              </p:cNvSpPr>
+              <p:nvPr/>
+            </p:nvSpPr>
+            <p:spPr>
+              <a:xfrm>
+                <a:off x="2482427" y="6112250"/>
+                <a:ext cx="4269759" cy="714683"/>
+              </a:xfrm>
+              <a:prstGeom prst="rect">
+                <a:avLst/>
+              </a:prstGeom>
+              <a:blipFill>
+                <a:blip r:embed="rId7"/>
+                <a:stretch>
+                  <a:fillRect r="-713"/>
+                </a:stretch>
+              </a:blipFill>
+            </p:spPr>
+            <p:txBody>
+              <a:bodyPr/>
+              <a:lstStyle/>
+              <a:p>
+                <a:r>
+                  <a:rPr lang="zh-TW" altLang="en-US">
+                    <a:noFill/>
+                  </a:rPr>
+                  <a:t> </a:t>
+                </a:r>
+              </a:p>
+            </p:txBody>
+          </p:sp>
+        </mc:Fallback>
+      </mc:AlternateContent>
     </p:spTree>
     <p:extLst>
       <p:ext uri="{BB962C8B-B14F-4D97-AF65-F5344CB8AC3E}">
@@ -13323,6 +14934,320 @@
 </file>
 
 <file path=ppt/slides/slide4.xml><?xml version="1.0" encoding="utf-8"?>
+<p:sld xmlns:a="http://schemas.openxmlformats.org/drawingml/2006/main" xmlns:r="http://schemas.openxmlformats.org/officeDocument/2006/relationships" xmlns:p="http://schemas.openxmlformats.org/presentationml/2006/main">
+  <p:cSld>
+    <p:spTree>
+      <p:nvGrpSpPr>
+        <p:cNvPr id="1" name=""/>
+        <p:cNvGrpSpPr/>
+        <p:nvPr/>
+      </p:nvGrpSpPr>
+      <p:grpSpPr>
+        <a:xfrm>
+          <a:off x="0" y="0"/>
+          <a:ext cx="0" cy="0"/>
+          <a:chOff x="0" y="0"/>
+          <a:chExt cx="0" cy="0"/>
+        </a:xfrm>
+      </p:grpSpPr>
+      <p:sp>
+        <p:nvSpPr>
+          <p:cNvPr id="2" name="標題 1"/>
+          <p:cNvSpPr>
+            <a:spLocks noGrp="1"/>
+          </p:cNvSpPr>
+          <p:nvPr>
+            <p:ph type="title"/>
+          </p:nvPr>
+        </p:nvSpPr>
+        <p:spPr/>
+        <p:txBody>
+          <a:bodyPr/>
+          <a:lstStyle/>
+          <a:p>
+            <a:r>
+              <a:rPr lang="en-US" altLang="zh-TW" dirty="0" smtClean="0"/>
+              <a:t>Our work</a:t>
+            </a:r>
+            <a:endParaRPr lang="zh-TW" altLang="en-US" dirty="0"/>
+          </a:p>
+        </p:txBody>
+      </p:sp>
+      <p:pic>
+        <p:nvPicPr>
+          <p:cNvPr id="5" name="內容版面配置區 4"/>
+          <p:cNvPicPr>
+            <a:picLocks noGrp="1" noChangeAspect="1"/>
+          </p:cNvPicPr>
+          <p:nvPr>
+            <p:ph idx="1"/>
+          </p:nvPr>
+        </p:nvPicPr>
+        <p:blipFill>
+          <a:blip r:embed="rId2">
+            <a:extLst>
+              <a:ext uri="{28A0092B-C50C-407E-A947-70E740481C1C}">
+                <a14:useLocalDpi xmlns:a14="http://schemas.microsoft.com/office/drawing/2010/main" val="0"/>
+              </a:ext>
+            </a:extLst>
+          </a:blip>
+          <a:stretch>
+            <a:fillRect/>
+          </a:stretch>
+        </p:blipFill>
+        <p:spPr>
+          <a:xfrm>
+            <a:off x="3357859" y="365125"/>
+            <a:ext cx="8383102" cy="6026356"/>
+          </a:xfrm>
+        </p:spPr>
+      </p:pic>
+      <mc:AlternateContent xmlns:mc="http://schemas.openxmlformats.org/markup-compatibility/2006">
+        <mc:Choice xmlns:a14="http://schemas.microsoft.com/office/drawing/2010/main" Requires="a14">
+          <p:sp>
+            <p:nvSpPr>
+              <p:cNvPr id="6" name="文字方塊 5"/>
+              <p:cNvSpPr txBox="1"/>
+              <p:nvPr/>
+            </p:nvSpPr>
+            <p:spPr>
+              <a:xfrm>
+                <a:off x="838200" y="1500692"/>
+                <a:ext cx="2889325" cy="1660839"/>
+              </a:xfrm>
+              <a:prstGeom prst="rect">
+                <a:avLst/>
+              </a:prstGeom>
+              <a:noFill/>
+            </p:spPr>
+            <p:txBody>
+              <a:bodyPr wrap="square" rtlCol="0">
+                <a:spAutoFit/>
+              </a:bodyPr>
+              <a:lstStyle/>
+              <a:p>
+                <a:pPr marL="285750" indent="-285750">
+                  <a:buFont typeface="Arial" panose="020B0604020202020204" pitchFamily="34" charset="0"/>
+                  <a:buChar char="•"/>
+                </a:pPr>
+                <a:r>
+                  <a:rPr lang="en-US" altLang="zh-TW" sz="2400" dirty="0" smtClean="0"/>
+                  <a:t>Circuit implementation of </a:t>
+                </a:r>
+                <a14:m>
+                  <m:oMath xmlns:m="http://schemas.openxmlformats.org/officeDocument/2006/math">
+                    <m:r>
+                      <a:rPr lang="en-US" altLang="zh-TW" sz="2400" b="0" i="1" smtClean="0">
+                        <a:latin typeface="Cambria Math" panose="02040503050406030204" pitchFamily="18" charset="0"/>
+                      </a:rPr>
+                      <m:t>𝑈</m:t>
+                    </m:r>
+                    <m:r>
+                      <a:rPr lang="en-US" altLang="zh-TW" sz="2400" b="0" i="1" smtClean="0">
+                        <a:latin typeface="Cambria Math" panose="02040503050406030204" pitchFamily="18" charset="0"/>
+                      </a:rPr>
+                      <m:t>=</m:t>
+                    </m:r>
+                    <m:nary>
+                      <m:naryPr>
+                        <m:chr m:val="∑"/>
+                        <m:subHide m:val="on"/>
+                        <m:supHide m:val="on"/>
+                        <m:ctrlPr>
+                          <a:rPr lang="en-US" altLang="zh-TW" sz="2400" b="0" i="1" smtClean="0">
+                            <a:latin typeface="Cambria Math" panose="02040503050406030204" pitchFamily="18" charset="0"/>
+                          </a:rPr>
+                        </m:ctrlPr>
+                      </m:naryPr>
+                      <m:sub/>
+                      <m:sup/>
+                      <m:e>
+                        <m:sSub>
+                          <m:sSubPr>
+                            <m:ctrlPr>
+                              <a:rPr lang="en-US" altLang="zh-TW" sz="2400" b="0" i="1" smtClean="0">
+                                <a:latin typeface="Cambria Math" panose="02040503050406030204" pitchFamily="18" charset="0"/>
+                              </a:rPr>
+                            </m:ctrlPr>
+                          </m:sSubPr>
+                          <m:e>
+                            <m:r>
+                              <a:rPr lang="en-US" altLang="zh-TW" sz="2400" b="0" i="1" smtClean="0">
+                                <a:latin typeface="Cambria Math" panose="02040503050406030204" pitchFamily="18" charset="0"/>
+                              </a:rPr>
+                              <m:t>𝑎</m:t>
+                            </m:r>
+                          </m:e>
+                          <m:sub>
+                            <m:r>
+                              <a:rPr lang="en-US" altLang="zh-TW" sz="2400" b="0" i="1" smtClean="0">
+                                <a:latin typeface="Cambria Math" panose="02040503050406030204" pitchFamily="18" charset="0"/>
+                              </a:rPr>
+                              <m:t>𝑗</m:t>
+                            </m:r>
+                          </m:sub>
+                        </m:sSub>
+                        <m:sSup>
+                          <m:sSupPr>
+                            <m:ctrlPr>
+                              <a:rPr lang="en-US" altLang="zh-TW" sz="2400" i="1" smtClean="0">
+                                <a:latin typeface="Cambria Math" panose="02040503050406030204" pitchFamily="18" charset="0"/>
+                              </a:rPr>
+                            </m:ctrlPr>
+                          </m:sSupPr>
+                          <m:e>
+                            <m:r>
+                              <a:rPr lang="en-US" altLang="zh-TW" sz="2400" i="1">
+                                <a:latin typeface="Cambria Math" panose="02040503050406030204" pitchFamily="18" charset="0"/>
+                              </a:rPr>
+                              <m:t>𝑈</m:t>
+                            </m:r>
+                          </m:e>
+                          <m:sup>
+                            <m:sSub>
+                              <m:sSubPr>
+                                <m:ctrlPr>
+                                  <a:rPr lang="en-US" altLang="zh-TW" sz="2400" i="1">
+                                    <a:latin typeface="Cambria Math" panose="02040503050406030204" pitchFamily="18" charset="0"/>
+                                  </a:rPr>
+                                </m:ctrlPr>
+                              </m:sSubPr>
+                              <m:e>
+                                <m:r>
+                                  <a:rPr lang="en-US" altLang="zh-TW" sz="2400" i="1">
+                                    <a:latin typeface="Cambria Math" panose="02040503050406030204" pitchFamily="18" charset="0"/>
+                                  </a:rPr>
+                                  <m:t>𝑘</m:t>
+                                </m:r>
+                              </m:e>
+                              <m:sub>
+                                <m:r>
+                                  <a:rPr lang="en-US" altLang="zh-TW" sz="2400" i="1">
+                                    <a:latin typeface="Cambria Math" panose="02040503050406030204" pitchFamily="18" charset="0"/>
+                                  </a:rPr>
+                                  <m:t>𝑗</m:t>
+                                </m:r>
+                              </m:sub>
+                            </m:sSub>
+                          </m:sup>
+                        </m:sSup>
+                        <m:d>
+                          <m:dPr>
+                            <m:ctrlPr>
+                              <a:rPr lang="en-US" altLang="zh-TW" sz="2400" i="1">
+                                <a:latin typeface="Cambria Math" panose="02040503050406030204" pitchFamily="18" charset="0"/>
+                              </a:rPr>
+                            </m:ctrlPr>
+                          </m:dPr>
+                          <m:e>
+                            <m:f>
+                              <m:fPr>
+                                <m:ctrlPr>
+                                  <a:rPr lang="en-US" altLang="zh-TW" sz="2400" i="1">
+                                    <a:latin typeface="Cambria Math" panose="02040503050406030204" pitchFamily="18" charset="0"/>
+                                  </a:rPr>
+                                </m:ctrlPr>
+                              </m:fPr>
+                              <m:num>
+                                <m:r>
+                                  <a:rPr lang="en-US" altLang="zh-TW" sz="2400" i="1">
+                                    <a:latin typeface="Cambria Math" panose="02040503050406030204" pitchFamily="18" charset="0"/>
+                                  </a:rPr>
+                                  <m:t>𝑡</m:t>
+                                </m:r>
+                              </m:num>
+                              <m:den>
+                                <m:sSub>
+                                  <m:sSubPr>
+                                    <m:ctrlPr>
+                                      <a:rPr lang="en-US" altLang="zh-TW" sz="2400" i="1">
+                                        <a:latin typeface="Cambria Math" panose="02040503050406030204" pitchFamily="18" charset="0"/>
+                                      </a:rPr>
+                                    </m:ctrlPr>
+                                  </m:sSubPr>
+                                  <m:e>
+                                    <m:r>
+                                      <a:rPr lang="en-US" altLang="zh-TW" sz="2400" i="1">
+                                        <a:latin typeface="Cambria Math" panose="02040503050406030204" pitchFamily="18" charset="0"/>
+                                      </a:rPr>
+                                      <m:t>𝑘</m:t>
+                                    </m:r>
+                                  </m:e>
+                                  <m:sub>
+                                    <m:r>
+                                      <a:rPr lang="en-US" altLang="zh-TW" sz="2400" i="1">
+                                        <a:latin typeface="Cambria Math" panose="02040503050406030204" pitchFamily="18" charset="0"/>
+                                      </a:rPr>
+                                      <m:t>𝑗</m:t>
+                                    </m:r>
+                                  </m:sub>
+                                </m:sSub>
+                              </m:den>
+                            </m:f>
+                          </m:e>
+                        </m:d>
+                      </m:e>
+                    </m:nary>
+                  </m:oMath>
+                </a14:m>
+                <a:endParaRPr lang="zh-TW" altLang="en-US" sz="2400" dirty="0"/>
+              </a:p>
+            </p:txBody>
+          </p:sp>
+        </mc:Choice>
+        <mc:Fallback>
+          <p:sp>
+            <p:nvSpPr>
+              <p:cNvPr id="6" name="文字方塊 5"/>
+              <p:cNvSpPr txBox="1">
+                <a:spLocks noRot="1" noChangeAspect="1" noMove="1" noResize="1" noEditPoints="1" noAdjustHandles="1" noChangeArrowheads="1" noChangeShapeType="1" noTextEdit="1"/>
+              </p:cNvSpPr>
+              <p:nvPr/>
+            </p:nvSpPr>
+            <p:spPr>
+              <a:xfrm>
+                <a:off x="838200" y="1500692"/>
+                <a:ext cx="2889325" cy="1660839"/>
+              </a:xfrm>
+              <a:prstGeom prst="rect">
+                <a:avLst/>
+              </a:prstGeom>
+              <a:blipFill>
+                <a:blip r:embed="rId3"/>
+                <a:stretch>
+                  <a:fillRect l="-2960" t="-2930" r="-1691"/>
+                </a:stretch>
+              </a:blipFill>
+            </p:spPr>
+            <p:txBody>
+              <a:bodyPr/>
+              <a:lstStyle/>
+              <a:p>
+                <a:r>
+                  <a:rPr lang="zh-TW" altLang="en-US">
+                    <a:noFill/>
+                  </a:rPr>
+                  <a:t> </a:t>
+                </a:r>
+              </a:p>
+            </p:txBody>
+          </p:sp>
+        </mc:Fallback>
+      </mc:AlternateContent>
+    </p:spTree>
+    <p:extLst>
+      <p:ext uri="{BB962C8B-B14F-4D97-AF65-F5344CB8AC3E}">
+        <p14:creationId xmlns:p14="http://schemas.microsoft.com/office/powerpoint/2010/main" val="792726726"/>
+      </p:ext>
+    </p:extLst>
+  </p:cSld>
+  <p:clrMapOvr>
+    <a:masterClrMapping/>
+  </p:clrMapOvr>
+</p:sld>
+</file>
+
+<file path=ppt/slides/slide5.xml><?xml version="1.0" encoding="utf-8"?>
 <p:sld xmlns:a="http://schemas.openxmlformats.org/drawingml/2006/main" xmlns:r="http://schemas.openxmlformats.org/officeDocument/2006/relationships" xmlns:p="http://schemas.openxmlformats.org/presentationml/2006/main">
   <p:cSld>
     <p:spTree>
@@ -15194,7 +17119,7 @@
 </p:sld>
 </file>
 
-<file path=ppt/slides/slide5.xml><?xml version="1.0" encoding="utf-8"?>
+<file path=ppt/slides/slide6.xml><?xml version="1.0" encoding="utf-8"?>
 <p:sld xmlns:a="http://schemas.openxmlformats.org/drawingml/2006/main" xmlns:r="http://schemas.openxmlformats.org/officeDocument/2006/relationships" xmlns:p="http://schemas.openxmlformats.org/presentationml/2006/main" show="0">
   <p:cSld>
     <p:spTree>
@@ -16035,7 +17960,7 @@
 </p:sld>
 </file>
 
-<file path=ppt/slides/slide6.xml><?xml version="1.0" encoding="utf-8"?>
+<file path=ppt/slides/slide7.xml><?xml version="1.0" encoding="utf-8"?>
 <p:sld xmlns:a="http://schemas.openxmlformats.org/drawingml/2006/main" xmlns:r="http://schemas.openxmlformats.org/officeDocument/2006/relationships" xmlns:p="http://schemas.openxmlformats.org/presentationml/2006/main" show="0">
   <p:cSld>
     <p:spTree>
@@ -16924,7 +18849,7 @@
 </p:sld>
 </file>
 
-<file path=ppt/slides/slide7.xml><?xml version="1.0" encoding="utf-8"?>
+<file path=ppt/slides/slide8.xml><?xml version="1.0" encoding="utf-8"?>
 <p:sld xmlns:a="http://schemas.openxmlformats.org/drawingml/2006/main" xmlns:r="http://schemas.openxmlformats.org/officeDocument/2006/relationships" xmlns:p="http://schemas.openxmlformats.org/presentationml/2006/main" show="0">
   <p:cSld>
     <p:spTree>
@@ -17862,7 +19787,7 @@
 </p:sld>
 </file>
 
-<file path=ppt/slides/slide8.xml><?xml version="1.0" encoding="utf-8"?>
+<file path=ppt/slides/slide9.xml><?xml version="1.0" encoding="utf-8"?>
 <p:sld xmlns:a="http://schemas.openxmlformats.org/drawingml/2006/main" xmlns:r="http://schemas.openxmlformats.org/officeDocument/2006/relationships" xmlns:p="http://schemas.openxmlformats.org/presentationml/2006/main" show="0">
   <p:cSld>
     <p:spTree>
@@ -18813,1053 +20738,6 @@
     <p:extLst>
       <p:ext uri="{BB962C8B-B14F-4D97-AF65-F5344CB8AC3E}">
         <p14:creationId xmlns:p14="http://schemas.microsoft.com/office/powerpoint/2010/main" val="4170260595"/>
-      </p:ext>
-    </p:extLst>
-  </p:cSld>
-  <p:clrMapOvr>
-    <a:masterClrMapping/>
-  </p:clrMapOvr>
-  <mc:AlternateContent xmlns:mc="http://schemas.openxmlformats.org/markup-compatibility/2006">
-    <mc:Choice xmlns:p14="http://schemas.microsoft.com/office/powerpoint/2010/main" Requires="p14">
-      <p:transition spd="slow" p14:dur="2000"/>
-    </mc:Choice>
-    <mc:Fallback>
-      <p:transition spd="slow"/>
-    </mc:Fallback>
-  </mc:AlternateContent>
-</p:sld>
-</file>
-
-<file path=ppt/slides/slide9.xml><?xml version="1.0" encoding="utf-8"?>
-<p:sld xmlns:a="http://schemas.openxmlformats.org/drawingml/2006/main" xmlns:r="http://schemas.openxmlformats.org/officeDocument/2006/relationships" xmlns:p="http://schemas.openxmlformats.org/presentationml/2006/main" show="0">
-  <p:cSld>
-    <p:spTree>
-      <p:nvGrpSpPr>
-        <p:cNvPr id="1" name=""/>
-        <p:cNvGrpSpPr/>
-        <p:nvPr/>
-      </p:nvGrpSpPr>
-      <p:grpSpPr>
-        <a:xfrm>
-          <a:off x="0" y="0"/>
-          <a:ext cx="0" cy="0"/>
-          <a:chOff x="0" y="0"/>
-          <a:chExt cx="0" cy="0"/>
-        </a:xfrm>
-      </p:grpSpPr>
-      <p:sp>
-        <p:nvSpPr>
-          <p:cNvPr id="2" name="標題 1"/>
-          <p:cNvSpPr>
-            <a:spLocks noGrp="1"/>
-          </p:cNvSpPr>
-          <p:nvPr>
-            <p:ph type="title"/>
-          </p:nvPr>
-        </p:nvSpPr>
-        <p:spPr/>
-        <p:txBody>
-          <a:bodyPr/>
-          <a:lstStyle/>
-          <a:p>
-            <a:r>
-              <a:rPr lang="en-US" altLang="zh-TW" dirty="0" smtClean="0"/>
-              <a:t>Problem</a:t>
-            </a:r>
-            <a:endParaRPr lang="zh-TW" altLang="en-US" dirty="0"/>
-          </a:p>
-        </p:txBody>
-      </p:sp>
-      <mc:AlternateContent xmlns:mc="http://schemas.openxmlformats.org/markup-compatibility/2006">
-        <mc:Choice xmlns:a14="http://schemas.microsoft.com/office/drawing/2010/main" Requires="a14">
-          <p:sp>
-            <p:nvSpPr>
-              <p:cNvPr id="3" name="內容版面配置區 2"/>
-              <p:cNvSpPr>
-                <a:spLocks noGrp="1"/>
-              </p:cNvSpPr>
-              <p:nvPr>
-                <p:ph idx="1"/>
-              </p:nvPr>
-            </p:nvSpPr>
-            <p:spPr>
-              <a:xfrm>
-                <a:off x="838200" y="1825625"/>
-                <a:ext cx="10515600" cy="2181599"/>
-              </a:xfrm>
-            </p:spPr>
-            <p:txBody>
-              <a:bodyPr>
-                <a:normAutofit/>
-              </a:bodyPr>
-              <a:lstStyle/>
-              <a:p>
-                <a:r>
-                  <a:rPr lang="en-US" altLang="zh-TW" dirty="0" smtClean="0"/>
-                  <a:t>To simulate the dynamics of a system, we need </a:t>
-                </a:r>
-                <a:r>
-                  <a:rPr lang="en-US" altLang="zh-TW" dirty="0" err="1" smtClean="0"/>
-                  <a:t>exponentiated</a:t>
-                </a:r>
-                <a:r>
-                  <a:rPr lang="en-US" altLang="zh-TW" dirty="0" smtClean="0"/>
-                  <a:t> operators.</a:t>
-                </a:r>
-              </a:p>
-              <a:p>
-                <a:r>
-                  <a:rPr lang="en-US" altLang="zh-TW" b="1" u="sng" dirty="0" smtClean="0"/>
-                  <a:t>Want</a:t>
-                </a:r>
-                <a:r>
-                  <a:rPr lang="en-US" altLang="zh-TW" dirty="0"/>
-                  <a:t>: Find a circuit for </a:t>
-                </a:r>
-                <a14:m>
-                  <m:oMath xmlns:m="http://schemas.openxmlformats.org/officeDocument/2006/math">
-                    <m:sSup>
-                      <m:sSupPr>
-                        <m:ctrlPr>
-                          <a:rPr lang="en-US" altLang="zh-TW" i="1">
-                            <a:latin typeface="Cambria Math" panose="02040503050406030204" pitchFamily="18" charset="0"/>
-                          </a:rPr>
-                        </m:ctrlPr>
-                      </m:sSupPr>
-                      <m:e>
-                        <m:r>
-                          <a:rPr lang="en-US" altLang="zh-TW" i="1">
-                            <a:latin typeface="Cambria Math" panose="02040503050406030204" pitchFamily="18" charset="0"/>
-                          </a:rPr>
-                          <m:t>𝑒</m:t>
-                        </m:r>
-                      </m:e>
-                      <m:sup>
-                        <m:r>
-                          <a:rPr lang="en-US" altLang="zh-TW" i="1">
-                            <a:latin typeface="Cambria Math" panose="02040503050406030204" pitchFamily="18" charset="0"/>
-                          </a:rPr>
-                          <m:t>𝑖𝐴𝑡</m:t>
-                        </m:r>
-                      </m:sup>
-                    </m:sSup>
-                  </m:oMath>
-                </a14:m>
-                <a:r>
-                  <a:rPr lang="en-US" altLang="zh-TW" dirty="0"/>
-                  <a:t>, where </a:t>
-                </a:r>
-                <a14:m>
-                  <m:oMath xmlns:m="http://schemas.openxmlformats.org/officeDocument/2006/math">
-                    <m:r>
-                      <a:rPr lang="en-US" altLang="zh-TW" i="1">
-                        <a:latin typeface="Cambria Math" panose="02040503050406030204" pitchFamily="18" charset="0"/>
-                      </a:rPr>
-                      <m:t>𝐴</m:t>
-                    </m:r>
-                    <m:r>
-                      <a:rPr lang="en-US" altLang="zh-TW" i="1">
-                        <a:latin typeface="Cambria Math" panose="02040503050406030204" pitchFamily="18" charset="0"/>
-                        <a:ea typeface="Cambria Math" panose="02040503050406030204" pitchFamily="18" charset="0"/>
-                      </a:rPr>
-                      <m:t>∈</m:t>
-                    </m:r>
-                    <m:sSup>
-                      <m:sSupPr>
-                        <m:ctrlPr>
-                          <a:rPr lang="en-US" altLang="zh-TW" i="1">
-                            <a:latin typeface="Cambria Math" panose="02040503050406030204" pitchFamily="18" charset="0"/>
-                            <a:ea typeface="Cambria Math" panose="02040503050406030204" pitchFamily="18" charset="0"/>
-                          </a:rPr>
-                        </m:ctrlPr>
-                      </m:sSupPr>
-                      <m:e>
-                        <m:r>
-                          <a:rPr lang="en-US" altLang="zh-TW" i="1">
-                            <a:latin typeface="Cambria Math" panose="02040503050406030204" pitchFamily="18" charset="0"/>
-                            <a:ea typeface="Cambria Math" panose="02040503050406030204" pitchFamily="18" charset="0"/>
-                          </a:rPr>
-                          <m:t>ℂ</m:t>
-                        </m:r>
-                      </m:e>
-                      <m:sup>
-                        <m:r>
-                          <a:rPr lang="en-US" altLang="zh-TW" i="1">
-                            <a:latin typeface="Cambria Math" panose="02040503050406030204" pitchFamily="18" charset="0"/>
-                            <a:ea typeface="Cambria Math" panose="02040503050406030204" pitchFamily="18" charset="0"/>
-                          </a:rPr>
-                          <m:t>𝑁</m:t>
-                        </m:r>
-                        <m:r>
-                          <a:rPr lang="en-US" altLang="zh-TW" i="1">
-                            <a:latin typeface="Cambria Math" panose="02040503050406030204" pitchFamily="18" charset="0"/>
-                            <a:ea typeface="Cambria Math" panose="02040503050406030204" pitchFamily="18" charset="0"/>
-                          </a:rPr>
-                          <m:t>×</m:t>
-                        </m:r>
-                        <m:r>
-                          <a:rPr lang="en-US" altLang="zh-TW" i="1">
-                            <a:latin typeface="Cambria Math" panose="02040503050406030204" pitchFamily="18" charset="0"/>
-                            <a:ea typeface="Cambria Math" panose="02040503050406030204" pitchFamily="18" charset="0"/>
-                          </a:rPr>
-                          <m:t>𝑁</m:t>
-                        </m:r>
-                      </m:sup>
-                    </m:sSup>
-                  </m:oMath>
-                </a14:m>
-                <a:r>
-                  <a:rPr lang="en-US" altLang="zh-TW" dirty="0"/>
-                  <a:t> and </a:t>
-                </a:r>
-                <a14:m>
-                  <m:oMath xmlns:m="http://schemas.openxmlformats.org/officeDocument/2006/math">
-                    <m:r>
-                      <a:rPr lang="en-US" altLang="zh-TW" i="1">
-                        <a:latin typeface="Cambria Math" panose="02040503050406030204" pitchFamily="18" charset="0"/>
-                      </a:rPr>
-                      <m:t>𝑡</m:t>
-                    </m:r>
-                    <m:r>
-                      <a:rPr lang="en-US" altLang="zh-TW" i="1">
-                        <a:latin typeface="Cambria Math" panose="02040503050406030204" pitchFamily="18" charset="0"/>
-                        <a:ea typeface="Cambria Math" panose="02040503050406030204" pitchFamily="18" charset="0"/>
-                      </a:rPr>
-                      <m:t>∈</m:t>
-                    </m:r>
-                    <m:r>
-                      <a:rPr lang="en-US" altLang="zh-TW" i="1">
-                        <a:latin typeface="Cambria Math" panose="02040503050406030204" pitchFamily="18" charset="0"/>
-                        <a:ea typeface="Cambria Math" panose="02040503050406030204" pitchFamily="18" charset="0"/>
-                      </a:rPr>
-                      <m:t>ℝ</m:t>
-                    </m:r>
-                  </m:oMath>
-                </a14:m>
-                <a:endParaRPr lang="en-US" altLang="zh-TW" dirty="0"/>
-              </a:p>
-              <a:p>
-                <a:r>
-                  <a:rPr lang="en-US" altLang="zh-TW" b="1" u="sng" dirty="0"/>
-                  <a:t>Given</a:t>
-                </a:r>
-                <a:r>
-                  <a:rPr lang="en-US" altLang="zh-TW" dirty="0"/>
-                  <a:t>: </a:t>
-                </a:r>
-                <a14:m>
-                  <m:oMath xmlns:m="http://schemas.openxmlformats.org/officeDocument/2006/math">
-                    <m:r>
-                      <a:rPr lang="en-US" altLang="zh-TW" i="1">
-                        <a:latin typeface="Cambria Math" panose="02040503050406030204" pitchFamily="18" charset="0"/>
-                      </a:rPr>
-                      <m:t>𝐴</m:t>
-                    </m:r>
-                    <m:r>
-                      <a:rPr lang="en-US" altLang="zh-TW" i="1">
-                        <a:latin typeface="Cambria Math" panose="02040503050406030204" pitchFamily="18" charset="0"/>
-                      </a:rPr>
-                      <m:t>=</m:t>
-                    </m:r>
-                    <m:sSub>
-                      <m:sSubPr>
-                        <m:ctrlPr>
-                          <a:rPr lang="en-US" altLang="zh-TW" i="1">
-                            <a:latin typeface="Cambria Math" panose="02040503050406030204" pitchFamily="18" charset="0"/>
-                          </a:rPr>
-                        </m:ctrlPr>
-                      </m:sSubPr>
-                      <m:e>
-                        <m:r>
-                          <a:rPr lang="en-US" altLang="zh-TW" i="1">
-                            <a:latin typeface="Cambria Math" panose="02040503050406030204" pitchFamily="18" charset="0"/>
-                          </a:rPr>
-                          <m:t>𝐻</m:t>
-                        </m:r>
-                      </m:e>
-                      <m:sub>
-                        <m:r>
-                          <a:rPr lang="en-US" altLang="zh-TW" i="1">
-                            <a:latin typeface="Cambria Math" panose="02040503050406030204" pitchFamily="18" charset="0"/>
-                          </a:rPr>
-                          <m:t>1</m:t>
-                        </m:r>
-                      </m:sub>
-                    </m:sSub>
-                    <m:r>
-                      <a:rPr lang="en-US" altLang="zh-TW" i="1">
-                        <a:latin typeface="Cambria Math" panose="02040503050406030204" pitchFamily="18" charset="0"/>
-                      </a:rPr>
-                      <m:t>+</m:t>
-                    </m:r>
-                    <m:sSub>
-                      <m:sSubPr>
-                        <m:ctrlPr>
-                          <a:rPr lang="en-US" altLang="zh-TW" i="1">
-                            <a:latin typeface="Cambria Math" panose="02040503050406030204" pitchFamily="18" charset="0"/>
-                          </a:rPr>
-                        </m:ctrlPr>
-                      </m:sSubPr>
-                      <m:e>
-                        <m:r>
-                          <a:rPr lang="en-US" altLang="zh-TW" i="1">
-                            <a:latin typeface="Cambria Math" panose="02040503050406030204" pitchFamily="18" charset="0"/>
-                          </a:rPr>
-                          <m:t>𝐻</m:t>
-                        </m:r>
-                      </m:e>
-                      <m:sub>
-                        <m:r>
-                          <a:rPr lang="en-US" altLang="zh-TW" i="1">
-                            <a:latin typeface="Cambria Math" panose="02040503050406030204" pitchFamily="18" charset="0"/>
-                          </a:rPr>
-                          <m:t>2</m:t>
-                        </m:r>
-                      </m:sub>
-                    </m:sSub>
-                  </m:oMath>
-                </a14:m>
-                <a:r>
-                  <a:rPr lang="en-US" altLang="zh-TW" dirty="0"/>
-                  <a:t>, circuits for </a:t>
-                </a:r>
-                <a14:m>
-                  <m:oMath xmlns:m="http://schemas.openxmlformats.org/officeDocument/2006/math">
-                    <m:sSup>
-                      <m:sSupPr>
-                        <m:ctrlPr>
-                          <a:rPr lang="en-US" altLang="zh-TW" i="1">
-                            <a:latin typeface="Cambria Math" panose="02040503050406030204" pitchFamily="18" charset="0"/>
-                          </a:rPr>
-                        </m:ctrlPr>
-                      </m:sSupPr>
-                      <m:e>
-                        <m:r>
-                          <a:rPr lang="en-US" altLang="zh-TW" i="1">
-                            <a:latin typeface="Cambria Math" panose="02040503050406030204" pitchFamily="18" charset="0"/>
-                          </a:rPr>
-                          <m:t>𝑒</m:t>
-                        </m:r>
-                      </m:e>
-                      <m:sup>
-                        <m:r>
-                          <a:rPr lang="en-US" altLang="zh-TW" i="1">
-                            <a:latin typeface="Cambria Math" panose="02040503050406030204" pitchFamily="18" charset="0"/>
-                          </a:rPr>
-                          <m:t>𝑖</m:t>
-                        </m:r>
-                        <m:sSub>
-                          <m:sSubPr>
-                            <m:ctrlPr>
-                              <a:rPr lang="en-US" altLang="zh-TW" i="1">
-                                <a:latin typeface="Cambria Math" panose="02040503050406030204" pitchFamily="18" charset="0"/>
-                              </a:rPr>
-                            </m:ctrlPr>
-                          </m:sSubPr>
-                          <m:e>
-                            <m:r>
-                              <a:rPr lang="en-US" altLang="zh-TW" i="1">
-                                <a:latin typeface="Cambria Math" panose="02040503050406030204" pitchFamily="18" charset="0"/>
-                              </a:rPr>
-                              <m:t>𝐻</m:t>
-                            </m:r>
-                          </m:e>
-                          <m:sub>
-                            <m:r>
-                              <a:rPr lang="en-US" altLang="zh-TW" i="1">
-                                <a:latin typeface="Cambria Math" panose="02040503050406030204" pitchFamily="18" charset="0"/>
-                              </a:rPr>
-                              <m:t>𝑖</m:t>
-                            </m:r>
-                          </m:sub>
-                        </m:sSub>
-                        <m:r>
-                          <a:rPr lang="en-US" altLang="zh-TW" i="1">
-                            <a:latin typeface="Cambria Math" panose="02040503050406030204" pitchFamily="18" charset="0"/>
-                          </a:rPr>
-                          <m:t>𝑡</m:t>
-                        </m:r>
-                      </m:sup>
-                    </m:sSup>
-                    <m:r>
-                      <a:rPr lang="en-US" altLang="zh-TW" i="1">
-                        <a:latin typeface="Cambria Math" panose="02040503050406030204" pitchFamily="18" charset="0"/>
-                      </a:rPr>
-                      <m:t>,</m:t>
-                    </m:r>
-                    <m:r>
-                      <a:rPr lang="en-US" altLang="zh-TW" i="1">
-                        <a:latin typeface="Cambria Math" panose="02040503050406030204" pitchFamily="18" charset="0"/>
-                      </a:rPr>
-                      <m:t>𝑖</m:t>
-                    </m:r>
-                    <m:r>
-                      <a:rPr lang="en-US" altLang="zh-TW" i="1">
-                        <a:latin typeface="Cambria Math" panose="02040503050406030204" pitchFamily="18" charset="0"/>
-                      </a:rPr>
-                      <m:t>=1, 2</m:t>
-                    </m:r>
-                  </m:oMath>
-                </a14:m>
-                <a:r>
-                  <a:rPr lang="en-US" altLang="zh-TW" dirty="0" smtClean="0"/>
-                  <a:t>, </a:t>
-                </a:r>
-                <a14:m>
-                  <m:oMath xmlns:m="http://schemas.openxmlformats.org/officeDocument/2006/math">
-                    <m:d>
-                      <m:dPr>
-                        <m:begChr m:val="["/>
-                        <m:endChr m:val="]"/>
-                        <m:ctrlPr>
-                          <a:rPr lang="en-US" altLang="zh-TW" i="1" smtClean="0">
-                            <a:solidFill>
-                              <a:schemeClr val="tx1"/>
-                            </a:solidFill>
-                            <a:latin typeface="Cambria Math" panose="02040503050406030204" pitchFamily="18" charset="0"/>
-                            <a:ea typeface="Cambria Math" panose="02040503050406030204" pitchFamily="18" charset="0"/>
-                          </a:rPr>
-                        </m:ctrlPr>
-                      </m:dPr>
-                      <m:e>
-                        <m:sSub>
-                          <m:sSubPr>
-                            <m:ctrlPr>
-                              <a:rPr lang="en-US" altLang="zh-TW" i="1">
-                                <a:solidFill>
-                                  <a:schemeClr val="tx1"/>
-                                </a:solidFill>
-                                <a:latin typeface="Cambria Math" panose="02040503050406030204" pitchFamily="18" charset="0"/>
-                                <a:ea typeface="Cambria Math" panose="02040503050406030204" pitchFamily="18" charset="0"/>
-                              </a:rPr>
-                            </m:ctrlPr>
-                          </m:sSubPr>
-                          <m:e>
-                            <m:r>
-                              <a:rPr lang="en-US" altLang="zh-TW" i="1">
-                                <a:solidFill>
-                                  <a:schemeClr val="tx1"/>
-                                </a:solidFill>
-                                <a:latin typeface="Cambria Math" panose="02040503050406030204" pitchFamily="18" charset="0"/>
-                                <a:ea typeface="Cambria Math" panose="02040503050406030204" pitchFamily="18" charset="0"/>
-                              </a:rPr>
-                              <m:t>𝐻</m:t>
-                            </m:r>
-                          </m:e>
-                          <m:sub>
-                            <m:r>
-                              <a:rPr lang="en-US" altLang="zh-TW" i="1">
-                                <a:solidFill>
-                                  <a:schemeClr val="tx1"/>
-                                </a:solidFill>
-                                <a:latin typeface="Cambria Math" panose="02040503050406030204" pitchFamily="18" charset="0"/>
-                                <a:ea typeface="Cambria Math" panose="02040503050406030204" pitchFamily="18" charset="0"/>
-                              </a:rPr>
-                              <m:t>1</m:t>
-                            </m:r>
-                          </m:sub>
-                        </m:sSub>
-                        <m:r>
-                          <a:rPr lang="en-US" altLang="zh-TW" i="1">
-                            <a:solidFill>
-                              <a:schemeClr val="tx1"/>
-                            </a:solidFill>
-                            <a:latin typeface="Cambria Math" panose="02040503050406030204" pitchFamily="18" charset="0"/>
-                            <a:ea typeface="Cambria Math" panose="02040503050406030204" pitchFamily="18" charset="0"/>
-                          </a:rPr>
-                          <m:t>,</m:t>
-                        </m:r>
-                        <m:sSub>
-                          <m:sSubPr>
-                            <m:ctrlPr>
-                              <a:rPr lang="en-US" altLang="zh-TW" i="1">
-                                <a:solidFill>
-                                  <a:schemeClr val="tx1"/>
-                                </a:solidFill>
-                                <a:latin typeface="Cambria Math" panose="02040503050406030204" pitchFamily="18" charset="0"/>
-                                <a:ea typeface="Cambria Math" panose="02040503050406030204" pitchFamily="18" charset="0"/>
-                              </a:rPr>
-                            </m:ctrlPr>
-                          </m:sSubPr>
-                          <m:e>
-                            <m:r>
-                              <a:rPr lang="en-US" altLang="zh-TW" i="1">
-                                <a:solidFill>
-                                  <a:schemeClr val="tx1"/>
-                                </a:solidFill>
-                                <a:latin typeface="Cambria Math" panose="02040503050406030204" pitchFamily="18" charset="0"/>
-                                <a:ea typeface="Cambria Math" panose="02040503050406030204" pitchFamily="18" charset="0"/>
-                              </a:rPr>
-                              <m:t>𝐻</m:t>
-                            </m:r>
-                          </m:e>
-                          <m:sub>
-                            <m:r>
-                              <a:rPr lang="en-US" altLang="zh-TW" i="1">
-                                <a:solidFill>
-                                  <a:schemeClr val="tx1"/>
-                                </a:solidFill>
-                                <a:latin typeface="Cambria Math" panose="02040503050406030204" pitchFamily="18" charset="0"/>
-                                <a:ea typeface="Cambria Math" panose="02040503050406030204" pitchFamily="18" charset="0"/>
-                              </a:rPr>
-                              <m:t>2</m:t>
-                            </m:r>
-                          </m:sub>
-                        </m:sSub>
-                      </m:e>
-                    </m:d>
-                    <m:r>
-                      <a:rPr lang="en-US" altLang="zh-TW" i="1">
-                        <a:solidFill>
-                          <a:schemeClr val="tx1"/>
-                        </a:solidFill>
-                        <a:latin typeface="Cambria Math" panose="02040503050406030204" pitchFamily="18" charset="0"/>
-                        <a:ea typeface="Cambria Math" panose="02040503050406030204" pitchFamily="18" charset="0"/>
-                      </a:rPr>
-                      <m:t>≠0</m:t>
-                    </m:r>
-                  </m:oMath>
-                </a14:m>
-                <a:endParaRPr lang="en-US" altLang="zh-TW" dirty="0">
-                  <a:solidFill>
-                    <a:schemeClr val="tx1"/>
-                  </a:solidFill>
-                  <a:latin typeface="Cambria Math" panose="02040503050406030204" pitchFamily="18" charset="0"/>
-                  <a:ea typeface="Cambria Math" panose="02040503050406030204" pitchFamily="18" charset="0"/>
-                </a:endParaRPr>
-              </a:p>
-            </p:txBody>
-          </p:sp>
-        </mc:Choice>
-        <mc:Fallback>
-          <p:sp>
-            <p:nvSpPr>
-              <p:cNvPr id="3" name="內容版面配置區 2"/>
-              <p:cNvSpPr>
-                <a:spLocks noGrp="1" noRot="1" noChangeAspect="1" noMove="1" noResize="1" noEditPoints="1" noAdjustHandles="1" noChangeArrowheads="1" noChangeShapeType="1" noTextEdit="1"/>
-              </p:cNvSpPr>
-              <p:nvPr>
-                <p:ph idx="1"/>
-              </p:nvPr>
-            </p:nvSpPr>
-            <p:spPr>
-              <a:xfrm>
-                <a:off x="838200" y="1825625"/>
-                <a:ext cx="10515600" cy="2181599"/>
-              </a:xfrm>
-              <a:blipFill>
-                <a:blip r:embed="rId2"/>
-                <a:stretch>
-                  <a:fillRect l="-1043" t="-4469"/>
-                </a:stretch>
-              </a:blipFill>
-            </p:spPr>
-            <p:txBody>
-              <a:bodyPr/>
-              <a:lstStyle/>
-              <a:p>
-                <a:r>
-                  <a:rPr lang="zh-TW" altLang="en-US">
-                    <a:noFill/>
-                  </a:rPr>
-                  <a:t> </a:t>
-                </a:r>
-              </a:p>
-            </p:txBody>
-          </p:sp>
-        </mc:Fallback>
-      </mc:AlternateContent>
-      <mc:AlternateContent xmlns:mc="http://schemas.openxmlformats.org/markup-compatibility/2006">
-        <mc:Choice xmlns:a14="http://schemas.microsoft.com/office/drawing/2010/main" Requires="a14">
-          <p:sp>
-            <p:nvSpPr>
-              <p:cNvPr id="4" name="文字方塊 3"/>
-              <p:cNvSpPr txBox="1"/>
-              <p:nvPr/>
-            </p:nvSpPr>
-            <p:spPr>
-              <a:xfrm>
-                <a:off x="1701501" y="4142161"/>
-                <a:ext cx="8788998" cy="954107"/>
-              </a:xfrm>
-              <a:prstGeom prst="rect">
-                <a:avLst/>
-              </a:prstGeom>
-              <a:noFill/>
-            </p:spPr>
-            <p:txBody>
-              <a:bodyPr wrap="square" rtlCol="0">
-                <a:spAutoFit/>
-              </a:bodyPr>
-              <a:lstStyle/>
-              <a:p>
-                <a14:m>
-                  <m:oMathPara xmlns:m="http://schemas.openxmlformats.org/officeDocument/2006/math">
-                    <m:oMathParaPr>
-                      <m:jc m:val="centerGroup"/>
-                    </m:oMathParaPr>
-                    <m:oMath xmlns:m="http://schemas.openxmlformats.org/officeDocument/2006/math">
-                      <m:sSup>
-                        <m:sSupPr>
-                          <m:ctrlPr>
-                            <a:rPr lang="en-US" altLang="zh-TW" sz="2800" i="1" smtClean="0">
-                              <a:latin typeface="Cambria Math" panose="02040503050406030204" pitchFamily="18" charset="0"/>
-                            </a:rPr>
-                          </m:ctrlPr>
-                        </m:sSupPr>
-                        <m:e>
-                          <m:r>
-                            <a:rPr lang="en-US" altLang="zh-TW" sz="2800" i="1" smtClean="0">
-                              <a:latin typeface="Cambria Math" panose="02040503050406030204" pitchFamily="18" charset="0"/>
-                            </a:rPr>
-                            <m:t>(</m:t>
-                          </m:r>
-                          <m:sSup>
-                            <m:sSupPr>
-                              <m:ctrlPr>
-                                <a:rPr lang="en-US" altLang="zh-TW" sz="2800" i="1" smtClean="0">
-                                  <a:latin typeface="Cambria Math" panose="02040503050406030204" pitchFamily="18" charset="0"/>
-                                </a:rPr>
-                              </m:ctrlPr>
-                            </m:sSupPr>
-                            <m:e>
-                              <m:r>
-                                <a:rPr lang="en-US" altLang="zh-TW" sz="2800" b="0" i="1" smtClean="0">
-                                  <a:latin typeface="Cambria Math" panose="02040503050406030204" pitchFamily="18" charset="0"/>
-                                </a:rPr>
-                                <m:t>𝑒</m:t>
-                              </m:r>
-                            </m:e>
-                            <m:sup>
-                              <m:f>
-                                <m:fPr>
-                                  <m:ctrlPr>
-                                    <a:rPr lang="en-US" altLang="zh-TW" sz="2800" i="1" smtClean="0">
-                                      <a:latin typeface="Cambria Math" panose="02040503050406030204" pitchFamily="18" charset="0"/>
-                                    </a:rPr>
-                                  </m:ctrlPr>
-                                </m:fPr>
-                                <m:num>
-                                  <m:r>
-                                    <a:rPr lang="en-US" altLang="zh-TW" sz="2800" i="1" smtClean="0">
-                                      <a:latin typeface="Cambria Math" panose="02040503050406030204" pitchFamily="18" charset="0"/>
-                                    </a:rPr>
-                                    <m:t>𝑖</m:t>
-                                  </m:r>
-                                  <m:sSub>
-                                    <m:sSubPr>
-                                      <m:ctrlPr>
-                                        <a:rPr lang="en-US" altLang="zh-TW" sz="2800" i="1">
-                                          <a:latin typeface="Cambria Math" panose="02040503050406030204" pitchFamily="18" charset="0"/>
-                                        </a:rPr>
-                                      </m:ctrlPr>
-                                    </m:sSubPr>
-                                    <m:e>
-                                      <m:r>
-                                        <a:rPr lang="en-US" altLang="zh-TW" sz="2800" i="1">
-                                          <a:latin typeface="Cambria Math" panose="02040503050406030204" pitchFamily="18" charset="0"/>
-                                        </a:rPr>
-                                        <m:t>𝐻</m:t>
-                                      </m:r>
-                                    </m:e>
-                                    <m:sub>
-                                      <m:r>
-                                        <a:rPr lang="en-US" altLang="zh-TW" sz="2800" b="0" i="1" smtClean="0">
-                                          <a:latin typeface="Cambria Math" panose="02040503050406030204" pitchFamily="18" charset="0"/>
-                                        </a:rPr>
-                                        <m:t>1</m:t>
-                                      </m:r>
-                                    </m:sub>
-                                  </m:sSub>
-                                  <m:r>
-                                    <a:rPr lang="en-US" altLang="zh-TW" sz="2800" b="0" i="1" smtClean="0">
-                                      <a:latin typeface="Cambria Math" panose="02040503050406030204" pitchFamily="18" charset="0"/>
-                                    </a:rPr>
-                                    <m:t>𝑡</m:t>
-                                  </m:r>
-                                </m:num>
-                                <m:den>
-                                  <m:r>
-                                    <a:rPr lang="en-US" altLang="zh-TW" sz="2800" b="0" i="1" smtClean="0">
-                                      <a:latin typeface="Cambria Math" panose="02040503050406030204" pitchFamily="18" charset="0"/>
-                                    </a:rPr>
-                                    <m:t>2</m:t>
-                                  </m:r>
-                                  <m:r>
-                                    <m:rPr>
-                                      <m:sty m:val="p"/>
-                                    </m:rPr>
-                                    <a:rPr lang="en-US" altLang="zh-TW" sz="2800" i="1">
-                                      <a:latin typeface="Cambria Math" panose="02040503050406030204" pitchFamily="18" charset="0"/>
-                                    </a:rPr>
-                                    <m:t>M</m:t>
-                                  </m:r>
-                                </m:den>
-                              </m:f>
-                            </m:sup>
-                          </m:sSup>
-                          <m:sSup>
-                            <m:sSupPr>
-                              <m:ctrlPr>
-                                <a:rPr lang="en-US" altLang="zh-TW" sz="2800" i="1" smtClean="0">
-                                  <a:latin typeface="Cambria Math" panose="02040503050406030204" pitchFamily="18" charset="0"/>
-                                </a:rPr>
-                              </m:ctrlPr>
-                            </m:sSupPr>
-                            <m:e>
-                              <m:r>
-                                <a:rPr lang="en-US" altLang="zh-TW" sz="2800" b="0" i="1" smtClean="0">
-                                  <a:latin typeface="Cambria Math" panose="02040503050406030204" pitchFamily="18" charset="0"/>
-                                </a:rPr>
-                                <m:t>𝑒</m:t>
-                              </m:r>
-                            </m:e>
-                            <m:sup>
-                              <m:f>
-                                <m:fPr>
-                                  <m:ctrlPr>
-                                    <a:rPr lang="en-US" altLang="zh-TW" sz="2800" i="1" smtClean="0">
-                                      <a:latin typeface="Cambria Math" panose="02040503050406030204" pitchFamily="18" charset="0"/>
-                                    </a:rPr>
-                                  </m:ctrlPr>
-                                </m:fPr>
-                                <m:num>
-                                  <m:r>
-                                    <a:rPr lang="en-US" altLang="zh-TW" sz="2800" i="1" smtClean="0">
-                                      <a:latin typeface="Cambria Math" panose="02040503050406030204" pitchFamily="18" charset="0"/>
-                                    </a:rPr>
-                                    <m:t>𝑖</m:t>
-                                  </m:r>
-                                  <m:sSub>
-                                    <m:sSubPr>
-                                      <m:ctrlPr>
-                                        <a:rPr lang="en-US" altLang="zh-TW" sz="2800" i="1">
-                                          <a:latin typeface="Cambria Math" panose="02040503050406030204" pitchFamily="18" charset="0"/>
-                                        </a:rPr>
-                                      </m:ctrlPr>
-                                    </m:sSubPr>
-                                    <m:e>
-                                      <m:r>
-                                        <a:rPr lang="en-US" altLang="zh-TW" sz="2800" i="1">
-                                          <a:latin typeface="Cambria Math" panose="02040503050406030204" pitchFamily="18" charset="0"/>
-                                        </a:rPr>
-                                        <m:t>𝐻</m:t>
-                                      </m:r>
-                                    </m:e>
-                                    <m:sub>
-                                      <m:r>
-                                        <a:rPr lang="en-US" altLang="zh-TW" sz="2800" b="0" i="1" smtClean="0">
-                                          <a:latin typeface="Cambria Math" panose="02040503050406030204" pitchFamily="18" charset="0"/>
-                                        </a:rPr>
-                                        <m:t>2</m:t>
-                                      </m:r>
-                                    </m:sub>
-                                  </m:sSub>
-                                  <m:r>
-                                    <a:rPr lang="en-US" altLang="zh-TW" sz="2800" b="0" i="1" smtClean="0">
-                                      <a:latin typeface="Cambria Math" panose="02040503050406030204" pitchFamily="18" charset="0"/>
-                                    </a:rPr>
-                                    <m:t>𝑡</m:t>
-                                  </m:r>
-                                </m:num>
-                                <m:den>
-                                  <m:r>
-                                    <m:rPr>
-                                      <m:sty m:val="p"/>
-                                    </m:rPr>
-                                    <a:rPr lang="en-US" altLang="zh-TW" sz="2800" i="1">
-                                      <a:latin typeface="Cambria Math" panose="02040503050406030204" pitchFamily="18" charset="0"/>
-                                    </a:rPr>
-                                    <m:t>M</m:t>
-                                  </m:r>
-                                </m:den>
-                              </m:f>
-                            </m:sup>
-                          </m:sSup>
-                          <m:sSup>
-                            <m:sSupPr>
-                              <m:ctrlPr>
-                                <a:rPr lang="en-US" altLang="zh-TW" sz="2800" i="1" smtClean="0">
-                                  <a:latin typeface="Cambria Math" panose="02040503050406030204" pitchFamily="18" charset="0"/>
-                                </a:rPr>
-                              </m:ctrlPr>
-                            </m:sSupPr>
-                            <m:e>
-                              <m:r>
-                                <a:rPr lang="en-US" altLang="zh-TW" sz="2800" b="0" i="1" smtClean="0">
-                                  <a:latin typeface="Cambria Math" panose="02040503050406030204" pitchFamily="18" charset="0"/>
-                                </a:rPr>
-                                <m:t>𝑒</m:t>
-                              </m:r>
-                            </m:e>
-                            <m:sup>
-                              <m:f>
-                                <m:fPr>
-                                  <m:ctrlPr>
-                                    <a:rPr lang="en-US" altLang="zh-TW" sz="2800" i="1" smtClean="0">
-                                      <a:latin typeface="Cambria Math" panose="02040503050406030204" pitchFamily="18" charset="0"/>
-                                    </a:rPr>
-                                  </m:ctrlPr>
-                                </m:fPr>
-                                <m:num>
-                                  <m:r>
-                                    <a:rPr lang="en-US" altLang="zh-TW" sz="2800" i="1" smtClean="0">
-                                      <a:latin typeface="Cambria Math" panose="02040503050406030204" pitchFamily="18" charset="0"/>
-                                    </a:rPr>
-                                    <m:t>𝑖</m:t>
-                                  </m:r>
-                                  <m:sSub>
-                                    <m:sSubPr>
-                                      <m:ctrlPr>
-                                        <a:rPr lang="en-US" altLang="zh-TW" sz="2800" i="1">
-                                          <a:latin typeface="Cambria Math" panose="02040503050406030204" pitchFamily="18" charset="0"/>
-                                        </a:rPr>
-                                      </m:ctrlPr>
-                                    </m:sSubPr>
-                                    <m:e>
-                                      <m:r>
-                                        <a:rPr lang="en-US" altLang="zh-TW" sz="2800" i="1">
-                                          <a:latin typeface="Cambria Math" panose="02040503050406030204" pitchFamily="18" charset="0"/>
-                                        </a:rPr>
-                                        <m:t>𝐻</m:t>
-                                      </m:r>
-                                    </m:e>
-                                    <m:sub>
-                                      <m:r>
-                                        <a:rPr lang="en-US" altLang="zh-TW" sz="2800" b="0" i="1" smtClean="0">
-                                          <a:latin typeface="Cambria Math" panose="02040503050406030204" pitchFamily="18" charset="0"/>
-                                        </a:rPr>
-                                        <m:t>1</m:t>
-                                      </m:r>
-                                    </m:sub>
-                                  </m:sSub>
-                                  <m:r>
-                                    <a:rPr lang="en-US" altLang="zh-TW" sz="2800" b="0" i="1" smtClean="0">
-                                      <a:latin typeface="Cambria Math" panose="02040503050406030204" pitchFamily="18" charset="0"/>
-                                    </a:rPr>
-                                    <m:t>𝑡</m:t>
-                                  </m:r>
-                                </m:num>
-                                <m:den>
-                                  <m:r>
-                                    <a:rPr lang="en-US" altLang="zh-TW" sz="2800" b="0" i="1" smtClean="0">
-                                      <a:latin typeface="Cambria Math" panose="02040503050406030204" pitchFamily="18" charset="0"/>
-                                    </a:rPr>
-                                    <m:t>2</m:t>
-                                  </m:r>
-                                  <m:r>
-                                    <m:rPr>
-                                      <m:sty m:val="p"/>
-                                    </m:rPr>
-                                    <a:rPr lang="en-US" altLang="zh-TW" sz="2800" i="1">
-                                      <a:latin typeface="Cambria Math" panose="02040503050406030204" pitchFamily="18" charset="0"/>
-                                    </a:rPr>
-                                    <m:t>M</m:t>
-                                  </m:r>
-                                </m:den>
-                              </m:f>
-                            </m:sup>
-                          </m:sSup>
-                          <m:r>
-                            <a:rPr lang="en-US" altLang="zh-TW" sz="2800" i="1">
-                              <a:latin typeface="Cambria Math" panose="02040503050406030204" pitchFamily="18" charset="0"/>
-                            </a:rPr>
-                            <m:t>)</m:t>
-                          </m:r>
-                        </m:e>
-                        <m:sup>
-                          <m:r>
-                            <m:rPr>
-                              <m:sty m:val="p"/>
-                            </m:rPr>
-                            <a:rPr lang="en-US" altLang="zh-TW" sz="2800" i="1">
-                              <a:latin typeface="Cambria Math" panose="02040503050406030204" pitchFamily="18" charset="0"/>
-                            </a:rPr>
-                            <m:t>M</m:t>
-                          </m:r>
-                        </m:sup>
-                      </m:sSup>
-                      <m:r>
-                        <a:rPr lang="en-US" altLang="zh-TW" sz="2800" i="1">
-                          <a:latin typeface="Cambria Math" panose="02040503050406030204" pitchFamily="18" charset="0"/>
-                        </a:rPr>
-                        <m:t>=</m:t>
-                      </m:r>
-                      <m:sSup>
-                        <m:sSupPr>
-                          <m:ctrlPr>
-                            <a:rPr lang="en-US" altLang="zh-TW" sz="2800" b="0" i="1" smtClean="0">
-                              <a:latin typeface="Cambria Math" panose="02040503050406030204" pitchFamily="18" charset="0"/>
-                            </a:rPr>
-                          </m:ctrlPr>
-                        </m:sSupPr>
-                        <m:e>
-                          <m:r>
-                            <a:rPr lang="en-US" altLang="zh-TW" sz="2800" b="0" i="1" smtClean="0">
-                              <a:latin typeface="Cambria Math" panose="02040503050406030204" pitchFamily="18" charset="0"/>
-                            </a:rPr>
-                            <m:t>𝑒</m:t>
-                          </m:r>
-                        </m:e>
-                        <m:sup>
-                          <m:r>
-                            <a:rPr lang="en-US" altLang="zh-TW" sz="2800" i="1" smtClean="0">
-                              <a:latin typeface="Cambria Math" panose="02040503050406030204" pitchFamily="18" charset="0"/>
-                            </a:rPr>
-                            <m:t>𝑖</m:t>
-                          </m:r>
-                          <m:r>
-                            <a:rPr lang="en-US" altLang="zh-TW" sz="2800" b="0" i="1" smtClean="0">
-                              <a:latin typeface="Cambria Math" panose="02040503050406030204" pitchFamily="18" charset="0"/>
-                            </a:rPr>
-                            <m:t>𝐴</m:t>
-                          </m:r>
-                          <m:r>
-                            <a:rPr lang="en-US" altLang="zh-TW" sz="2800" i="1">
-                              <a:latin typeface="Cambria Math" panose="02040503050406030204" pitchFamily="18" charset="0"/>
-                            </a:rPr>
-                            <m:t>𝑡</m:t>
-                          </m:r>
-                        </m:sup>
-                      </m:sSup>
-                      <m:r>
-                        <a:rPr lang="en-US" altLang="zh-TW" sz="2800" b="0" i="1" smtClean="0">
-                          <a:latin typeface="Cambria Math" panose="02040503050406030204" pitchFamily="18" charset="0"/>
-                        </a:rPr>
-                        <m:t>+</m:t>
-                      </m:r>
-                      <m:r>
-                        <a:rPr lang="zh-TW" altLang="en-US" sz="2800" b="0" i="1" smtClean="0">
-                          <a:latin typeface="Cambria Math" panose="02040503050406030204" pitchFamily="18" charset="0"/>
-                        </a:rPr>
-                        <m:t>𝒪</m:t>
-                      </m:r>
-                      <m:r>
-                        <a:rPr lang="en-US" altLang="zh-TW" sz="2800" b="0" i="1" smtClean="0">
-                          <a:latin typeface="Cambria Math" panose="02040503050406030204" pitchFamily="18" charset="0"/>
-                        </a:rPr>
-                        <m:t>(</m:t>
-                      </m:r>
-                      <m:f>
-                        <m:fPr>
-                          <m:ctrlPr>
-                            <a:rPr lang="en-US" altLang="zh-TW" sz="2800" b="0" i="1" smtClean="0">
-                              <a:latin typeface="Cambria Math" panose="02040503050406030204" pitchFamily="18" charset="0"/>
-                            </a:rPr>
-                          </m:ctrlPr>
-                        </m:fPr>
-                        <m:num>
-                          <m:sSup>
-                            <m:sSupPr>
-                              <m:ctrlPr>
-                                <a:rPr lang="en-US" altLang="zh-TW" sz="2800" b="0" i="1" smtClean="0">
-                                  <a:latin typeface="Cambria Math" panose="02040503050406030204" pitchFamily="18" charset="0"/>
-                                </a:rPr>
-                              </m:ctrlPr>
-                            </m:sSupPr>
-                            <m:e>
-                              <m:r>
-                                <a:rPr lang="en-US" altLang="zh-TW" sz="2800" b="0" i="1" smtClean="0">
-                                  <a:latin typeface="Cambria Math" panose="02040503050406030204" pitchFamily="18" charset="0"/>
-                                </a:rPr>
-                                <m:t>𝑡</m:t>
-                              </m:r>
-                            </m:e>
-                            <m:sup>
-                              <m:r>
-                                <a:rPr lang="en-US" altLang="zh-TW" sz="2800" b="0" i="1" smtClean="0">
-                                  <a:latin typeface="Cambria Math" panose="02040503050406030204" pitchFamily="18" charset="0"/>
-                                </a:rPr>
-                                <m:t>3</m:t>
-                              </m:r>
-                            </m:sup>
-                          </m:sSup>
-                        </m:num>
-                        <m:den>
-                          <m:sSup>
-                            <m:sSupPr>
-                              <m:ctrlPr>
-                                <a:rPr lang="en-US" altLang="zh-TW" sz="2800" b="0" i="1" smtClean="0">
-                                  <a:latin typeface="Cambria Math" panose="02040503050406030204" pitchFamily="18" charset="0"/>
-                                </a:rPr>
-                              </m:ctrlPr>
-                            </m:sSupPr>
-                            <m:e>
-                              <m:r>
-                                <a:rPr lang="en-US" altLang="zh-TW" sz="2800" b="0" i="1" smtClean="0">
-                                  <a:latin typeface="Cambria Math" panose="02040503050406030204" pitchFamily="18" charset="0"/>
-                                </a:rPr>
-                                <m:t>𝑀</m:t>
-                              </m:r>
-                            </m:e>
-                            <m:sup>
-                              <m:r>
-                                <a:rPr lang="en-US" altLang="zh-TW" sz="2800" b="0" i="1" smtClean="0">
-                                  <a:latin typeface="Cambria Math" panose="02040503050406030204" pitchFamily="18" charset="0"/>
-                                </a:rPr>
-                                <m:t>2</m:t>
-                              </m:r>
-                            </m:sup>
-                          </m:sSup>
-                        </m:den>
-                      </m:f>
-                      <m:r>
-                        <a:rPr lang="en-US" altLang="zh-TW" sz="2800" b="0" i="1" smtClean="0">
-                          <a:latin typeface="Cambria Math" panose="02040503050406030204" pitchFamily="18" charset="0"/>
-                        </a:rPr>
-                        <m:t>)</m:t>
-                      </m:r>
-                    </m:oMath>
-                  </m:oMathPara>
-                </a14:m>
-                <a:endParaRPr lang="zh-TW" altLang="en-US" sz="2800" dirty="0"/>
-              </a:p>
-            </p:txBody>
-          </p:sp>
-        </mc:Choice>
-        <mc:Fallback>
-          <p:sp>
-            <p:nvSpPr>
-              <p:cNvPr id="4" name="文字方塊 3"/>
-              <p:cNvSpPr txBox="1">
-                <a:spLocks noRot="1" noChangeAspect="1" noMove="1" noResize="1" noEditPoints="1" noAdjustHandles="1" noChangeArrowheads="1" noChangeShapeType="1" noTextEdit="1"/>
-              </p:cNvSpPr>
-              <p:nvPr/>
-            </p:nvSpPr>
-            <p:spPr>
-              <a:xfrm>
-                <a:off x="1701501" y="4142161"/>
-                <a:ext cx="8788998" cy="954107"/>
-              </a:xfrm>
-              <a:prstGeom prst="rect">
-                <a:avLst/>
-              </a:prstGeom>
-              <a:blipFill>
-                <a:blip r:embed="rId3"/>
-                <a:stretch>
-                  <a:fillRect/>
-                </a:stretch>
-              </a:blipFill>
-            </p:spPr>
-            <p:txBody>
-              <a:bodyPr/>
-              <a:lstStyle/>
-              <a:p>
-                <a:r>
-                  <a:rPr lang="zh-TW" altLang="en-US">
-                    <a:noFill/>
-                  </a:rPr>
-                  <a:t> </a:t>
-                </a:r>
-              </a:p>
-            </p:txBody>
-          </p:sp>
-        </mc:Fallback>
-      </mc:AlternateContent>
-    </p:spTree>
-    <p:extLst>
-      <p:ext uri="{BB962C8B-B14F-4D97-AF65-F5344CB8AC3E}">
-        <p14:creationId xmlns:p14="http://schemas.microsoft.com/office/powerpoint/2010/main" val="2796709132"/>
       </p:ext>
     </p:extLst>
   </p:cSld>
@@ -20136,4 +21014,265 @@
     </a:ext>
   </a:extLst>
 </a:theme>
+</file>
+
+<file path=ppt/theme/theme2.xml><?xml version="1.0" encoding="utf-8"?>
+<a:theme xmlns:a="http://schemas.openxmlformats.org/drawingml/2006/main" name="Office 佈景主題">
+  <a:themeElements>
+    <a:clrScheme name="Office">
+      <a:dk1>
+        <a:sysClr val="windowText" lastClr="000000"/>
+      </a:dk1>
+      <a:lt1>
+        <a:sysClr val="window" lastClr="FFFFFF"/>
+      </a:lt1>
+      <a:dk2>
+        <a:srgbClr val="44546A"/>
+      </a:dk2>
+      <a:lt2>
+        <a:srgbClr val="E7E6E6"/>
+      </a:lt2>
+      <a:accent1>
+        <a:srgbClr val="5B9BD5"/>
+      </a:accent1>
+      <a:accent2>
+        <a:srgbClr val="ED7D31"/>
+      </a:accent2>
+      <a:accent3>
+        <a:srgbClr val="A5A5A5"/>
+      </a:accent3>
+      <a:accent4>
+        <a:srgbClr val="FFC000"/>
+      </a:accent4>
+      <a:accent5>
+        <a:srgbClr val="4472C4"/>
+      </a:accent5>
+      <a:accent6>
+        <a:srgbClr val="70AD47"/>
+      </a:accent6>
+      <a:hlink>
+        <a:srgbClr val="0563C1"/>
+      </a:hlink>
+      <a:folHlink>
+        <a:srgbClr val="954F72"/>
+      </a:folHlink>
+    </a:clrScheme>
+    <a:fontScheme name="Office">
+      <a:majorFont>
+        <a:latin typeface="Calibri Light" panose="020F0302020204030204"/>
+        <a:ea typeface=""/>
+        <a:cs typeface=""/>
+        <a:font script="Jpan" typeface="游ゴシック Light"/>
+        <a:font script="Hang" typeface="맑은 고딕"/>
+        <a:font script="Hans" typeface="等线 Light"/>
+        <a:font script="Hant" typeface="新細明體"/>
+        <a:font script="Arab" typeface="Times New Roman"/>
+        <a:font script="Hebr" typeface="Times New Roman"/>
+        <a:font script="Thai" typeface="Angsana New"/>
+        <a:font script="Ethi" typeface="Nyala"/>
+        <a:font script="Beng" typeface="Vrinda"/>
+        <a:font script="Gujr" typeface="Shruti"/>
+        <a:font script="Khmr" typeface="MoolBoran"/>
+        <a:font script="Knda" typeface="Tunga"/>
+        <a:font script="Guru" typeface="Raavi"/>
+        <a:font script="Cans" typeface="Euphemia"/>
+        <a:font script="Cher" typeface="Plantagenet Cherokee"/>
+        <a:font script="Yiii" typeface="Microsoft Yi Baiti"/>
+        <a:font script="Tibt" typeface="Microsoft Himalaya"/>
+        <a:font script="Thaa" typeface="MV Boli"/>
+        <a:font script="Deva" typeface="Mangal"/>
+        <a:font script="Telu" typeface="Gautami"/>
+        <a:font script="Taml" typeface="Latha"/>
+        <a:font script="Syrc" typeface="Estrangelo Edessa"/>
+        <a:font script="Orya" typeface="Kalinga"/>
+        <a:font script="Mlym" typeface="Kartika"/>
+        <a:font script="Laoo" typeface="DokChampa"/>
+        <a:font script="Sinh" typeface="Iskoola Pota"/>
+        <a:font script="Mong" typeface="Mongolian Baiti"/>
+        <a:font script="Viet" typeface="Times New Roman"/>
+        <a:font script="Uigh" typeface="Microsoft Uighur"/>
+        <a:font script="Geor" typeface="Sylfaen"/>
+      </a:majorFont>
+      <a:minorFont>
+        <a:latin typeface="Calibri" panose="020F0502020204030204"/>
+        <a:ea typeface=""/>
+        <a:cs typeface=""/>
+        <a:font script="Jpan" typeface="游ゴシック"/>
+        <a:font script="Hang" typeface="맑은 고딕"/>
+        <a:font script="Hans" typeface="等线"/>
+        <a:font script="Hant" typeface="新細明體"/>
+        <a:font script="Arab" typeface="Arial"/>
+        <a:font script="Hebr" typeface="Arial"/>
+        <a:font script="Thai" typeface="Cordia New"/>
+        <a:font script="Ethi" typeface="Nyala"/>
+        <a:font script="Beng" typeface="Vrinda"/>
+        <a:font script="Gujr" typeface="Shruti"/>
+        <a:font script="Khmr" typeface="DaunPenh"/>
+        <a:font script="Knda" typeface="Tunga"/>
+        <a:font script="Guru" typeface="Raavi"/>
+        <a:font script="Cans" typeface="Euphemia"/>
+        <a:font script="Cher" typeface="Plantagenet Cherokee"/>
+        <a:font script="Yiii" typeface="Microsoft Yi Baiti"/>
+        <a:font script="Tibt" typeface="Microsoft Himalaya"/>
+        <a:font script="Thaa" typeface="MV Boli"/>
+        <a:font script="Deva" typeface="Mangal"/>
+        <a:font script="Telu" typeface="Gautami"/>
+        <a:font script="Taml" typeface="Latha"/>
+        <a:font script="Syrc" typeface="Estrangelo Edessa"/>
+        <a:font script="Orya" typeface="Kalinga"/>
+        <a:font script="Mlym" typeface="Kartika"/>
+        <a:font script="Laoo" typeface="DokChampa"/>
+        <a:font script="Sinh" typeface="Iskoola Pota"/>
+        <a:font script="Mong" typeface="Mongolian Baiti"/>
+        <a:font script="Viet" typeface="Arial"/>
+        <a:font script="Uigh" typeface="Microsoft Uighur"/>
+        <a:font script="Geor" typeface="Sylfaen"/>
+      </a:minorFont>
+    </a:fontScheme>
+    <a:fmtScheme name="Office">
+      <a:fillStyleLst>
+        <a:solidFill>
+          <a:schemeClr val="phClr"/>
+        </a:solidFill>
+        <a:gradFill rotWithShape="1">
+          <a:gsLst>
+            <a:gs pos="0">
+              <a:schemeClr val="phClr">
+                <a:lumMod val="110000"/>
+                <a:satMod val="105000"/>
+                <a:tint val="67000"/>
+              </a:schemeClr>
+            </a:gs>
+            <a:gs pos="50000">
+              <a:schemeClr val="phClr">
+                <a:lumMod val="105000"/>
+                <a:satMod val="103000"/>
+                <a:tint val="73000"/>
+              </a:schemeClr>
+            </a:gs>
+            <a:gs pos="100000">
+              <a:schemeClr val="phClr">
+                <a:lumMod val="105000"/>
+                <a:satMod val="109000"/>
+                <a:tint val="81000"/>
+              </a:schemeClr>
+            </a:gs>
+          </a:gsLst>
+          <a:lin ang="5400000" scaled="0"/>
+        </a:gradFill>
+        <a:gradFill rotWithShape="1">
+          <a:gsLst>
+            <a:gs pos="0">
+              <a:schemeClr val="phClr">
+                <a:satMod val="103000"/>
+                <a:lumMod val="102000"/>
+                <a:tint val="94000"/>
+              </a:schemeClr>
+            </a:gs>
+            <a:gs pos="50000">
+              <a:schemeClr val="phClr">
+                <a:satMod val="110000"/>
+                <a:lumMod val="100000"/>
+                <a:shade val="100000"/>
+              </a:schemeClr>
+            </a:gs>
+            <a:gs pos="100000">
+              <a:schemeClr val="phClr">
+                <a:lumMod val="99000"/>
+                <a:satMod val="120000"/>
+                <a:shade val="78000"/>
+              </a:schemeClr>
+            </a:gs>
+          </a:gsLst>
+          <a:lin ang="5400000" scaled="0"/>
+        </a:gradFill>
+      </a:fillStyleLst>
+      <a:lnStyleLst>
+        <a:ln w="6350" cap="flat" cmpd="sng" algn="ctr">
+          <a:solidFill>
+            <a:schemeClr val="phClr"/>
+          </a:solidFill>
+          <a:prstDash val="solid"/>
+          <a:miter lim="800000"/>
+        </a:ln>
+        <a:ln w="12700" cap="flat" cmpd="sng" algn="ctr">
+          <a:solidFill>
+            <a:schemeClr val="phClr"/>
+          </a:solidFill>
+          <a:prstDash val="solid"/>
+          <a:miter lim="800000"/>
+        </a:ln>
+        <a:ln w="19050" cap="flat" cmpd="sng" algn="ctr">
+          <a:solidFill>
+            <a:schemeClr val="phClr"/>
+          </a:solidFill>
+          <a:prstDash val="solid"/>
+          <a:miter lim="800000"/>
+        </a:ln>
+      </a:lnStyleLst>
+      <a:effectStyleLst>
+        <a:effectStyle>
+          <a:effectLst/>
+        </a:effectStyle>
+        <a:effectStyle>
+          <a:effectLst/>
+        </a:effectStyle>
+        <a:effectStyle>
+          <a:effectLst>
+            <a:outerShdw blurRad="57150" dist="19050" dir="5400000" algn="ctr" rotWithShape="0">
+              <a:srgbClr val="000000">
+                <a:alpha val="63000"/>
+              </a:srgbClr>
+            </a:outerShdw>
+          </a:effectLst>
+        </a:effectStyle>
+      </a:effectStyleLst>
+      <a:bgFillStyleLst>
+        <a:solidFill>
+          <a:schemeClr val="phClr"/>
+        </a:solidFill>
+        <a:solidFill>
+          <a:schemeClr val="phClr">
+            <a:tint val="95000"/>
+            <a:satMod val="170000"/>
+          </a:schemeClr>
+        </a:solidFill>
+        <a:gradFill rotWithShape="1">
+          <a:gsLst>
+            <a:gs pos="0">
+              <a:schemeClr val="phClr">
+                <a:tint val="93000"/>
+                <a:satMod val="150000"/>
+                <a:shade val="98000"/>
+                <a:lumMod val="102000"/>
+              </a:schemeClr>
+            </a:gs>
+            <a:gs pos="50000">
+              <a:schemeClr val="phClr">
+                <a:tint val="98000"/>
+                <a:satMod val="130000"/>
+                <a:shade val="90000"/>
+                <a:lumMod val="103000"/>
+              </a:schemeClr>
+            </a:gs>
+            <a:gs pos="100000">
+              <a:schemeClr val="phClr">
+                <a:shade val="63000"/>
+                <a:satMod val="120000"/>
+              </a:schemeClr>
+            </a:gs>
+          </a:gsLst>
+          <a:lin ang="5400000" scaled="0"/>
+        </a:gradFill>
+      </a:bgFillStyleLst>
+    </a:fmtScheme>
+  </a:themeElements>
+  <a:objectDefaults/>
+  <a:extraClrSchemeLst/>
+  <a:extLst>
+    <a:ext uri="{05A4C25C-085E-4340-85A3-A5531E510DB2}">
+      <thm15:themeFamily xmlns:thm15="http://schemas.microsoft.com/office/thememl/2012/main" name="Office Theme" id="{62F939B6-93AF-4DB8-9C6B-D6C7DFDC589F}" vid="{4A3C46E8-61CC-4603-A589-7422A47A8E4A}"/>
+    </a:ext>
+  </a:extLst>
+</a:theme>
 </file>
--- a/hackhackhack.pptx
+++ b/hackhackhack.pptx
@@ -2,26 +2,27 @@
 <file path=ppt/presentation.xml><?xml version="1.0" encoding="utf-8"?>
 <p:presentation xmlns:a="http://schemas.openxmlformats.org/drawingml/2006/main" xmlns:r="http://schemas.openxmlformats.org/officeDocument/2006/relationships" xmlns:p="http://schemas.openxmlformats.org/presentationml/2006/main" saveSubsetFonts="1">
   <p:sldMasterIdLst>
-    <p:sldMasterId id="2147483648" r:id="rId1"/>
+    <p:sldMasterId id="2147483660" r:id="rId1"/>
   </p:sldMasterIdLst>
   <p:notesMasterIdLst>
-    <p:notesMasterId r:id="rId16"/>
+    <p:notesMasterId r:id="rId17"/>
   </p:notesMasterIdLst>
   <p:sldIdLst>
     <p:sldId id="256" r:id="rId2"/>
     <p:sldId id="267" r:id="rId3"/>
     <p:sldId id="268" r:id="rId4"/>
     <p:sldId id="270" r:id="rId5"/>
-    <p:sldId id="269" r:id="rId6"/>
-    <p:sldId id="257" r:id="rId7"/>
-    <p:sldId id="258" r:id="rId8"/>
-    <p:sldId id="259" r:id="rId9"/>
-    <p:sldId id="260" r:id="rId10"/>
-    <p:sldId id="261" r:id="rId11"/>
-    <p:sldId id="262" r:id="rId12"/>
-    <p:sldId id="263" r:id="rId13"/>
-    <p:sldId id="264" r:id="rId14"/>
-    <p:sldId id="265" r:id="rId15"/>
+    <p:sldId id="271" r:id="rId6"/>
+    <p:sldId id="269" r:id="rId7"/>
+    <p:sldId id="257" r:id="rId8"/>
+    <p:sldId id="258" r:id="rId9"/>
+    <p:sldId id="259" r:id="rId10"/>
+    <p:sldId id="260" r:id="rId11"/>
+    <p:sldId id="261" r:id="rId12"/>
+    <p:sldId id="262" r:id="rId13"/>
+    <p:sldId id="263" r:id="rId14"/>
+    <p:sldId id="264" r:id="rId15"/>
+    <p:sldId id="265" r:id="rId16"/>
   </p:sldIdLst>
   <p:sldSz cx="12192000" cy="6858000"/>
   <p:notesSz cx="6858000" cy="9144000"/>
@@ -492,7 +493,7 @@
       </p:grpSpPr>
       <p:sp>
         <p:nvSpPr>
-          <p:cNvPr id="2" name="標題 1"/>
+          <p:cNvPr id="2" name="Title 1"/>
           <p:cNvSpPr>
             <a:spLocks noGrp="1"/>
           </p:cNvSpPr>
@@ -518,13 +519,13 @@
               <a:rPr lang="zh-TW" altLang="en-US" smtClean="0"/>
               <a:t>按一下以編輯母片標題樣式</a:t>
             </a:r>
-            <a:endParaRPr lang="zh-TW" altLang="en-US"/>
+            <a:endParaRPr lang="en-US" dirty="0"/>
           </a:p>
         </p:txBody>
       </p:sp>
       <p:sp>
         <p:nvSpPr>
-          <p:cNvPr id="3" name="副標題 2"/>
+          <p:cNvPr id="3" name="Subtitle 2"/>
           <p:cNvSpPr>
             <a:spLocks noGrp="1"/>
           </p:cNvSpPr>
@@ -583,13 +584,13 @@
               <a:rPr lang="zh-TW" altLang="en-US" smtClean="0"/>
               <a:t>按一下以編輯母片副標題樣式</a:t>
             </a:r>
-            <a:endParaRPr lang="zh-TW" altLang="en-US"/>
+            <a:endParaRPr lang="en-US" dirty="0"/>
           </a:p>
         </p:txBody>
       </p:sp>
       <p:sp>
         <p:nvSpPr>
-          <p:cNvPr id="4" name="日期版面配置區 3"/>
+          <p:cNvPr id="4" name="Date Placeholder 3"/>
           <p:cNvSpPr>
             <a:spLocks noGrp="1"/>
           </p:cNvSpPr>
@@ -612,7 +613,7 @@
       </p:sp>
       <p:sp>
         <p:nvSpPr>
-          <p:cNvPr id="5" name="頁尾版面配置區 4"/>
+          <p:cNvPr id="5" name="Footer Placeholder 4"/>
           <p:cNvSpPr>
             <a:spLocks noGrp="1"/>
           </p:cNvSpPr>
@@ -631,7 +632,7 @@
       </p:sp>
       <p:sp>
         <p:nvSpPr>
-          <p:cNvPr id="6" name="投影片編號版面配置區 5"/>
+          <p:cNvPr id="6" name="Slide Number Placeholder 5"/>
           <p:cNvSpPr>
             <a:spLocks noGrp="1"/>
           </p:cNvSpPr>
@@ -655,7 +656,7 @@
     </p:spTree>
     <p:extLst>
       <p:ext uri="{BB962C8B-B14F-4D97-AF65-F5344CB8AC3E}">
-        <p14:creationId xmlns:p14="http://schemas.microsoft.com/office/powerpoint/2010/main" val="3744274195"/>
+        <p14:creationId xmlns:p14="http://schemas.microsoft.com/office/powerpoint/2010/main" val="308731191"/>
       </p:ext>
     </p:extLst>
   </p:cSld>
@@ -684,7 +685,7 @@
       </p:grpSpPr>
       <p:sp>
         <p:nvSpPr>
-          <p:cNvPr id="2" name="標題 1"/>
+          <p:cNvPr id="2" name="Title 1"/>
           <p:cNvSpPr>
             <a:spLocks noGrp="1"/>
           </p:cNvSpPr>
@@ -701,13 +702,13 @@
               <a:rPr lang="zh-TW" altLang="en-US" smtClean="0"/>
               <a:t>按一下以編輯母片標題樣式</a:t>
             </a:r>
-            <a:endParaRPr lang="zh-TW" altLang="en-US"/>
+            <a:endParaRPr lang="en-US" dirty="0"/>
           </a:p>
         </p:txBody>
       </p:sp>
       <p:sp>
         <p:nvSpPr>
-          <p:cNvPr id="3" name="直排文字版面配置區 2"/>
+          <p:cNvPr id="3" name="Vertical Text Placeholder 2"/>
           <p:cNvSpPr>
             <a:spLocks noGrp="1"/>
           </p:cNvSpPr>
@@ -753,13 +754,13 @@
               <a:rPr lang="zh-TW" altLang="en-US" smtClean="0"/>
               <a:t>第五層</a:t>
             </a:r>
-            <a:endParaRPr lang="zh-TW" altLang="en-US"/>
+            <a:endParaRPr lang="en-US" dirty="0"/>
           </a:p>
         </p:txBody>
       </p:sp>
       <p:sp>
         <p:nvSpPr>
-          <p:cNvPr id="4" name="日期版面配置區 3"/>
+          <p:cNvPr id="4" name="Date Placeholder 3"/>
           <p:cNvSpPr>
             <a:spLocks noGrp="1"/>
           </p:cNvSpPr>
@@ -782,7 +783,7 @@
       </p:sp>
       <p:sp>
         <p:nvSpPr>
-          <p:cNvPr id="5" name="頁尾版面配置區 4"/>
+          <p:cNvPr id="5" name="Footer Placeholder 4"/>
           <p:cNvSpPr>
             <a:spLocks noGrp="1"/>
           </p:cNvSpPr>
@@ -801,7 +802,7 @@
       </p:sp>
       <p:sp>
         <p:nvSpPr>
-          <p:cNvPr id="6" name="投影片編號版面配置區 5"/>
+          <p:cNvPr id="6" name="Slide Number Placeholder 5"/>
           <p:cNvSpPr>
             <a:spLocks noGrp="1"/>
           </p:cNvSpPr>
@@ -825,7 +826,7 @@
     </p:spTree>
     <p:extLst>
       <p:ext uri="{BB962C8B-B14F-4D97-AF65-F5344CB8AC3E}">
-        <p14:creationId xmlns:p14="http://schemas.microsoft.com/office/powerpoint/2010/main" val="1506615899"/>
+        <p14:creationId xmlns:p14="http://schemas.microsoft.com/office/powerpoint/2010/main" val="494755974"/>
       </p:ext>
     </p:extLst>
   </p:cSld>
@@ -854,7 +855,7 @@
       </p:grpSpPr>
       <p:sp>
         <p:nvSpPr>
-          <p:cNvPr id="2" name="直排標題 1"/>
+          <p:cNvPr id="2" name="Vertical Title 1"/>
           <p:cNvSpPr>
             <a:spLocks noGrp="1"/>
           </p:cNvSpPr>
@@ -876,13 +877,13 @@
               <a:rPr lang="zh-TW" altLang="en-US" smtClean="0"/>
               <a:t>按一下以編輯母片標題樣式</a:t>
             </a:r>
-            <a:endParaRPr lang="zh-TW" altLang="en-US"/>
+            <a:endParaRPr lang="en-US" dirty="0"/>
           </a:p>
         </p:txBody>
       </p:sp>
       <p:sp>
         <p:nvSpPr>
-          <p:cNvPr id="3" name="直排文字版面配置區 2"/>
+          <p:cNvPr id="3" name="Vertical Text Placeholder 2"/>
           <p:cNvSpPr>
             <a:spLocks noGrp="1"/>
           </p:cNvSpPr>
@@ -933,13 +934,13 @@
               <a:rPr lang="zh-TW" altLang="en-US" smtClean="0"/>
               <a:t>第五層</a:t>
             </a:r>
-            <a:endParaRPr lang="zh-TW" altLang="en-US"/>
+            <a:endParaRPr lang="en-US" dirty="0"/>
           </a:p>
         </p:txBody>
       </p:sp>
       <p:sp>
         <p:nvSpPr>
-          <p:cNvPr id="4" name="日期版面配置區 3"/>
+          <p:cNvPr id="4" name="Date Placeholder 3"/>
           <p:cNvSpPr>
             <a:spLocks noGrp="1"/>
           </p:cNvSpPr>
@@ -962,7 +963,7 @@
       </p:sp>
       <p:sp>
         <p:nvSpPr>
-          <p:cNvPr id="5" name="頁尾版面配置區 4"/>
+          <p:cNvPr id="5" name="Footer Placeholder 4"/>
           <p:cNvSpPr>
             <a:spLocks noGrp="1"/>
           </p:cNvSpPr>
@@ -981,7 +982,7 @@
       </p:sp>
       <p:sp>
         <p:nvSpPr>
-          <p:cNvPr id="6" name="投影片編號版面配置區 5"/>
+          <p:cNvPr id="6" name="Slide Number Placeholder 5"/>
           <p:cNvSpPr>
             <a:spLocks noGrp="1"/>
           </p:cNvSpPr>
@@ -1005,7 +1006,7 @@
     </p:spTree>
     <p:extLst>
       <p:ext uri="{BB962C8B-B14F-4D97-AF65-F5344CB8AC3E}">
-        <p14:creationId xmlns:p14="http://schemas.microsoft.com/office/powerpoint/2010/main" val="820232215"/>
+        <p14:creationId xmlns:p14="http://schemas.microsoft.com/office/powerpoint/2010/main" val="332884074"/>
       </p:ext>
     </p:extLst>
   </p:cSld>
@@ -1034,7 +1035,7 @@
       </p:grpSpPr>
       <p:sp>
         <p:nvSpPr>
-          <p:cNvPr id="2" name="標題 1"/>
+          <p:cNvPr id="2" name="Title 1"/>
           <p:cNvSpPr>
             <a:spLocks noGrp="1"/>
           </p:cNvSpPr>
@@ -1051,13 +1052,13 @@
               <a:rPr lang="zh-TW" altLang="en-US" smtClean="0"/>
               <a:t>按一下以編輯母片標題樣式</a:t>
             </a:r>
-            <a:endParaRPr lang="zh-TW" altLang="en-US"/>
+            <a:endParaRPr lang="en-US" dirty="0"/>
           </a:p>
         </p:txBody>
       </p:sp>
       <p:sp>
         <p:nvSpPr>
-          <p:cNvPr id="3" name="內容版面配置區 2"/>
+          <p:cNvPr id="3" name="Content Placeholder 2"/>
           <p:cNvSpPr>
             <a:spLocks noGrp="1"/>
           </p:cNvSpPr>
@@ -1103,13 +1104,13 @@
               <a:rPr lang="zh-TW" altLang="en-US" smtClean="0"/>
               <a:t>第五層</a:t>
             </a:r>
-            <a:endParaRPr lang="zh-TW" altLang="en-US"/>
+            <a:endParaRPr lang="en-US" dirty="0"/>
           </a:p>
         </p:txBody>
       </p:sp>
       <p:sp>
         <p:nvSpPr>
-          <p:cNvPr id="4" name="日期版面配置區 3"/>
+          <p:cNvPr id="4" name="Date Placeholder 3"/>
           <p:cNvSpPr>
             <a:spLocks noGrp="1"/>
           </p:cNvSpPr>
@@ -1132,7 +1133,7 @@
       </p:sp>
       <p:sp>
         <p:nvSpPr>
-          <p:cNvPr id="5" name="頁尾版面配置區 4"/>
+          <p:cNvPr id="5" name="Footer Placeholder 4"/>
           <p:cNvSpPr>
             <a:spLocks noGrp="1"/>
           </p:cNvSpPr>
@@ -1151,7 +1152,7 @@
       </p:sp>
       <p:sp>
         <p:nvSpPr>
-          <p:cNvPr id="6" name="投影片編號版面配置區 5"/>
+          <p:cNvPr id="6" name="Slide Number Placeholder 5"/>
           <p:cNvSpPr>
             <a:spLocks noGrp="1"/>
           </p:cNvSpPr>
@@ -1175,7 +1176,7 @@
     </p:spTree>
     <p:extLst>
       <p:ext uri="{BB962C8B-B14F-4D97-AF65-F5344CB8AC3E}">
-        <p14:creationId xmlns:p14="http://schemas.microsoft.com/office/powerpoint/2010/main" val="1629316350"/>
+        <p14:creationId xmlns:p14="http://schemas.microsoft.com/office/powerpoint/2010/main" val="2752048574"/>
       </p:ext>
     </p:extLst>
   </p:cSld>
@@ -1204,7 +1205,7 @@
       </p:grpSpPr>
       <p:sp>
         <p:nvSpPr>
-          <p:cNvPr id="2" name="標題 1"/>
+          <p:cNvPr id="2" name="Title 1"/>
           <p:cNvSpPr>
             <a:spLocks noGrp="1"/>
           </p:cNvSpPr>
@@ -1230,13 +1231,13 @@
               <a:rPr lang="zh-TW" altLang="en-US" smtClean="0"/>
               <a:t>按一下以編輯母片標題樣式</a:t>
             </a:r>
-            <a:endParaRPr lang="zh-TW" altLang="en-US"/>
+            <a:endParaRPr lang="en-US" dirty="0"/>
           </a:p>
         </p:txBody>
       </p:sp>
       <p:sp>
         <p:nvSpPr>
-          <p:cNvPr id="3" name="文字版面配置區 2"/>
+          <p:cNvPr id="3" name="Text Placeholder 2"/>
           <p:cNvSpPr>
             <a:spLocks noGrp="1"/>
           </p:cNvSpPr>
@@ -1355,7 +1356,7 @@
       </p:sp>
       <p:sp>
         <p:nvSpPr>
-          <p:cNvPr id="4" name="日期版面配置區 3"/>
+          <p:cNvPr id="4" name="Date Placeholder 3"/>
           <p:cNvSpPr>
             <a:spLocks noGrp="1"/>
           </p:cNvSpPr>
@@ -1378,7 +1379,7 @@
       </p:sp>
       <p:sp>
         <p:nvSpPr>
-          <p:cNvPr id="5" name="頁尾版面配置區 4"/>
+          <p:cNvPr id="5" name="Footer Placeholder 4"/>
           <p:cNvSpPr>
             <a:spLocks noGrp="1"/>
           </p:cNvSpPr>
@@ -1397,7 +1398,7 @@
       </p:sp>
       <p:sp>
         <p:nvSpPr>
-          <p:cNvPr id="6" name="投影片編號版面配置區 5"/>
+          <p:cNvPr id="6" name="Slide Number Placeholder 5"/>
           <p:cNvSpPr>
             <a:spLocks noGrp="1"/>
           </p:cNvSpPr>
@@ -1421,7 +1422,7 @@
     </p:spTree>
     <p:extLst>
       <p:ext uri="{BB962C8B-B14F-4D97-AF65-F5344CB8AC3E}">
-        <p14:creationId xmlns:p14="http://schemas.microsoft.com/office/powerpoint/2010/main" val="1574779621"/>
+        <p14:creationId xmlns:p14="http://schemas.microsoft.com/office/powerpoint/2010/main" val="497379261"/>
       </p:ext>
     </p:extLst>
   </p:cSld>
@@ -1450,7 +1451,7 @@
       </p:grpSpPr>
       <p:sp>
         <p:nvSpPr>
-          <p:cNvPr id="2" name="標題 1"/>
+          <p:cNvPr id="2" name="Title 1"/>
           <p:cNvSpPr>
             <a:spLocks noGrp="1"/>
           </p:cNvSpPr>
@@ -1467,13 +1468,13 @@
               <a:rPr lang="zh-TW" altLang="en-US" smtClean="0"/>
               <a:t>按一下以編輯母片標題樣式</a:t>
             </a:r>
-            <a:endParaRPr lang="zh-TW" altLang="en-US"/>
+            <a:endParaRPr lang="en-US" dirty="0"/>
           </a:p>
         </p:txBody>
       </p:sp>
       <p:sp>
         <p:nvSpPr>
-          <p:cNvPr id="3" name="內容版面配置區 2"/>
+          <p:cNvPr id="3" name="Content Placeholder 2"/>
           <p:cNvSpPr>
             <a:spLocks noGrp="1"/>
           </p:cNvSpPr>
@@ -1524,13 +1525,13 @@
               <a:rPr lang="zh-TW" altLang="en-US" smtClean="0"/>
               <a:t>第五層</a:t>
             </a:r>
-            <a:endParaRPr lang="zh-TW" altLang="en-US"/>
+            <a:endParaRPr lang="en-US" dirty="0"/>
           </a:p>
         </p:txBody>
       </p:sp>
       <p:sp>
         <p:nvSpPr>
-          <p:cNvPr id="4" name="內容版面配置區 3"/>
+          <p:cNvPr id="4" name="Content Placeholder 3"/>
           <p:cNvSpPr>
             <a:spLocks noGrp="1"/>
           </p:cNvSpPr>
@@ -1581,13 +1582,13 @@
               <a:rPr lang="zh-TW" altLang="en-US" smtClean="0"/>
               <a:t>第五層</a:t>
             </a:r>
-            <a:endParaRPr lang="zh-TW" altLang="en-US"/>
+            <a:endParaRPr lang="en-US" dirty="0"/>
           </a:p>
         </p:txBody>
       </p:sp>
       <p:sp>
         <p:nvSpPr>
-          <p:cNvPr id="5" name="日期版面配置區 4"/>
+          <p:cNvPr id="5" name="Date Placeholder 4"/>
           <p:cNvSpPr>
             <a:spLocks noGrp="1"/>
           </p:cNvSpPr>
@@ -1610,7 +1611,7 @@
       </p:sp>
       <p:sp>
         <p:nvSpPr>
-          <p:cNvPr id="6" name="頁尾版面配置區 5"/>
+          <p:cNvPr id="6" name="Footer Placeholder 5"/>
           <p:cNvSpPr>
             <a:spLocks noGrp="1"/>
           </p:cNvSpPr>
@@ -1629,7 +1630,7 @@
       </p:sp>
       <p:sp>
         <p:nvSpPr>
-          <p:cNvPr id="7" name="投影片編號版面配置區 6"/>
+          <p:cNvPr id="7" name="Slide Number Placeholder 6"/>
           <p:cNvSpPr>
             <a:spLocks noGrp="1"/>
           </p:cNvSpPr>
@@ -1653,7 +1654,7 @@
     </p:spTree>
     <p:extLst>
       <p:ext uri="{BB962C8B-B14F-4D97-AF65-F5344CB8AC3E}">
-        <p14:creationId xmlns:p14="http://schemas.microsoft.com/office/powerpoint/2010/main" val="1610903498"/>
+        <p14:creationId xmlns:p14="http://schemas.microsoft.com/office/powerpoint/2010/main" val="3378886812"/>
       </p:ext>
     </p:extLst>
   </p:cSld>
@@ -1682,7 +1683,7 @@
       </p:grpSpPr>
       <p:sp>
         <p:nvSpPr>
-          <p:cNvPr id="2" name="標題 1"/>
+          <p:cNvPr id="2" name="Title 1"/>
           <p:cNvSpPr>
             <a:spLocks noGrp="1"/>
           </p:cNvSpPr>
@@ -1704,13 +1705,13 @@
               <a:rPr lang="zh-TW" altLang="en-US" smtClean="0"/>
               <a:t>按一下以編輯母片標題樣式</a:t>
             </a:r>
-            <a:endParaRPr lang="zh-TW" altLang="en-US"/>
+            <a:endParaRPr lang="en-US" dirty="0"/>
           </a:p>
         </p:txBody>
       </p:sp>
       <p:sp>
         <p:nvSpPr>
-          <p:cNvPr id="3" name="文字版面配置區 2"/>
+          <p:cNvPr id="3" name="Text Placeholder 2"/>
           <p:cNvSpPr>
             <a:spLocks noGrp="1"/>
           </p:cNvSpPr>
@@ -1775,7 +1776,7 @@
       </p:sp>
       <p:sp>
         <p:nvSpPr>
-          <p:cNvPr id="4" name="內容版面配置區 3"/>
+          <p:cNvPr id="4" name="Content Placeholder 3"/>
           <p:cNvSpPr>
             <a:spLocks noGrp="1"/>
           </p:cNvSpPr>
@@ -1826,13 +1827,13 @@
               <a:rPr lang="zh-TW" altLang="en-US" smtClean="0"/>
               <a:t>第五層</a:t>
             </a:r>
-            <a:endParaRPr lang="zh-TW" altLang="en-US"/>
+            <a:endParaRPr lang="en-US" dirty="0"/>
           </a:p>
         </p:txBody>
       </p:sp>
       <p:sp>
         <p:nvSpPr>
-          <p:cNvPr id="5" name="文字版面配置區 4"/>
+          <p:cNvPr id="5" name="Text Placeholder 4"/>
           <p:cNvSpPr>
             <a:spLocks noGrp="1"/>
           </p:cNvSpPr>
@@ -1897,7 +1898,7 @@
       </p:sp>
       <p:sp>
         <p:nvSpPr>
-          <p:cNvPr id="6" name="內容版面配置區 5"/>
+          <p:cNvPr id="6" name="Content Placeholder 5"/>
           <p:cNvSpPr>
             <a:spLocks noGrp="1"/>
           </p:cNvSpPr>
@@ -1948,13 +1949,13 @@
               <a:rPr lang="zh-TW" altLang="en-US" smtClean="0"/>
               <a:t>第五層</a:t>
             </a:r>
-            <a:endParaRPr lang="zh-TW" altLang="en-US"/>
+            <a:endParaRPr lang="en-US" dirty="0"/>
           </a:p>
         </p:txBody>
       </p:sp>
       <p:sp>
         <p:nvSpPr>
-          <p:cNvPr id="7" name="日期版面配置區 6"/>
+          <p:cNvPr id="7" name="Date Placeholder 6"/>
           <p:cNvSpPr>
             <a:spLocks noGrp="1"/>
           </p:cNvSpPr>
@@ -1977,7 +1978,7 @@
       </p:sp>
       <p:sp>
         <p:nvSpPr>
-          <p:cNvPr id="8" name="頁尾版面配置區 7"/>
+          <p:cNvPr id="8" name="Footer Placeholder 7"/>
           <p:cNvSpPr>
             <a:spLocks noGrp="1"/>
           </p:cNvSpPr>
@@ -1996,7 +1997,7 @@
       </p:sp>
       <p:sp>
         <p:nvSpPr>
-          <p:cNvPr id="9" name="投影片編號版面配置區 8"/>
+          <p:cNvPr id="9" name="Slide Number Placeholder 8"/>
           <p:cNvSpPr>
             <a:spLocks noGrp="1"/>
           </p:cNvSpPr>
@@ -2020,7 +2021,7 @@
     </p:spTree>
     <p:extLst>
       <p:ext uri="{BB962C8B-B14F-4D97-AF65-F5344CB8AC3E}">
-        <p14:creationId xmlns:p14="http://schemas.microsoft.com/office/powerpoint/2010/main" val="4060479624"/>
+        <p14:creationId xmlns:p14="http://schemas.microsoft.com/office/powerpoint/2010/main" val="669718742"/>
       </p:ext>
     </p:extLst>
   </p:cSld>
@@ -2049,7 +2050,7 @@
       </p:grpSpPr>
       <p:sp>
         <p:nvSpPr>
-          <p:cNvPr id="2" name="標題 1"/>
+          <p:cNvPr id="2" name="Title 1"/>
           <p:cNvSpPr>
             <a:spLocks noGrp="1"/>
           </p:cNvSpPr>
@@ -2066,13 +2067,13 @@
               <a:rPr lang="zh-TW" altLang="en-US" smtClean="0"/>
               <a:t>按一下以編輯母片標題樣式</a:t>
             </a:r>
-            <a:endParaRPr lang="zh-TW" altLang="en-US"/>
+            <a:endParaRPr lang="en-US" dirty="0"/>
           </a:p>
         </p:txBody>
       </p:sp>
       <p:sp>
         <p:nvSpPr>
-          <p:cNvPr id="3" name="日期版面配置區 2"/>
+          <p:cNvPr id="3" name="Date Placeholder 2"/>
           <p:cNvSpPr>
             <a:spLocks noGrp="1"/>
           </p:cNvSpPr>
@@ -2095,7 +2096,7 @@
       </p:sp>
       <p:sp>
         <p:nvSpPr>
-          <p:cNvPr id="4" name="頁尾版面配置區 3"/>
+          <p:cNvPr id="4" name="Footer Placeholder 3"/>
           <p:cNvSpPr>
             <a:spLocks noGrp="1"/>
           </p:cNvSpPr>
@@ -2114,7 +2115,7 @@
       </p:sp>
       <p:sp>
         <p:nvSpPr>
-          <p:cNvPr id="5" name="投影片編號版面配置區 4"/>
+          <p:cNvPr id="5" name="Slide Number Placeholder 4"/>
           <p:cNvSpPr>
             <a:spLocks noGrp="1"/>
           </p:cNvSpPr>
@@ -2138,7 +2139,7 @@
     </p:spTree>
     <p:extLst>
       <p:ext uri="{BB962C8B-B14F-4D97-AF65-F5344CB8AC3E}">
-        <p14:creationId xmlns:p14="http://schemas.microsoft.com/office/powerpoint/2010/main" val="3641815819"/>
+        <p14:creationId xmlns:p14="http://schemas.microsoft.com/office/powerpoint/2010/main" val="2309890681"/>
       </p:ext>
     </p:extLst>
   </p:cSld>
@@ -2167,7 +2168,7 @@
       </p:grpSpPr>
       <p:sp>
         <p:nvSpPr>
-          <p:cNvPr id="2" name="日期版面配置區 1"/>
+          <p:cNvPr id="2" name="Date Placeholder 1"/>
           <p:cNvSpPr>
             <a:spLocks noGrp="1"/>
           </p:cNvSpPr>
@@ -2190,7 +2191,7 @@
       </p:sp>
       <p:sp>
         <p:nvSpPr>
-          <p:cNvPr id="3" name="頁尾版面配置區 2"/>
+          <p:cNvPr id="3" name="Footer Placeholder 2"/>
           <p:cNvSpPr>
             <a:spLocks noGrp="1"/>
           </p:cNvSpPr>
@@ -2209,7 +2210,7 @@
       </p:sp>
       <p:sp>
         <p:nvSpPr>
-          <p:cNvPr id="4" name="投影片編號版面配置區 3"/>
+          <p:cNvPr id="4" name="Slide Number Placeholder 3"/>
           <p:cNvSpPr>
             <a:spLocks noGrp="1"/>
           </p:cNvSpPr>
@@ -2233,7 +2234,7 @@
     </p:spTree>
     <p:extLst>
       <p:ext uri="{BB962C8B-B14F-4D97-AF65-F5344CB8AC3E}">
-        <p14:creationId xmlns:p14="http://schemas.microsoft.com/office/powerpoint/2010/main" val="467251204"/>
+        <p14:creationId xmlns:p14="http://schemas.microsoft.com/office/powerpoint/2010/main" val="1940663468"/>
       </p:ext>
     </p:extLst>
   </p:cSld>
@@ -2262,7 +2263,7 @@
       </p:grpSpPr>
       <p:sp>
         <p:nvSpPr>
-          <p:cNvPr id="2" name="標題 1"/>
+          <p:cNvPr id="2" name="Title 1"/>
           <p:cNvSpPr>
             <a:spLocks noGrp="1"/>
           </p:cNvSpPr>
@@ -2288,13 +2289,13 @@
               <a:rPr lang="zh-TW" altLang="en-US" smtClean="0"/>
               <a:t>按一下以編輯母片標題樣式</a:t>
             </a:r>
-            <a:endParaRPr lang="zh-TW" altLang="en-US"/>
+            <a:endParaRPr lang="en-US" dirty="0"/>
           </a:p>
         </p:txBody>
       </p:sp>
       <p:sp>
         <p:nvSpPr>
-          <p:cNvPr id="3" name="內容版面配置區 2"/>
+          <p:cNvPr id="3" name="Content Placeholder 2"/>
           <p:cNvSpPr>
             <a:spLocks noGrp="1"/>
           </p:cNvSpPr>
@@ -2373,13 +2374,13 @@
               <a:rPr lang="zh-TW" altLang="en-US" smtClean="0"/>
               <a:t>第五層</a:t>
             </a:r>
-            <a:endParaRPr lang="zh-TW" altLang="en-US"/>
+            <a:endParaRPr lang="en-US" dirty="0"/>
           </a:p>
         </p:txBody>
       </p:sp>
       <p:sp>
         <p:nvSpPr>
-          <p:cNvPr id="4" name="文字版面配置區 3"/>
+          <p:cNvPr id="4" name="Text Placeholder 3"/>
           <p:cNvSpPr>
             <a:spLocks noGrp="1"/>
           </p:cNvSpPr>
@@ -2444,7 +2445,7 @@
       </p:sp>
       <p:sp>
         <p:nvSpPr>
-          <p:cNvPr id="5" name="日期版面配置區 4"/>
+          <p:cNvPr id="5" name="Date Placeholder 4"/>
           <p:cNvSpPr>
             <a:spLocks noGrp="1"/>
           </p:cNvSpPr>
@@ -2467,7 +2468,7 @@
       </p:sp>
       <p:sp>
         <p:nvSpPr>
-          <p:cNvPr id="6" name="頁尾版面配置區 5"/>
+          <p:cNvPr id="6" name="Footer Placeholder 5"/>
           <p:cNvSpPr>
             <a:spLocks noGrp="1"/>
           </p:cNvSpPr>
@@ -2486,7 +2487,7 @@
       </p:sp>
       <p:sp>
         <p:nvSpPr>
-          <p:cNvPr id="7" name="投影片編號版面配置區 6"/>
+          <p:cNvPr id="7" name="Slide Number Placeholder 6"/>
           <p:cNvSpPr>
             <a:spLocks noGrp="1"/>
           </p:cNvSpPr>
@@ -2510,7 +2511,7 @@
     </p:spTree>
     <p:extLst>
       <p:ext uri="{BB962C8B-B14F-4D97-AF65-F5344CB8AC3E}">
-        <p14:creationId xmlns:p14="http://schemas.microsoft.com/office/powerpoint/2010/main" val="3817055410"/>
+        <p14:creationId xmlns:p14="http://schemas.microsoft.com/office/powerpoint/2010/main" val="152792272"/>
       </p:ext>
     </p:extLst>
   </p:cSld>
@@ -2539,7 +2540,7 @@
       </p:grpSpPr>
       <p:sp>
         <p:nvSpPr>
-          <p:cNvPr id="2" name="標題 1"/>
+          <p:cNvPr id="2" name="Title 1"/>
           <p:cNvSpPr>
             <a:spLocks noGrp="1"/>
           </p:cNvSpPr>
@@ -2565,15 +2566,15 @@
               <a:rPr lang="zh-TW" altLang="en-US" smtClean="0"/>
               <a:t>按一下以編輯母片標題樣式</a:t>
             </a:r>
-            <a:endParaRPr lang="zh-TW" altLang="en-US"/>
+            <a:endParaRPr lang="en-US" dirty="0"/>
           </a:p>
         </p:txBody>
       </p:sp>
       <p:sp>
         <p:nvSpPr>
-          <p:cNvPr id="3" name="圖片版面配置區 2"/>
+          <p:cNvPr id="3" name="Picture Placeholder 2"/>
           <p:cNvSpPr>
-            <a:spLocks noGrp="1"/>
+            <a:spLocks noGrp="1" noChangeAspect="1"/>
           </p:cNvSpPr>
           <p:nvPr>
             <p:ph type="pic" idx="1"/>
@@ -2586,7 +2587,7 @@
           </a:xfrm>
         </p:spPr>
         <p:txBody>
-          <a:bodyPr/>
+          <a:bodyPr anchor="t"/>
           <a:lstStyle>
             <a:lvl1pPr marL="0" indent="0">
               <a:buNone/>
@@ -2626,13 +2627,17 @@
             </a:lvl9pPr>
           </a:lstStyle>
           <a:p>
-            <a:endParaRPr lang="zh-TW" altLang="en-US"/>
+            <a:r>
+              <a:rPr lang="zh-TW" altLang="en-US" smtClean="0"/>
+              <a:t>按一下圖示以新增圖片</a:t>
+            </a:r>
+            <a:endParaRPr lang="en-US" dirty="0"/>
           </a:p>
         </p:txBody>
       </p:sp>
       <p:sp>
         <p:nvSpPr>
-          <p:cNvPr id="4" name="文字版面配置區 3"/>
+          <p:cNvPr id="4" name="Text Placeholder 3"/>
           <p:cNvSpPr>
             <a:spLocks noGrp="1"/>
           </p:cNvSpPr>
@@ -2697,7 +2702,7 @@
       </p:sp>
       <p:sp>
         <p:nvSpPr>
-          <p:cNvPr id="5" name="日期版面配置區 4"/>
+          <p:cNvPr id="5" name="Date Placeholder 4"/>
           <p:cNvSpPr>
             <a:spLocks noGrp="1"/>
           </p:cNvSpPr>
@@ -2720,7 +2725,7 @@
       </p:sp>
       <p:sp>
         <p:nvSpPr>
-          <p:cNvPr id="6" name="頁尾版面配置區 5"/>
+          <p:cNvPr id="6" name="Footer Placeholder 5"/>
           <p:cNvSpPr>
             <a:spLocks noGrp="1"/>
           </p:cNvSpPr>
@@ -2739,7 +2744,7 @@
       </p:sp>
       <p:sp>
         <p:nvSpPr>
-          <p:cNvPr id="7" name="投影片編號版面配置區 6"/>
+          <p:cNvPr id="7" name="Slide Number Placeholder 6"/>
           <p:cNvSpPr>
             <a:spLocks noGrp="1"/>
           </p:cNvSpPr>
@@ -2763,7 +2768,7 @@
     </p:spTree>
     <p:extLst>
       <p:ext uri="{BB962C8B-B14F-4D97-AF65-F5344CB8AC3E}">
-        <p14:creationId xmlns:p14="http://schemas.microsoft.com/office/powerpoint/2010/main" val="2962455953"/>
+        <p14:creationId xmlns:p14="http://schemas.microsoft.com/office/powerpoint/2010/main" val="2856164410"/>
       </p:ext>
     </p:extLst>
   </p:cSld>
@@ -2797,7 +2802,7 @@
       </p:grpSpPr>
       <p:sp>
         <p:nvSpPr>
-          <p:cNvPr id="2" name="標題版面配置區 1"/>
+          <p:cNvPr id="2" name="Title Placeholder 1"/>
           <p:cNvSpPr>
             <a:spLocks noGrp="1"/>
           </p:cNvSpPr>
@@ -2824,13 +2829,13 @@
               <a:rPr lang="zh-TW" altLang="en-US" smtClean="0"/>
               <a:t>按一下以編輯母片標題樣式</a:t>
             </a:r>
-            <a:endParaRPr lang="zh-TW" altLang="en-US"/>
+            <a:endParaRPr lang="en-US" dirty="0"/>
           </a:p>
         </p:txBody>
       </p:sp>
       <p:sp>
         <p:nvSpPr>
-          <p:cNvPr id="3" name="文字版面配置區 2"/>
+          <p:cNvPr id="3" name="Text Placeholder 2"/>
           <p:cNvSpPr>
             <a:spLocks noGrp="1"/>
           </p:cNvSpPr>
@@ -2886,13 +2891,13 @@
               <a:rPr lang="zh-TW" altLang="en-US" smtClean="0"/>
               <a:t>第五層</a:t>
             </a:r>
-            <a:endParaRPr lang="zh-TW" altLang="en-US"/>
+            <a:endParaRPr lang="en-US" dirty="0"/>
           </a:p>
         </p:txBody>
       </p:sp>
       <p:sp>
         <p:nvSpPr>
-          <p:cNvPr id="4" name="日期版面配置區 3"/>
+          <p:cNvPr id="4" name="Date Placeholder 3"/>
           <p:cNvSpPr>
             <a:spLocks noGrp="1"/>
           </p:cNvSpPr>
@@ -2933,7 +2938,7 @@
       </p:sp>
       <p:sp>
         <p:nvSpPr>
-          <p:cNvPr id="5" name="頁尾版面配置區 4"/>
+          <p:cNvPr id="5" name="Footer Placeholder 4"/>
           <p:cNvSpPr>
             <a:spLocks noGrp="1"/>
           </p:cNvSpPr>
@@ -2970,7 +2975,7 @@
       </p:sp>
       <p:sp>
         <p:nvSpPr>
-          <p:cNvPr id="6" name="投影片編號版面配置區 5"/>
+          <p:cNvPr id="6" name="Slide Number Placeholder 5"/>
           <p:cNvSpPr>
             <a:spLocks noGrp="1"/>
           </p:cNvSpPr>
@@ -3012,23 +3017,23 @@
     </p:spTree>
     <p:extLst>
       <p:ext uri="{BB962C8B-B14F-4D97-AF65-F5344CB8AC3E}">
-        <p14:creationId xmlns:p14="http://schemas.microsoft.com/office/powerpoint/2010/main" val="1156090808"/>
+        <p14:creationId xmlns:p14="http://schemas.microsoft.com/office/powerpoint/2010/main" val="393950097"/>
       </p:ext>
     </p:extLst>
   </p:cSld>
-  <p:clrMap bg1="lt1" tx1="dk1" bg2="lt2" tx2="dk2" accent1="accent1" accent2="accent2" accent3="accent3" accent4="accent4" accent5="accent5" accent6="accent6" hlink="hlink" folHlink="folHlink"/>
+  <p:clrMap bg1="dk1" tx1="lt1" bg2="dk2" tx2="lt2" accent1="accent1" accent2="accent2" accent3="accent3" accent4="accent4" accent5="accent5" accent6="accent6" hlink="hlink" folHlink="folHlink"/>
   <p:sldLayoutIdLst>
-    <p:sldLayoutId id="2147483649" r:id="rId1"/>
-    <p:sldLayoutId id="2147483650" r:id="rId2"/>
-    <p:sldLayoutId id="2147483651" r:id="rId3"/>
-    <p:sldLayoutId id="2147483652" r:id="rId4"/>
-    <p:sldLayoutId id="2147483653" r:id="rId5"/>
-    <p:sldLayoutId id="2147483654" r:id="rId6"/>
-    <p:sldLayoutId id="2147483655" r:id="rId7"/>
-    <p:sldLayoutId id="2147483656" r:id="rId8"/>
-    <p:sldLayoutId id="2147483657" r:id="rId9"/>
-    <p:sldLayoutId id="2147483658" r:id="rId10"/>
-    <p:sldLayoutId id="2147483659" r:id="rId11"/>
+    <p:sldLayoutId id="2147483661" r:id="rId1"/>
+    <p:sldLayoutId id="2147483662" r:id="rId2"/>
+    <p:sldLayoutId id="2147483663" r:id="rId3"/>
+    <p:sldLayoutId id="2147483664" r:id="rId4"/>
+    <p:sldLayoutId id="2147483665" r:id="rId5"/>
+    <p:sldLayoutId id="2147483666" r:id="rId6"/>
+    <p:sldLayoutId id="2147483667" r:id="rId7"/>
+    <p:sldLayoutId id="2147483668" r:id="rId8"/>
+    <p:sldLayoutId id="2147483669" r:id="rId9"/>
+    <p:sldLayoutId id="2147483670" r:id="rId10"/>
+    <p:sldLayoutId id="2147483671" r:id="rId11"/>
   </p:sldLayoutIdLst>
   <p:hf sldNum="0" hdr="0" ftr="0" dt="0"/>
   <p:txStyles>
@@ -3217,7 +3222,7 @@
     </p:bodyStyle>
     <p:otherStyle>
       <a:defPPr>
-        <a:defRPr lang="zh-TW"/>
+        <a:defRPr lang="en-US"/>
       </a:defPPr>
       <a:lvl1pPr marL="0" algn="l" defTabSz="914400" rtl="0" eaLnBrk="1" latinLnBrk="0" hangingPunct="1">
         <a:defRPr sz="1800" kern="1200">
@@ -3438,10 +3443,985 @@
   <p:clrMapOvr>
     <a:masterClrMapping/>
   </p:clrMapOvr>
+  <p:timing>
+    <p:tnLst>
+      <p:par>
+        <p:cTn id="1" dur="indefinite" restart="never" nodeType="tmRoot"/>
+      </p:par>
+    </p:tnLst>
+  </p:timing>
 </p:sld>
 </file>
 
 <file path=ppt/slides/slide10.xml><?xml version="1.0" encoding="utf-8"?>
+<p:sld xmlns:a="http://schemas.openxmlformats.org/drawingml/2006/main" xmlns:r="http://schemas.openxmlformats.org/officeDocument/2006/relationships" xmlns:p="http://schemas.openxmlformats.org/presentationml/2006/main" show="0">
+  <p:cSld>
+    <p:spTree>
+      <p:nvGrpSpPr>
+        <p:cNvPr id="1" name=""/>
+        <p:cNvGrpSpPr/>
+        <p:nvPr/>
+      </p:nvGrpSpPr>
+      <p:grpSpPr>
+        <a:xfrm>
+          <a:off x="0" y="0"/>
+          <a:ext cx="0" cy="0"/>
+          <a:chOff x="0" y="0"/>
+          <a:chExt cx="0" cy="0"/>
+        </a:xfrm>
+      </p:grpSpPr>
+      <p:sp>
+        <p:nvSpPr>
+          <p:cNvPr id="2" name="標題 1"/>
+          <p:cNvSpPr>
+            <a:spLocks noGrp="1"/>
+          </p:cNvSpPr>
+          <p:nvPr>
+            <p:ph type="title"/>
+          </p:nvPr>
+        </p:nvSpPr>
+        <p:spPr/>
+        <p:txBody>
+          <a:bodyPr/>
+          <a:lstStyle/>
+          <a:p>
+            <a:r>
+              <a:rPr lang="en-US" altLang="zh-TW" dirty="0" smtClean="0"/>
+              <a:t>Problem</a:t>
+            </a:r>
+            <a:endParaRPr lang="zh-TW" altLang="en-US" dirty="0"/>
+          </a:p>
+        </p:txBody>
+      </p:sp>
+      <mc:AlternateContent xmlns:mc="http://schemas.openxmlformats.org/markup-compatibility/2006">
+        <mc:Choice xmlns:a14="http://schemas.microsoft.com/office/drawing/2010/main" Requires="a14">
+          <p:sp>
+            <p:nvSpPr>
+              <p:cNvPr id="3" name="內容版面配置區 2"/>
+              <p:cNvSpPr>
+                <a:spLocks noGrp="1"/>
+              </p:cNvSpPr>
+              <p:nvPr>
+                <p:ph idx="1"/>
+              </p:nvPr>
+            </p:nvSpPr>
+            <p:spPr>
+              <a:xfrm>
+                <a:off x="838200" y="1825625"/>
+                <a:ext cx="10515600" cy="2181599"/>
+              </a:xfrm>
+            </p:spPr>
+            <p:txBody>
+              <a:bodyPr>
+                <a:normAutofit/>
+              </a:bodyPr>
+              <a:lstStyle/>
+              <a:p>
+                <a:r>
+                  <a:rPr lang="en-US" altLang="zh-TW" dirty="0" smtClean="0"/>
+                  <a:t>To simulate the dynamics of a system, we need </a:t>
+                </a:r>
+                <a:r>
+                  <a:rPr lang="en-US" altLang="zh-TW" dirty="0" err="1" smtClean="0"/>
+                  <a:t>exponentiated</a:t>
+                </a:r>
+                <a:r>
+                  <a:rPr lang="en-US" altLang="zh-TW" dirty="0" smtClean="0"/>
+                  <a:t> operators.</a:t>
+                </a:r>
+              </a:p>
+              <a:p>
+                <a:r>
+                  <a:rPr lang="en-US" altLang="zh-TW" b="1" u="sng" dirty="0" smtClean="0"/>
+                  <a:t>Want</a:t>
+                </a:r>
+                <a:r>
+                  <a:rPr lang="en-US" altLang="zh-TW" dirty="0"/>
+                  <a:t>: Find a circuit for </a:t>
+                </a:r>
+                <a14:m>
+                  <m:oMath xmlns:m="http://schemas.openxmlformats.org/officeDocument/2006/math">
+                    <m:sSup>
+                      <m:sSupPr>
+                        <m:ctrlPr>
+                          <a:rPr lang="en-US" altLang="zh-TW" i="1">
+                            <a:latin typeface="Cambria Math" panose="02040503050406030204" pitchFamily="18" charset="0"/>
+                          </a:rPr>
+                        </m:ctrlPr>
+                      </m:sSupPr>
+                      <m:e>
+                        <m:r>
+                          <a:rPr lang="en-US" altLang="zh-TW" i="1">
+                            <a:latin typeface="Cambria Math" panose="02040503050406030204" pitchFamily="18" charset="0"/>
+                          </a:rPr>
+                          <m:t>𝑒</m:t>
+                        </m:r>
+                      </m:e>
+                      <m:sup>
+                        <m:r>
+                          <a:rPr lang="en-US" altLang="zh-TW" i="1">
+                            <a:latin typeface="Cambria Math" panose="02040503050406030204" pitchFamily="18" charset="0"/>
+                          </a:rPr>
+                          <m:t>𝑖𝐴𝑡</m:t>
+                        </m:r>
+                      </m:sup>
+                    </m:sSup>
+                  </m:oMath>
+                </a14:m>
+                <a:r>
+                  <a:rPr lang="en-US" altLang="zh-TW" dirty="0"/>
+                  <a:t>, where </a:t>
+                </a:r>
+                <a14:m>
+                  <m:oMath xmlns:m="http://schemas.openxmlformats.org/officeDocument/2006/math">
+                    <m:r>
+                      <a:rPr lang="en-US" altLang="zh-TW" i="1">
+                        <a:latin typeface="Cambria Math" panose="02040503050406030204" pitchFamily="18" charset="0"/>
+                      </a:rPr>
+                      <m:t>𝐴</m:t>
+                    </m:r>
+                    <m:r>
+                      <a:rPr lang="en-US" altLang="zh-TW" i="1">
+                        <a:latin typeface="Cambria Math" panose="02040503050406030204" pitchFamily="18" charset="0"/>
+                        <a:ea typeface="Cambria Math" panose="02040503050406030204" pitchFamily="18" charset="0"/>
+                      </a:rPr>
+                      <m:t>∈</m:t>
+                    </m:r>
+                    <m:sSup>
+                      <m:sSupPr>
+                        <m:ctrlPr>
+                          <a:rPr lang="en-US" altLang="zh-TW" i="1">
+                            <a:latin typeface="Cambria Math" panose="02040503050406030204" pitchFamily="18" charset="0"/>
+                            <a:ea typeface="Cambria Math" panose="02040503050406030204" pitchFamily="18" charset="0"/>
+                          </a:rPr>
+                        </m:ctrlPr>
+                      </m:sSupPr>
+                      <m:e>
+                        <m:r>
+                          <a:rPr lang="en-US" altLang="zh-TW" i="1">
+                            <a:latin typeface="Cambria Math" panose="02040503050406030204" pitchFamily="18" charset="0"/>
+                            <a:ea typeface="Cambria Math" panose="02040503050406030204" pitchFamily="18" charset="0"/>
+                          </a:rPr>
+                          <m:t>ℂ</m:t>
+                        </m:r>
+                      </m:e>
+                      <m:sup>
+                        <m:r>
+                          <a:rPr lang="en-US" altLang="zh-TW" i="1">
+                            <a:latin typeface="Cambria Math" panose="02040503050406030204" pitchFamily="18" charset="0"/>
+                            <a:ea typeface="Cambria Math" panose="02040503050406030204" pitchFamily="18" charset="0"/>
+                          </a:rPr>
+                          <m:t>𝑁</m:t>
+                        </m:r>
+                        <m:r>
+                          <a:rPr lang="en-US" altLang="zh-TW" i="1">
+                            <a:latin typeface="Cambria Math" panose="02040503050406030204" pitchFamily="18" charset="0"/>
+                            <a:ea typeface="Cambria Math" panose="02040503050406030204" pitchFamily="18" charset="0"/>
+                          </a:rPr>
+                          <m:t>×</m:t>
+                        </m:r>
+                        <m:r>
+                          <a:rPr lang="en-US" altLang="zh-TW" i="1">
+                            <a:latin typeface="Cambria Math" panose="02040503050406030204" pitchFamily="18" charset="0"/>
+                            <a:ea typeface="Cambria Math" panose="02040503050406030204" pitchFamily="18" charset="0"/>
+                          </a:rPr>
+                          <m:t>𝑁</m:t>
+                        </m:r>
+                      </m:sup>
+                    </m:sSup>
+                  </m:oMath>
+                </a14:m>
+                <a:r>
+                  <a:rPr lang="en-US" altLang="zh-TW" dirty="0"/>
+                  <a:t> and </a:t>
+                </a:r>
+                <a14:m>
+                  <m:oMath xmlns:m="http://schemas.openxmlformats.org/officeDocument/2006/math">
+                    <m:r>
+                      <a:rPr lang="en-US" altLang="zh-TW" i="1">
+                        <a:latin typeface="Cambria Math" panose="02040503050406030204" pitchFamily="18" charset="0"/>
+                      </a:rPr>
+                      <m:t>𝑡</m:t>
+                    </m:r>
+                    <m:r>
+                      <a:rPr lang="en-US" altLang="zh-TW" i="1">
+                        <a:latin typeface="Cambria Math" panose="02040503050406030204" pitchFamily="18" charset="0"/>
+                        <a:ea typeface="Cambria Math" panose="02040503050406030204" pitchFamily="18" charset="0"/>
+                      </a:rPr>
+                      <m:t>∈</m:t>
+                    </m:r>
+                    <m:r>
+                      <a:rPr lang="en-US" altLang="zh-TW" i="1">
+                        <a:latin typeface="Cambria Math" panose="02040503050406030204" pitchFamily="18" charset="0"/>
+                        <a:ea typeface="Cambria Math" panose="02040503050406030204" pitchFamily="18" charset="0"/>
+                      </a:rPr>
+                      <m:t>ℝ</m:t>
+                    </m:r>
+                  </m:oMath>
+                </a14:m>
+                <a:endParaRPr lang="en-US" altLang="zh-TW" dirty="0"/>
+              </a:p>
+              <a:p>
+                <a:r>
+                  <a:rPr lang="en-US" altLang="zh-TW" b="1" u="sng" dirty="0"/>
+                  <a:t>Given</a:t>
+                </a:r>
+                <a:r>
+                  <a:rPr lang="en-US" altLang="zh-TW" dirty="0"/>
+                  <a:t>: </a:t>
+                </a:r>
+                <a14:m>
+                  <m:oMath xmlns:m="http://schemas.openxmlformats.org/officeDocument/2006/math">
+                    <m:r>
+                      <a:rPr lang="en-US" altLang="zh-TW" i="1">
+                        <a:latin typeface="Cambria Math" panose="02040503050406030204" pitchFamily="18" charset="0"/>
+                      </a:rPr>
+                      <m:t>𝐴</m:t>
+                    </m:r>
+                    <m:r>
+                      <a:rPr lang="en-US" altLang="zh-TW" i="1">
+                        <a:latin typeface="Cambria Math" panose="02040503050406030204" pitchFamily="18" charset="0"/>
+                      </a:rPr>
+                      <m:t>=</m:t>
+                    </m:r>
+                    <m:sSub>
+                      <m:sSubPr>
+                        <m:ctrlPr>
+                          <a:rPr lang="en-US" altLang="zh-TW" i="1">
+                            <a:latin typeface="Cambria Math" panose="02040503050406030204" pitchFamily="18" charset="0"/>
+                          </a:rPr>
+                        </m:ctrlPr>
+                      </m:sSubPr>
+                      <m:e>
+                        <m:r>
+                          <a:rPr lang="en-US" altLang="zh-TW" i="1">
+                            <a:latin typeface="Cambria Math" panose="02040503050406030204" pitchFamily="18" charset="0"/>
+                          </a:rPr>
+                          <m:t>𝐻</m:t>
+                        </m:r>
+                      </m:e>
+                      <m:sub>
+                        <m:r>
+                          <a:rPr lang="en-US" altLang="zh-TW" i="1">
+                            <a:latin typeface="Cambria Math" panose="02040503050406030204" pitchFamily="18" charset="0"/>
+                          </a:rPr>
+                          <m:t>1</m:t>
+                        </m:r>
+                      </m:sub>
+                    </m:sSub>
+                    <m:r>
+                      <a:rPr lang="en-US" altLang="zh-TW" i="1">
+                        <a:latin typeface="Cambria Math" panose="02040503050406030204" pitchFamily="18" charset="0"/>
+                      </a:rPr>
+                      <m:t>+</m:t>
+                    </m:r>
+                    <m:sSub>
+                      <m:sSubPr>
+                        <m:ctrlPr>
+                          <a:rPr lang="en-US" altLang="zh-TW" i="1">
+                            <a:latin typeface="Cambria Math" panose="02040503050406030204" pitchFamily="18" charset="0"/>
+                          </a:rPr>
+                        </m:ctrlPr>
+                      </m:sSubPr>
+                      <m:e>
+                        <m:r>
+                          <a:rPr lang="en-US" altLang="zh-TW" i="1">
+                            <a:latin typeface="Cambria Math" panose="02040503050406030204" pitchFamily="18" charset="0"/>
+                          </a:rPr>
+                          <m:t>𝐻</m:t>
+                        </m:r>
+                      </m:e>
+                      <m:sub>
+                        <m:r>
+                          <a:rPr lang="en-US" altLang="zh-TW" i="1">
+                            <a:latin typeface="Cambria Math" panose="02040503050406030204" pitchFamily="18" charset="0"/>
+                          </a:rPr>
+                          <m:t>2</m:t>
+                        </m:r>
+                      </m:sub>
+                    </m:sSub>
+                  </m:oMath>
+                </a14:m>
+                <a:r>
+                  <a:rPr lang="en-US" altLang="zh-TW" dirty="0"/>
+                  <a:t>, circuits for </a:t>
+                </a:r>
+                <a14:m>
+                  <m:oMath xmlns:m="http://schemas.openxmlformats.org/officeDocument/2006/math">
+                    <m:sSup>
+                      <m:sSupPr>
+                        <m:ctrlPr>
+                          <a:rPr lang="en-US" altLang="zh-TW" i="1">
+                            <a:latin typeface="Cambria Math" panose="02040503050406030204" pitchFamily="18" charset="0"/>
+                          </a:rPr>
+                        </m:ctrlPr>
+                      </m:sSupPr>
+                      <m:e>
+                        <m:r>
+                          <a:rPr lang="en-US" altLang="zh-TW" i="1">
+                            <a:latin typeface="Cambria Math" panose="02040503050406030204" pitchFamily="18" charset="0"/>
+                          </a:rPr>
+                          <m:t>𝑒</m:t>
+                        </m:r>
+                      </m:e>
+                      <m:sup>
+                        <m:r>
+                          <a:rPr lang="en-US" altLang="zh-TW" i="1">
+                            <a:latin typeface="Cambria Math" panose="02040503050406030204" pitchFamily="18" charset="0"/>
+                          </a:rPr>
+                          <m:t>𝑖</m:t>
+                        </m:r>
+                        <m:sSub>
+                          <m:sSubPr>
+                            <m:ctrlPr>
+                              <a:rPr lang="en-US" altLang="zh-TW" i="1">
+                                <a:latin typeface="Cambria Math" panose="02040503050406030204" pitchFamily="18" charset="0"/>
+                              </a:rPr>
+                            </m:ctrlPr>
+                          </m:sSubPr>
+                          <m:e>
+                            <m:r>
+                              <a:rPr lang="en-US" altLang="zh-TW" i="1">
+                                <a:latin typeface="Cambria Math" panose="02040503050406030204" pitchFamily="18" charset="0"/>
+                              </a:rPr>
+                              <m:t>𝐻</m:t>
+                            </m:r>
+                          </m:e>
+                          <m:sub>
+                            <m:r>
+                              <a:rPr lang="en-US" altLang="zh-TW" i="1">
+                                <a:latin typeface="Cambria Math" panose="02040503050406030204" pitchFamily="18" charset="0"/>
+                              </a:rPr>
+                              <m:t>𝑖</m:t>
+                            </m:r>
+                          </m:sub>
+                        </m:sSub>
+                        <m:r>
+                          <a:rPr lang="en-US" altLang="zh-TW" i="1">
+                            <a:latin typeface="Cambria Math" panose="02040503050406030204" pitchFamily="18" charset="0"/>
+                          </a:rPr>
+                          <m:t>𝑡</m:t>
+                        </m:r>
+                      </m:sup>
+                    </m:sSup>
+                    <m:r>
+                      <a:rPr lang="en-US" altLang="zh-TW" i="1">
+                        <a:latin typeface="Cambria Math" panose="02040503050406030204" pitchFamily="18" charset="0"/>
+                      </a:rPr>
+                      <m:t>,</m:t>
+                    </m:r>
+                    <m:r>
+                      <a:rPr lang="en-US" altLang="zh-TW" i="1">
+                        <a:latin typeface="Cambria Math" panose="02040503050406030204" pitchFamily="18" charset="0"/>
+                      </a:rPr>
+                      <m:t>𝑖</m:t>
+                    </m:r>
+                    <m:r>
+                      <a:rPr lang="en-US" altLang="zh-TW" i="1">
+                        <a:latin typeface="Cambria Math" panose="02040503050406030204" pitchFamily="18" charset="0"/>
+                      </a:rPr>
+                      <m:t>=1, 2</m:t>
+                    </m:r>
+                  </m:oMath>
+                </a14:m>
+                <a:r>
+                  <a:rPr lang="en-US" altLang="zh-TW" dirty="0" smtClean="0"/>
+                  <a:t>, </a:t>
+                </a:r>
+                <a14:m>
+                  <m:oMath xmlns:m="http://schemas.openxmlformats.org/officeDocument/2006/math">
+                    <m:d>
+                      <m:dPr>
+                        <m:begChr m:val="["/>
+                        <m:endChr m:val="]"/>
+                        <m:ctrlPr>
+                          <a:rPr lang="en-US" altLang="zh-TW" i="1" smtClean="0">
+                            <a:solidFill>
+                              <a:schemeClr val="tx1"/>
+                            </a:solidFill>
+                            <a:latin typeface="Cambria Math" panose="02040503050406030204" pitchFamily="18" charset="0"/>
+                            <a:ea typeface="Cambria Math" panose="02040503050406030204" pitchFamily="18" charset="0"/>
+                          </a:rPr>
+                        </m:ctrlPr>
+                      </m:dPr>
+                      <m:e>
+                        <m:sSub>
+                          <m:sSubPr>
+                            <m:ctrlPr>
+                              <a:rPr lang="en-US" altLang="zh-TW" i="1">
+                                <a:solidFill>
+                                  <a:schemeClr val="tx1"/>
+                                </a:solidFill>
+                                <a:latin typeface="Cambria Math" panose="02040503050406030204" pitchFamily="18" charset="0"/>
+                                <a:ea typeface="Cambria Math" panose="02040503050406030204" pitchFamily="18" charset="0"/>
+                              </a:rPr>
+                            </m:ctrlPr>
+                          </m:sSubPr>
+                          <m:e>
+                            <m:r>
+                              <a:rPr lang="en-US" altLang="zh-TW" i="1">
+                                <a:solidFill>
+                                  <a:schemeClr val="tx1"/>
+                                </a:solidFill>
+                                <a:latin typeface="Cambria Math" panose="02040503050406030204" pitchFamily="18" charset="0"/>
+                                <a:ea typeface="Cambria Math" panose="02040503050406030204" pitchFamily="18" charset="0"/>
+                              </a:rPr>
+                              <m:t>𝐻</m:t>
+                            </m:r>
+                          </m:e>
+                          <m:sub>
+                            <m:r>
+                              <a:rPr lang="en-US" altLang="zh-TW" i="1">
+                                <a:solidFill>
+                                  <a:schemeClr val="tx1"/>
+                                </a:solidFill>
+                                <a:latin typeface="Cambria Math" panose="02040503050406030204" pitchFamily="18" charset="0"/>
+                                <a:ea typeface="Cambria Math" panose="02040503050406030204" pitchFamily="18" charset="0"/>
+                              </a:rPr>
+                              <m:t>1</m:t>
+                            </m:r>
+                          </m:sub>
+                        </m:sSub>
+                        <m:r>
+                          <a:rPr lang="en-US" altLang="zh-TW" i="1">
+                            <a:solidFill>
+                              <a:schemeClr val="tx1"/>
+                            </a:solidFill>
+                            <a:latin typeface="Cambria Math" panose="02040503050406030204" pitchFamily="18" charset="0"/>
+                            <a:ea typeface="Cambria Math" panose="02040503050406030204" pitchFamily="18" charset="0"/>
+                          </a:rPr>
+                          <m:t>,</m:t>
+                        </m:r>
+                        <m:sSub>
+                          <m:sSubPr>
+                            <m:ctrlPr>
+                              <a:rPr lang="en-US" altLang="zh-TW" i="1">
+                                <a:solidFill>
+                                  <a:schemeClr val="tx1"/>
+                                </a:solidFill>
+                                <a:latin typeface="Cambria Math" panose="02040503050406030204" pitchFamily="18" charset="0"/>
+                                <a:ea typeface="Cambria Math" panose="02040503050406030204" pitchFamily="18" charset="0"/>
+                              </a:rPr>
+                            </m:ctrlPr>
+                          </m:sSubPr>
+                          <m:e>
+                            <m:r>
+                              <a:rPr lang="en-US" altLang="zh-TW" i="1">
+                                <a:solidFill>
+                                  <a:schemeClr val="tx1"/>
+                                </a:solidFill>
+                                <a:latin typeface="Cambria Math" panose="02040503050406030204" pitchFamily="18" charset="0"/>
+                                <a:ea typeface="Cambria Math" panose="02040503050406030204" pitchFamily="18" charset="0"/>
+                              </a:rPr>
+                              <m:t>𝐻</m:t>
+                            </m:r>
+                          </m:e>
+                          <m:sub>
+                            <m:r>
+                              <a:rPr lang="en-US" altLang="zh-TW" i="1">
+                                <a:solidFill>
+                                  <a:schemeClr val="tx1"/>
+                                </a:solidFill>
+                                <a:latin typeface="Cambria Math" panose="02040503050406030204" pitchFamily="18" charset="0"/>
+                                <a:ea typeface="Cambria Math" panose="02040503050406030204" pitchFamily="18" charset="0"/>
+                              </a:rPr>
+                              <m:t>2</m:t>
+                            </m:r>
+                          </m:sub>
+                        </m:sSub>
+                      </m:e>
+                    </m:d>
+                    <m:r>
+                      <a:rPr lang="en-US" altLang="zh-TW" i="1">
+                        <a:solidFill>
+                          <a:schemeClr val="tx1"/>
+                        </a:solidFill>
+                        <a:latin typeface="Cambria Math" panose="02040503050406030204" pitchFamily="18" charset="0"/>
+                        <a:ea typeface="Cambria Math" panose="02040503050406030204" pitchFamily="18" charset="0"/>
+                      </a:rPr>
+                      <m:t>≠0</m:t>
+                    </m:r>
+                  </m:oMath>
+                </a14:m>
+                <a:endParaRPr lang="en-US" altLang="zh-TW" dirty="0">
+                  <a:solidFill>
+                    <a:schemeClr val="tx1"/>
+                  </a:solidFill>
+                  <a:latin typeface="Cambria Math" panose="02040503050406030204" pitchFamily="18" charset="0"/>
+                  <a:ea typeface="Cambria Math" panose="02040503050406030204" pitchFamily="18" charset="0"/>
+                </a:endParaRPr>
+              </a:p>
+            </p:txBody>
+          </p:sp>
+        </mc:Choice>
+        <mc:Fallback>
+          <p:sp>
+            <p:nvSpPr>
+              <p:cNvPr id="3" name="內容版面配置區 2"/>
+              <p:cNvSpPr>
+                <a:spLocks noGrp="1" noRot="1" noChangeAspect="1" noMove="1" noResize="1" noEditPoints="1" noAdjustHandles="1" noChangeArrowheads="1" noChangeShapeType="1" noTextEdit="1"/>
+              </p:cNvSpPr>
+              <p:nvPr>
+                <p:ph idx="1"/>
+              </p:nvPr>
+            </p:nvSpPr>
+            <p:spPr>
+              <a:xfrm>
+                <a:off x="838200" y="1825625"/>
+                <a:ext cx="10515600" cy="2181599"/>
+              </a:xfrm>
+              <a:blipFill>
+                <a:blip r:embed="rId2"/>
+                <a:stretch>
+                  <a:fillRect l="-1043" t="-4469"/>
+                </a:stretch>
+              </a:blipFill>
+            </p:spPr>
+            <p:txBody>
+              <a:bodyPr/>
+              <a:lstStyle/>
+              <a:p>
+                <a:r>
+                  <a:rPr lang="zh-TW" altLang="en-US">
+                    <a:noFill/>
+                  </a:rPr>
+                  <a:t> </a:t>
+                </a:r>
+              </a:p>
+            </p:txBody>
+          </p:sp>
+        </mc:Fallback>
+      </mc:AlternateContent>
+      <mc:AlternateContent xmlns:mc="http://schemas.openxmlformats.org/markup-compatibility/2006">
+        <mc:Choice xmlns:a14="http://schemas.microsoft.com/office/drawing/2010/main" Requires="a14">
+          <p:sp>
+            <p:nvSpPr>
+              <p:cNvPr id="4" name="文字方塊 3"/>
+              <p:cNvSpPr txBox="1"/>
+              <p:nvPr/>
+            </p:nvSpPr>
+            <p:spPr>
+              <a:xfrm>
+                <a:off x="3492649" y="4142161"/>
+                <a:ext cx="5206702" cy="954107"/>
+              </a:xfrm>
+              <a:prstGeom prst="rect">
+                <a:avLst/>
+              </a:prstGeom>
+              <a:noFill/>
+            </p:spPr>
+            <p:txBody>
+              <a:bodyPr wrap="square" rtlCol="0">
+                <a:spAutoFit/>
+              </a:bodyPr>
+              <a:lstStyle/>
+              <a:p>
+                <a14:m>
+                  <m:oMathPara xmlns:m="http://schemas.openxmlformats.org/officeDocument/2006/math">
+                    <m:oMathParaPr>
+                      <m:jc m:val="centerGroup"/>
+                    </m:oMathParaPr>
+                    <m:oMath xmlns:m="http://schemas.openxmlformats.org/officeDocument/2006/math">
+                      <m:sSup>
+                        <m:sSupPr>
+                          <m:ctrlPr>
+                            <a:rPr lang="en-US" altLang="zh-TW" sz="2800" i="1" smtClean="0">
+                              <a:latin typeface="Cambria Math" panose="02040503050406030204" pitchFamily="18" charset="0"/>
+                            </a:rPr>
+                          </m:ctrlPr>
+                        </m:sSupPr>
+                        <m:e>
+                          <m:r>
+                            <a:rPr lang="en-US" altLang="zh-TW" sz="2800" i="1" smtClean="0">
+                              <a:latin typeface="Cambria Math" panose="02040503050406030204" pitchFamily="18" charset="0"/>
+                            </a:rPr>
+                            <m:t>(</m:t>
+                          </m:r>
+                          <m:sSup>
+                            <m:sSupPr>
+                              <m:ctrlPr>
+                                <a:rPr lang="en-US" altLang="zh-TW" sz="2800" i="1" smtClean="0">
+                                  <a:latin typeface="Cambria Math" panose="02040503050406030204" pitchFamily="18" charset="0"/>
+                                </a:rPr>
+                              </m:ctrlPr>
+                            </m:sSupPr>
+                            <m:e>
+                              <m:r>
+                                <a:rPr lang="en-US" altLang="zh-TW" sz="2800" b="0" i="1" smtClean="0">
+                                  <a:latin typeface="Cambria Math" panose="02040503050406030204" pitchFamily="18" charset="0"/>
+                                </a:rPr>
+                                <m:t>𝑒</m:t>
+                              </m:r>
+                            </m:e>
+                            <m:sup>
+                              <m:f>
+                                <m:fPr>
+                                  <m:ctrlPr>
+                                    <a:rPr lang="en-US" altLang="zh-TW" sz="2800" i="1" smtClean="0">
+                                      <a:latin typeface="Cambria Math" panose="02040503050406030204" pitchFamily="18" charset="0"/>
+                                    </a:rPr>
+                                  </m:ctrlPr>
+                                </m:fPr>
+                                <m:num>
+                                  <m:r>
+                                    <a:rPr lang="en-US" altLang="zh-TW" sz="2800" i="1" smtClean="0">
+                                      <a:latin typeface="Cambria Math" panose="02040503050406030204" pitchFamily="18" charset="0"/>
+                                    </a:rPr>
+                                    <m:t>𝑖</m:t>
+                                  </m:r>
+                                  <m:sSub>
+                                    <m:sSubPr>
+                                      <m:ctrlPr>
+                                        <a:rPr lang="en-US" altLang="zh-TW" sz="2800" i="1">
+                                          <a:latin typeface="Cambria Math" panose="02040503050406030204" pitchFamily="18" charset="0"/>
+                                        </a:rPr>
+                                      </m:ctrlPr>
+                                    </m:sSubPr>
+                                    <m:e>
+                                      <m:r>
+                                        <a:rPr lang="en-US" altLang="zh-TW" sz="2800" i="1">
+                                          <a:latin typeface="Cambria Math" panose="02040503050406030204" pitchFamily="18" charset="0"/>
+                                        </a:rPr>
+                                        <m:t>𝐻</m:t>
+                                      </m:r>
+                                    </m:e>
+                                    <m:sub>
+                                      <m:r>
+                                        <a:rPr lang="en-US" altLang="zh-TW" sz="2800" b="0" i="1" smtClean="0">
+                                          <a:latin typeface="Cambria Math" panose="02040503050406030204" pitchFamily="18" charset="0"/>
+                                        </a:rPr>
+                                        <m:t>1</m:t>
+                                      </m:r>
+                                    </m:sub>
+                                  </m:sSub>
+                                  <m:r>
+                                    <a:rPr lang="en-US" altLang="zh-TW" sz="2800" b="0" i="1" smtClean="0">
+                                      <a:latin typeface="Cambria Math" panose="02040503050406030204" pitchFamily="18" charset="0"/>
+                                    </a:rPr>
+                                    <m:t>𝑡</m:t>
+                                  </m:r>
+                                </m:num>
+                                <m:den>
+                                  <m:r>
+                                    <m:rPr>
+                                      <m:sty m:val="p"/>
+                                    </m:rPr>
+                                    <a:rPr lang="en-US" altLang="zh-TW" sz="2800" i="1">
+                                      <a:latin typeface="Cambria Math" panose="02040503050406030204" pitchFamily="18" charset="0"/>
+                                    </a:rPr>
+                                    <m:t>M</m:t>
+                                  </m:r>
+                                </m:den>
+                              </m:f>
+                            </m:sup>
+                          </m:sSup>
+                          <m:sSup>
+                            <m:sSupPr>
+                              <m:ctrlPr>
+                                <a:rPr lang="en-US" altLang="zh-TW" sz="2800" i="1" smtClean="0">
+                                  <a:latin typeface="Cambria Math" panose="02040503050406030204" pitchFamily="18" charset="0"/>
+                                </a:rPr>
+                              </m:ctrlPr>
+                            </m:sSupPr>
+                            <m:e>
+                              <m:r>
+                                <a:rPr lang="en-US" altLang="zh-TW" sz="2800" b="0" i="1" smtClean="0">
+                                  <a:latin typeface="Cambria Math" panose="02040503050406030204" pitchFamily="18" charset="0"/>
+                                </a:rPr>
+                                <m:t>𝑒</m:t>
+                              </m:r>
+                            </m:e>
+                            <m:sup>
+                              <m:f>
+                                <m:fPr>
+                                  <m:ctrlPr>
+                                    <a:rPr lang="en-US" altLang="zh-TW" sz="2800" i="1" smtClean="0">
+                                      <a:latin typeface="Cambria Math" panose="02040503050406030204" pitchFamily="18" charset="0"/>
+                                    </a:rPr>
+                                  </m:ctrlPr>
+                                </m:fPr>
+                                <m:num>
+                                  <m:r>
+                                    <a:rPr lang="en-US" altLang="zh-TW" sz="2800" i="1" smtClean="0">
+                                      <a:latin typeface="Cambria Math" panose="02040503050406030204" pitchFamily="18" charset="0"/>
+                                    </a:rPr>
+                                    <m:t>𝑖</m:t>
+                                  </m:r>
+                                  <m:sSub>
+                                    <m:sSubPr>
+                                      <m:ctrlPr>
+                                        <a:rPr lang="en-US" altLang="zh-TW" sz="2800" i="1">
+                                          <a:latin typeface="Cambria Math" panose="02040503050406030204" pitchFamily="18" charset="0"/>
+                                        </a:rPr>
+                                      </m:ctrlPr>
+                                    </m:sSubPr>
+                                    <m:e>
+                                      <m:r>
+                                        <a:rPr lang="en-US" altLang="zh-TW" sz="2800" i="1">
+                                          <a:latin typeface="Cambria Math" panose="02040503050406030204" pitchFamily="18" charset="0"/>
+                                        </a:rPr>
+                                        <m:t>𝐻</m:t>
+                                      </m:r>
+                                    </m:e>
+                                    <m:sub>
+                                      <m:r>
+                                        <a:rPr lang="en-US" altLang="zh-TW" sz="2800" b="0" i="1" smtClean="0">
+                                          <a:latin typeface="Cambria Math" panose="02040503050406030204" pitchFamily="18" charset="0"/>
+                                        </a:rPr>
+                                        <m:t>2</m:t>
+                                      </m:r>
+                                    </m:sub>
+                                  </m:sSub>
+                                  <m:r>
+                                    <a:rPr lang="en-US" altLang="zh-TW" sz="2800" b="0" i="1" smtClean="0">
+                                      <a:latin typeface="Cambria Math" panose="02040503050406030204" pitchFamily="18" charset="0"/>
+                                    </a:rPr>
+                                    <m:t>𝑡</m:t>
+                                  </m:r>
+                                </m:num>
+                                <m:den>
+                                  <m:r>
+                                    <m:rPr>
+                                      <m:sty m:val="p"/>
+                                    </m:rPr>
+                                    <a:rPr lang="en-US" altLang="zh-TW" sz="2800" i="1">
+                                      <a:latin typeface="Cambria Math" panose="02040503050406030204" pitchFamily="18" charset="0"/>
+                                    </a:rPr>
+                                    <m:t>M</m:t>
+                                  </m:r>
+                                </m:den>
+                              </m:f>
+                            </m:sup>
+                          </m:sSup>
+                          <m:r>
+                            <a:rPr lang="en-US" altLang="zh-TW" sz="2800" i="1">
+                              <a:latin typeface="Cambria Math" panose="02040503050406030204" pitchFamily="18" charset="0"/>
+                            </a:rPr>
+                            <m:t>)</m:t>
+                          </m:r>
+                        </m:e>
+                        <m:sup>
+                          <m:r>
+                            <m:rPr>
+                              <m:sty m:val="p"/>
+                            </m:rPr>
+                            <a:rPr lang="en-US" altLang="zh-TW" sz="2800" i="1">
+                              <a:latin typeface="Cambria Math" panose="02040503050406030204" pitchFamily="18" charset="0"/>
+                            </a:rPr>
+                            <m:t>M</m:t>
+                          </m:r>
+                        </m:sup>
+                      </m:sSup>
+                      <m:r>
+                        <a:rPr lang="en-US" altLang="zh-TW" sz="2800" i="1">
+                          <a:latin typeface="Cambria Math" panose="02040503050406030204" pitchFamily="18" charset="0"/>
+                        </a:rPr>
+                        <m:t>=</m:t>
+                      </m:r>
+                      <m:sSup>
+                        <m:sSupPr>
+                          <m:ctrlPr>
+                            <a:rPr lang="en-US" altLang="zh-TW" sz="2800" b="0" i="1" smtClean="0">
+                              <a:latin typeface="Cambria Math" panose="02040503050406030204" pitchFamily="18" charset="0"/>
+                            </a:rPr>
+                          </m:ctrlPr>
+                        </m:sSupPr>
+                        <m:e>
+                          <m:r>
+                            <a:rPr lang="en-US" altLang="zh-TW" sz="2800" b="0" i="1" smtClean="0">
+                              <a:latin typeface="Cambria Math" panose="02040503050406030204" pitchFamily="18" charset="0"/>
+                            </a:rPr>
+                            <m:t>𝑒</m:t>
+                          </m:r>
+                        </m:e>
+                        <m:sup>
+                          <m:r>
+                            <a:rPr lang="en-US" altLang="zh-TW" sz="2800" i="1" smtClean="0">
+                              <a:latin typeface="Cambria Math" panose="02040503050406030204" pitchFamily="18" charset="0"/>
+                            </a:rPr>
+                            <m:t>𝑖</m:t>
+                          </m:r>
+                          <m:r>
+                            <a:rPr lang="en-US" altLang="zh-TW" sz="2800" b="0" i="1" smtClean="0">
+                              <a:latin typeface="Cambria Math" panose="02040503050406030204" pitchFamily="18" charset="0"/>
+                            </a:rPr>
+                            <m:t>𝐴</m:t>
+                          </m:r>
+                          <m:r>
+                            <a:rPr lang="en-US" altLang="zh-TW" sz="2800" i="1">
+                              <a:latin typeface="Cambria Math" panose="02040503050406030204" pitchFamily="18" charset="0"/>
+                            </a:rPr>
+                            <m:t>𝑡</m:t>
+                          </m:r>
+                        </m:sup>
+                      </m:sSup>
+                      <m:r>
+                        <a:rPr lang="en-US" altLang="zh-TW" sz="2800" b="0" i="1" smtClean="0">
+                          <a:latin typeface="Cambria Math" panose="02040503050406030204" pitchFamily="18" charset="0"/>
+                        </a:rPr>
+                        <m:t>+</m:t>
+                      </m:r>
+                      <m:r>
+                        <a:rPr lang="zh-TW" altLang="en-US" sz="2800" b="0" i="1" smtClean="0">
+                          <a:latin typeface="Cambria Math" panose="02040503050406030204" pitchFamily="18" charset="0"/>
+                        </a:rPr>
+                        <m:t>𝒪</m:t>
+                      </m:r>
+                      <m:r>
+                        <a:rPr lang="en-US" altLang="zh-TW" sz="2800" b="0" i="1" smtClean="0">
+                          <a:latin typeface="Cambria Math" panose="02040503050406030204" pitchFamily="18" charset="0"/>
+                        </a:rPr>
+                        <m:t>(</m:t>
+                      </m:r>
+                      <m:f>
+                        <m:fPr>
+                          <m:ctrlPr>
+                            <a:rPr lang="en-US" altLang="zh-TW" sz="2800" b="0" i="1" smtClean="0">
+                              <a:latin typeface="Cambria Math" panose="02040503050406030204" pitchFamily="18" charset="0"/>
+                            </a:rPr>
+                          </m:ctrlPr>
+                        </m:fPr>
+                        <m:num>
+                          <m:sSup>
+                            <m:sSupPr>
+                              <m:ctrlPr>
+                                <a:rPr lang="en-US" altLang="zh-TW" sz="2800" b="0" i="1" smtClean="0">
+                                  <a:latin typeface="Cambria Math" panose="02040503050406030204" pitchFamily="18" charset="0"/>
+                                </a:rPr>
+                              </m:ctrlPr>
+                            </m:sSupPr>
+                            <m:e>
+                              <m:r>
+                                <a:rPr lang="en-US" altLang="zh-TW" sz="2800" b="0" i="1" smtClean="0">
+                                  <a:latin typeface="Cambria Math" panose="02040503050406030204" pitchFamily="18" charset="0"/>
+                                </a:rPr>
+                                <m:t>𝑡</m:t>
+                              </m:r>
+                            </m:e>
+                            <m:sup>
+                              <m:r>
+                                <a:rPr lang="en-US" altLang="zh-TW" sz="2800" b="0" i="1" smtClean="0">
+                                  <a:latin typeface="Cambria Math" panose="02040503050406030204" pitchFamily="18" charset="0"/>
+                                </a:rPr>
+                                <m:t>2</m:t>
+                              </m:r>
+                            </m:sup>
+                          </m:sSup>
+                        </m:num>
+                        <m:den>
+                          <m:r>
+                            <a:rPr lang="en-US" altLang="zh-TW" sz="2800" b="0" i="1" smtClean="0">
+                              <a:latin typeface="Cambria Math" panose="02040503050406030204" pitchFamily="18" charset="0"/>
+                            </a:rPr>
+                            <m:t>𝑀</m:t>
+                          </m:r>
+                        </m:den>
+                      </m:f>
+                      <m:r>
+                        <a:rPr lang="en-US" altLang="zh-TW" sz="2800" b="0" i="1" smtClean="0">
+                          <a:latin typeface="Cambria Math" panose="02040503050406030204" pitchFamily="18" charset="0"/>
+                        </a:rPr>
+                        <m:t>)</m:t>
+                      </m:r>
+                    </m:oMath>
+                  </m:oMathPara>
+                </a14:m>
+                <a:endParaRPr lang="zh-TW" altLang="en-US" sz="2800" dirty="0"/>
+              </a:p>
+            </p:txBody>
+          </p:sp>
+        </mc:Choice>
+        <mc:Fallback>
+          <p:sp>
+            <p:nvSpPr>
+              <p:cNvPr id="4" name="文字方塊 3"/>
+              <p:cNvSpPr txBox="1">
+                <a:spLocks noRot="1" noChangeAspect="1" noMove="1" noResize="1" noEditPoints="1" noAdjustHandles="1" noChangeArrowheads="1" noChangeShapeType="1" noTextEdit="1"/>
+              </p:cNvSpPr>
+              <p:nvPr/>
+            </p:nvSpPr>
+            <p:spPr>
+              <a:xfrm>
+                <a:off x="3492649" y="4142161"/>
+                <a:ext cx="5206702" cy="954107"/>
+              </a:xfrm>
+              <a:prstGeom prst="rect">
+                <a:avLst/>
+              </a:prstGeom>
+              <a:blipFill>
+                <a:blip r:embed="rId3"/>
+                <a:stretch>
+                  <a:fillRect/>
+                </a:stretch>
+              </a:blipFill>
+            </p:spPr>
+            <p:txBody>
+              <a:bodyPr/>
+              <a:lstStyle/>
+              <a:p>
+                <a:r>
+                  <a:rPr lang="zh-TW" altLang="en-US">
+                    <a:noFill/>
+                  </a:rPr>
+                  <a:t> </a:t>
+                </a:r>
+              </a:p>
+            </p:txBody>
+          </p:sp>
+        </mc:Fallback>
+      </mc:AlternateContent>
+      <p:sp>
+        <p:nvSpPr>
+          <p:cNvPr id="5" name="文字方塊 4"/>
+          <p:cNvSpPr txBox="1"/>
+          <p:nvPr/>
+        </p:nvSpPr>
+        <p:spPr>
+          <a:xfrm>
+            <a:off x="8699351" y="4357604"/>
+            <a:ext cx="1705087" cy="523220"/>
+          </a:xfrm>
+          <a:prstGeom prst="rect">
+            <a:avLst/>
+          </a:prstGeom>
+          <a:noFill/>
+        </p:spPr>
+        <p:txBody>
+          <a:bodyPr wrap="square" rtlCol="0">
+            <a:spAutoFit/>
+          </a:bodyPr>
+          <a:lstStyle/>
+          <a:p>
+            <a:r>
+              <a:rPr lang="en-US" altLang="zh-TW" sz="2800" dirty="0" smtClean="0"/>
+              <a:t>Lie-Trotter</a:t>
+            </a:r>
+            <a:endParaRPr lang="zh-TW" altLang="en-US" sz="2800" dirty="0"/>
+          </a:p>
+        </p:txBody>
+      </p:sp>
+    </p:spTree>
+    <p:extLst>
+      <p:ext uri="{BB962C8B-B14F-4D97-AF65-F5344CB8AC3E}">
+        <p14:creationId xmlns:p14="http://schemas.microsoft.com/office/powerpoint/2010/main" val="4170260595"/>
+      </p:ext>
+    </p:extLst>
+  </p:cSld>
+  <p:clrMapOvr>
+    <a:masterClrMapping/>
+  </p:clrMapOvr>
+  <mc:AlternateContent xmlns:mc="http://schemas.openxmlformats.org/markup-compatibility/2006">
+    <mc:Choice xmlns:p14="http://schemas.microsoft.com/office/powerpoint/2010/main" Requires="p14">
+      <p:transition spd="slow" p14:dur="2000"/>
+    </mc:Choice>
+    <mc:Fallback>
+      <p:transition spd="slow"/>
+    </mc:Fallback>
+  </mc:AlternateContent>
+</p:sld>
+</file>
+
+<file path=ppt/slides/slide11.xml><?xml version="1.0" encoding="utf-8"?>
 <p:sld xmlns:a="http://schemas.openxmlformats.org/drawingml/2006/main" xmlns:r="http://schemas.openxmlformats.org/officeDocument/2006/relationships" xmlns:p="http://schemas.openxmlformats.org/presentationml/2006/main" show="0">
   <p:cSld>
     <p:spTree>
@@ -4488,7 +5468,7 @@
 </p:sld>
 </file>
 
-<file path=ppt/slides/slide11.xml><?xml version="1.0" encoding="utf-8"?>
+<file path=ppt/slides/slide12.xml><?xml version="1.0" encoding="utf-8"?>
 <p:sld xmlns:a="http://schemas.openxmlformats.org/drawingml/2006/main" xmlns:r="http://schemas.openxmlformats.org/officeDocument/2006/relationships" xmlns:p="http://schemas.openxmlformats.org/presentationml/2006/main" show="0">
   <p:cSld>
     <p:spTree>
@@ -6364,7 +7344,7 @@
 </p:sld>
 </file>
 
-<file path=ppt/slides/slide12.xml><?xml version="1.0" encoding="utf-8"?>
+<file path=ppt/slides/slide13.xml><?xml version="1.0" encoding="utf-8"?>
 <p:sld xmlns:a="http://schemas.openxmlformats.org/drawingml/2006/main" xmlns:r="http://schemas.openxmlformats.org/officeDocument/2006/relationships" xmlns:p="http://schemas.openxmlformats.org/presentationml/2006/main" show="0">
   <p:cSld>
     <p:spTree>
@@ -8465,7 +9445,7 @@
 </p:sld>
 </file>
 
-<file path=ppt/slides/slide13.xml><?xml version="1.0" encoding="utf-8"?>
+<file path=ppt/slides/slide14.xml><?xml version="1.0" encoding="utf-8"?>
 <p:sld xmlns:a="http://schemas.openxmlformats.org/drawingml/2006/main" xmlns:r="http://schemas.openxmlformats.org/officeDocument/2006/relationships" xmlns:p="http://schemas.openxmlformats.org/presentationml/2006/main" show="0">
   <p:cSld>
     <p:spTree>
@@ -10660,7 +11640,7 @@
 </p:sld>
 </file>
 
-<file path=ppt/slides/slide14.xml><?xml version="1.0" encoding="utf-8"?>
+<file path=ppt/slides/slide15.xml><?xml version="1.0" encoding="utf-8"?>
 <p:sld xmlns:a="http://schemas.openxmlformats.org/drawingml/2006/main" xmlns:r="http://schemas.openxmlformats.org/officeDocument/2006/relationships" xmlns:p="http://schemas.openxmlformats.org/presentationml/2006/main" show="0">
   <p:cSld>
     <p:spTree>
@@ -13964,6 +14944,13 @@
       <p:transition spd="slow"/>
     </mc:Fallback>
   </mc:AlternateContent>
+  <p:timing>
+    <p:tnLst>
+      <p:par>
+        <p:cTn id="1" dur="indefinite" restart="never" nodeType="tmRoot"/>
+      </p:par>
+    </p:tnLst>
+  </p:timing>
 </p:sld>
 </file>
 
@@ -14711,215 +15698,6 @@
           </p:sp>
         </mc:Fallback>
       </mc:AlternateContent>
-      <mc:AlternateContent xmlns:mc="http://schemas.openxmlformats.org/markup-compatibility/2006">
-        <mc:Choice xmlns:a14="http://schemas.microsoft.com/office/drawing/2010/main" Requires="a14">
-          <p:sp>
-            <p:nvSpPr>
-              <p:cNvPr id="14" name="矩形 13"/>
-              <p:cNvSpPr/>
-              <p:nvPr/>
-            </p:nvSpPr>
-            <p:spPr>
-              <a:xfrm>
-                <a:off x="2482427" y="6112250"/>
-                <a:ext cx="4269759" cy="714683"/>
-              </a:xfrm>
-              <a:prstGeom prst="rect">
-                <a:avLst/>
-              </a:prstGeom>
-            </p:spPr>
-            <p:txBody>
-              <a:bodyPr wrap="none">
-                <a:spAutoFit/>
-              </a:bodyPr>
-              <a:lstStyle/>
-              <a:p>
-                <a14:m>
-                  <m:oMath xmlns:m="http://schemas.openxmlformats.org/officeDocument/2006/math">
-                    <m:sSup>
-                      <m:sSupPr>
-                        <m:ctrlPr>
-                          <a:rPr lang="en-US" altLang="zh-TW" i="1">
-                            <a:latin typeface="Cambria Math" panose="02040503050406030204" pitchFamily="18" charset="0"/>
-                          </a:rPr>
-                        </m:ctrlPr>
-                      </m:sSupPr>
-                      <m:e>
-                        <m:r>
-                          <a:rPr lang="en-US" altLang="zh-TW" i="1">
-                            <a:latin typeface="Cambria Math" panose="02040503050406030204" pitchFamily="18" charset="0"/>
-                          </a:rPr>
-                          <m:t>𝑈</m:t>
-                        </m:r>
-                      </m:e>
-                      <m:sup>
-                        <m:sSub>
-                          <m:sSubPr>
-                            <m:ctrlPr>
-                              <a:rPr lang="en-US" altLang="zh-TW" i="1">
-                                <a:latin typeface="Cambria Math" panose="02040503050406030204" pitchFamily="18" charset="0"/>
-                              </a:rPr>
-                            </m:ctrlPr>
-                          </m:sSubPr>
-                          <m:e>
-                            <m:r>
-                              <a:rPr lang="en-US" altLang="zh-TW" i="1">
-                                <a:latin typeface="Cambria Math" panose="02040503050406030204" pitchFamily="18" charset="0"/>
-                              </a:rPr>
-                              <m:t>𝑘</m:t>
-                            </m:r>
-                          </m:e>
-                          <m:sub>
-                            <m:r>
-                              <a:rPr lang="en-US" altLang="zh-TW" i="1">
-                                <a:latin typeface="Cambria Math" panose="02040503050406030204" pitchFamily="18" charset="0"/>
-                              </a:rPr>
-                              <m:t>𝑗</m:t>
-                            </m:r>
-                          </m:sub>
-                        </m:sSub>
-                      </m:sup>
-                    </m:sSup>
-                    <m:d>
-                      <m:dPr>
-                        <m:ctrlPr>
-                          <a:rPr lang="en-US" altLang="zh-TW" i="1">
-                            <a:latin typeface="Cambria Math" panose="02040503050406030204" pitchFamily="18" charset="0"/>
-                          </a:rPr>
-                        </m:ctrlPr>
-                      </m:dPr>
-                      <m:e>
-                        <m:f>
-                          <m:fPr>
-                            <m:ctrlPr>
-                              <a:rPr lang="en-US" altLang="zh-TW" i="1">
-                                <a:latin typeface="Cambria Math" panose="02040503050406030204" pitchFamily="18" charset="0"/>
-                              </a:rPr>
-                            </m:ctrlPr>
-                          </m:fPr>
-                          <m:num>
-                            <m:r>
-                              <a:rPr lang="en-US" altLang="zh-TW" i="1">
-                                <a:latin typeface="Cambria Math" panose="02040503050406030204" pitchFamily="18" charset="0"/>
-                              </a:rPr>
-                              <m:t>𝑡</m:t>
-                            </m:r>
-                          </m:num>
-                          <m:den>
-                            <m:sSub>
-                              <m:sSubPr>
-                                <m:ctrlPr>
-                                  <a:rPr lang="en-US" altLang="zh-TW" i="1">
-                                    <a:latin typeface="Cambria Math" panose="02040503050406030204" pitchFamily="18" charset="0"/>
-                                  </a:rPr>
-                                </m:ctrlPr>
-                              </m:sSubPr>
-                              <m:e>
-                                <m:r>
-                                  <a:rPr lang="en-US" altLang="zh-TW" i="1">
-                                    <a:latin typeface="Cambria Math" panose="02040503050406030204" pitchFamily="18" charset="0"/>
-                                  </a:rPr>
-                                  <m:t>𝑘</m:t>
-                                </m:r>
-                              </m:e>
-                              <m:sub>
-                                <m:r>
-                                  <a:rPr lang="en-US" altLang="zh-TW" i="1">
-                                    <a:latin typeface="Cambria Math" panose="02040503050406030204" pitchFamily="18" charset="0"/>
-                                  </a:rPr>
-                                  <m:t>𝑗</m:t>
-                                </m:r>
-                              </m:sub>
-                            </m:sSub>
-                          </m:den>
-                        </m:f>
-                      </m:e>
-                    </m:d>
-                  </m:oMath>
-                </a14:m>
-                <a:r>
-                  <a:rPr lang="zh-TW" altLang="en-US" dirty="0" smtClean="0"/>
-                  <a:t> </a:t>
-                </a:r>
-                <a:r>
-                  <a:rPr lang="en-US" altLang="zh-TW" dirty="0" smtClean="0"/>
-                  <a:t>from</a:t>
-                </a:r>
-                <a:r>
-                  <a:rPr lang="zh-TW" altLang="en-US" dirty="0" smtClean="0"/>
-                  <a:t> </a:t>
-                </a:r>
-                <a:r>
-                  <a:rPr lang="en-US" altLang="zh-TW" u="sng" dirty="0" smtClean="0">
-                    <a:solidFill>
-                      <a:schemeClr val="tx1"/>
-                    </a:solidFill>
-                    <a:ea typeface="Cambria Math" panose="02040503050406030204" pitchFamily="18" charset="0"/>
-                  </a:rPr>
-                  <a:t>arXiv:1907.11679 [quant-</a:t>
-                </a:r>
-                <a:r>
-                  <a:rPr lang="en-US" altLang="zh-TW" u="sng" dirty="0" err="1" smtClean="0">
-                    <a:solidFill>
-                      <a:schemeClr val="tx1"/>
-                    </a:solidFill>
-                    <a:ea typeface="Cambria Math" panose="02040503050406030204" pitchFamily="18" charset="0"/>
-                  </a:rPr>
-                  <a:t>ph</a:t>
-                </a:r>
-                <a:r>
-                  <a:rPr lang="en-US" altLang="zh-TW" u="sng" dirty="0" smtClean="0">
-                    <a:solidFill>
-                      <a:schemeClr val="tx1"/>
-                    </a:solidFill>
-                    <a:ea typeface="Cambria Math" panose="02040503050406030204" pitchFamily="18" charset="0"/>
-                  </a:rPr>
-                  <a:t>]</a:t>
-                </a:r>
-                <a:endParaRPr lang="zh-TW" altLang="en-US" dirty="0"/>
-              </a:p>
-            </p:txBody>
-          </p:sp>
-        </mc:Choice>
-        <mc:Fallback>
-          <p:sp>
-            <p:nvSpPr>
-              <p:cNvPr id="14" name="矩形 13"/>
-              <p:cNvSpPr>
-                <a:spLocks noRot="1" noChangeAspect="1" noMove="1" noResize="1" noEditPoints="1" noAdjustHandles="1" noChangeArrowheads="1" noChangeShapeType="1" noTextEdit="1"/>
-              </p:cNvSpPr>
-              <p:nvPr/>
-            </p:nvSpPr>
-            <p:spPr>
-              <a:xfrm>
-                <a:off x="2482427" y="6112250"/>
-                <a:ext cx="4269759" cy="714683"/>
-              </a:xfrm>
-              <a:prstGeom prst="rect">
-                <a:avLst/>
-              </a:prstGeom>
-              <a:blipFill>
-                <a:blip r:embed="rId7"/>
-                <a:stretch>
-                  <a:fillRect r="-713"/>
-                </a:stretch>
-              </a:blipFill>
-            </p:spPr>
-            <p:txBody>
-              <a:bodyPr/>
-              <a:lstStyle/>
-              <a:p>
-                <a:r>
-                  <a:rPr lang="zh-TW" altLang="en-US">
-                    <a:noFill/>
-                  </a:rPr>
-                  <a:t> </a:t>
-                </a:r>
-              </a:p>
-            </p:txBody>
-          </p:sp>
-        </mc:Fallback>
-      </mc:AlternateContent>
     </p:spTree>
     <p:extLst>
       <p:ext uri="{BB962C8B-B14F-4D97-AF65-F5344CB8AC3E}">
@@ -14930,6 +15708,13 @@
   <p:clrMapOvr>
     <a:masterClrMapping/>
   </p:clrMapOvr>
+  <p:timing>
+    <p:tnLst>
+      <p:par>
+        <p:cTn id="1" dur="indefinite" restart="never" nodeType="tmRoot"/>
+      </p:par>
+    </p:tnLst>
+  </p:timing>
 </p:sld>
 </file>
 
@@ -14997,8 +15782,8 @@
         </p:blipFill>
         <p:spPr>
           <a:xfrm>
-            <a:off x="3357859" y="365125"/>
-            <a:ext cx="8383102" cy="6026356"/>
+            <a:off x="4219211" y="984325"/>
+            <a:ext cx="7521750" cy="5407156"/>
           </a:xfrm>
         </p:spPr>
       </p:pic>
@@ -15012,8 +15797,8 @@
             </p:nvSpPr>
             <p:spPr>
               <a:xfrm>
-                <a:off x="838200" y="1500692"/>
-                <a:ext cx="2889325" cy="1660839"/>
+                <a:off x="398034" y="1358353"/>
+                <a:ext cx="3480099" cy="5499647"/>
               </a:xfrm>
               <a:prstGeom prst="rect">
                 <a:avLst/>
@@ -15036,11 +15821,78 @@
                 </a:r>
                 <a14:m>
                   <m:oMath xmlns:m="http://schemas.openxmlformats.org/officeDocument/2006/math">
+                    <m:sSup>
+                      <m:sSupPr>
+                        <m:ctrlPr>
+                          <a:rPr lang="en-US" altLang="zh-TW" sz="2400" i="1" smtClean="0">
+                            <a:latin typeface="Cambria Math" panose="02040503050406030204" pitchFamily="18" charset="0"/>
+                          </a:rPr>
+                        </m:ctrlPr>
+                      </m:sSupPr>
+                      <m:e>
+                        <m:r>
+                          <a:rPr lang="en-US" altLang="zh-TW" sz="2400" i="1" smtClean="0">
+                            <a:latin typeface="Cambria Math" panose="02040503050406030204" pitchFamily="18" charset="0"/>
+                          </a:rPr>
+                          <m:t>𝑒</m:t>
+                        </m:r>
+                      </m:e>
+                      <m:sup>
+                        <m:r>
+                          <a:rPr lang="en-US" altLang="zh-TW" sz="2400" i="1">
+                            <a:latin typeface="Cambria Math" panose="02040503050406030204" pitchFamily="18" charset="0"/>
+                          </a:rPr>
+                          <m:t>𝑖</m:t>
+                        </m:r>
+                        <m:r>
+                          <a:rPr lang="en-US" altLang="zh-TW" sz="2400" b="0" i="1" smtClean="0">
+                            <a:latin typeface="Cambria Math" panose="02040503050406030204" pitchFamily="18" charset="0"/>
+                          </a:rPr>
+                          <m:t>𝐴</m:t>
+                        </m:r>
+                        <m:r>
+                          <a:rPr lang="en-US" altLang="zh-TW" sz="2400" i="1">
+                            <a:latin typeface="Cambria Math" panose="02040503050406030204" pitchFamily="18" charset="0"/>
+                          </a:rPr>
+                          <m:t>𝑡</m:t>
+                        </m:r>
+                      </m:sup>
+                    </m:sSup>
+                  </m:oMath>
+                </a14:m>
+                <a:r>
+                  <a:rPr lang="en-US" altLang="zh-TW" sz="2400" dirty="0" smtClean="0"/>
+                  <a:t> on </a:t>
+                </a:r>
+                <a:r>
+                  <a:rPr lang="en-US" altLang="zh-TW" sz="2400" dirty="0" err="1" smtClean="0"/>
+                  <a:t>qr</a:t>
+                </a:r>
+                <a:r>
+                  <a:rPr lang="en-US" altLang="zh-TW" sz="2400" dirty="0" smtClean="0"/>
+                  <a:t>[0], </a:t>
+                </a:r>
+                <a:r>
+                  <a:rPr lang="en-US" altLang="zh-TW" sz="2400" dirty="0" err="1" smtClean="0"/>
+                  <a:t>qr</a:t>
+                </a:r>
+                <a:r>
+                  <a:rPr lang="en-US" altLang="zh-TW" sz="2400" dirty="0" smtClean="0"/>
+                  <a:t>[1]</a:t>
+                </a:r>
+              </a:p>
+              <a:p>
+                <a:pPr marL="285750" indent="-285750">
+                  <a:buFont typeface="Arial" panose="020B0604020202020204" pitchFamily="34" charset="0"/>
+                  <a:buChar char="•"/>
+                </a:pPr>
+                <a14:m>
+                  <m:oMath xmlns:m="http://schemas.openxmlformats.org/officeDocument/2006/math">
                     <m:r>
                       <a:rPr lang="en-US" altLang="zh-TW" sz="2400" b="0" i="1" smtClean="0">
                         <a:latin typeface="Cambria Math" panose="02040503050406030204" pitchFamily="18" charset="0"/>
                       </a:rPr>
-                      <m:t>𝑈</m:t>
+                      <m:t>𝐴</m:t>
                     </m:r>
                     <m:r>
                       <a:rPr lang="en-US" altLang="zh-TW" sz="2400" b="0" i="1" smtClean="0">
@@ -15048,146 +15900,716 @@
                       </a:rPr>
                       <m:t>=</m:t>
                     </m:r>
-                    <m:nary>
-                      <m:naryPr>
-                        <m:chr m:val="∑"/>
-                        <m:subHide m:val="on"/>
-                        <m:supHide m:val="on"/>
+                    <m:d>
+                      <m:dPr>
                         <m:ctrlPr>
                           <a:rPr lang="en-US" altLang="zh-TW" sz="2400" b="0" i="1" smtClean="0">
                             <a:latin typeface="Cambria Math" panose="02040503050406030204" pitchFamily="18" charset="0"/>
                           </a:rPr>
                         </m:ctrlPr>
-                      </m:naryPr>
-                      <m:sub/>
-                      <m:sup/>
+                      </m:dPr>
                       <m:e>
-                        <m:sSub>
-                          <m:sSubPr>
+                        <m:m>
+                          <m:mPr>
+                            <m:mcs>
+                              <m:mc>
+                                <m:mcPr>
+                                  <m:count m:val="4"/>
+                                  <m:mcJc m:val="center"/>
+                                </m:mcPr>
+                              </m:mc>
+                            </m:mcs>
                             <m:ctrlPr>
                               <a:rPr lang="en-US" altLang="zh-TW" sz="2400" b="0" i="1" smtClean="0">
                                 <a:latin typeface="Cambria Math" panose="02040503050406030204" pitchFamily="18" charset="0"/>
                               </a:rPr>
                             </m:ctrlPr>
-                          </m:sSubPr>
-                          <m:e>
-                            <m:r>
+                          </m:mPr>
+                          <m:mr>
+                            <m:e>
+                              <m:f>
+                                <m:fPr>
+                                  <m:type m:val="skw"/>
+                                  <m:ctrlPr>
+                                    <a:rPr lang="en-US" altLang="zh-TW" sz="2400" b="0" i="1" smtClean="0">
+                                      <a:latin typeface="Cambria Math" panose="02040503050406030204" pitchFamily="18" charset="0"/>
+                                    </a:rPr>
+                                  </m:ctrlPr>
+                                </m:fPr>
+                                <m:num>
+                                  <m:r>
+                                    <a:rPr lang="zh-TW" altLang="en-US" sz="2400" b="0" i="1" smtClean="0">
+                                      <a:latin typeface="Cambria Math" panose="02040503050406030204" pitchFamily="18" charset="0"/>
+                                    </a:rPr>
+                                    <m:t>𝜋</m:t>
+                                  </m:r>
+                                </m:num>
+                                <m:den>
+                                  <m:r>
+                                    <a:rPr lang="en-US" altLang="zh-TW" sz="2400" b="0" i="1" smtClean="0">
+                                      <a:latin typeface="Cambria Math" panose="02040503050406030204" pitchFamily="18" charset="0"/>
+                                    </a:rPr>
+                                    <m:t>8</m:t>
+                                  </m:r>
+                                </m:den>
+                              </m:f>
+                            </m:e>
+                            <m:e>
+                              <m:r>
+                                <a:rPr lang="en-US" altLang="zh-TW" sz="2400" b="0" i="1" smtClean="0">
+                                  <a:latin typeface="Cambria Math" panose="02040503050406030204" pitchFamily="18" charset="0"/>
+                                </a:rPr>
+                                <m:t>0</m:t>
+                              </m:r>
+                            </m:e>
+                            <m:e>
+                              <m:r>
+                                <a:rPr lang="en-US" altLang="zh-TW" sz="2400" b="0" i="1" smtClean="0">
+                                  <a:latin typeface="Cambria Math" panose="02040503050406030204" pitchFamily="18" charset="0"/>
+                                </a:rPr>
+                                <m:t>0</m:t>
+                              </m:r>
+                            </m:e>
+                            <m:e>
+                              <m:r>
+                                <a:rPr lang="en-US" altLang="zh-TW" sz="2400" b="0" i="1" smtClean="0">
+                                  <a:latin typeface="Cambria Math" panose="02040503050406030204" pitchFamily="18" charset="0"/>
+                                </a:rPr>
+                                <m:t>0</m:t>
+                              </m:r>
+                            </m:e>
+                          </m:mr>
+                          <m:mr>
+                            <m:e>
+                              <m:r>
+                                <a:rPr lang="en-US" altLang="zh-TW" sz="2400" b="0" i="1" smtClean="0">
+                                  <a:latin typeface="Cambria Math" panose="02040503050406030204" pitchFamily="18" charset="0"/>
+                                </a:rPr>
+                                <m:t>0</m:t>
+                              </m:r>
+                            </m:e>
+                            <m:e>
+                              <m:f>
+                                <m:fPr>
+                                  <m:type m:val="skw"/>
+                                  <m:ctrlPr>
+                                    <a:rPr lang="en-US" altLang="zh-TW" sz="2400" b="0" i="1" smtClean="0">
+                                      <a:latin typeface="Cambria Math" panose="02040503050406030204" pitchFamily="18" charset="0"/>
+                                    </a:rPr>
+                                  </m:ctrlPr>
+                                </m:fPr>
+                                <m:num>
+                                  <m:r>
+                                    <a:rPr lang="zh-TW" altLang="en-US" sz="2400" b="0" i="1" smtClean="0">
+                                      <a:latin typeface="Cambria Math" panose="02040503050406030204" pitchFamily="18" charset="0"/>
+                                    </a:rPr>
+                                    <m:t>𝜋</m:t>
+                                  </m:r>
+                                </m:num>
+                                <m:den>
+                                  <m:r>
+                                    <a:rPr lang="en-US" altLang="zh-TW" sz="2400" b="0" i="1" smtClean="0">
+                                      <a:latin typeface="Cambria Math" panose="02040503050406030204" pitchFamily="18" charset="0"/>
+                                    </a:rPr>
+                                    <m:t>8</m:t>
+                                  </m:r>
+                                </m:den>
+                              </m:f>
+                            </m:e>
+                            <m:e>
+                              <m:r>
+                                <a:rPr lang="en-US" altLang="zh-TW" sz="2400" b="0" i="1" smtClean="0">
+                                  <a:latin typeface="Cambria Math" panose="02040503050406030204" pitchFamily="18" charset="0"/>
+                                </a:rPr>
+                                <m:t>0</m:t>
+                              </m:r>
+                            </m:e>
+                            <m:e>
+                              <m:r>
+                                <a:rPr lang="en-US" altLang="zh-TW" sz="2400" b="0" i="1" smtClean="0">
+                                  <a:latin typeface="Cambria Math" panose="02040503050406030204" pitchFamily="18" charset="0"/>
+                                </a:rPr>
+                                <m:t>0</m:t>
+                              </m:r>
+                            </m:e>
+                          </m:mr>
+                          <m:mr>
+                            <m:e>
+                              <m:r>
+                                <a:rPr lang="en-US" altLang="zh-TW" sz="2400" b="0" i="1" smtClean="0">
+                                  <a:latin typeface="Cambria Math" panose="02040503050406030204" pitchFamily="18" charset="0"/>
+                                </a:rPr>
+                                <m:t>0</m:t>
+                              </m:r>
+                            </m:e>
+                            <m:e>
+                              <m:r>
+                                <a:rPr lang="en-US" altLang="zh-TW" sz="2400" b="0" i="1" smtClean="0">
+                                  <a:latin typeface="Cambria Math" panose="02040503050406030204" pitchFamily="18" charset="0"/>
+                                </a:rPr>
+                                <m:t>0</m:t>
+                              </m:r>
+                            </m:e>
+                            <m:e>
+                              <m:f>
+                                <m:fPr>
+                                  <m:type m:val="skw"/>
+                                  <m:ctrlPr>
+                                    <a:rPr lang="en-US" altLang="zh-TW" sz="2400" b="0" i="1" smtClean="0">
+                                      <a:latin typeface="Cambria Math" panose="02040503050406030204" pitchFamily="18" charset="0"/>
+                                    </a:rPr>
+                                  </m:ctrlPr>
+                                </m:fPr>
+                                <m:num>
+                                  <m:r>
+                                    <a:rPr lang="zh-TW" altLang="en-US" sz="2400" b="0" i="1" smtClean="0">
+                                      <a:latin typeface="Cambria Math" panose="02040503050406030204" pitchFamily="18" charset="0"/>
+                                    </a:rPr>
+                                    <m:t>𝜋</m:t>
+                                  </m:r>
+                                </m:num>
+                                <m:den>
+                                  <m:r>
+                                    <a:rPr lang="en-US" altLang="zh-TW" sz="2400" b="0" i="1" smtClean="0">
+                                      <a:latin typeface="Cambria Math" panose="02040503050406030204" pitchFamily="18" charset="0"/>
+                                    </a:rPr>
+                                    <m:t>8</m:t>
+                                  </m:r>
+                                </m:den>
+                              </m:f>
+                            </m:e>
+                            <m:e>
+                              <m:r>
+                                <a:rPr lang="en-US" altLang="zh-TW" sz="2400" b="0" i="1" smtClean="0">
+                                  <a:latin typeface="Cambria Math" panose="02040503050406030204" pitchFamily="18" charset="0"/>
+                                </a:rPr>
+                                <m:t>0</m:t>
+                              </m:r>
+                            </m:e>
+                          </m:mr>
+                          <m:mr>
+                            <m:e>
+                              <m:r>
+                                <a:rPr lang="en-US" altLang="zh-TW" sz="2400" b="0" i="1" smtClean="0">
+                                  <a:latin typeface="Cambria Math" panose="02040503050406030204" pitchFamily="18" charset="0"/>
+                                </a:rPr>
+                                <m:t>0</m:t>
+                              </m:r>
+                            </m:e>
+                            <m:e>
+                              <m:r>
+                                <a:rPr lang="en-US" altLang="zh-TW" sz="2400" b="0" i="1" smtClean="0">
+                                  <a:latin typeface="Cambria Math" panose="02040503050406030204" pitchFamily="18" charset="0"/>
+                                </a:rPr>
+                                <m:t>0</m:t>
+                              </m:r>
+                            </m:e>
+                            <m:e>
+                              <m:r>
+                                <a:rPr lang="en-US" altLang="zh-TW" sz="2400" b="0" i="1" smtClean="0">
+                                  <a:latin typeface="Cambria Math" panose="02040503050406030204" pitchFamily="18" charset="0"/>
+                                </a:rPr>
+                                <m:t>0</m:t>
+                              </m:r>
+                            </m:e>
+                            <m:e>
+                              <m:f>
+                                <m:fPr>
+                                  <m:type m:val="skw"/>
+                                  <m:ctrlPr>
+                                    <a:rPr lang="en-US" altLang="zh-TW" sz="2400" b="0" i="1" smtClean="0">
+                                      <a:latin typeface="Cambria Math" panose="02040503050406030204" pitchFamily="18" charset="0"/>
+                                    </a:rPr>
+                                  </m:ctrlPr>
+                                </m:fPr>
+                                <m:num>
+                                  <m:r>
+                                    <a:rPr lang="zh-TW" altLang="en-US" sz="2400" b="0" i="1" smtClean="0">
+                                      <a:latin typeface="Cambria Math" panose="02040503050406030204" pitchFamily="18" charset="0"/>
+                                    </a:rPr>
+                                    <m:t>𝜋</m:t>
+                                  </m:r>
+                                </m:num>
+                                <m:den>
+                                  <m:r>
+                                    <a:rPr lang="en-US" altLang="zh-TW" sz="2400" b="0" i="1" smtClean="0">
+                                      <a:latin typeface="Cambria Math" panose="02040503050406030204" pitchFamily="18" charset="0"/>
+                                    </a:rPr>
+                                    <m:t>8</m:t>
+                                  </m:r>
+                                </m:den>
+                              </m:f>
+                            </m:e>
+                          </m:mr>
+                        </m:m>
+                      </m:e>
+                    </m:d>
+                    <m:r>
+                      <a:rPr lang="en-US" altLang="zh-TW" sz="2400" b="0" i="1" smtClean="0">
+                        <a:latin typeface="Cambria Math" panose="02040503050406030204" pitchFamily="18" charset="0"/>
+                      </a:rPr>
+                      <m:t>+</m:t>
+                    </m:r>
+                    <m:d>
+                      <m:dPr>
+                        <m:ctrlPr>
+                          <a:rPr lang="en-US" altLang="zh-TW" sz="2400" b="0" i="1" smtClean="0">
+                            <a:latin typeface="Cambria Math" panose="02040503050406030204" pitchFamily="18" charset="0"/>
+                          </a:rPr>
+                        </m:ctrlPr>
+                      </m:dPr>
+                      <m:e>
+                        <m:m>
+                          <m:mPr>
+                            <m:mcs>
+                              <m:mc>
+                                <m:mcPr>
+                                  <m:count m:val="4"/>
+                                  <m:mcJc m:val="center"/>
+                                </m:mcPr>
+                              </m:mc>
+                            </m:mcs>
+                            <m:ctrlPr>
                               <a:rPr lang="en-US" altLang="zh-TW" sz="2400" b="0" i="1" smtClean="0">
                                 <a:latin typeface="Cambria Math" panose="02040503050406030204" pitchFamily="18" charset="0"/>
                               </a:rPr>
-                              <m:t>𝑎</m:t>
-                            </m:r>
-                          </m:e>
-                          <m:sub>
-                            <m:r>
+                            </m:ctrlPr>
+                          </m:mPr>
+                          <m:mr>
+                            <m:e>
+                              <m:r>
+                                <m:rPr>
+                                  <m:brk m:alnAt="7"/>
+                                </m:rPr>
+                                <a:rPr lang="en-US" altLang="zh-TW" sz="2400" b="0" i="1" smtClean="0">
+                                  <a:latin typeface="Cambria Math" panose="02040503050406030204" pitchFamily="18" charset="0"/>
+                                </a:rPr>
+                                <m:t>0</m:t>
+                              </m:r>
+                            </m:e>
+                            <m:e>
+                              <m:f>
+                                <m:fPr>
+                                  <m:type m:val="skw"/>
+                                  <m:ctrlPr>
+                                    <a:rPr lang="en-US" altLang="zh-TW" sz="2400" b="0" i="1" smtClean="0">
+                                      <a:latin typeface="Cambria Math" panose="02040503050406030204" pitchFamily="18" charset="0"/>
+                                    </a:rPr>
+                                  </m:ctrlPr>
+                                </m:fPr>
+                                <m:num>
+                                  <m:r>
+                                    <a:rPr lang="zh-TW" altLang="en-US" sz="2400" b="0" i="1" smtClean="0">
+                                      <a:latin typeface="Cambria Math" panose="02040503050406030204" pitchFamily="18" charset="0"/>
+                                    </a:rPr>
+                                    <m:t>𝜋</m:t>
+                                  </m:r>
+                                </m:num>
+                                <m:den>
+                                  <m:r>
+                                    <a:rPr lang="en-US" altLang="zh-TW" sz="2400" b="0" i="1" smtClean="0">
+                                      <a:latin typeface="Cambria Math" panose="02040503050406030204" pitchFamily="18" charset="0"/>
+                                    </a:rPr>
+                                    <m:t>8</m:t>
+                                  </m:r>
+                                </m:den>
+                              </m:f>
+                            </m:e>
+                            <m:e>
+                              <m:r>
+                                <a:rPr lang="en-US" altLang="zh-TW" sz="2400" b="0" i="1" smtClean="0">
+                                  <a:latin typeface="Cambria Math" panose="02040503050406030204" pitchFamily="18" charset="0"/>
+                                </a:rPr>
+                                <m:t>0</m:t>
+                              </m:r>
+                            </m:e>
+                            <m:e>
+                              <m:r>
+                                <a:rPr lang="en-US" altLang="zh-TW" sz="2400" b="0" i="1" smtClean="0">
+                                  <a:latin typeface="Cambria Math" panose="02040503050406030204" pitchFamily="18" charset="0"/>
+                                </a:rPr>
+                                <m:t>0</m:t>
+                              </m:r>
+                            </m:e>
+                          </m:mr>
+                          <m:mr>
+                            <m:e>
+                              <m:f>
+                                <m:fPr>
+                                  <m:type m:val="skw"/>
+                                  <m:ctrlPr>
+                                    <a:rPr lang="en-US" altLang="zh-TW" sz="2400" b="0" i="1" smtClean="0">
+                                      <a:latin typeface="Cambria Math" panose="02040503050406030204" pitchFamily="18" charset="0"/>
+                                    </a:rPr>
+                                  </m:ctrlPr>
+                                </m:fPr>
+                                <m:num>
+                                  <m:r>
+                                    <a:rPr lang="zh-TW" altLang="en-US" sz="2400" b="0" i="1" smtClean="0">
+                                      <a:latin typeface="Cambria Math" panose="02040503050406030204" pitchFamily="18" charset="0"/>
+                                    </a:rPr>
+                                    <m:t>𝜋</m:t>
+                                  </m:r>
+                                </m:num>
+                                <m:den>
+                                  <m:r>
+                                    <a:rPr lang="en-US" altLang="zh-TW" sz="2400" b="0" i="1" smtClean="0">
+                                      <a:latin typeface="Cambria Math" panose="02040503050406030204" pitchFamily="18" charset="0"/>
+                                    </a:rPr>
+                                    <m:t>8</m:t>
+                                  </m:r>
+                                </m:den>
+                              </m:f>
+                            </m:e>
+                            <m:e>
+                              <m:r>
+                                <a:rPr lang="en-US" altLang="zh-TW" sz="2400" b="0" i="1" smtClean="0">
+                                  <a:latin typeface="Cambria Math" panose="02040503050406030204" pitchFamily="18" charset="0"/>
+                                </a:rPr>
+                                <m:t>0</m:t>
+                              </m:r>
+                            </m:e>
+                            <m:e>
+                              <m:r>
+                                <a:rPr lang="en-US" altLang="zh-TW" sz="2400" b="0" i="1" smtClean="0">
+                                  <a:latin typeface="Cambria Math" panose="02040503050406030204" pitchFamily="18" charset="0"/>
+                                </a:rPr>
+                                <m:t>0</m:t>
+                              </m:r>
+                            </m:e>
+                            <m:e>
+                              <m:r>
+                                <a:rPr lang="en-US" altLang="zh-TW" sz="2400" b="0" i="1" smtClean="0">
+                                  <a:latin typeface="Cambria Math" panose="02040503050406030204" pitchFamily="18" charset="0"/>
+                                </a:rPr>
+                                <m:t>0</m:t>
+                              </m:r>
+                            </m:e>
+                          </m:mr>
+                          <m:mr>
+                            <m:e>
+                              <m:r>
+                                <a:rPr lang="en-US" altLang="zh-TW" sz="2400" b="0" i="1" smtClean="0">
+                                  <a:latin typeface="Cambria Math" panose="02040503050406030204" pitchFamily="18" charset="0"/>
+                                </a:rPr>
+                                <m:t>0</m:t>
+                              </m:r>
+                            </m:e>
+                            <m:e>
+                              <m:r>
+                                <a:rPr lang="en-US" altLang="zh-TW" sz="2400" b="0" i="1" smtClean="0">
+                                  <a:latin typeface="Cambria Math" panose="02040503050406030204" pitchFamily="18" charset="0"/>
+                                </a:rPr>
+                                <m:t>0</m:t>
+                              </m:r>
+                            </m:e>
+                            <m:e>
+                              <m:r>
+                                <a:rPr lang="en-US" altLang="zh-TW" sz="2400" b="0" i="1" smtClean="0">
+                                  <a:latin typeface="Cambria Math" panose="02040503050406030204" pitchFamily="18" charset="0"/>
+                                </a:rPr>
+                                <m:t>0</m:t>
+                              </m:r>
+                            </m:e>
+                            <m:e>
+                              <m:f>
+                                <m:fPr>
+                                  <m:type m:val="skw"/>
+                                  <m:ctrlPr>
+                                    <a:rPr lang="en-US" altLang="zh-TW" sz="2400" b="0" i="1" smtClean="0">
+                                      <a:latin typeface="Cambria Math" panose="02040503050406030204" pitchFamily="18" charset="0"/>
+                                    </a:rPr>
+                                  </m:ctrlPr>
+                                </m:fPr>
+                                <m:num>
+                                  <m:r>
+                                    <a:rPr lang="zh-TW" altLang="en-US" sz="2400" b="0" i="1" smtClean="0">
+                                      <a:latin typeface="Cambria Math" panose="02040503050406030204" pitchFamily="18" charset="0"/>
+                                    </a:rPr>
+                                    <m:t>𝜋</m:t>
+                                  </m:r>
+                                </m:num>
+                                <m:den>
+                                  <m:r>
+                                    <a:rPr lang="en-US" altLang="zh-TW" sz="2400" b="0" i="1" smtClean="0">
+                                      <a:latin typeface="Cambria Math" panose="02040503050406030204" pitchFamily="18" charset="0"/>
+                                    </a:rPr>
+                                    <m:t>8</m:t>
+                                  </m:r>
+                                </m:den>
+                              </m:f>
+                            </m:e>
+                          </m:mr>
+                          <m:mr>
+                            <m:e>
+                              <m:r>
+                                <a:rPr lang="en-US" altLang="zh-TW" sz="2400" b="0" i="1" smtClean="0">
+                                  <a:latin typeface="Cambria Math" panose="02040503050406030204" pitchFamily="18" charset="0"/>
+                                </a:rPr>
+                                <m:t>0</m:t>
+                              </m:r>
+                            </m:e>
+                            <m:e>
+                              <m:r>
+                                <a:rPr lang="en-US" altLang="zh-TW" sz="2400" b="0" i="1" smtClean="0">
+                                  <a:latin typeface="Cambria Math" panose="02040503050406030204" pitchFamily="18" charset="0"/>
+                                </a:rPr>
+                                <m:t>0</m:t>
+                              </m:r>
+                            </m:e>
+                            <m:e>
+                              <m:f>
+                                <m:fPr>
+                                  <m:type m:val="skw"/>
+                                  <m:ctrlPr>
+                                    <a:rPr lang="en-US" altLang="zh-TW" sz="2400" b="0" i="1" smtClean="0">
+                                      <a:latin typeface="Cambria Math" panose="02040503050406030204" pitchFamily="18" charset="0"/>
+                                    </a:rPr>
+                                  </m:ctrlPr>
+                                </m:fPr>
+                                <m:num>
+                                  <m:r>
+                                    <a:rPr lang="zh-TW" altLang="en-US" sz="2400" b="0" i="1" smtClean="0">
+                                      <a:latin typeface="Cambria Math" panose="02040503050406030204" pitchFamily="18" charset="0"/>
+                                    </a:rPr>
+                                    <m:t>𝜋</m:t>
+                                  </m:r>
+                                </m:num>
+                                <m:den>
+                                  <m:r>
+                                    <a:rPr lang="en-US" altLang="zh-TW" sz="2400" b="0" i="1" smtClean="0">
+                                      <a:latin typeface="Cambria Math" panose="02040503050406030204" pitchFamily="18" charset="0"/>
+                                    </a:rPr>
+                                    <m:t>8</m:t>
+                                  </m:r>
+                                </m:den>
+                              </m:f>
+                            </m:e>
+                            <m:e>
+                              <m:r>
+                                <a:rPr lang="en-US" altLang="zh-TW" sz="2400" b="0" i="1" smtClean="0">
+                                  <a:latin typeface="Cambria Math" panose="02040503050406030204" pitchFamily="18" charset="0"/>
+                                </a:rPr>
+                                <m:t>0</m:t>
+                              </m:r>
+                            </m:e>
+                          </m:mr>
+                        </m:m>
+                      </m:e>
+                    </m:d>
+                    <m:r>
+                      <a:rPr lang="en-US" altLang="zh-TW" sz="2400" b="0" i="0" smtClean="0">
+                        <a:latin typeface="Cambria Math" panose="02040503050406030204" pitchFamily="18" charset="0"/>
+                      </a:rPr>
+                      <m:t>+</m:t>
+                    </m:r>
+                    <m:d>
+                      <m:dPr>
+                        <m:ctrlPr>
+                          <a:rPr lang="en-US" altLang="zh-TW" sz="2400" b="0" i="1" smtClean="0">
+                            <a:latin typeface="Cambria Math" panose="02040503050406030204" pitchFamily="18" charset="0"/>
+                          </a:rPr>
+                        </m:ctrlPr>
+                      </m:dPr>
+                      <m:e>
+                        <m:m>
+                          <m:mPr>
+                            <m:mcs>
+                              <m:mc>
+                                <m:mcPr>
+                                  <m:count m:val="4"/>
+                                  <m:mcJc m:val="center"/>
+                                </m:mcPr>
+                              </m:mc>
+                            </m:mcs>
+                            <m:ctrlPr>
                               <a:rPr lang="en-US" altLang="zh-TW" sz="2400" b="0" i="1" smtClean="0">
                                 <a:latin typeface="Cambria Math" panose="02040503050406030204" pitchFamily="18" charset="0"/>
                               </a:rPr>
-                              <m:t>𝑗</m:t>
-                            </m:r>
-                          </m:sub>
-                        </m:sSub>
-                        <m:sSup>
-                          <m:sSupPr>
-                            <m:ctrlPr>
-                              <a:rPr lang="en-US" altLang="zh-TW" sz="2400" i="1" smtClean="0">
-                                <a:latin typeface="Cambria Math" panose="02040503050406030204" pitchFamily="18" charset="0"/>
-                              </a:rPr>
                             </m:ctrlPr>
-                          </m:sSupPr>
-                          <m:e>
-                            <m:r>
-                              <a:rPr lang="en-US" altLang="zh-TW" sz="2400" i="1">
-                                <a:latin typeface="Cambria Math" panose="02040503050406030204" pitchFamily="18" charset="0"/>
-                              </a:rPr>
-                              <m:t>𝑈</m:t>
-                            </m:r>
-                          </m:e>
-                          <m:sup>
-                            <m:sSub>
-                              <m:sSubPr>
-                                <m:ctrlPr>
-                                  <a:rPr lang="en-US" altLang="zh-TW" sz="2400" i="1">
-                                    <a:latin typeface="Cambria Math" panose="02040503050406030204" pitchFamily="18" charset="0"/>
-                                  </a:rPr>
-                                </m:ctrlPr>
-                              </m:sSubPr>
-                              <m:e>
-                                <m:r>
-                                  <a:rPr lang="en-US" altLang="zh-TW" sz="2400" i="1">
-                                    <a:latin typeface="Cambria Math" panose="02040503050406030204" pitchFamily="18" charset="0"/>
-                                  </a:rPr>
-                                  <m:t>𝑘</m:t>
-                                </m:r>
-                              </m:e>
-                              <m:sub>
-                                <m:r>
-                                  <a:rPr lang="en-US" altLang="zh-TW" sz="2400" i="1">
-                                    <a:latin typeface="Cambria Math" panose="02040503050406030204" pitchFamily="18" charset="0"/>
-                                  </a:rPr>
-                                  <m:t>𝑗</m:t>
-                                </m:r>
-                              </m:sub>
-                            </m:sSub>
-                          </m:sup>
-                        </m:sSup>
-                        <m:d>
-                          <m:dPr>
-                            <m:ctrlPr>
-                              <a:rPr lang="en-US" altLang="zh-TW" sz="2400" i="1">
-                                <a:latin typeface="Cambria Math" panose="02040503050406030204" pitchFamily="18" charset="0"/>
-                              </a:rPr>
-                            </m:ctrlPr>
-                          </m:dPr>
-                          <m:e>
-                            <m:f>
-                              <m:fPr>
-                                <m:ctrlPr>
-                                  <a:rPr lang="en-US" altLang="zh-TW" sz="2400" i="1">
-                                    <a:latin typeface="Cambria Math" panose="02040503050406030204" pitchFamily="18" charset="0"/>
-                                  </a:rPr>
-                                </m:ctrlPr>
-                              </m:fPr>
-                              <m:num>
-                                <m:r>
-                                  <a:rPr lang="en-US" altLang="zh-TW" sz="2400" i="1">
-                                    <a:latin typeface="Cambria Math" panose="02040503050406030204" pitchFamily="18" charset="0"/>
-                                  </a:rPr>
-                                  <m:t>𝑡</m:t>
-                                </m:r>
-                              </m:num>
-                              <m:den>
-                                <m:sSub>
-                                  <m:sSubPr>
-                                    <m:ctrlPr>
-                                      <a:rPr lang="en-US" altLang="zh-TW" sz="2400" i="1">
-                                        <a:latin typeface="Cambria Math" panose="02040503050406030204" pitchFamily="18" charset="0"/>
-                                      </a:rPr>
-                                    </m:ctrlPr>
-                                  </m:sSubPr>
-                                  <m:e>
-                                    <m:r>
-                                      <a:rPr lang="en-US" altLang="zh-TW" sz="2400" i="1">
-                                        <a:latin typeface="Cambria Math" panose="02040503050406030204" pitchFamily="18" charset="0"/>
-                                      </a:rPr>
-                                      <m:t>𝑘</m:t>
-                                    </m:r>
-                                  </m:e>
-                                  <m:sub>
-                                    <m:r>
-                                      <a:rPr lang="en-US" altLang="zh-TW" sz="2400" i="1">
-                                        <a:latin typeface="Cambria Math" panose="02040503050406030204" pitchFamily="18" charset="0"/>
-                                      </a:rPr>
-                                      <m:t>𝑗</m:t>
-                                    </m:r>
-                                  </m:sub>
-                                </m:sSub>
-                              </m:den>
-                            </m:f>
-                          </m:e>
-                        </m:d>
+                          </m:mPr>
+                          <m:mr>
+                            <m:e>
+                              <m:r>
+                                <m:rPr>
+                                  <m:brk m:alnAt="7"/>
+                                </m:rPr>
+                                <a:rPr lang="en-US" altLang="zh-TW" sz="2400" b="0" i="1" smtClean="0">
+                                  <a:latin typeface="Cambria Math" panose="02040503050406030204" pitchFamily="18" charset="0"/>
+                                </a:rPr>
+                                <m:t>0</m:t>
+                              </m:r>
+                            </m:e>
+                            <m:e>
+                              <m:r>
+                                <a:rPr lang="en-US" altLang="zh-TW" sz="2400" b="0" i="1" smtClean="0">
+                                  <a:latin typeface="Cambria Math" panose="02040503050406030204" pitchFamily="18" charset="0"/>
+                                </a:rPr>
+                                <m:t>0</m:t>
+                              </m:r>
+                            </m:e>
+                            <m:e>
+                              <m:r>
+                                <a:rPr lang="en-US" altLang="zh-TW" sz="2400" b="0" i="1" smtClean="0">
+                                  <a:latin typeface="Cambria Math" panose="02040503050406030204" pitchFamily="18" charset="0"/>
+                                </a:rPr>
+                                <m:t>0</m:t>
+                              </m:r>
+                            </m:e>
+                            <m:e>
+                              <m:r>
+                                <a:rPr lang="en-US" altLang="zh-TW" sz="2400" b="0" i="1" smtClean="0">
+                                  <a:latin typeface="Cambria Math" panose="02040503050406030204" pitchFamily="18" charset="0"/>
+                                </a:rPr>
+                                <m:t>0</m:t>
+                              </m:r>
+                            </m:e>
+                          </m:mr>
+                          <m:mr>
+                            <m:e>
+                              <m:r>
+                                <a:rPr lang="en-US" altLang="zh-TW" sz="2400" b="0" i="1" smtClean="0">
+                                  <a:latin typeface="Cambria Math" panose="02040503050406030204" pitchFamily="18" charset="0"/>
+                                </a:rPr>
+                                <m:t>0</m:t>
+                              </m:r>
+                            </m:e>
+                            <m:e>
+                              <m:r>
+                                <a:rPr lang="en-US" altLang="zh-TW" sz="2400" b="0" i="1" smtClean="0">
+                                  <a:latin typeface="Cambria Math" panose="02040503050406030204" pitchFamily="18" charset="0"/>
+                                </a:rPr>
+                                <m:t>0</m:t>
+                              </m:r>
+                            </m:e>
+                            <m:e>
+                              <m:f>
+                                <m:fPr>
+                                  <m:type m:val="skw"/>
+                                  <m:ctrlPr>
+                                    <a:rPr lang="en-US" altLang="zh-TW" sz="2400" b="0" i="1" smtClean="0">
+                                      <a:latin typeface="Cambria Math" panose="02040503050406030204" pitchFamily="18" charset="0"/>
+                                    </a:rPr>
+                                  </m:ctrlPr>
+                                </m:fPr>
+                                <m:num>
+                                  <m:r>
+                                    <a:rPr lang="zh-TW" altLang="en-US" sz="2400" b="0" i="1" smtClean="0">
+                                      <a:latin typeface="Cambria Math" panose="02040503050406030204" pitchFamily="18" charset="0"/>
+                                    </a:rPr>
+                                    <m:t>𝜋</m:t>
+                                  </m:r>
+                                </m:num>
+                                <m:den>
+                                  <m:r>
+                                    <a:rPr lang="en-US" altLang="zh-TW" sz="2400" b="0" i="1" smtClean="0">
+                                      <a:latin typeface="Cambria Math" panose="02040503050406030204" pitchFamily="18" charset="0"/>
+                                    </a:rPr>
+                                    <m:t>8</m:t>
+                                  </m:r>
+                                </m:den>
+                              </m:f>
+                            </m:e>
+                            <m:e>
+                              <m:r>
+                                <a:rPr lang="en-US" altLang="zh-TW" sz="2400" b="0" i="1" smtClean="0">
+                                  <a:latin typeface="Cambria Math" panose="02040503050406030204" pitchFamily="18" charset="0"/>
+                                </a:rPr>
+                                <m:t>0</m:t>
+                              </m:r>
+                            </m:e>
+                          </m:mr>
+                          <m:mr>
+                            <m:e>
+                              <m:r>
+                                <a:rPr lang="en-US" altLang="zh-TW" sz="2400" b="0" i="1" smtClean="0">
+                                  <a:latin typeface="Cambria Math" panose="02040503050406030204" pitchFamily="18" charset="0"/>
+                                </a:rPr>
+                                <m:t>0</m:t>
+                              </m:r>
+                            </m:e>
+                            <m:e>
+                              <m:f>
+                                <m:fPr>
+                                  <m:type m:val="skw"/>
+                                  <m:ctrlPr>
+                                    <a:rPr lang="en-US" altLang="zh-TW" sz="2400" b="0" i="1" smtClean="0">
+                                      <a:latin typeface="Cambria Math" panose="02040503050406030204" pitchFamily="18" charset="0"/>
+                                    </a:rPr>
+                                  </m:ctrlPr>
+                                </m:fPr>
+                                <m:num>
+                                  <m:r>
+                                    <a:rPr lang="zh-TW" altLang="en-US" sz="2400" b="0" i="1" smtClean="0">
+                                      <a:latin typeface="Cambria Math" panose="02040503050406030204" pitchFamily="18" charset="0"/>
+                                    </a:rPr>
+                                    <m:t>𝜋</m:t>
+                                  </m:r>
+                                </m:num>
+                                <m:den>
+                                  <m:r>
+                                    <a:rPr lang="en-US" altLang="zh-TW" sz="2400" b="0" i="1" smtClean="0">
+                                      <a:latin typeface="Cambria Math" panose="02040503050406030204" pitchFamily="18" charset="0"/>
+                                    </a:rPr>
+                                    <m:t>8</m:t>
+                                  </m:r>
+                                </m:den>
+                              </m:f>
+                            </m:e>
+                            <m:e>
+                              <m:r>
+                                <a:rPr lang="en-US" altLang="zh-TW" sz="2400" b="0" i="1" smtClean="0">
+                                  <a:latin typeface="Cambria Math" panose="02040503050406030204" pitchFamily="18" charset="0"/>
+                                </a:rPr>
+                                <m:t>0</m:t>
+                              </m:r>
+                            </m:e>
+                            <m:e>
+                              <m:r>
+                                <a:rPr lang="en-US" altLang="zh-TW" sz="2400" b="0" i="1" smtClean="0">
+                                  <a:latin typeface="Cambria Math" panose="02040503050406030204" pitchFamily="18" charset="0"/>
+                                </a:rPr>
+                                <m:t>0</m:t>
+                              </m:r>
+                            </m:e>
+                          </m:mr>
+                          <m:mr>
+                            <m:e>
+                              <m:r>
+                                <a:rPr lang="en-US" altLang="zh-TW" sz="2400" b="0" i="1" smtClean="0">
+                                  <a:latin typeface="Cambria Math" panose="02040503050406030204" pitchFamily="18" charset="0"/>
+                                </a:rPr>
+                                <m:t>0</m:t>
+                              </m:r>
+                            </m:e>
+                            <m:e>
+                              <m:r>
+                                <a:rPr lang="en-US" altLang="zh-TW" sz="2400" b="0" i="1" smtClean="0">
+                                  <a:latin typeface="Cambria Math" panose="02040503050406030204" pitchFamily="18" charset="0"/>
+                                </a:rPr>
+                                <m:t>0</m:t>
+                              </m:r>
+                            </m:e>
+                            <m:e>
+                              <m:r>
+                                <a:rPr lang="en-US" altLang="zh-TW" sz="2400" b="0" i="1" smtClean="0">
+                                  <a:latin typeface="Cambria Math" panose="02040503050406030204" pitchFamily="18" charset="0"/>
+                                </a:rPr>
+                                <m:t>0</m:t>
+                              </m:r>
+                            </m:e>
+                            <m:e>
+                              <m:r>
+                                <a:rPr lang="en-US" altLang="zh-TW" sz="2400" b="0" i="1" smtClean="0">
+                                  <a:latin typeface="Cambria Math" panose="02040503050406030204" pitchFamily="18" charset="0"/>
+                                </a:rPr>
+                                <m:t>0</m:t>
+                              </m:r>
+                            </m:e>
+                          </m:mr>
+                        </m:m>
                       </m:e>
-                    </m:nary>
+                    </m:d>
                   </m:oMath>
                 </a14:m>
                 <a:endParaRPr lang="zh-TW" altLang="en-US" sz="2400" dirty="0"/>
@@ -15206,8 +16628,8 @@
             </p:nvSpPr>
             <p:spPr>
               <a:xfrm>
-                <a:off x="838200" y="1500692"/>
-                <a:ext cx="2889325" cy="1660839"/>
+                <a:off x="398034" y="1358353"/>
+                <a:ext cx="3480099" cy="5499647"/>
               </a:xfrm>
               <a:prstGeom prst="rect">
                 <a:avLst/>
@@ -15215,7 +16637,7 @@
               <a:blipFill>
                 <a:blip r:embed="rId3"/>
                 <a:stretch>
-                  <a:fillRect l="-2960" t="-2930" r="-1691"/>
+                  <a:fillRect l="-2277" t="-887" r="-4378"/>
                 </a:stretch>
               </a:blipFill>
             </p:spPr>
@@ -15244,6 +16666,13 @@
   <p:clrMapOvr>
     <a:masterClrMapping/>
   </p:clrMapOvr>
+  <p:timing>
+    <p:tnLst>
+      <p:par>
+        <p:cTn id="1" dur="indefinite" restart="never" nodeType="tmRoot"/>
+      </p:par>
+    </p:tnLst>
+  </p:timing>
 </p:sld>
 </file>
 
@@ -15282,6 +16711,86 @@
             <a:r>
               <a:rPr lang="en-US" altLang="zh-TW" dirty="0" smtClean="0"/>
               <a:t>Next step</a:t>
+            </a:r>
+            <a:endParaRPr lang="zh-TW" altLang="en-US" dirty="0"/>
+          </a:p>
+        </p:txBody>
+      </p:sp>
+      <p:sp>
+        <p:nvSpPr>
+          <p:cNvPr id="3" name="內容版面配置區 2"/>
+          <p:cNvSpPr>
+            <a:spLocks noGrp="1"/>
+          </p:cNvSpPr>
+          <p:nvPr>
+            <p:ph idx="1"/>
+          </p:nvPr>
+        </p:nvSpPr>
+        <p:spPr/>
+        <p:txBody>
+          <a:bodyPr/>
+          <a:lstStyle/>
+          <a:p>
+            <a:endParaRPr lang="zh-TW" altLang="en-US" dirty="0"/>
+          </a:p>
+        </p:txBody>
+      </p:sp>
+    </p:spTree>
+    <p:extLst>
+      <p:ext uri="{BB962C8B-B14F-4D97-AF65-F5344CB8AC3E}">
+        <p14:creationId xmlns:p14="http://schemas.microsoft.com/office/powerpoint/2010/main" val="696430127"/>
+      </p:ext>
+    </p:extLst>
+  </p:cSld>
+  <p:clrMapOvr>
+    <a:masterClrMapping/>
+  </p:clrMapOvr>
+</p:sld>
+</file>
+
+<file path=ppt/slides/slide6.xml><?xml version="1.0" encoding="utf-8"?>
+<p:sld xmlns:a="http://schemas.openxmlformats.org/drawingml/2006/main" xmlns:r="http://schemas.openxmlformats.org/officeDocument/2006/relationships" xmlns:p="http://schemas.openxmlformats.org/presentationml/2006/main">
+  <p:cSld>
+    <p:spTree>
+      <p:nvGrpSpPr>
+        <p:cNvPr id="1" name=""/>
+        <p:cNvGrpSpPr/>
+        <p:nvPr/>
+      </p:nvGrpSpPr>
+      <p:grpSpPr>
+        <a:xfrm>
+          <a:off x="0" y="0"/>
+          <a:ext cx="0" cy="0"/>
+          <a:chOff x="0" y="0"/>
+          <a:chExt cx="0" cy="0"/>
+        </a:xfrm>
+      </p:grpSpPr>
+      <p:sp>
+        <p:nvSpPr>
+          <p:cNvPr id="2" name="標題 1"/>
+          <p:cNvSpPr>
+            <a:spLocks noGrp="1"/>
+          </p:cNvSpPr>
+          <p:nvPr>
+            <p:ph type="title"/>
+          </p:nvPr>
+        </p:nvSpPr>
+        <p:spPr/>
+        <p:txBody>
+          <a:bodyPr/>
+          <a:lstStyle/>
+          <a:p>
+            <a:r>
+              <a:rPr lang="en-US" altLang="zh-TW" dirty="0" smtClean="0"/>
+              <a:t>Next </a:t>
+            </a:r>
+            <a:r>
+              <a:rPr lang="en-US" altLang="zh-TW" dirty="0" err="1" smtClean="0"/>
+              <a:t>next</a:t>
+            </a:r>
+            <a:r>
+              <a:rPr lang="en-US" altLang="zh-TW" dirty="0" smtClean="0"/>
+              <a:t> step</a:t>
             </a:r>
             <a:endParaRPr lang="zh-TW" altLang="en-US" dirty="0"/>
           </a:p>
@@ -17116,10 +18625,17 @@
   <p:clrMapOvr>
     <a:masterClrMapping/>
   </p:clrMapOvr>
+  <p:timing>
+    <p:tnLst>
+      <p:par>
+        <p:cTn id="1" dur="indefinite" restart="never" nodeType="tmRoot"/>
+      </p:par>
+    </p:tnLst>
+  </p:timing>
 </p:sld>
 </file>
 
-<file path=ppt/slides/slide6.xml><?xml version="1.0" encoding="utf-8"?>
+<file path=ppt/slides/slide7.xml><?xml version="1.0" encoding="utf-8"?>
 <p:sld xmlns:a="http://schemas.openxmlformats.org/drawingml/2006/main" xmlns:r="http://schemas.openxmlformats.org/officeDocument/2006/relationships" xmlns:p="http://schemas.openxmlformats.org/presentationml/2006/main" show="0">
   <p:cSld>
     <p:spTree>
@@ -17960,7 +19476,7 @@
 </p:sld>
 </file>
 
-<file path=ppt/slides/slide7.xml><?xml version="1.0" encoding="utf-8"?>
+<file path=ppt/slides/slide8.xml><?xml version="1.0" encoding="utf-8"?>
 <p:sld xmlns:a="http://schemas.openxmlformats.org/drawingml/2006/main" xmlns:r="http://schemas.openxmlformats.org/officeDocument/2006/relationships" xmlns:p="http://schemas.openxmlformats.org/presentationml/2006/main" show="0">
   <p:cSld>
     <p:spTree>
@@ -18849,7 +20365,7 @@
 </p:sld>
 </file>
 
-<file path=ppt/slides/slide8.xml><?xml version="1.0" encoding="utf-8"?>
+<file path=ppt/slides/slide9.xml><?xml version="1.0" encoding="utf-8"?>
 <p:sld xmlns:a="http://schemas.openxmlformats.org/drawingml/2006/main" xmlns:r="http://schemas.openxmlformats.org/officeDocument/2006/relationships" xmlns:p="http://schemas.openxmlformats.org/presentationml/2006/main" show="0">
   <p:cSld>
     <p:spTree>
@@ -19787,978 +21303,10 @@
 </p:sld>
 </file>
 
-<file path=ppt/slides/slide9.xml><?xml version="1.0" encoding="utf-8"?>
-<p:sld xmlns:a="http://schemas.openxmlformats.org/drawingml/2006/main" xmlns:r="http://schemas.openxmlformats.org/officeDocument/2006/relationships" xmlns:p="http://schemas.openxmlformats.org/presentationml/2006/main" show="0">
-  <p:cSld>
-    <p:spTree>
-      <p:nvGrpSpPr>
-        <p:cNvPr id="1" name=""/>
-        <p:cNvGrpSpPr/>
-        <p:nvPr/>
-      </p:nvGrpSpPr>
-      <p:grpSpPr>
-        <a:xfrm>
-          <a:off x="0" y="0"/>
-          <a:ext cx="0" cy="0"/>
-          <a:chOff x="0" y="0"/>
-          <a:chExt cx="0" cy="0"/>
-        </a:xfrm>
-      </p:grpSpPr>
-      <p:sp>
-        <p:nvSpPr>
-          <p:cNvPr id="2" name="標題 1"/>
-          <p:cNvSpPr>
-            <a:spLocks noGrp="1"/>
-          </p:cNvSpPr>
-          <p:nvPr>
-            <p:ph type="title"/>
-          </p:nvPr>
-        </p:nvSpPr>
-        <p:spPr/>
-        <p:txBody>
-          <a:bodyPr/>
-          <a:lstStyle/>
-          <a:p>
-            <a:r>
-              <a:rPr lang="en-US" altLang="zh-TW" dirty="0" smtClean="0"/>
-              <a:t>Problem</a:t>
-            </a:r>
-            <a:endParaRPr lang="zh-TW" altLang="en-US" dirty="0"/>
-          </a:p>
-        </p:txBody>
-      </p:sp>
-      <mc:AlternateContent xmlns:mc="http://schemas.openxmlformats.org/markup-compatibility/2006">
-        <mc:Choice xmlns:a14="http://schemas.microsoft.com/office/drawing/2010/main" Requires="a14">
-          <p:sp>
-            <p:nvSpPr>
-              <p:cNvPr id="3" name="內容版面配置區 2"/>
-              <p:cNvSpPr>
-                <a:spLocks noGrp="1"/>
-              </p:cNvSpPr>
-              <p:nvPr>
-                <p:ph idx="1"/>
-              </p:nvPr>
-            </p:nvSpPr>
-            <p:spPr>
-              <a:xfrm>
-                <a:off x="838200" y="1825625"/>
-                <a:ext cx="10515600" cy="2181599"/>
-              </a:xfrm>
-            </p:spPr>
-            <p:txBody>
-              <a:bodyPr>
-                <a:normAutofit/>
-              </a:bodyPr>
-              <a:lstStyle/>
-              <a:p>
-                <a:r>
-                  <a:rPr lang="en-US" altLang="zh-TW" dirty="0" smtClean="0"/>
-                  <a:t>To simulate the dynamics of a system, we need </a:t>
-                </a:r>
-                <a:r>
-                  <a:rPr lang="en-US" altLang="zh-TW" dirty="0" err="1" smtClean="0"/>
-                  <a:t>exponentiated</a:t>
-                </a:r>
-                <a:r>
-                  <a:rPr lang="en-US" altLang="zh-TW" dirty="0" smtClean="0"/>
-                  <a:t> operators.</a:t>
-                </a:r>
-              </a:p>
-              <a:p>
-                <a:r>
-                  <a:rPr lang="en-US" altLang="zh-TW" b="1" u="sng" dirty="0" smtClean="0"/>
-                  <a:t>Want</a:t>
-                </a:r>
-                <a:r>
-                  <a:rPr lang="en-US" altLang="zh-TW" dirty="0"/>
-                  <a:t>: Find a circuit for </a:t>
-                </a:r>
-                <a14:m>
-                  <m:oMath xmlns:m="http://schemas.openxmlformats.org/officeDocument/2006/math">
-                    <m:sSup>
-                      <m:sSupPr>
-                        <m:ctrlPr>
-                          <a:rPr lang="en-US" altLang="zh-TW" i="1">
-                            <a:latin typeface="Cambria Math" panose="02040503050406030204" pitchFamily="18" charset="0"/>
-                          </a:rPr>
-                        </m:ctrlPr>
-                      </m:sSupPr>
-                      <m:e>
-                        <m:r>
-                          <a:rPr lang="en-US" altLang="zh-TW" i="1">
-                            <a:latin typeface="Cambria Math" panose="02040503050406030204" pitchFamily="18" charset="0"/>
-                          </a:rPr>
-                          <m:t>𝑒</m:t>
-                        </m:r>
-                      </m:e>
-                      <m:sup>
-                        <m:r>
-                          <a:rPr lang="en-US" altLang="zh-TW" i="1">
-                            <a:latin typeface="Cambria Math" panose="02040503050406030204" pitchFamily="18" charset="0"/>
-                          </a:rPr>
-                          <m:t>𝑖𝐴𝑡</m:t>
-                        </m:r>
-                      </m:sup>
-                    </m:sSup>
-                  </m:oMath>
-                </a14:m>
-                <a:r>
-                  <a:rPr lang="en-US" altLang="zh-TW" dirty="0"/>
-                  <a:t>, where </a:t>
-                </a:r>
-                <a14:m>
-                  <m:oMath xmlns:m="http://schemas.openxmlformats.org/officeDocument/2006/math">
-                    <m:r>
-                      <a:rPr lang="en-US" altLang="zh-TW" i="1">
-                        <a:latin typeface="Cambria Math" panose="02040503050406030204" pitchFamily="18" charset="0"/>
-                      </a:rPr>
-                      <m:t>𝐴</m:t>
-                    </m:r>
-                    <m:r>
-                      <a:rPr lang="en-US" altLang="zh-TW" i="1">
-                        <a:latin typeface="Cambria Math" panose="02040503050406030204" pitchFamily="18" charset="0"/>
-                        <a:ea typeface="Cambria Math" panose="02040503050406030204" pitchFamily="18" charset="0"/>
-                      </a:rPr>
-                      <m:t>∈</m:t>
-                    </m:r>
-                    <m:sSup>
-                      <m:sSupPr>
-                        <m:ctrlPr>
-                          <a:rPr lang="en-US" altLang="zh-TW" i="1">
-                            <a:latin typeface="Cambria Math" panose="02040503050406030204" pitchFamily="18" charset="0"/>
-                            <a:ea typeface="Cambria Math" panose="02040503050406030204" pitchFamily="18" charset="0"/>
-                          </a:rPr>
-                        </m:ctrlPr>
-                      </m:sSupPr>
-                      <m:e>
-                        <m:r>
-                          <a:rPr lang="en-US" altLang="zh-TW" i="1">
-                            <a:latin typeface="Cambria Math" panose="02040503050406030204" pitchFamily="18" charset="0"/>
-                            <a:ea typeface="Cambria Math" panose="02040503050406030204" pitchFamily="18" charset="0"/>
-                          </a:rPr>
-                          <m:t>ℂ</m:t>
-                        </m:r>
-                      </m:e>
-                      <m:sup>
-                        <m:r>
-                          <a:rPr lang="en-US" altLang="zh-TW" i="1">
-                            <a:latin typeface="Cambria Math" panose="02040503050406030204" pitchFamily="18" charset="0"/>
-                            <a:ea typeface="Cambria Math" panose="02040503050406030204" pitchFamily="18" charset="0"/>
-                          </a:rPr>
-                          <m:t>𝑁</m:t>
-                        </m:r>
-                        <m:r>
-                          <a:rPr lang="en-US" altLang="zh-TW" i="1">
-                            <a:latin typeface="Cambria Math" panose="02040503050406030204" pitchFamily="18" charset="0"/>
-                            <a:ea typeface="Cambria Math" panose="02040503050406030204" pitchFamily="18" charset="0"/>
-                          </a:rPr>
-                          <m:t>×</m:t>
-                        </m:r>
-                        <m:r>
-                          <a:rPr lang="en-US" altLang="zh-TW" i="1">
-                            <a:latin typeface="Cambria Math" panose="02040503050406030204" pitchFamily="18" charset="0"/>
-                            <a:ea typeface="Cambria Math" panose="02040503050406030204" pitchFamily="18" charset="0"/>
-                          </a:rPr>
-                          <m:t>𝑁</m:t>
-                        </m:r>
-                      </m:sup>
-                    </m:sSup>
-                  </m:oMath>
-                </a14:m>
-                <a:r>
-                  <a:rPr lang="en-US" altLang="zh-TW" dirty="0"/>
-                  <a:t> and </a:t>
-                </a:r>
-                <a14:m>
-                  <m:oMath xmlns:m="http://schemas.openxmlformats.org/officeDocument/2006/math">
-                    <m:r>
-                      <a:rPr lang="en-US" altLang="zh-TW" i="1">
-                        <a:latin typeface="Cambria Math" panose="02040503050406030204" pitchFamily="18" charset="0"/>
-                      </a:rPr>
-                      <m:t>𝑡</m:t>
-                    </m:r>
-                    <m:r>
-                      <a:rPr lang="en-US" altLang="zh-TW" i="1">
-                        <a:latin typeface="Cambria Math" panose="02040503050406030204" pitchFamily="18" charset="0"/>
-                        <a:ea typeface="Cambria Math" panose="02040503050406030204" pitchFamily="18" charset="0"/>
-                      </a:rPr>
-                      <m:t>∈</m:t>
-                    </m:r>
-                    <m:r>
-                      <a:rPr lang="en-US" altLang="zh-TW" i="1">
-                        <a:latin typeface="Cambria Math" panose="02040503050406030204" pitchFamily="18" charset="0"/>
-                        <a:ea typeface="Cambria Math" panose="02040503050406030204" pitchFamily="18" charset="0"/>
-                      </a:rPr>
-                      <m:t>ℝ</m:t>
-                    </m:r>
-                  </m:oMath>
-                </a14:m>
-                <a:endParaRPr lang="en-US" altLang="zh-TW" dirty="0"/>
-              </a:p>
-              <a:p>
-                <a:r>
-                  <a:rPr lang="en-US" altLang="zh-TW" b="1" u="sng" dirty="0"/>
-                  <a:t>Given</a:t>
-                </a:r>
-                <a:r>
-                  <a:rPr lang="en-US" altLang="zh-TW" dirty="0"/>
-                  <a:t>: </a:t>
-                </a:r>
-                <a14:m>
-                  <m:oMath xmlns:m="http://schemas.openxmlformats.org/officeDocument/2006/math">
-                    <m:r>
-                      <a:rPr lang="en-US" altLang="zh-TW" i="1">
-                        <a:latin typeface="Cambria Math" panose="02040503050406030204" pitchFamily="18" charset="0"/>
-                      </a:rPr>
-                      <m:t>𝐴</m:t>
-                    </m:r>
-                    <m:r>
-                      <a:rPr lang="en-US" altLang="zh-TW" i="1">
-                        <a:latin typeface="Cambria Math" panose="02040503050406030204" pitchFamily="18" charset="0"/>
-                      </a:rPr>
-                      <m:t>=</m:t>
-                    </m:r>
-                    <m:sSub>
-                      <m:sSubPr>
-                        <m:ctrlPr>
-                          <a:rPr lang="en-US" altLang="zh-TW" i="1">
-                            <a:latin typeface="Cambria Math" panose="02040503050406030204" pitchFamily="18" charset="0"/>
-                          </a:rPr>
-                        </m:ctrlPr>
-                      </m:sSubPr>
-                      <m:e>
-                        <m:r>
-                          <a:rPr lang="en-US" altLang="zh-TW" i="1">
-                            <a:latin typeface="Cambria Math" panose="02040503050406030204" pitchFamily="18" charset="0"/>
-                          </a:rPr>
-                          <m:t>𝐻</m:t>
-                        </m:r>
-                      </m:e>
-                      <m:sub>
-                        <m:r>
-                          <a:rPr lang="en-US" altLang="zh-TW" i="1">
-                            <a:latin typeface="Cambria Math" panose="02040503050406030204" pitchFamily="18" charset="0"/>
-                          </a:rPr>
-                          <m:t>1</m:t>
-                        </m:r>
-                      </m:sub>
-                    </m:sSub>
-                    <m:r>
-                      <a:rPr lang="en-US" altLang="zh-TW" i="1">
-                        <a:latin typeface="Cambria Math" panose="02040503050406030204" pitchFamily="18" charset="0"/>
-                      </a:rPr>
-                      <m:t>+</m:t>
-                    </m:r>
-                    <m:sSub>
-                      <m:sSubPr>
-                        <m:ctrlPr>
-                          <a:rPr lang="en-US" altLang="zh-TW" i="1">
-                            <a:latin typeface="Cambria Math" panose="02040503050406030204" pitchFamily="18" charset="0"/>
-                          </a:rPr>
-                        </m:ctrlPr>
-                      </m:sSubPr>
-                      <m:e>
-                        <m:r>
-                          <a:rPr lang="en-US" altLang="zh-TW" i="1">
-                            <a:latin typeface="Cambria Math" panose="02040503050406030204" pitchFamily="18" charset="0"/>
-                          </a:rPr>
-                          <m:t>𝐻</m:t>
-                        </m:r>
-                      </m:e>
-                      <m:sub>
-                        <m:r>
-                          <a:rPr lang="en-US" altLang="zh-TW" i="1">
-                            <a:latin typeface="Cambria Math" panose="02040503050406030204" pitchFamily="18" charset="0"/>
-                          </a:rPr>
-                          <m:t>2</m:t>
-                        </m:r>
-                      </m:sub>
-                    </m:sSub>
-                  </m:oMath>
-                </a14:m>
-                <a:r>
-                  <a:rPr lang="en-US" altLang="zh-TW" dirty="0"/>
-                  <a:t>, circuits for </a:t>
-                </a:r>
-                <a14:m>
-                  <m:oMath xmlns:m="http://schemas.openxmlformats.org/officeDocument/2006/math">
-                    <m:sSup>
-                      <m:sSupPr>
-                        <m:ctrlPr>
-                          <a:rPr lang="en-US" altLang="zh-TW" i="1">
-                            <a:latin typeface="Cambria Math" panose="02040503050406030204" pitchFamily="18" charset="0"/>
-                          </a:rPr>
-                        </m:ctrlPr>
-                      </m:sSupPr>
-                      <m:e>
-                        <m:r>
-                          <a:rPr lang="en-US" altLang="zh-TW" i="1">
-                            <a:latin typeface="Cambria Math" panose="02040503050406030204" pitchFamily="18" charset="0"/>
-                          </a:rPr>
-                          <m:t>𝑒</m:t>
-                        </m:r>
-                      </m:e>
-                      <m:sup>
-                        <m:r>
-                          <a:rPr lang="en-US" altLang="zh-TW" i="1">
-                            <a:latin typeface="Cambria Math" panose="02040503050406030204" pitchFamily="18" charset="0"/>
-                          </a:rPr>
-                          <m:t>𝑖</m:t>
-                        </m:r>
-                        <m:sSub>
-                          <m:sSubPr>
-                            <m:ctrlPr>
-                              <a:rPr lang="en-US" altLang="zh-TW" i="1">
-                                <a:latin typeface="Cambria Math" panose="02040503050406030204" pitchFamily="18" charset="0"/>
-                              </a:rPr>
-                            </m:ctrlPr>
-                          </m:sSubPr>
-                          <m:e>
-                            <m:r>
-                              <a:rPr lang="en-US" altLang="zh-TW" i="1">
-                                <a:latin typeface="Cambria Math" panose="02040503050406030204" pitchFamily="18" charset="0"/>
-                              </a:rPr>
-                              <m:t>𝐻</m:t>
-                            </m:r>
-                          </m:e>
-                          <m:sub>
-                            <m:r>
-                              <a:rPr lang="en-US" altLang="zh-TW" i="1">
-                                <a:latin typeface="Cambria Math" panose="02040503050406030204" pitchFamily="18" charset="0"/>
-                              </a:rPr>
-                              <m:t>𝑖</m:t>
-                            </m:r>
-                          </m:sub>
-                        </m:sSub>
-                        <m:r>
-                          <a:rPr lang="en-US" altLang="zh-TW" i="1">
-                            <a:latin typeface="Cambria Math" panose="02040503050406030204" pitchFamily="18" charset="0"/>
-                          </a:rPr>
-                          <m:t>𝑡</m:t>
-                        </m:r>
-                      </m:sup>
-                    </m:sSup>
-                    <m:r>
-                      <a:rPr lang="en-US" altLang="zh-TW" i="1">
-                        <a:latin typeface="Cambria Math" panose="02040503050406030204" pitchFamily="18" charset="0"/>
-                      </a:rPr>
-                      <m:t>,</m:t>
-                    </m:r>
-                    <m:r>
-                      <a:rPr lang="en-US" altLang="zh-TW" i="1">
-                        <a:latin typeface="Cambria Math" panose="02040503050406030204" pitchFamily="18" charset="0"/>
-                      </a:rPr>
-                      <m:t>𝑖</m:t>
-                    </m:r>
-                    <m:r>
-                      <a:rPr lang="en-US" altLang="zh-TW" i="1">
-                        <a:latin typeface="Cambria Math" panose="02040503050406030204" pitchFamily="18" charset="0"/>
-                      </a:rPr>
-                      <m:t>=1, 2</m:t>
-                    </m:r>
-                  </m:oMath>
-                </a14:m>
-                <a:r>
-                  <a:rPr lang="en-US" altLang="zh-TW" dirty="0" smtClean="0"/>
-                  <a:t>, </a:t>
-                </a:r>
-                <a14:m>
-                  <m:oMath xmlns:m="http://schemas.openxmlformats.org/officeDocument/2006/math">
-                    <m:d>
-                      <m:dPr>
-                        <m:begChr m:val="["/>
-                        <m:endChr m:val="]"/>
-                        <m:ctrlPr>
-                          <a:rPr lang="en-US" altLang="zh-TW" i="1" smtClean="0">
-                            <a:solidFill>
-                              <a:schemeClr val="tx1"/>
-                            </a:solidFill>
-                            <a:latin typeface="Cambria Math" panose="02040503050406030204" pitchFamily="18" charset="0"/>
-                            <a:ea typeface="Cambria Math" panose="02040503050406030204" pitchFamily="18" charset="0"/>
-                          </a:rPr>
-                        </m:ctrlPr>
-                      </m:dPr>
-                      <m:e>
-                        <m:sSub>
-                          <m:sSubPr>
-                            <m:ctrlPr>
-                              <a:rPr lang="en-US" altLang="zh-TW" i="1">
-                                <a:solidFill>
-                                  <a:schemeClr val="tx1"/>
-                                </a:solidFill>
-                                <a:latin typeface="Cambria Math" panose="02040503050406030204" pitchFamily="18" charset="0"/>
-                                <a:ea typeface="Cambria Math" panose="02040503050406030204" pitchFamily="18" charset="0"/>
-                              </a:rPr>
-                            </m:ctrlPr>
-                          </m:sSubPr>
-                          <m:e>
-                            <m:r>
-                              <a:rPr lang="en-US" altLang="zh-TW" i="1">
-                                <a:solidFill>
-                                  <a:schemeClr val="tx1"/>
-                                </a:solidFill>
-                                <a:latin typeface="Cambria Math" panose="02040503050406030204" pitchFamily="18" charset="0"/>
-                                <a:ea typeface="Cambria Math" panose="02040503050406030204" pitchFamily="18" charset="0"/>
-                              </a:rPr>
-                              <m:t>𝐻</m:t>
-                            </m:r>
-                          </m:e>
-                          <m:sub>
-                            <m:r>
-                              <a:rPr lang="en-US" altLang="zh-TW" i="1">
-                                <a:solidFill>
-                                  <a:schemeClr val="tx1"/>
-                                </a:solidFill>
-                                <a:latin typeface="Cambria Math" panose="02040503050406030204" pitchFamily="18" charset="0"/>
-                                <a:ea typeface="Cambria Math" panose="02040503050406030204" pitchFamily="18" charset="0"/>
-                              </a:rPr>
-                              <m:t>1</m:t>
-                            </m:r>
-                          </m:sub>
-                        </m:sSub>
-                        <m:r>
-                          <a:rPr lang="en-US" altLang="zh-TW" i="1">
-                            <a:solidFill>
-                              <a:schemeClr val="tx1"/>
-                            </a:solidFill>
-                            <a:latin typeface="Cambria Math" panose="02040503050406030204" pitchFamily="18" charset="0"/>
-                            <a:ea typeface="Cambria Math" panose="02040503050406030204" pitchFamily="18" charset="0"/>
-                          </a:rPr>
-                          <m:t>,</m:t>
-                        </m:r>
-                        <m:sSub>
-                          <m:sSubPr>
-                            <m:ctrlPr>
-                              <a:rPr lang="en-US" altLang="zh-TW" i="1">
-                                <a:solidFill>
-                                  <a:schemeClr val="tx1"/>
-                                </a:solidFill>
-                                <a:latin typeface="Cambria Math" panose="02040503050406030204" pitchFamily="18" charset="0"/>
-                                <a:ea typeface="Cambria Math" panose="02040503050406030204" pitchFamily="18" charset="0"/>
-                              </a:rPr>
-                            </m:ctrlPr>
-                          </m:sSubPr>
-                          <m:e>
-                            <m:r>
-                              <a:rPr lang="en-US" altLang="zh-TW" i="1">
-                                <a:solidFill>
-                                  <a:schemeClr val="tx1"/>
-                                </a:solidFill>
-                                <a:latin typeface="Cambria Math" panose="02040503050406030204" pitchFamily="18" charset="0"/>
-                                <a:ea typeface="Cambria Math" panose="02040503050406030204" pitchFamily="18" charset="0"/>
-                              </a:rPr>
-                              <m:t>𝐻</m:t>
-                            </m:r>
-                          </m:e>
-                          <m:sub>
-                            <m:r>
-                              <a:rPr lang="en-US" altLang="zh-TW" i="1">
-                                <a:solidFill>
-                                  <a:schemeClr val="tx1"/>
-                                </a:solidFill>
-                                <a:latin typeface="Cambria Math" panose="02040503050406030204" pitchFamily="18" charset="0"/>
-                                <a:ea typeface="Cambria Math" panose="02040503050406030204" pitchFamily="18" charset="0"/>
-                              </a:rPr>
-                              <m:t>2</m:t>
-                            </m:r>
-                          </m:sub>
-                        </m:sSub>
-                      </m:e>
-                    </m:d>
-                    <m:r>
-                      <a:rPr lang="en-US" altLang="zh-TW" i="1">
-                        <a:solidFill>
-                          <a:schemeClr val="tx1"/>
-                        </a:solidFill>
-                        <a:latin typeface="Cambria Math" panose="02040503050406030204" pitchFamily="18" charset="0"/>
-                        <a:ea typeface="Cambria Math" panose="02040503050406030204" pitchFamily="18" charset="0"/>
-                      </a:rPr>
-                      <m:t>≠0</m:t>
-                    </m:r>
-                  </m:oMath>
-                </a14:m>
-                <a:endParaRPr lang="en-US" altLang="zh-TW" dirty="0">
-                  <a:solidFill>
-                    <a:schemeClr val="tx1"/>
-                  </a:solidFill>
-                  <a:latin typeface="Cambria Math" panose="02040503050406030204" pitchFamily="18" charset="0"/>
-                  <a:ea typeface="Cambria Math" panose="02040503050406030204" pitchFamily="18" charset="0"/>
-                </a:endParaRPr>
-              </a:p>
-            </p:txBody>
-          </p:sp>
-        </mc:Choice>
-        <mc:Fallback>
-          <p:sp>
-            <p:nvSpPr>
-              <p:cNvPr id="3" name="內容版面配置區 2"/>
-              <p:cNvSpPr>
-                <a:spLocks noGrp="1" noRot="1" noChangeAspect="1" noMove="1" noResize="1" noEditPoints="1" noAdjustHandles="1" noChangeArrowheads="1" noChangeShapeType="1" noTextEdit="1"/>
-              </p:cNvSpPr>
-              <p:nvPr>
-                <p:ph idx="1"/>
-              </p:nvPr>
-            </p:nvSpPr>
-            <p:spPr>
-              <a:xfrm>
-                <a:off x="838200" y="1825625"/>
-                <a:ext cx="10515600" cy="2181599"/>
-              </a:xfrm>
-              <a:blipFill>
-                <a:blip r:embed="rId2"/>
-                <a:stretch>
-                  <a:fillRect l="-1043" t="-4469"/>
-                </a:stretch>
-              </a:blipFill>
-            </p:spPr>
-            <p:txBody>
-              <a:bodyPr/>
-              <a:lstStyle/>
-              <a:p>
-                <a:r>
-                  <a:rPr lang="zh-TW" altLang="en-US">
-                    <a:noFill/>
-                  </a:rPr>
-                  <a:t> </a:t>
-                </a:r>
-              </a:p>
-            </p:txBody>
-          </p:sp>
-        </mc:Fallback>
-      </mc:AlternateContent>
-      <mc:AlternateContent xmlns:mc="http://schemas.openxmlformats.org/markup-compatibility/2006">
-        <mc:Choice xmlns:a14="http://schemas.microsoft.com/office/drawing/2010/main" Requires="a14">
-          <p:sp>
-            <p:nvSpPr>
-              <p:cNvPr id="4" name="文字方塊 3"/>
-              <p:cNvSpPr txBox="1"/>
-              <p:nvPr/>
-            </p:nvSpPr>
-            <p:spPr>
-              <a:xfrm>
-                <a:off x="3492649" y="4142161"/>
-                <a:ext cx="5206702" cy="954107"/>
-              </a:xfrm>
-              <a:prstGeom prst="rect">
-                <a:avLst/>
-              </a:prstGeom>
-              <a:noFill/>
-            </p:spPr>
-            <p:txBody>
-              <a:bodyPr wrap="square" rtlCol="0">
-                <a:spAutoFit/>
-              </a:bodyPr>
-              <a:lstStyle/>
-              <a:p>
-                <a14:m>
-                  <m:oMathPara xmlns:m="http://schemas.openxmlformats.org/officeDocument/2006/math">
-                    <m:oMathParaPr>
-                      <m:jc m:val="centerGroup"/>
-                    </m:oMathParaPr>
-                    <m:oMath xmlns:m="http://schemas.openxmlformats.org/officeDocument/2006/math">
-                      <m:sSup>
-                        <m:sSupPr>
-                          <m:ctrlPr>
-                            <a:rPr lang="en-US" altLang="zh-TW" sz="2800" i="1" smtClean="0">
-                              <a:latin typeface="Cambria Math" panose="02040503050406030204" pitchFamily="18" charset="0"/>
-                            </a:rPr>
-                          </m:ctrlPr>
-                        </m:sSupPr>
-                        <m:e>
-                          <m:r>
-                            <a:rPr lang="en-US" altLang="zh-TW" sz="2800" i="1" smtClean="0">
-                              <a:latin typeface="Cambria Math" panose="02040503050406030204" pitchFamily="18" charset="0"/>
-                            </a:rPr>
-                            <m:t>(</m:t>
-                          </m:r>
-                          <m:sSup>
-                            <m:sSupPr>
-                              <m:ctrlPr>
-                                <a:rPr lang="en-US" altLang="zh-TW" sz="2800" i="1" smtClean="0">
-                                  <a:latin typeface="Cambria Math" panose="02040503050406030204" pitchFamily="18" charset="0"/>
-                                </a:rPr>
-                              </m:ctrlPr>
-                            </m:sSupPr>
-                            <m:e>
-                              <m:r>
-                                <a:rPr lang="en-US" altLang="zh-TW" sz="2800" b="0" i="1" smtClean="0">
-                                  <a:latin typeface="Cambria Math" panose="02040503050406030204" pitchFamily="18" charset="0"/>
-                                </a:rPr>
-                                <m:t>𝑒</m:t>
-                              </m:r>
-                            </m:e>
-                            <m:sup>
-                              <m:f>
-                                <m:fPr>
-                                  <m:ctrlPr>
-                                    <a:rPr lang="en-US" altLang="zh-TW" sz="2800" i="1" smtClean="0">
-                                      <a:latin typeface="Cambria Math" panose="02040503050406030204" pitchFamily="18" charset="0"/>
-                                    </a:rPr>
-                                  </m:ctrlPr>
-                                </m:fPr>
-                                <m:num>
-                                  <m:r>
-                                    <a:rPr lang="en-US" altLang="zh-TW" sz="2800" i="1" smtClean="0">
-                                      <a:latin typeface="Cambria Math" panose="02040503050406030204" pitchFamily="18" charset="0"/>
-                                    </a:rPr>
-                                    <m:t>𝑖</m:t>
-                                  </m:r>
-                                  <m:sSub>
-                                    <m:sSubPr>
-                                      <m:ctrlPr>
-                                        <a:rPr lang="en-US" altLang="zh-TW" sz="2800" i="1">
-                                          <a:latin typeface="Cambria Math" panose="02040503050406030204" pitchFamily="18" charset="0"/>
-                                        </a:rPr>
-                                      </m:ctrlPr>
-                                    </m:sSubPr>
-                                    <m:e>
-                                      <m:r>
-                                        <a:rPr lang="en-US" altLang="zh-TW" sz="2800" i="1">
-                                          <a:latin typeface="Cambria Math" panose="02040503050406030204" pitchFamily="18" charset="0"/>
-                                        </a:rPr>
-                                        <m:t>𝐻</m:t>
-                                      </m:r>
-                                    </m:e>
-                                    <m:sub>
-                                      <m:r>
-                                        <a:rPr lang="en-US" altLang="zh-TW" sz="2800" b="0" i="1" smtClean="0">
-                                          <a:latin typeface="Cambria Math" panose="02040503050406030204" pitchFamily="18" charset="0"/>
-                                        </a:rPr>
-                                        <m:t>1</m:t>
-                                      </m:r>
-                                    </m:sub>
-                                  </m:sSub>
-                                  <m:r>
-                                    <a:rPr lang="en-US" altLang="zh-TW" sz="2800" b="0" i="1" smtClean="0">
-                                      <a:latin typeface="Cambria Math" panose="02040503050406030204" pitchFamily="18" charset="0"/>
-                                    </a:rPr>
-                                    <m:t>𝑡</m:t>
-                                  </m:r>
-                                </m:num>
-                                <m:den>
-                                  <m:r>
-                                    <m:rPr>
-                                      <m:sty m:val="p"/>
-                                    </m:rPr>
-                                    <a:rPr lang="en-US" altLang="zh-TW" sz="2800" i="1">
-                                      <a:latin typeface="Cambria Math" panose="02040503050406030204" pitchFamily="18" charset="0"/>
-                                    </a:rPr>
-                                    <m:t>M</m:t>
-                                  </m:r>
-                                </m:den>
-                              </m:f>
-                            </m:sup>
-                          </m:sSup>
-                          <m:sSup>
-                            <m:sSupPr>
-                              <m:ctrlPr>
-                                <a:rPr lang="en-US" altLang="zh-TW" sz="2800" i="1" smtClean="0">
-                                  <a:latin typeface="Cambria Math" panose="02040503050406030204" pitchFamily="18" charset="0"/>
-                                </a:rPr>
-                              </m:ctrlPr>
-                            </m:sSupPr>
-                            <m:e>
-                              <m:r>
-                                <a:rPr lang="en-US" altLang="zh-TW" sz="2800" b="0" i="1" smtClean="0">
-                                  <a:latin typeface="Cambria Math" panose="02040503050406030204" pitchFamily="18" charset="0"/>
-                                </a:rPr>
-                                <m:t>𝑒</m:t>
-                              </m:r>
-                            </m:e>
-                            <m:sup>
-                              <m:f>
-                                <m:fPr>
-                                  <m:ctrlPr>
-                                    <a:rPr lang="en-US" altLang="zh-TW" sz="2800" i="1" smtClean="0">
-                                      <a:latin typeface="Cambria Math" panose="02040503050406030204" pitchFamily="18" charset="0"/>
-                                    </a:rPr>
-                                  </m:ctrlPr>
-                                </m:fPr>
-                                <m:num>
-                                  <m:r>
-                                    <a:rPr lang="en-US" altLang="zh-TW" sz="2800" i="1" smtClean="0">
-                                      <a:latin typeface="Cambria Math" panose="02040503050406030204" pitchFamily="18" charset="0"/>
-                                    </a:rPr>
-                                    <m:t>𝑖</m:t>
-                                  </m:r>
-                                  <m:sSub>
-                                    <m:sSubPr>
-                                      <m:ctrlPr>
-                                        <a:rPr lang="en-US" altLang="zh-TW" sz="2800" i="1">
-                                          <a:latin typeface="Cambria Math" panose="02040503050406030204" pitchFamily="18" charset="0"/>
-                                        </a:rPr>
-                                      </m:ctrlPr>
-                                    </m:sSubPr>
-                                    <m:e>
-                                      <m:r>
-                                        <a:rPr lang="en-US" altLang="zh-TW" sz="2800" i="1">
-                                          <a:latin typeface="Cambria Math" panose="02040503050406030204" pitchFamily="18" charset="0"/>
-                                        </a:rPr>
-                                        <m:t>𝐻</m:t>
-                                      </m:r>
-                                    </m:e>
-                                    <m:sub>
-                                      <m:r>
-                                        <a:rPr lang="en-US" altLang="zh-TW" sz="2800" b="0" i="1" smtClean="0">
-                                          <a:latin typeface="Cambria Math" panose="02040503050406030204" pitchFamily="18" charset="0"/>
-                                        </a:rPr>
-                                        <m:t>2</m:t>
-                                      </m:r>
-                                    </m:sub>
-                                  </m:sSub>
-                                  <m:r>
-                                    <a:rPr lang="en-US" altLang="zh-TW" sz="2800" b="0" i="1" smtClean="0">
-                                      <a:latin typeface="Cambria Math" panose="02040503050406030204" pitchFamily="18" charset="0"/>
-                                    </a:rPr>
-                                    <m:t>𝑡</m:t>
-                                  </m:r>
-                                </m:num>
-                                <m:den>
-                                  <m:r>
-                                    <m:rPr>
-                                      <m:sty m:val="p"/>
-                                    </m:rPr>
-                                    <a:rPr lang="en-US" altLang="zh-TW" sz="2800" i="1">
-                                      <a:latin typeface="Cambria Math" panose="02040503050406030204" pitchFamily="18" charset="0"/>
-                                    </a:rPr>
-                                    <m:t>M</m:t>
-                                  </m:r>
-                                </m:den>
-                              </m:f>
-                            </m:sup>
-                          </m:sSup>
-                          <m:r>
-                            <a:rPr lang="en-US" altLang="zh-TW" sz="2800" i="1">
-                              <a:latin typeface="Cambria Math" panose="02040503050406030204" pitchFamily="18" charset="0"/>
-                            </a:rPr>
-                            <m:t>)</m:t>
-                          </m:r>
-                        </m:e>
-                        <m:sup>
-                          <m:r>
-                            <m:rPr>
-                              <m:sty m:val="p"/>
-                            </m:rPr>
-                            <a:rPr lang="en-US" altLang="zh-TW" sz="2800" i="1">
-                              <a:latin typeface="Cambria Math" panose="02040503050406030204" pitchFamily="18" charset="0"/>
-                            </a:rPr>
-                            <m:t>M</m:t>
-                          </m:r>
-                        </m:sup>
-                      </m:sSup>
-                      <m:r>
-                        <a:rPr lang="en-US" altLang="zh-TW" sz="2800" i="1">
-                          <a:latin typeface="Cambria Math" panose="02040503050406030204" pitchFamily="18" charset="0"/>
-                        </a:rPr>
-                        <m:t>=</m:t>
-                      </m:r>
-                      <m:sSup>
-                        <m:sSupPr>
-                          <m:ctrlPr>
-                            <a:rPr lang="en-US" altLang="zh-TW" sz="2800" b="0" i="1" smtClean="0">
-                              <a:latin typeface="Cambria Math" panose="02040503050406030204" pitchFamily="18" charset="0"/>
-                            </a:rPr>
-                          </m:ctrlPr>
-                        </m:sSupPr>
-                        <m:e>
-                          <m:r>
-                            <a:rPr lang="en-US" altLang="zh-TW" sz="2800" b="0" i="1" smtClean="0">
-                              <a:latin typeface="Cambria Math" panose="02040503050406030204" pitchFamily="18" charset="0"/>
-                            </a:rPr>
-                            <m:t>𝑒</m:t>
-                          </m:r>
-                        </m:e>
-                        <m:sup>
-                          <m:r>
-                            <a:rPr lang="en-US" altLang="zh-TW" sz="2800" i="1" smtClean="0">
-                              <a:latin typeface="Cambria Math" panose="02040503050406030204" pitchFamily="18" charset="0"/>
-                            </a:rPr>
-                            <m:t>𝑖</m:t>
-                          </m:r>
-                          <m:r>
-                            <a:rPr lang="en-US" altLang="zh-TW" sz="2800" b="0" i="1" smtClean="0">
-                              <a:latin typeface="Cambria Math" panose="02040503050406030204" pitchFamily="18" charset="0"/>
-                            </a:rPr>
-                            <m:t>𝐴</m:t>
-                          </m:r>
-                          <m:r>
-                            <a:rPr lang="en-US" altLang="zh-TW" sz="2800" i="1">
-                              <a:latin typeface="Cambria Math" panose="02040503050406030204" pitchFamily="18" charset="0"/>
-                            </a:rPr>
-                            <m:t>𝑡</m:t>
-                          </m:r>
-                        </m:sup>
-                      </m:sSup>
-                      <m:r>
-                        <a:rPr lang="en-US" altLang="zh-TW" sz="2800" b="0" i="1" smtClean="0">
-                          <a:latin typeface="Cambria Math" panose="02040503050406030204" pitchFamily="18" charset="0"/>
-                        </a:rPr>
-                        <m:t>+</m:t>
-                      </m:r>
-                      <m:r>
-                        <a:rPr lang="zh-TW" altLang="en-US" sz="2800" b="0" i="1" smtClean="0">
-                          <a:latin typeface="Cambria Math" panose="02040503050406030204" pitchFamily="18" charset="0"/>
-                        </a:rPr>
-                        <m:t>𝒪</m:t>
-                      </m:r>
-                      <m:r>
-                        <a:rPr lang="en-US" altLang="zh-TW" sz="2800" b="0" i="1" smtClean="0">
-                          <a:latin typeface="Cambria Math" panose="02040503050406030204" pitchFamily="18" charset="0"/>
-                        </a:rPr>
-                        <m:t>(</m:t>
-                      </m:r>
-                      <m:f>
-                        <m:fPr>
-                          <m:ctrlPr>
-                            <a:rPr lang="en-US" altLang="zh-TW" sz="2800" b="0" i="1" smtClean="0">
-                              <a:latin typeface="Cambria Math" panose="02040503050406030204" pitchFamily="18" charset="0"/>
-                            </a:rPr>
-                          </m:ctrlPr>
-                        </m:fPr>
-                        <m:num>
-                          <m:sSup>
-                            <m:sSupPr>
-                              <m:ctrlPr>
-                                <a:rPr lang="en-US" altLang="zh-TW" sz="2800" b="0" i="1" smtClean="0">
-                                  <a:latin typeface="Cambria Math" panose="02040503050406030204" pitchFamily="18" charset="0"/>
-                                </a:rPr>
-                              </m:ctrlPr>
-                            </m:sSupPr>
-                            <m:e>
-                              <m:r>
-                                <a:rPr lang="en-US" altLang="zh-TW" sz="2800" b="0" i="1" smtClean="0">
-                                  <a:latin typeface="Cambria Math" panose="02040503050406030204" pitchFamily="18" charset="0"/>
-                                </a:rPr>
-                                <m:t>𝑡</m:t>
-                              </m:r>
-                            </m:e>
-                            <m:sup>
-                              <m:r>
-                                <a:rPr lang="en-US" altLang="zh-TW" sz="2800" b="0" i="1" smtClean="0">
-                                  <a:latin typeface="Cambria Math" panose="02040503050406030204" pitchFamily="18" charset="0"/>
-                                </a:rPr>
-                                <m:t>2</m:t>
-                              </m:r>
-                            </m:sup>
-                          </m:sSup>
-                        </m:num>
-                        <m:den>
-                          <m:r>
-                            <a:rPr lang="en-US" altLang="zh-TW" sz="2800" b="0" i="1" smtClean="0">
-                              <a:latin typeface="Cambria Math" panose="02040503050406030204" pitchFamily="18" charset="0"/>
-                            </a:rPr>
-                            <m:t>𝑀</m:t>
-                          </m:r>
-                        </m:den>
-                      </m:f>
-                      <m:r>
-                        <a:rPr lang="en-US" altLang="zh-TW" sz="2800" b="0" i="1" smtClean="0">
-                          <a:latin typeface="Cambria Math" panose="02040503050406030204" pitchFamily="18" charset="0"/>
-                        </a:rPr>
-                        <m:t>)</m:t>
-                      </m:r>
-                    </m:oMath>
-                  </m:oMathPara>
-                </a14:m>
-                <a:endParaRPr lang="zh-TW" altLang="en-US" sz="2800" dirty="0"/>
-              </a:p>
-            </p:txBody>
-          </p:sp>
-        </mc:Choice>
-        <mc:Fallback>
-          <p:sp>
-            <p:nvSpPr>
-              <p:cNvPr id="4" name="文字方塊 3"/>
-              <p:cNvSpPr txBox="1">
-                <a:spLocks noRot="1" noChangeAspect="1" noMove="1" noResize="1" noEditPoints="1" noAdjustHandles="1" noChangeArrowheads="1" noChangeShapeType="1" noTextEdit="1"/>
-              </p:cNvSpPr>
-              <p:nvPr/>
-            </p:nvSpPr>
-            <p:spPr>
-              <a:xfrm>
-                <a:off x="3492649" y="4142161"/>
-                <a:ext cx="5206702" cy="954107"/>
-              </a:xfrm>
-              <a:prstGeom prst="rect">
-                <a:avLst/>
-              </a:prstGeom>
-              <a:blipFill>
-                <a:blip r:embed="rId3"/>
-                <a:stretch>
-                  <a:fillRect/>
-                </a:stretch>
-              </a:blipFill>
-            </p:spPr>
-            <p:txBody>
-              <a:bodyPr/>
-              <a:lstStyle/>
-              <a:p>
-                <a:r>
-                  <a:rPr lang="zh-TW" altLang="en-US">
-                    <a:noFill/>
-                  </a:rPr>
-                  <a:t> </a:t>
-                </a:r>
-              </a:p>
-            </p:txBody>
-          </p:sp>
-        </mc:Fallback>
-      </mc:AlternateContent>
-      <p:sp>
-        <p:nvSpPr>
-          <p:cNvPr id="5" name="文字方塊 4"/>
-          <p:cNvSpPr txBox="1"/>
-          <p:nvPr/>
-        </p:nvSpPr>
-        <p:spPr>
-          <a:xfrm>
-            <a:off x="8699351" y="4357604"/>
-            <a:ext cx="1705087" cy="523220"/>
-          </a:xfrm>
-          <a:prstGeom prst="rect">
-            <a:avLst/>
-          </a:prstGeom>
-          <a:noFill/>
-        </p:spPr>
-        <p:txBody>
-          <a:bodyPr wrap="square" rtlCol="0">
-            <a:spAutoFit/>
-          </a:bodyPr>
-          <a:lstStyle/>
-          <a:p>
-            <a:r>
-              <a:rPr lang="en-US" altLang="zh-TW" sz="2800" dirty="0" smtClean="0"/>
-              <a:t>Lie-Trotter</a:t>
-            </a:r>
-            <a:endParaRPr lang="zh-TW" altLang="en-US" sz="2800" dirty="0"/>
-          </a:p>
-        </p:txBody>
-      </p:sp>
-    </p:spTree>
-    <p:extLst>
-      <p:ext uri="{BB962C8B-B14F-4D97-AF65-F5344CB8AC3E}">
-        <p14:creationId xmlns:p14="http://schemas.microsoft.com/office/powerpoint/2010/main" val="4170260595"/>
-      </p:ext>
-    </p:extLst>
-  </p:cSld>
-  <p:clrMapOvr>
-    <a:masterClrMapping/>
-  </p:clrMapOvr>
-  <mc:AlternateContent xmlns:mc="http://schemas.openxmlformats.org/markup-compatibility/2006">
-    <mc:Choice xmlns:p14="http://schemas.microsoft.com/office/powerpoint/2010/main" Requires="p14">
-      <p:transition spd="slow" p14:dur="2000"/>
-    </mc:Choice>
-    <mc:Fallback>
-      <p:transition spd="slow"/>
-    </mc:Fallback>
-  </mc:AlternateContent>
-</p:sld>
-</file>
-
 <file path=ppt/theme/theme1.xml><?xml version="1.0" encoding="utf-8"?>
-<a:theme xmlns:a="http://schemas.openxmlformats.org/drawingml/2006/main" name="Office 佈景主題">
+<a:theme xmlns:a="http://schemas.openxmlformats.org/drawingml/2006/main" name="Office Theme">
   <a:themeElements>
-    <a:clrScheme name="Office">
+    <a:clrScheme name="Office 佈景主題">
       <a:dk1>
         <a:sysClr val="windowText" lastClr="000000"/>
       </a:dk1>
@@ -20796,7 +21344,7 @@
         <a:srgbClr val="954F72"/>
       </a:folHlink>
     </a:clrScheme>
-    <a:fontScheme name="Office">
+    <a:fontScheme name="Office 佈景主題">
       <a:majorFont>
         <a:latin typeface="Calibri Light" panose="020F0302020204030204"/>
         <a:ea typeface=""/>
@@ -20868,7 +21416,7 @@
         <a:font script="Geor" typeface="Sylfaen"/>
       </a:minorFont>
     </a:fontScheme>
-    <a:fmtScheme name="Office">
+    <a:fmtScheme name="Office 佈景主題">
       <a:fillStyleLst>
         <a:solidFill>
           <a:schemeClr val="phClr"/>
@@ -21010,7 +21558,7 @@
   <a:extraClrSchemeLst/>
   <a:extLst>
     <a:ext uri="{05A4C25C-085E-4340-85A3-A5531E510DB2}">
-      <thm15:themeFamily xmlns:thm15="http://schemas.microsoft.com/office/thememl/2012/main" name="Office Theme" id="{62F939B6-93AF-4DB8-9C6B-D6C7DFDC589F}" vid="{4A3C46E8-61CC-4603-A589-7422A47A8E4A}"/>
+      <thm15:themeFamily xmlns:thm15="http://schemas.microsoft.com/office/thememl/2012/main" name="Office Theme" id="{62F939B6-93AF-4DB8-9C6B-D6C7DFDC589F}" vid="{4F46216B-77A9-411A-B9D3-5023FCB70208}"/>
     </a:ext>
   </a:extLst>
 </a:theme>

--- a/hackhackhack.pptx
+++ b/hackhackhack.pptx
@@ -14022,7 +14022,19 @@
                           <a:rPr lang="en-US" altLang="zh-TW" i="1">
                             <a:latin typeface="Cambria Math" panose="02040503050406030204" pitchFamily="18" charset="0"/>
                           </a:rPr>
-                          <m:t>𝑖𝐴𝑡</m:t>
+                          <m:t>𝑖</m:t>
+                        </m:r>
+                        <m:r>
+                          <a:rPr lang="en-US" altLang="zh-TW" b="0" i="1" smtClean="0">
+                            <a:latin typeface="Cambria Math" panose="02040503050406030204" pitchFamily="18" charset="0"/>
+                          </a:rPr>
+                          <m:t>𝐻</m:t>
+                        </m:r>
+                        <m:r>
+                          <a:rPr lang="en-US" altLang="zh-TW" i="1">
+                            <a:latin typeface="Cambria Math" panose="02040503050406030204" pitchFamily="18" charset="0"/>
+                          </a:rPr>
+                          <m:t>𝑡</m:t>
                         </m:r>
                       </m:sup>
                     </m:sSup>
@@ -14042,10 +14054,10 @@
                 <a14:m>
                   <m:oMath xmlns:m="http://schemas.openxmlformats.org/officeDocument/2006/math">
                     <m:r>
-                      <a:rPr lang="en-US" altLang="zh-TW" i="1">
+                      <a:rPr lang="en-US" altLang="zh-TW" b="0" i="1" smtClean="0">
                         <a:latin typeface="Cambria Math" panose="02040503050406030204" pitchFamily="18" charset="0"/>
                       </a:rPr>
-                      <m:t>𝐴</m:t>
+                      <m:t>𝐻</m:t>
                     </m:r>
                     <m:r>
                       <a:rPr lang="en-US" altLang="zh-TW" i="1">
@@ -14520,7 +14532,19 @@
                           <a:rPr lang="en-US" altLang="zh-TW" i="1">
                             <a:latin typeface="Cambria Math" panose="02040503050406030204" pitchFamily="18" charset="0"/>
                           </a:rPr>
-                          <m:t>𝑖𝐴𝑡</m:t>
+                          <m:t>𝑖</m:t>
+                        </m:r>
+                        <m:r>
+                          <a:rPr lang="en-US" altLang="zh-TW" b="0" i="1" smtClean="0">
+                            <a:latin typeface="Cambria Math" panose="02040503050406030204" pitchFamily="18" charset="0"/>
+                          </a:rPr>
+                          <m:t>𝐻</m:t>
+                        </m:r>
+                        <m:r>
+                          <a:rPr lang="en-US" altLang="zh-TW" i="1">
+                            <a:latin typeface="Cambria Math" panose="02040503050406030204" pitchFamily="18" charset="0"/>
+                          </a:rPr>
+                          <m:t>𝑡</m:t>
                         </m:r>
                       </m:sup>
                     </m:sSup>
@@ -14842,90 +14866,105 @@
           </a:prstGeom>
         </p:spPr>
       </p:pic>
-      <p:sp>
-        <p:nvSpPr>
-          <p:cNvPr id="6" name="橢圓 5"/>
-          <p:cNvSpPr/>
+      <p:grpSp>
+        <p:nvGrpSpPr>
+          <p:cNvPr id="11" name="群組 10"/>
+          <p:cNvGrpSpPr/>
           <p:nvPr/>
-        </p:nvSpPr>
-        <p:spPr>
+        </p:nvGrpSpPr>
+        <p:grpSpPr>
           <a:xfrm>
             <a:off x="3668359" y="4881731"/>
-            <a:ext cx="865990" cy="932778"/>
+            <a:ext cx="5777914" cy="1394443"/>
+            <a:chOff x="3668359" y="4881731"/>
+            <a:chExt cx="5777914" cy="1394443"/>
           </a:xfrm>
-          <a:prstGeom prst="ellipse">
-            <a:avLst/>
-          </a:prstGeom>
-          <a:noFill/>
-          <a:ln w="38100">
-            <a:solidFill>
-              <a:srgbClr val="C00000"/>
-            </a:solidFill>
-          </a:ln>
-        </p:spPr>
-        <p:style>
-          <a:lnRef idx="2">
-            <a:schemeClr val="accent1">
-              <a:shade val="50000"/>
-            </a:schemeClr>
-          </a:lnRef>
-          <a:fillRef idx="1">
-            <a:schemeClr val="accent1"/>
-          </a:fillRef>
-          <a:effectRef idx="0">
-            <a:schemeClr val="accent1"/>
-          </a:effectRef>
-          <a:fontRef idx="minor">
-            <a:schemeClr val="lt1"/>
-          </a:fontRef>
-        </p:style>
-        <p:txBody>
-          <a:bodyPr rtlCol="0" anchor="ctr"/>
-          <a:lstStyle/>
-          <a:p>
-            <a:pPr algn="ctr"/>
-            <a:endParaRPr lang="zh-TW" altLang="en-US"/>
-          </a:p>
-        </p:txBody>
-      </p:sp>
-      <p:sp>
-        <p:nvSpPr>
-          <p:cNvPr id="7" name="文字方塊 6"/>
-          <p:cNvSpPr txBox="1"/>
-          <p:nvPr/>
-        </p:nvSpPr>
-        <p:spPr>
-          <a:xfrm>
-            <a:off x="4249401" y="5814509"/>
-            <a:ext cx="5196872" cy="461665"/>
-          </a:xfrm>
-          <a:prstGeom prst="rect">
-            <a:avLst/>
-          </a:prstGeom>
-          <a:noFill/>
-        </p:spPr>
-        <p:txBody>
-          <a:bodyPr wrap="none" rtlCol="0">
-            <a:spAutoFit/>
-          </a:bodyPr>
-          <a:lstStyle/>
-          <a:p>
-            <a:r>
-              <a:rPr lang="en-US" altLang="zh-TW" sz="2400" dirty="0" smtClean="0">
+        </p:grpSpPr>
+        <p:sp>
+          <p:nvSpPr>
+            <p:cNvPr id="6" name="橢圓 5"/>
+            <p:cNvSpPr/>
+            <p:nvPr/>
+          </p:nvSpPr>
+          <p:spPr>
+            <a:xfrm>
+              <a:off x="3668359" y="4881731"/>
+              <a:ext cx="865990" cy="932778"/>
+            </a:xfrm>
+            <a:prstGeom prst="ellipse">
+              <a:avLst/>
+            </a:prstGeom>
+            <a:noFill/>
+            <a:ln w="38100">
+              <a:solidFill>
+                <a:srgbClr val="C00000"/>
+              </a:solidFill>
+            </a:ln>
+          </p:spPr>
+          <p:style>
+            <a:lnRef idx="2">
+              <a:schemeClr val="accent1">
+                <a:shade val="50000"/>
+              </a:schemeClr>
+            </a:lnRef>
+            <a:fillRef idx="1">
+              <a:schemeClr val="accent1"/>
+            </a:fillRef>
+            <a:effectRef idx="0">
+              <a:schemeClr val="accent1"/>
+            </a:effectRef>
+            <a:fontRef idx="minor">
+              <a:schemeClr val="lt1"/>
+            </a:fontRef>
+          </p:style>
+          <p:txBody>
+            <a:bodyPr rtlCol="0" anchor="ctr"/>
+            <a:lstStyle/>
+            <a:p>
+              <a:pPr algn="ctr"/>
+              <a:endParaRPr lang="zh-TW" altLang="en-US"/>
+            </a:p>
+          </p:txBody>
+        </p:sp>
+        <p:sp>
+          <p:nvSpPr>
+            <p:cNvPr id="7" name="文字方塊 6"/>
+            <p:cNvSpPr txBox="1"/>
+            <p:nvPr/>
+          </p:nvSpPr>
+          <p:spPr>
+            <a:xfrm>
+              <a:off x="4249401" y="5814509"/>
+              <a:ext cx="5196872" cy="461665"/>
+            </a:xfrm>
+            <a:prstGeom prst="rect">
+              <a:avLst/>
+            </a:prstGeom>
+            <a:noFill/>
+          </p:spPr>
+          <p:txBody>
+            <a:bodyPr wrap="none" rtlCol="0">
+              <a:spAutoFit/>
+            </a:bodyPr>
+            <a:lstStyle/>
+            <a:p>
+              <a:r>
+                <a:rPr lang="en-US" altLang="zh-TW" sz="2400" dirty="0" smtClean="0">
+                  <a:solidFill>
+                    <a:srgbClr val="C00000"/>
+                  </a:solidFill>
+                </a:rPr>
+                <a:t>We need a way to do operator additions</a:t>
+              </a:r>
+              <a:endParaRPr lang="zh-TW" altLang="en-US" sz="2400" dirty="0">
                 <a:solidFill>
                   <a:srgbClr val="C00000"/>
                 </a:solidFill>
-              </a:rPr>
-              <a:t>We need a way to do operator additions</a:t>
-            </a:r>
-            <a:endParaRPr lang="zh-TW" altLang="en-US" sz="2400" dirty="0">
-              <a:solidFill>
-                <a:srgbClr val="C00000"/>
-              </a:solidFill>
-            </a:endParaRPr>
-          </a:p>
-        </p:txBody>
-      </p:sp>
+              </a:endParaRPr>
+            </a:p>
+          </p:txBody>
+        </p:sp>
+      </p:grpSp>
     </p:spTree>
     <p:extLst>
       <p:ext uri="{BB962C8B-B14F-4D97-AF65-F5344CB8AC3E}">
@@ -14938,16 +14977,293 @@
   </p:clrMapOvr>
   <mc:AlternateContent xmlns:mc="http://schemas.openxmlformats.org/markup-compatibility/2006">
     <mc:Choice xmlns:p14="http://schemas.microsoft.com/office/powerpoint/2010/main" Requires="p14">
-      <p:transition spd="slow" p14:dur="2000"/>
+      <p:transition p14:dur="100">
+        <p:cut/>
+      </p:transition>
     </mc:Choice>
     <mc:Fallback>
-      <p:transition spd="slow"/>
+      <p:transition>
+        <p:cut/>
+      </p:transition>
     </mc:Fallback>
   </mc:AlternateContent>
   <p:timing>
     <p:tnLst>
       <p:par>
-        <p:cTn id="1" dur="indefinite" restart="never" nodeType="tmRoot"/>
+        <p:cTn id="1" dur="indefinite" restart="never" nodeType="tmRoot">
+          <p:childTnLst>
+            <p:seq concurrent="1" nextAc="seek">
+              <p:cTn id="2" dur="indefinite" nodeType="mainSeq">
+                <p:childTnLst>
+                  <p:par>
+                    <p:cTn id="3" fill="hold">
+                      <p:stCondLst>
+                        <p:cond delay="indefinite"/>
+                      </p:stCondLst>
+                      <p:childTnLst>
+                        <p:par>
+                          <p:cTn id="4" fill="hold">
+                            <p:stCondLst>
+                              <p:cond delay="0"/>
+                            </p:stCondLst>
+                            <p:childTnLst>
+                              <p:par>
+                                <p:cTn id="5" presetID="1" presetClass="entr" presetSubtype="0" fill="hold" nodeType="clickEffect">
+                                  <p:stCondLst>
+                                    <p:cond delay="0"/>
+                                  </p:stCondLst>
+                                  <p:childTnLst>
+                                    <p:set>
+                                      <p:cBhvr>
+                                        <p:cTn id="6" dur="1" fill="hold">
+                                          <p:stCondLst>
+                                            <p:cond delay="0"/>
+                                          </p:stCondLst>
+                                        </p:cTn>
+                                        <p:tgtEl>
+                                          <p:spTgt spid="3">
+                                            <p:txEl>
+                                              <p:pRg st="1" end="1"/>
+                                            </p:txEl>
+                                          </p:spTgt>
+                                        </p:tgtEl>
+                                        <p:attrNameLst>
+                                          <p:attrName>style.visibility</p:attrName>
+                                        </p:attrNameLst>
+                                      </p:cBhvr>
+                                      <p:to>
+                                        <p:strVal val="visible"/>
+                                      </p:to>
+                                    </p:set>
+                                  </p:childTnLst>
+                                </p:cTn>
+                              </p:par>
+                              <p:par>
+                                <p:cTn id="7" presetID="1" presetClass="entr" presetSubtype="0" fill="hold" nodeType="withEffect">
+                                  <p:stCondLst>
+                                    <p:cond delay="0"/>
+                                  </p:stCondLst>
+                                  <p:childTnLst>
+                                    <p:set>
+                                      <p:cBhvr>
+                                        <p:cTn id="8" dur="1" fill="hold">
+                                          <p:stCondLst>
+                                            <p:cond delay="0"/>
+                                          </p:stCondLst>
+                                        </p:cTn>
+                                        <p:tgtEl>
+                                          <p:spTgt spid="3">
+                                            <p:txEl>
+                                              <p:pRg st="2" end="2"/>
+                                            </p:txEl>
+                                          </p:spTgt>
+                                        </p:tgtEl>
+                                        <p:attrNameLst>
+                                          <p:attrName>style.visibility</p:attrName>
+                                        </p:attrNameLst>
+                                      </p:cBhvr>
+                                      <p:to>
+                                        <p:strVal val="visible"/>
+                                      </p:to>
+                                    </p:set>
+                                  </p:childTnLst>
+                                </p:cTn>
+                              </p:par>
+                            </p:childTnLst>
+                          </p:cTn>
+                        </p:par>
+                      </p:childTnLst>
+                    </p:cTn>
+                  </p:par>
+                  <p:par>
+                    <p:cTn id="9" fill="hold">
+                      <p:stCondLst>
+                        <p:cond delay="indefinite"/>
+                      </p:stCondLst>
+                      <p:childTnLst>
+                        <p:par>
+                          <p:cTn id="10" fill="hold">
+                            <p:stCondLst>
+                              <p:cond delay="0"/>
+                            </p:stCondLst>
+                            <p:childTnLst>
+                              <p:par>
+                                <p:cTn id="11" presetID="1" presetClass="entr" presetSubtype="0" fill="hold" nodeType="clickEffect">
+                                  <p:stCondLst>
+                                    <p:cond delay="0"/>
+                                  </p:stCondLst>
+                                  <p:childTnLst>
+                                    <p:set>
+                                      <p:cBhvr>
+                                        <p:cTn id="12" dur="1" fill="hold">
+                                          <p:stCondLst>
+                                            <p:cond delay="0"/>
+                                          </p:stCondLst>
+                                        </p:cTn>
+                                        <p:tgtEl>
+                                          <p:spTgt spid="3">
+                                            <p:txEl>
+                                              <p:pRg st="3" end="3"/>
+                                            </p:txEl>
+                                          </p:spTgt>
+                                        </p:tgtEl>
+                                        <p:attrNameLst>
+                                          <p:attrName>style.visibility</p:attrName>
+                                        </p:attrNameLst>
+                                      </p:cBhvr>
+                                      <p:to>
+                                        <p:strVal val="visible"/>
+                                      </p:to>
+                                    </p:set>
+                                  </p:childTnLst>
+                                </p:cTn>
+                              </p:par>
+                            </p:childTnLst>
+                          </p:cTn>
+                        </p:par>
+                      </p:childTnLst>
+                    </p:cTn>
+                  </p:par>
+                  <p:par>
+                    <p:cTn id="13" fill="hold">
+                      <p:stCondLst>
+                        <p:cond delay="indefinite"/>
+                      </p:stCondLst>
+                      <p:childTnLst>
+                        <p:par>
+                          <p:cTn id="14" fill="hold">
+                            <p:stCondLst>
+                              <p:cond delay="0"/>
+                            </p:stCondLst>
+                            <p:childTnLst>
+                              <p:par>
+                                <p:cTn id="15" presetID="1" presetClass="entr" presetSubtype="0" fill="hold" nodeType="clickEffect">
+                                  <p:stCondLst>
+                                    <p:cond delay="0"/>
+                                  </p:stCondLst>
+                                  <p:childTnLst>
+                                    <p:set>
+                                      <p:cBhvr>
+                                        <p:cTn id="16" dur="1" fill="hold">
+                                          <p:stCondLst>
+                                            <p:cond delay="0"/>
+                                          </p:stCondLst>
+                                        </p:cTn>
+                                        <p:tgtEl>
+                                          <p:spTgt spid="3">
+                                            <p:txEl>
+                                              <p:pRg st="4" end="4"/>
+                                            </p:txEl>
+                                          </p:spTgt>
+                                        </p:tgtEl>
+                                        <p:attrNameLst>
+                                          <p:attrName>style.visibility</p:attrName>
+                                        </p:attrNameLst>
+                                      </p:cBhvr>
+                                      <p:to>
+                                        <p:strVal val="visible"/>
+                                      </p:to>
+                                    </p:set>
+                                  </p:childTnLst>
+                                </p:cTn>
+                              </p:par>
+                              <p:par>
+                                <p:cTn id="17" presetID="1" presetClass="entr" presetSubtype="0" fill="hold" nodeType="withEffect">
+                                  <p:stCondLst>
+                                    <p:cond delay="0"/>
+                                  </p:stCondLst>
+                                  <p:childTnLst>
+                                    <p:set>
+                                      <p:cBhvr>
+                                        <p:cTn id="18" dur="1" fill="hold">
+                                          <p:stCondLst>
+                                            <p:cond delay="0"/>
+                                          </p:stCondLst>
+                                        </p:cTn>
+                                        <p:tgtEl>
+                                          <p:spTgt spid="5"/>
+                                        </p:tgtEl>
+                                        <p:attrNameLst>
+                                          <p:attrName>style.visibility</p:attrName>
+                                        </p:attrNameLst>
+                                      </p:cBhvr>
+                                      <p:to>
+                                        <p:strVal val="visible"/>
+                                      </p:to>
+                                    </p:set>
+                                  </p:childTnLst>
+                                </p:cTn>
+                              </p:par>
+                            </p:childTnLst>
+                          </p:cTn>
+                        </p:par>
+                      </p:childTnLst>
+                    </p:cTn>
+                  </p:par>
+                  <p:par>
+                    <p:cTn id="19" fill="hold">
+                      <p:stCondLst>
+                        <p:cond delay="indefinite"/>
+                      </p:stCondLst>
+                      <p:childTnLst>
+                        <p:par>
+                          <p:cTn id="20" fill="hold">
+                            <p:stCondLst>
+                              <p:cond delay="0"/>
+                            </p:stCondLst>
+                            <p:childTnLst>
+                              <p:par>
+                                <p:cTn id="21" presetID="1" presetClass="entr" presetSubtype="0" fill="hold" nodeType="clickEffect">
+                                  <p:stCondLst>
+                                    <p:cond delay="0"/>
+                                  </p:stCondLst>
+                                  <p:childTnLst>
+                                    <p:set>
+                                      <p:cBhvr>
+                                        <p:cTn id="22" dur="1" fill="hold">
+                                          <p:stCondLst>
+                                            <p:cond delay="0"/>
+                                          </p:stCondLst>
+                                        </p:cTn>
+                                        <p:tgtEl>
+                                          <p:spTgt spid="11"/>
+                                        </p:tgtEl>
+                                        <p:attrNameLst>
+                                          <p:attrName>style.visibility</p:attrName>
+                                        </p:attrNameLst>
+                                      </p:cBhvr>
+                                      <p:to>
+                                        <p:strVal val="visible"/>
+                                      </p:to>
+                                    </p:set>
+                                  </p:childTnLst>
+                                </p:cTn>
+                              </p:par>
+                            </p:childTnLst>
+                          </p:cTn>
+                        </p:par>
+                      </p:childTnLst>
+                    </p:cTn>
+                  </p:par>
+                </p:childTnLst>
+              </p:cTn>
+              <p:prevCondLst>
+                <p:cond evt="onPrev" delay="0">
+                  <p:tgtEl>
+                    <p:sldTgt/>
+                  </p:tgtEl>
+                </p:cond>
+              </p:prevCondLst>
+              <p:nextCondLst>
+                <p:cond evt="onNext" delay="0">
+                  <p:tgtEl>
+                    <p:sldTgt/>
+                  </p:tgtEl>
+                </p:cond>
+              </p:nextCondLst>
+            </p:seq>
+          </p:childTnLst>
+        </p:cTn>
       </p:par>
     </p:tnLst>
   </p:timing>
@@ -15222,482 +15538,497 @@
           </p:sp>
         </mc:Fallback>
       </mc:AlternateContent>
-      <p:pic>
-        <p:nvPicPr>
-          <p:cNvPr id="5" name="圖片 4"/>
-          <p:cNvPicPr>
-            <a:picLocks noChangeAspect="1"/>
-          </p:cNvPicPr>
+      <p:grpSp>
+        <p:nvGrpSpPr>
+          <p:cNvPr id="15" name="群組 14"/>
+          <p:cNvGrpSpPr/>
           <p:nvPr/>
-        </p:nvPicPr>
-        <p:blipFill>
-          <a:blip r:embed="rId3"/>
-          <a:stretch>
-            <a:fillRect/>
-          </a:stretch>
-        </p:blipFill>
-        <p:spPr>
+        </p:nvGrpSpPr>
+        <p:grpSpPr>
           <a:xfrm>
-            <a:off x="1323861" y="3382554"/>
-            <a:ext cx="5096470" cy="2794409"/>
+            <a:off x="1323861" y="2775472"/>
+            <a:ext cx="10401062" cy="3633367"/>
+            <a:chOff x="1323861" y="2775472"/>
+            <a:chExt cx="10401062" cy="3633367"/>
           </a:xfrm>
-          <a:prstGeom prst="rect">
-            <a:avLst/>
-          </a:prstGeom>
-        </p:spPr>
-      </p:pic>
-      <mc:AlternateContent xmlns:mc="http://schemas.openxmlformats.org/markup-compatibility/2006">
-        <mc:Choice xmlns:a14="http://schemas.microsoft.com/office/drawing/2010/main" Requires="a14">
-          <p:sp>
-            <p:nvSpPr>
-              <p:cNvPr id="8" name="文字方塊 7"/>
-              <p:cNvSpPr txBox="1"/>
-              <p:nvPr/>
-            </p:nvSpPr>
-            <p:spPr>
-              <a:xfrm>
-                <a:off x="7240169" y="5577842"/>
-                <a:ext cx="4484754" cy="830997"/>
-              </a:xfrm>
-              <a:prstGeom prst="rect">
-                <a:avLst/>
-              </a:prstGeom>
-              <a:noFill/>
-            </p:spPr>
-            <p:txBody>
-              <a:bodyPr wrap="none" rtlCol="0">
-                <a:spAutoFit/>
-              </a:bodyPr>
-              <a:lstStyle/>
-              <a:p>
-                <a:r>
-                  <a:rPr lang="en-US" altLang="zh-TW" sz="2400" b="0" dirty="0" smtClean="0"/>
-                  <a:t>If the measurement outcome is 0,</a:t>
-                </a:r>
-              </a:p>
-              <a:p>
-                <a:r>
-                  <a:rPr lang="en-US" altLang="zh-TW" sz="2400" b="0" dirty="0" smtClean="0"/>
-                  <a:t>The circuit </a:t>
-                </a:r>
-                <a14:m>
-                  <m:oMath xmlns:m="http://schemas.openxmlformats.org/officeDocument/2006/math">
-                    <m:r>
-                      <a:rPr lang="en-US" altLang="zh-TW" sz="2400" b="0" i="1" smtClean="0">
-                        <a:latin typeface="Cambria Math" panose="02040503050406030204" pitchFamily="18" charset="0"/>
-                      </a:rPr>
-                      <m:t>=</m:t>
-                    </m:r>
-                    <m:d>
-                      <m:dPr>
-                        <m:begChr m:val=""/>
-                        <m:endChr m:val="⟩"/>
-                        <m:ctrlPr>
-                          <a:rPr lang="en-US" altLang="zh-TW" sz="2400" b="0" i="1" smtClean="0">
-                            <a:latin typeface="Cambria Math" panose="02040503050406030204" pitchFamily="18" charset="0"/>
-                          </a:rPr>
-                        </m:ctrlPr>
-                      </m:dPr>
-                      <m:e>
-                        <m:r>
-                          <a:rPr lang="en-US" altLang="zh-TW" sz="2400" b="0" i="1" smtClean="0">
-                            <a:latin typeface="Cambria Math" panose="02040503050406030204" pitchFamily="18" charset="0"/>
-                          </a:rPr>
-                          <m:t>|00…0</m:t>
-                        </m:r>
-                      </m:e>
-                    </m:d>
-                    <m:r>
-                      <a:rPr lang="en-US" altLang="zh-TW" sz="2400" b="0" i="1" smtClean="0">
-                        <a:latin typeface="Cambria Math" panose="02040503050406030204" pitchFamily="18" charset="0"/>
-                      </a:rPr>
-                      <m:t>𝑈</m:t>
-                    </m:r>
-                    <m:d>
-                      <m:dPr>
-                        <m:begChr m:val=""/>
-                        <m:endChr m:val="⟩"/>
-                        <m:ctrlPr>
-                          <a:rPr lang="en-US" altLang="zh-TW" sz="2400" b="0" i="1" smtClean="0">
-                            <a:latin typeface="Cambria Math" panose="02040503050406030204" pitchFamily="18" charset="0"/>
-                          </a:rPr>
-                        </m:ctrlPr>
-                      </m:dPr>
-                      <m:e>
-                        <m:r>
-                          <a:rPr lang="en-US" altLang="zh-TW" sz="2400" b="0" i="1" smtClean="0">
-                            <a:latin typeface="Cambria Math" panose="02040503050406030204" pitchFamily="18" charset="0"/>
-                          </a:rPr>
-                          <m:t>|</m:t>
-                        </m:r>
-                        <m:r>
-                          <a:rPr lang="zh-TW" altLang="en-US" sz="2400" b="0" i="1" smtClean="0">
-                            <a:latin typeface="Cambria Math" panose="02040503050406030204" pitchFamily="18" charset="0"/>
-                          </a:rPr>
-                          <m:t>𝜓</m:t>
-                        </m:r>
-                      </m:e>
-                    </m:d>
-                  </m:oMath>
-                </a14:m>
-                <a:endParaRPr lang="zh-TW" altLang="en-US" sz="2400" dirty="0"/>
-              </a:p>
-            </p:txBody>
-          </p:sp>
-        </mc:Choice>
-        <mc:Fallback>
-          <p:sp>
-            <p:nvSpPr>
-              <p:cNvPr id="8" name="文字方塊 7"/>
-              <p:cNvSpPr txBox="1">
-                <a:spLocks noRot="1" noChangeAspect="1" noMove="1" noResize="1" noEditPoints="1" noAdjustHandles="1" noChangeArrowheads="1" noChangeShapeType="1" noTextEdit="1"/>
-              </p:cNvSpPr>
-              <p:nvPr/>
-            </p:nvSpPr>
-            <p:spPr>
-              <a:xfrm>
-                <a:off x="7240169" y="5577842"/>
-                <a:ext cx="4484754" cy="830997"/>
-              </a:xfrm>
-              <a:prstGeom prst="rect">
-                <a:avLst/>
-              </a:prstGeom>
-              <a:blipFill>
-                <a:blip r:embed="rId4"/>
-                <a:stretch>
-                  <a:fillRect l="-2177" t="-28676" b="-108824"/>
-                </a:stretch>
-              </a:blipFill>
-            </p:spPr>
-            <p:txBody>
-              <a:bodyPr/>
-              <a:lstStyle/>
-              <a:p>
-                <a:r>
-                  <a:rPr lang="zh-TW" altLang="en-US">
-                    <a:noFill/>
-                  </a:rPr>
-                  <a:t> </a:t>
-                </a:r>
-              </a:p>
-            </p:txBody>
-          </p:sp>
-        </mc:Fallback>
-      </mc:AlternateContent>
-      <p:sp>
-        <p:nvSpPr>
-          <p:cNvPr id="9" name="左大括弧 8"/>
-          <p:cNvSpPr/>
-          <p:nvPr/>
-        </p:nvSpPr>
-        <p:spPr>
-          <a:xfrm rot="10800000">
-            <a:off x="6470724" y="3442447"/>
-            <a:ext cx="290457" cy="2135394"/>
-          </a:xfrm>
-          <a:prstGeom prst="leftBrace">
-            <a:avLst/>
-          </a:prstGeom>
-          <a:ln w="19050">
-            <a:solidFill>
+        </p:grpSpPr>
+        <p:pic>
+          <p:nvPicPr>
+            <p:cNvPr id="5" name="圖片 4"/>
+            <p:cNvPicPr>
+              <a:picLocks noChangeAspect="1"/>
+            </p:cNvPicPr>
+            <p:nvPr/>
+          </p:nvPicPr>
+          <p:blipFill>
+            <a:blip r:embed="rId3"/>
+            <a:stretch>
+              <a:fillRect/>
+            </a:stretch>
+          </p:blipFill>
+          <p:spPr>
+            <a:xfrm>
+              <a:off x="1323861" y="3382554"/>
+              <a:ext cx="5096470" cy="2794409"/>
+            </a:xfrm>
+            <a:prstGeom prst="rect">
+              <a:avLst/>
+            </a:prstGeom>
+          </p:spPr>
+        </p:pic>
+        <mc:AlternateContent xmlns:mc="http://schemas.openxmlformats.org/markup-compatibility/2006">
+          <mc:Choice xmlns:a14="http://schemas.microsoft.com/office/drawing/2010/main" Requires="a14">
+            <p:sp>
+              <p:nvSpPr>
+                <p:cNvPr id="8" name="文字方塊 7"/>
+                <p:cNvSpPr txBox="1"/>
+                <p:nvPr/>
+              </p:nvSpPr>
+              <p:spPr>
+                <a:xfrm>
+                  <a:off x="7240169" y="5577842"/>
+                  <a:ext cx="4484754" cy="830997"/>
+                </a:xfrm>
+                <a:prstGeom prst="rect">
+                  <a:avLst/>
+                </a:prstGeom>
+                <a:noFill/>
+              </p:spPr>
+              <p:txBody>
+                <a:bodyPr wrap="none" rtlCol="0">
+                  <a:spAutoFit/>
+                </a:bodyPr>
+                <a:lstStyle/>
+                <a:p>
+                  <a:r>
+                    <a:rPr lang="en-US" altLang="zh-TW" sz="2400" b="0" dirty="0" smtClean="0"/>
+                    <a:t>If the measurement outcome is 0,</a:t>
+                  </a:r>
+                </a:p>
+                <a:p>
+                  <a:r>
+                    <a:rPr lang="en-US" altLang="zh-TW" sz="2400" b="0" dirty="0" smtClean="0"/>
+                    <a:t>The circuit </a:t>
+                  </a:r>
+                  <a14:m>
+                    <m:oMath xmlns:m="http://schemas.openxmlformats.org/officeDocument/2006/math">
+                      <m:r>
+                        <a:rPr lang="en-US" altLang="zh-TW" sz="2400" b="0" i="1" smtClean="0">
+                          <a:latin typeface="Cambria Math" panose="02040503050406030204" pitchFamily="18" charset="0"/>
+                        </a:rPr>
+                        <m:t>=</m:t>
+                      </m:r>
+                      <m:d>
+                        <m:dPr>
+                          <m:begChr m:val=""/>
+                          <m:endChr m:val="⟩"/>
+                          <m:ctrlPr>
+                            <a:rPr lang="en-US" altLang="zh-TW" sz="2400" b="0" i="1" smtClean="0">
+                              <a:latin typeface="Cambria Math" panose="02040503050406030204" pitchFamily="18" charset="0"/>
+                            </a:rPr>
+                          </m:ctrlPr>
+                        </m:dPr>
+                        <m:e>
+                          <m:r>
+                            <a:rPr lang="en-US" altLang="zh-TW" sz="2400" b="0" i="1" smtClean="0">
+                              <a:latin typeface="Cambria Math" panose="02040503050406030204" pitchFamily="18" charset="0"/>
+                            </a:rPr>
+                            <m:t>|00…0</m:t>
+                          </m:r>
+                        </m:e>
+                      </m:d>
+                      <m:r>
+                        <a:rPr lang="en-US" altLang="zh-TW" sz="2400" b="0" i="1" smtClean="0">
+                          <a:latin typeface="Cambria Math" panose="02040503050406030204" pitchFamily="18" charset="0"/>
+                        </a:rPr>
+                        <m:t>𝑈</m:t>
+                      </m:r>
+                      <m:d>
+                        <m:dPr>
+                          <m:begChr m:val=""/>
+                          <m:endChr m:val="⟩"/>
+                          <m:ctrlPr>
+                            <a:rPr lang="en-US" altLang="zh-TW" sz="2400" b="0" i="1" smtClean="0">
+                              <a:latin typeface="Cambria Math" panose="02040503050406030204" pitchFamily="18" charset="0"/>
+                            </a:rPr>
+                          </m:ctrlPr>
+                        </m:dPr>
+                        <m:e>
+                          <m:r>
+                            <a:rPr lang="en-US" altLang="zh-TW" sz="2400" b="0" i="1" smtClean="0">
+                              <a:latin typeface="Cambria Math" panose="02040503050406030204" pitchFamily="18" charset="0"/>
+                            </a:rPr>
+                            <m:t>|</m:t>
+                          </m:r>
+                          <m:r>
+                            <a:rPr lang="zh-TW" altLang="en-US" sz="2400" b="0" i="1" smtClean="0">
+                              <a:latin typeface="Cambria Math" panose="02040503050406030204" pitchFamily="18" charset="0"/>
+                            </a:rPr>
+                            <m:t>𝜓</m:t>
+                          </m:r>
+                        </m:e>
+                      </m:d>
+                    </m:oMath>
+                  </a14:m>
+                  <a:endParaRPr lang="zh-TW" altLang="en-US" sz="2400" dirty="0"/>
+                </a:p>
+              </p:txBody>
+            </p:sp>
+          </mc:Choice>
+          <mc:Fallback>
+            <p:sp>
+              <p:nvSpPr>
+                <p:cNvPr id="8" name="文字方塊 7"/>
+                <p:cNvSpPr txBox="1">
+                  <a:spLocks noRot="1" noChangeAspect="1" noMove="1" noResize="1" noEditPoints="1" noAdjustHandles="1" noChangeArrowheads="1" noChangeShapeType="1" noTextEdit="1"/>
+                </p:cNvSpPr>
+                <p:nvPr/>
+              </p:nvSpPr>
+              <p:spPr>
+                <a:xfrm>
+                  <a:off x="7240169" y="5577842"/>
+                  <a:ext cx="4484754" cy="830997"/>
+                </a:xfrm>
+                <a:prstGeom prst="rect">
+                  <a:avLst/>
+                </a:prstGeom>
+                <a:blipFill>
+                  <a:blip r:embed="rId4"/>
+                  <a:stretch>
+                    <a:fillRect l="-2177" t="-28676" b="-108824"/>
+                  </a:stretch>
+                </a:blipFill>
+              </p:spPr>
+              <p:txBody>
+                <a:bodyPr/>
+                <a:lstStyle/>
+                <a:p>
+                  <a:r>
+                    <a:rPr lang="zh-TW" altLang="en-US">
+                      <a:noFill/>
+                    </a:rPr>
+                    <a:t> </a:t>
+                  </a:r>
+                </a:p>
+              </p:txBody>
+            </p:sp>
+          </mc:Fallback>
+        </mc:AlternateContent>
+        <p:sp>
+          <p:nvSpPr>
+            <p:cNvPr id="9" name="左大括弧 8"/>
+            <p:cNvSpPr/>
+            <p:nvPr/>
+          </p:nvSpPr>
+          <p:spPr>
+            <a:xfrm rot="10800000">
+              <a:off x="6470724" y="3442447"/>
+              <a:ext cx="290457" cy="2135394"/>
+            </a:xfrm>
+            <a:prstGeom prst="leftBrace">
+              <a:avLst/>
+            </a:prstGeom>
+            <a:ln w="19050">
+              <a:solidFill>
+                <a:schemeClr val="tx1"/>
+              </a:solidFill>
+            </a:ln>
+          </p:spPr>
+          <p:style>
+            <a:lnRef idx="1">
+              <a:schemeClr val="dk1"/>
+            </a:lnRef>
+            <a:fillRef idx="0">
+              <a:schemeClr val="dk1"/>
+            </a:fillRef>
+            <a:effectRef idx="0">
+              <a:schemeClr val="dk1"/>
+            </a:effectRef>
+            <a:fontRef idx="minor">
               <a:schemeClr val="tx1"/>
-            </a:solidFill>
-          </a:ln>
-        </p:spPr>
-        <p:style>
-          <a:lnRef idx="1">
-            <a:schemeClr val="dk1"/>
-          </a:lnRef>
-          <a:fillRef idx="0">
-            <a:schemeClr val="dk1"/>
-          </a:fillRef>
-          <a:effectRef idx="0">
-            <a:schemeClr val="dk1"/>
-          </a:effectRef>
-          <a:fontRef idx="minor">
-            <a:schemeClr val="tx1"/>
-          </a:fontRef>
-        </p:style>
-        <p:txBody>
-          <a:bodyPr rtlCol="0" anchor="ctr"/>
-          <a:lstStyle/>
-          <a:p>
-            <a:pPr algn="ctr"/>
-            <a:endParaRPr lang="zh-TW" altLang="en-US"/>
-          </a:p>
-        </p:txBody>
-      </p:sp>
-      <p:sp>
-        <p:nvSpPr>
-          <p:cNvPr id="10" name="文字方塊 9"/>
-          <p:cNvSpPr txBox="1"/>
-          <p:nvPr/>
-        </p:nvSpPr>
-        <p:spPr>
-          <a:xfrm>
-            <a:off x="6970652" y="3909979"/>
-            <a:ext cx="4566588" cy="1200329"/>
-          </a:xfrm>
-          <a:prstGeom prst="rect">
-            <a:avLst/>
-          </a:prstGeom>
-          <a:noFill/>
-        </p:spPr>
-        <p:txBody>
-          <a:bodyPr wrap="square" rtlCol="0">
-            <a:spAutoFit/>
-          </a:bodyPr>
-          <a:lstStyle/>
-          <a:p>
-            <a:r>
-              <a:rPr lang="en-US" altLang="zh-TW" sz="2400" dirty="0" smtClean="0"/>
-              <a:t>Discard the result if the measurement outcome is not 0 (</a:t>
-            </a:r>
-            <a:r>
-              <a:rPr lang="en-US" altLang="zh-TW" sz="2400" dirty="0" err="1" smtClean="0"/>
-              <a:t>postselection</a:t>
-            </a:r>
-            <a:r>
-              <a:rPr lang="en-US" altLang="zh-TW" sz="2400" dirty="0" smtClean="0"/>
-              <a:t>)</a:t>
-            </a:r>
-            <a:endParaRPr lang="zh-TW" altLang="en-US" sz="2400" dirty="0"/>
-          </a:p>
-        </p:txBody>
-      </p:sp>
-      <mc:AlternateContent xmlns:mc="http://schemas.openxmlformats.org/markup-compatibility/2006">
-        <mc:Choice xmlns:a14="http://schemas.microsoft.com/office/drawing/2010/main" Requires="a14">
-          <p:sp>
-            <p:nvSpPr>
-              <p:cNvPr id="11" name="文字方塊 10"/>
-              <p:cNvSpPr txBox="1"/>
-              <p:nvPr/>
-            </p:nvSpPr>
-            <p:spPr>
-              <a:xfrm>
-                <a:off x="2628262" y="2833305"/>
-                <a:ext cx="4886915" cy="491417"/>
-              </a:xfrm>
-              <a:prstGeom prst="rect">
-                <a:avLst/>
-              </a:prstGeom>
-              <a:noFill/>
-            </p:spPr>
-            <p:txBody>
-              <a:bodyPr wrap="none" rtlCol="0">
-                <a:spAutoFit/>
-              </a:bodyPr>
-              <a:lstStyle/>
-              <a:p>
-                <a:r>
-                  <a:rPr lang="en-US" altLang="zh-TW" sz="2400" dirty="0" smtClean="0"/>
-                  <a:t>Map </a:t>
-                </a:r>
-                <a14:m>
-                  <m:oMath xmlns:m="http://schemas.openxmlformats.org/officeDocument/2006/math">
-                    <m:sSub>
-                      <m:sSubPr>
-                        <m:ctrlPr>
-                          <a:rPr lang="en-US" altLang="zh-TW" sz="2400" b="0" i="1" smtClean="0">
-                            <a:latin typeface="Cambria Math" panose="02040503050406030204" pitchFamily="18" charset="0"/>
-                          </a:rPr>
-                        </m:ctrlPr>
-                      </m:sSubPr>
-                      <m:e>
-                        <m:r>
-                          <a:rPr lang="en-US" altLang="zh-TW" sz="2400" b="0" i="1" smtClean="0">
-                            <a:latin typeface="Cambria Math" panose="02040503050406030204" pitchFamily="18" charset="0"/>
-                          </a:rPr>
-                          <m:t>𝑎</m:t>
-                        </m:r>
-                      </m:e>
-                      <m:sub>
-                        <m:r>
-                          <a:rPr lang="en-US" altLang="zh-TW" sz="2400" b="0" i="1" smtClean="0">
-                            <a:latin typeface="Cambria Math" panose="02040503050406030204" pitchFamily="18" charset="0"/>
-                          </a:rPr>
-                          <m:t>𝑗</m:t>
-                        </m:r>
-                      </m:sub>
-                    </m:sSub>
-                  </m:oMath>
-                </a14:m>
-                <a:r>
-                  <a:rPr lang="zh-TW" altLang="en-US" sz="2400" dirty="0" smtClean="0"/>
-                  <a:t> </a:t>
-                </a:r>
-                <a:r>
-                  <a:rPr lang="en-US" altLang="zh-TW" sz="2400" dirty="0" smtClean="0"/>
-                  <a:t>to amplitudes of </a:t>
-                </a:r>
-                <a:r>
-                  <a:rPr lang="en-US" altLang="zh-TW" sz="2400" dirty="0" err="1" smtClean="0"/>
-                  <a:t>ancilla</a:t>
-                </a:r>
-                <a:r>
-                  <a:rPr lang="en-US" altLang="zh-TW" sz="2400" dirty="0" smtClean="0"/>
-                  <a:t> states</a:t>
-                </a:r>
-                <a:endParaRPr lang="zh-TW" altLang="en-US" sz="2400" dirty="0"/>
-              </a:p>
-            </p:txBody>
-          </p:sp>
-        </mc:Choice>
-        <mc:Fallback>
-          <p:sp>
-            <p:nvSpPr>
-              <p:cNvPr id="11" name="文字方塊 10"/>
-              <p:cNvSpPr txBox="1">
-                <a:spLocks noRot="1" noChangeAspect="1" noMove="1" noResize="1" noEditPoints="1" noAdjustHandles="1" noChangeArrowheads="1" noChangeShapeType="1" noTextEdit="1"/>
-              </p:cNvSpPr>
-              <p:nvPr/>
-            </p:nvSpPr>
-            <p:spPr>
-              <a:xfrm>
-                <a:off x="2628262" y="2833305"/>
-                <a:ext cx="4886915" cy="491417"/>
-              </a:xfrm>
-              <a:prstGeom prst="rect">
-                <a:avLst/>
-              </a:prstGeom>
-              <a:blipFill>
-                <a:blip r:embed="rId5"/>
-                <a:stretch>
-                  <a:fillRect l="-1870" t="-8750" r="-1122" b="-23750"/>
-                </a:stretch>
-              </a:blipFill>
-            </p:spPr>
-            <p:txBody>
-              <a:bodyPr/>
-              <a:lstStyle/>
-              <a:p>
-                <a:r>
-                  <a:rPr lang="zh-TW" altLang="en-US">
-                    <a:noFill/>
-                  </a:rPr>
-                  <a:t> </a:t>
-                </a:r>
-              </a:p>
-            </p:txBody>
-          </p:sp>
-        </mc:Fallback>
-      </mc:AlternateContent>
-      <mc:AlternateContent xmlns:mc="http://schemas.openxmlformats.org/markup-compatibility/2006">
-        <mc:Choice xmlns:a14="http://schemas.microsoft.com/office/drawing/2010/main" Requires="a14">
-          <p:sp>
-            <p:nvSpPr>
-              <p:cNvPr id="12" name="向下箭號圖說文字 11"/>
-              <p:cNvSpPr/>
-              <p:nvPr/>
-            </p:nvSpPr>
-            <p:spPr>
-              <a:xfrm>
-                <a:off x="1978321" y="2775472"/>
-                <a:ext cx="649941" cy="774551"/>
-              </a:xfrm>
-              <a:prstGeom prst="downArrowCallout">
-                <a:avLst/>
-              </a:prstGeom>
-            </p:spPr>
-            <p:style>
-              <a:lnRef idx="2">
-                <a:schemeClr val="accent1">
-                  <a:shade val="50000"/>
-                </a:schemeClr>
-              </a:lnRef>
-              <a:fillRef idx="1">
-                <a:schemeClr val="accent1"/>
-              </a:fillRef>
-              <a:effectRef idx="0">
-                <a:schemeClr val="accent1"/>
-              </a:effectRef>
-              <a:fontRef idx="minor">
-                <a:schemeClr val="lt1"/>
-              </a:fontRef>
-            </p:style>
-            <p:txBody>
-              <a:bodyPr rtlCol="0" anchor="ctr"/>
-              <a:lstStyle/>
-              <a:p>
-                <a:pPr algn="ctr"/>
-                <a14:m>
-                  <m:oMathPara xmlns:m="http://schemas.openxmlformats.org/officeDocument/2006/math">
-                    <m:oMathParaPr>
-                      <m:jc m:val="centerGroup"/>
-                    </m:oMathParaPr>
+            </a:fontRef>
+          </p:style>
+          <p:txBody>
+            <a:bodyPr rtlCol="0" anchor="ctr"/>
+            <a:lstStyle/>
+            <a:p>
+              <a:pPr algn="ctr"/>
+              <a:endParaRPr lang="zh-TW" altLang="en-US"/>
+            </a:p>
+          </p:txBody>
+        </p:sp>
+        <p:sp>
+          <p:nvSpPr>
+            <p:cNvPr id="10" name="文字方塊 9"/>
+            <p:cNvSpPr txBox="1"/>
+            <p:nvPr/>
+          </p:nvSpPr>
+          <p:spPr>
+            <a:xfrm>
+              <a:off x="6970652" y="3909979"/>
+              <a:ext cx="4566588" cy="1200329"/>
+            </a:xfrm>
+            <a:prstGeom prst="rect">
+              <a:avLst/>
+            </a:prstGeom>
+            <a:noFill/>
+          </p:spPr>
+          <p:txBody>
+            <a:bodyPr wrap="square" rtlCol="0">
+              <a:spAutoFit/>
+            </a:bodyPr>
+            <a:lstStyle/>
+            <a:p>
+              <a:r>
+                <a:rPr lang="en-US" altLang="zh-TW" sz="2400" dirty="0" smtClean="0"/>
+                <a:t>Discard the result if the measurement outcome is not 0 (</a:t>
+              </a:r>
+              <a:r>
+                <a:rPr lang="en-US" altLang="zh-TW" sz="2400" dirty="0" err="1" smtClean="0"/>
+                <a:t>postselection</a:t>
+              </a:r>
+              <a:r>
+                <a:rPr lang="en-US" altLang="zh-TW" sz="2400" dirty="0" smtClean="0"/>
+                <a:t>)</a:t>
+              </a:r>
+              <a:endParaRPr lang="zh-TW" altLang="en-US" sz="2400" dirty="0"/>
+            </a:p>
+          </p:txBody>
+        </p:sp>
+        <mc:AlternateContent xmlns:mc="http://schemas.openxmlformats.org/markup-compatibility/2006">
+          <mc:Choice xmlns:a14="http://schemas.microsoft.com/office/drawing/2010/main" Requires="a14">
+            <p:sp>
+              <p:nvSpPr>
+                <p:cNvPr id="11" name="文字方塊 10"/>
+                <p:cNvSpPr txBox="1"/>
+                <p:nvPr/>
+              </p:nvSpPr>
+              <p:spPr>
+                <a:xfrm>
+                  <a:off x="2628262" y="2833305"/>
+                  <a:ext cx="4886915" cy="491417"/>
+                </a:xfrm>
+                <a:prstGeom prst="rect">
+                  <a:avLst/>
+                </a:prstGeom>
+                <a:noFill/>
+              </p:spPr>
+              <p:txBody>
+                <a:bodyPr wrap="none" rtlCol="0">
+                  <a:spAutoFit/>
+                </a:bodyPr>
+                <a:lstStyle/>
+                <a:p>
+                  <a:r>
+                    <a:rPr lang="en-US" altLang="zh-TW" sz="2400" dirty="0" smtClean="0"/>
+                    <a:t>Map </a:t>
+                  </a:r>
+                  <a14:m>
                     <m:oMath xmlns:m="http://schemas.openxmlformats.org/officeDocument/2006/math">
                       <m:sSub>
                         <m:sSubPr>
                           <m:ctrlPr>
-                            <a:rPr lang="en-US" altLang="zh-TW" sz="2400" b="1" i="1">
+                            <a:rPr lang="en-US" altLang="zh-TW" sz="2400" b="0" i="1" smtClean="0">
                               <a:latin typeface="Cambria Math" panose="02040503050406030204" pitchFamily="18" charset="0"/>
                             </a:rPr>
                           </m:ctrlPr>
                         </m:sSubPr>
                         <m:e>
                           <m:r>
-                            <a:rPr lang="en-US" altLang="zh-TW" sz="2400" b="1" i="1">
+                            <a:rPr lang="en-US" altLang="zh-TW" sz="2400" b="0" i="1" smtClean="0">
                               <a:latin typeface="Cambria Math" panose="02040503050406030204" pitchFamily="18" charset="0"/>
                             </a:rPr>
-                            <m:t>𝒂</m:t>
+                            <m:t>𝑎</m:t>
                           </m:r>
                         </m:e>
                         <m:sub>
                           <m:r>
-                            <a:rPr lang="en-US" altLang="zh-TW" sz="2400" b="1" i="1">
+                            <a:rPr lang="en-US" altLang="zh-TW" sz="2400" b="0" i="1" smtClean="0">
                               <a:latin typeface="Cambria Math" panose="02040503050406030204" pitchFamily="18" charset="0"/>
                             </a:rPr>
-                            <m:t>𝒋</m:t>
+                            <m:t>𝑗</m:t>
                           </m:r>
                         </m:sub>
                       </m:sSub>
                     </m:oMath>
-                  </m:oMathPara>
-                </a14:m>
-                <a:endParaRPr lang="zh-TW" altLang="en-US" sz="2400" dirty="0"/>
-              </a:p>
-            </p:txBody>
-          </p:sp>
-        </mc:Choice>
-        <mc:Fallback>
-          <p:sp>
-            <p:nvSpPr>
-              <p:cNvPr id="12" name="向下箭號圖說文字 11"/>
-              <p:cNvSpPr>
-                <a:spLocks noRot="1" noChangeAspect="1" noMove="1" noResize="1" noEditPoints="1" noAdjustHandles="1" noChangeArrowheads="1" noChangeShapeType="1" noTextEdit="1"/>
-              </p:cNvSpPr>
-              <p:nvPr/>
-            </p:nvSpPr>
-            <p:spPr>
-              <a:xfrm>
-                <a:off x="1978321" y="2775472"/>
-                <a:ext cx="649941" cy="774551"/>
-              </a:xfrm>
-              <a:prstGeom prst="downArrowCallout">
-                <a:avLst/>
-              </a:prstGeom>
-              <a:blipFill>
-                <a:blip r:embed="rId6"/>
-                <a:stretch>
-                  <a:fillRect/>
-                </a:stretch>
-              </a:blipFill>
-            </p:spPr>
-            <p:txBody>
-              <a:bodyPr/>
-              <a:lstStyle/>
-              <a:p>
-                <a:r>
-                  <a:rPr lang="zh-TW" altLang="en-US">
-                    <a:noFill/>
-                  </a:rPr>
-                  <a:t> </a:t>
-                </a:r>
-              </a:p>
-            </p:txBody>
-          </p:sp>
-        </mc:Fallback>
-      </mc:AlternateContent>
+                  </a14:m>
+                  <a:r>
+                    <a:rPr lang="zh-TW" altLang="en-US" sz="2400" dirty="0" smtClean="0"/>
+                    <a:t> </a:t>
+                  </a:r>
+                  <a:r>
+                    <a:rPr lang="en-US" altLang="zh-TW" sz="2400" dirty="0" smtClean="0"/>
+                    <a:t>to amplitudes of </a:t>
+                  </a:r>
+                  <a:r>
+                    <a:rPr lang="en-US" altLang="zh-TW" sz="2400" dirty="0" err="1" smtClean="0"/>
+                    <a:t>ancilla</a:t>
+                  </a:r>
+                  <a:r>
+                    <a:rPr lang="en-US" altLang="zh-TW" sz="2400" dirty="0" smtClean="0"/>
+                    <a:t> states</a:t>
+                  </a:r>
+                  <a:endParaRPr lang="zh-TW" altLang="en-US" sz="2400" dirty="0"/>
+                </a:p>
+              </p:txBody>
+            </p:sp>
+          </mc:Choice>
+          <mc:Fallback>
+            <p:sp>
+              <p:nvSpPr>
+                <p:cNvPr id="11" name="文字方塊 10"/>
+                <p:cNvSpPr txBox="1">
+                  <a:spLocks noRot="1" noChangeAspect="1" noMove="1" noResize="1" noEditPoints="1" noAdjustHandles="1" noChangeArrowheads="1" noChangeShapeType="1" noTextEdit="1"/>
+                </p:cNvSpPr>
+                <p:nvPr/>
+              </p:nvSpPr>
+              <p:spPr>
+                <a:xfrm>
+                  <a:off x="2628262" y="2833305"/>
+                  <a:ext cx="4886915" cy="491417"/>
+                </a:xfrm>
+                <a:prstGeom prst="rect">
+                  <a:avLst/>
+                </a:prstGeom>
+                <a:blipFill>
+                  <a:blip r:embed="rId5"/>
+                  <a:stretch>
+                    <a:fillRect l="-1870" t="-8750" r="-1122" b="-23750"/>
+                  </a:stretch>
+                </a:blipFill>
+              </p:spPr>
+              <p:txBody>
+                <a:bodyPr/>
+                <a:lstStyle/>
+                <a:p>
+                  <a:r>
+                    <a:rPr lang="zh-TW" altLang="en-US">
+                      <a:noFill/>
+                    </a:rPr>
+                    <a:t> </a:t>
+                  </a:r>
+                </a:p>
+              </p:txBody>
+            </p:sp>
+          </mc:Fallback>
+        </mc:AlternateContent>
+        <mc:AlternateContent xmlns:mc="http://schemas.openxmlformats.org/markup-compatibility/2006">
+          <mc:Choice xmlns:a14="http://schemas.microsoft.com/office/drawing/2010/main" Requires="a14">
+            <p:sp>
+              <p:nvSpPr>
+                <p:cNvPr id="12" name="向下箭號圖說文字 11"/>
+                <p:cNvSpPr/>
+                <p:nvPr/>
+              </p:nvSpPr>
+              <p:spPr>
+                <a:xfrm>
+                  <a:off x="1978321" y="2775472"/>
+                  <a:ext cx="649941" cy="774551"/>
+                </a:xfrm>
+                <a:prstGeom prst="downArrowCallout">
+                  <a:avLst/>
+                </a:prstGeom>
+              </p:spPr>
+              <p:style>
+                <a:lnRef idx="2">
+                  <a:schemeClr val="accent1">
+                    <a:shade val="50000"/>
+                  </a:schemeClr>
+                </a:lnRef>
+                <a:fillRef idx="1">
+                  <a:schemeClr val="accent1"/>
+                </a:fillRef>
+                <a:effectRef idx="0">
+                  <a:schemeClr val="accent1"/>
+                </a:effectRef>
+                <a:fontRef idx="minor">
+                  <a:schemeClr val="lt1"/>
+                </a:fontRef>
+              </p:style>
+              <p:txBody>
+                <a:bodyPr rtlCol="0" anchor="ctr"/>
+                <a:lstStyle/>
+                <a:p>
+                  <a:pPr algn="ctr"/>
+                  <a14:m>
+                    <m:oMathPara xmlns:m="http://schemas.openxmlformats.org/officeDocument/2006/math">
+                      <m:oMathParaPr>
+                        <m:jc m:val="centerGroup"/>
+                      </m:oMathParaPr>
+                      <m:oMath xmlns:m="http://schemas.openxmlformats.org/officeDocument/2006/math">
+                        <m:sSub>
+                          <m:sSubPr>
+                            <m:ctrlPr>
+                              <a:rPr lang="en-US" altLang="zh-TW" sz="2400" b="1" i="1">
+                                <a:latin typeface="Cambria Math" panose="02040503050406030204" pitchFamily="18" charset="0"/>
+                              </a:rPr>
+                            </m:ctrlPr>
+                          </m:sSubPr>
+                          <m:e>
+                            <m:r>
+                              <a:rPr lang="en-US" altLang="zh-TW" sz="2400" b="1" i="1">
+                                <a:latin typeface="Cambria Math" panose="02040503050406030204" pitchFamily="18" charset="0"/>
+                              </a:rPr>
+                              <m:t>𝒂</m:t>
+                            </m:r>
+                          </m:e>
+                          <m:sub>
+                            <m:r>
+                              <a:rPr lang="en-US" altLang="zh-TW" sz="2400" b="1" i="1">
+                                <a:latin typeface="Cambria Math" panose="02040503050406030204" pitchFamily="18" charset="0"/>
+                              </a:rPr>
+                              <m:t>𝒋</m:t>
+                            </m:r>
+                          </m:sub>
+                        </m:sSub>
+                      </m:oMath>
+                    </m:oMathPara>
+                  </a14:m>
+                  <a:endParaRPr lang="zh-TW" altLang="en-US" sz="2400" dirty="0"/>
+                </a:p>
+              </p:txBody>
+            </p:sp>
+          </mc:Choice>
+          <mc:Fallback>
+            <p:sp>
+              <p:nvSpPr>
+                <p:cNvPr id="12" name="向下箭號圖說文字 11"/>
+                <p:cNvSpPr>
+                  <a:spLocks noRot="1" noChangeAspect="1" noMove="1" noResize="1" noEditPoints="1" noAdjustHandles="1" noChangeArrowheads="1" noChangeShapeType="1" noTextEdit="1"/>
+                </p:cNvSpPr>
+                <p:nvPr/>
+              </p:nvSpPr>
+              <p:spPr>
+                <a:xfrm>
+                  <a:off x="1978321" y="2775472"/>
+                  <a:ext cx="649941" cy="774551"/>
+                </a:xfrm>
+                <a:prstGeom prst="downArrowCallout">
+                  <a:avLst/>
+                </a:prstGeom>
+                <a:blipFill>
+                  <a:blip r:embed="rId6"/>
+                  <a:stretch>
+                    <a:fillRect/>
+                  </a:stretch>
+                </a:blipFill>
+              </p:spPr>
+              <p:txBody>
+                <a:bodyPr/>
+                <a:lstStyle/>
+                <a:p>
+                  <a:r>
+                    <a:rPr lang="zh-TW" altLang="en-US">
+                      <a:noFill/>
+                    </a:rPr>
+                    <a:t> </a:t>
+                  </a:r>
+                </a:p>
+              </p:txBody>
+            </p:sp>
+          </mc:Fallback>
+        </mc:AlternateContent>
+      </p:grpSp>
     </p:spTree>
     <p:extLst>
       <p:ext uri="{BB962C8B-B14F-4D97-AF65-F5344CB8AC3E}">
@@ -15711,7 +16042,75 @@
   <p:timing>
     <p:tnLst>
       <p:par>
-        <p:cTn id="1" dur="indefinite" restart="never" nodeType="tmRoot"/>
+        <p:cTn id="1" dur="indefinite" restart="never" nodeType="tmRoot">
+          <p:childTnLst>
+            <p:seq concurrent="1" nextAc="seek">
+              <p:cTn id="2" dur="indefinite" nodeType="mainSeq">
+                <p:childTnLst>
+                  <p:par>
+                    <p:cTn id="3" fill="hold">
+                      <p:stCondLst>
+                        <p:cond delay="indefinite"/>
+                      </p:stCondLst>
+                      <p:childTnLst>
+                        <p:par>
+                          <p:cTn id="4" fill="hold">
+                            <p:stCondLst>
+                              <p:cond delay="0"/>
+                            </p:stCondLst>
+                            <p:childTnLst>
+                              <p:par>
+                                <p:cTn id="5" presetID="1" presetClass="entr" presetSubtype="0" fill="hold" nodeType="clickEffect">
+                                  <p:stCondLst>
+                                    <p:cond delay="0"/>
+                                  </p:stCondLst>
+                                  <p:childTnLst>
+                                    <p:set>
+                                      <p:cBhvr>
+                                        <p:cTn id="6" dur="1" fill="hold">
+                                          <p:stCondLst>
+                                            <p:cond delay="0"/>
+                                          </p:stCondLst>
+                                        </p:cTn>
+                                        <p:tgtEl>
+                                          <p:spTgt spid="15"/>
+                                        </p:tgtEl>
+                                        <p:attrNameLst>
+                                          <p:attrName>style.visibility</p:attrName>
+                                        </p:attrNameLst>
+                                      </p:cBhvr>
+                                      <p:to>
+                                        <p:strVal val="visible"/>
+                                      </p:to>
+                                    </p:set>
+                                  </p:childTnLst>
+                                </p:cTn>
+                              </p:par>
+                            </p:childTnLst>
+                          </p:cTn>
+                        </p:par>
+                      </p:childTnLst>
+                    </p:cTn>
+                  </p:par>
+                </p:childTnLst>
+              </p:cTn>
+              <p:prevCondLst>
+                <p:cond evt="onPrev" delay="0">
+                  <p:tgtEl>
+                    <p:sldTgt/>
+                  </p:tgtEl>
+                </p:cond>
+              </p:prevCondLst>
+              <p:nextCondLst>
+                <p:cond evt="onNext" delay="0">
+                  <p:tgtEl>
+                    <p:sldTgt/>
+                  </p:tgtEl>
+                </p:cond>
+              </p:nextCondLst>
+            </p:seq>
+          </p:childTnLst>
+        </p:cTn>
       </p:par>
     </p:tnLst>
   </p:timing>
@@ -15798,7 +16197,7 @@
             <p:spPr>
               <a:xfrm>
                 <a:off x="398034" y="1358353"/>
-                <a:ext cx="3480099" cy="5499647"/>
+                <a:ext cx="3689872" cy="4723537"/>
               </a:xfrm>
               <a:prstGeom prst="rect">
                 <a:avLst/>
@@ -15848,7 +16247,7 @@
                           <a:rPr lang="en-US" altLang="zh-TW" sz="2400" b="0" i="1" smtClean="0">
                             <a:latin typeface="Cambria Math" panose="02040503050406030204" pitchFamily="18" charset="0"/>
                           </a:rPr>
-                          <m:t>𝐴</m:t>
+                          <m:t>𝐻</m:t>
                         </m:r>
                         <m:r>
                           <a:rPr lang="en-US" altLang="zh-TW" sz="2400" i="1">
@@ -15889,13 +16288,13 @@
                 <a14:m>
                   <m:oMath xmlns:m="http://schemas.openxmlformats.org/officeDocument/2006/math">
                     <m:r>
-                      <a:rPr lang="en-US" altLang="zh-TW" sz="2400" b="0" i="1" smtClean="0">
+                      <a:rPr lang="en-US" altLang="zh-TW" sz="2000" b="0" i="1" smtClean="0">
                         <a:latin typeface="Cambria Math" panose="02040503050406030204" pitchFamily="18" charset="0"/>
                       </a:rPr>
-                      <m:t>𝐴</m:t>
+                      <m:t>𝐻</m:t>
                     </m:r>
                     <m:r>
-                      <a:rPr lang="en-US" altLang="zh-TW" sz="2400" b="0" i="1" smtClean="0">
+                      <a:rPr lang="en-US" altLang="zh-TW" sz="2000" b="0" i="1" smtClean="0">
                         <a:latin typeface="Cambria Math" panose="02040503050406030204" pitchFamily="18" charset="0"/>
                       </a:rPr>
                       <m:t>=</m:t>
@@ -15903,7 +16302,7 @@
                     <m:d>
                       <m:dPr>
                         <m:ctrlPr>
-                          <a:rPr lang="en-US" altLang="zh-TW" sz="2400" b="0" i="1" smtClean="0">
+                          <a:rPr lang="en-US" altLang="zh-TW" sz="2000" b="0" i="1" smtClean="0">
                             <a:latin typeface="Cambria Math" panose="02040503050406030204" pitchFamily="18" charset="0"/>
                           </a:rPr>
                         </m:ctrlPr>
@@ -15920,7 +16319,7 @@
                               </m:mc>
                             </m:mcs>
                             <m:ctrlPr>
-                              <a:rPr lang="en-US" altLang="zh-TW" sz="2400" b="0" i="1" smtClean="0">
+                              <a:rPr lang="en-US" altLang="zh-TW" sz="2000" b="0" i="1" smtClean="0">
                                 <a:latin typeface="Cambria Math" panose="02040503050406030204" pitchFamily="18" charset="0"/>
                               </a:rPr>
                             </m:ctrlPr>
@@ -15931,14 +16330,14 @@
                                 <m:fPr>
                                   <m:type m:val="skw"/>
                                   <m:ctrlPr>
-                                    <a:rPr lang="en-US" altLang="zh-TW" sz="2400" b="0" i="1" smtClean="0">
+                                    <a:rPr lang="en-US" altLang="zh-TW" sz="2000" b="0" i="1" smtClean="0">
                                       <a:latin typeface="Cambria Math" panose="02040503050406030204" pitchFamily="18" charset="0"/>
                                     </a:rPr>
                                   </m:ctrlPr>
                                 </m:fPr>
                                 <m:num>
                                   <m:r>
-                                    <a:rPr lang="zh-TW" altLang="en-US" sz="2400" b="0" i="1" smtClean="0">
+                                    <a:rPr lang="zh-TW" altLang="en-US" sz="2000" b="0" i="1" smtClean="0">
                                       <a:latin typeface="Cambria Math" panose="02040503050406030204" pitchFamily="18" charset="0"/>
                                     </a:rPr>
                                     <m:t>𝜋</m:t>
@@ -15946,7 +16345,7 @@
                                 </m:num>
                                 <m:den>
                                   <m:r>
-                                    <a:rPr lang="en-US" altLang="zh-TW" sz="2400" b="0" i="1" smtClean="0">
+                                    <a:rPr lang="en-US" altLang="zh-TW" sz="2000" b="0" i="1" smtClean="0">
                                       <a:latin typeface="Cambria Math" panose="02040503050406030204" pitchFamily="18" charset="0"/>
                                     </a:rPr>
                                     <m:t>8</m:t>
@@ -15956,7 +16355,7 @@
                             </m:e>
                             <m:e>
                               <m:r>
-                                <a:rPr lang="en-US" altLang="zh-TW" sz="2400" b="0" i="1" smtClean="0">
+                                <a:rPr lang="en-US" altLang="zh-TW" sz="2000" b="0" i="1" smtClean="0">
                                   <a:latin typeface="Cambria Math" panose="02040503050406030204" pitchFamily="18" charset="0"/>
                                 </a:rPr>
                                 <m:t>0</m:t>
@@ -15964,7 +16363,7 @@
                             </m:e>
                             <m:e>
                               <m:r>
-                                <a:rPr lang="en-US" altLang="zh-TW" sz="2400" b="0" i="1" smtClean="0">
+                                <a:rPr lang="en-US" altLang="zh-TW" sz="2000" b="0" i="1" smtClean="0">
                                   <a:latin typeface="Cambria Math" panose="02040503050406030204" pitchFamily="18" charset="0"/>
                                 </a:rPr>
                                 <m:t>0</m:t>
@@ -15972,7 +16371,7 @@
                             </m:e>
                             <m:e>
                               <m:r>
-                                <a:rPr lang="en-US" altLang="zh-TW" sz="2400" b="0" i="1" smtClean="0">
+                                <a:rPr lang="en-US" altLang="zh-TW" sz="2000" b="0" i="1" smtClean="0">
                                   <a:latin typeface="Cambria Math" panose="02040503050406030204" pitchFamily="18" charset="0"/>
                                 </a:rPr>
                                 <m:t>0</m:t>
@@ -15982,7 +16381,7 @@
                           <m:mr>
                             <m:e>
                               <m:r>
-                                <a:rPr lang="en-US" altLang="zh-TW" sz="2400" b="0" i="1" smtClean="0">
+                                <a:rPr lang="en-US" altLang="zh-TW" sz="2000" b="0" i="1" smtClean="0">
                                   <a:latin typeface="Cambria Math" panose="02040503050406030204" pitchFamily="18" charset="0"/>
                                 </a:rPr>
                                 <m:t>0</m:t>
@@ -15993,14 +16392,14 @@
                                 <m:fPr>
                                   <m:type m:val="skw"/>
                                   <m:ctrlPr>
-                                    <a:rPr lang="en-US" altLang="zh-TW" sz="2400" b="0" i="1" smtClean="0">
+                                    <a:rPr lang="en-US" altLang="zh-TW" sz="2000" b="0" i="1" smtClean="0">
                                       <a:latin typeface="Cambria Math" panose="02040503050406030204" pitchFamily="18" charset="0"/>
                                     </a:rPr>
                                   </m:ctrlPr>
                                 </m:fPr>
                                 <m:num>
                                   <m:r>
-                                    <a:rPr lang="zh-TW" altLang="en-US" sz="2400" b="0" i="1" smtClean="0">
+                                    <a:rPr lang="zh-TW" altLang="en-US" sz="2000" b="0" i="1" smtClean="0">
                                       <a:latin typeface="Cambria Math" panose="02040503050406030204" pitchFamily="18" charset="0"/>
                                     </a:rPr>
                                     <m:t>𝜋</m:t>
@@ -16008,7 +16407,7 @@
                                 </m:num>
                                 <m:den>
                                   <m:r>
-                                    <a:rPr lang="en-US" altLang="zh-TW" sz="2400" b="0" i="1" smtClean="0">
+                                    <a:rPr lang="en-US" altLang="zh-TW" sz="2000" b="0" i="1" smtClean="0">
                                       <a:latin typeface="Cambria Math" panose="02040503050406030204" pitchFamily="18" charset="0"/>
                                     </a:rPr>
                                     <m:t>8</m:t>
@@ -16018,7 +16417,7 @@
                             </m:e>
                             <m:e>
                               <m:r>
-                                <a:rPr lang="en-US" altLang="zh-TW" sz="2400" b="0" i="1" smtClean="0">
+                                <a:rPr lang="en-US" altLang="zh-TW" sz="2000" b="0" i="1" smtClean="0">
                                   <a:latin typeface="Cambria Math" panose="02040503050406030204" pitchFamily="18" charset="0"/>
                                 </a:rPr>
                                 <m:t>0</m:t>
@@ -16026,7 +16425,7 @@
                             </m:e>
                             <m:e>
                               <m:r>
-                                <a:rPr lang="en-US" altLang="zh-TW" sz="2400" b="0" i="1" smtClean="0">
+                                <a:rPr lang="en-US" altLang="zh-TW" sz="2000" b="0" i="1" smtClean="0">
                                   <a:latin typeface="Cambria Math" panose="02040503050406030204" pitchFamily="18" charset="0"/>
                                 </a:rPr>
                                 <m:t>0</m:t>
@@ -16036,7 +16435,7 @@
                           <m:mr>
                             <m:e>
                               <m:r>
-                                <a:rPr lang="en-US" altLang="zh-TW" sz="2400" b="0" i="1" smtClean="0">
+                                <a:rPr lang="en-US" altLang="zh-TW" sz="2000" b="0" i="1" smtClean="0">
                                   <a:latin typeface="Cambria Math" panose="02040503050406030204" pitchFamily="18" charset="0"/>
                                 </a:rPr>
                                 <m:t>0</m:t>
@@ -16044,7 +16443,7 @@
                             </m:e>
                             <m:e>
                               <m:r>
-                                <a:rPr lang="en-US" altLang="zh-TW" sz="2400" b="0" i="1" smtClean="0">
+                                <a:rPr lang="en-US" altLang="zh-TW" sz="2000" b="0" i="1" smtClean="0">
                                   <a:latin typeface="Cambria Math" panose="02040503050406030204" pitchFamily="18" charset="0"/>
                                 </a:rPr>
                                 <m:t>0</m:t>
@@ -16055,14 +16454,14 @@
                                 <m:fPr>
                                   <m:type m:val="skw"/>
                                   <m:ctrlPr>
-                                    <a:rPr lang="en-US" altLang="zh-TW" sz="2400" b="0" i="1" smtClean="0">
+                                    <a:rPr lang="en-US" altLang="zh-TW" sz="2000" b="0" i="1" smtClean="0">
                                       <a:latin typeface="Cambria Math" panose="02040503050406030204" pitchFamily="18" charset="0"/>
                                     </a:rPr>
                                   </m:ctrlPr>
                                 </m:fPr>
                                 <m:num>
                                   <m:r>
-                                    <a:rPr lang="zh-TW" altLang="en-US" sz="2400" b="0" i="1" smtClean="0">
+                                    <a:rPr lang="zh-TW" altLang="en-US" sz="2000" b="0" i="1" smtClean="0">
                                       <a:latin typeface="Cambria Math" panose="02040503050406030204" pitchFamily="18" charset="0"/>
                                     </a:rPr>
                                     <m:t>𝜋</m:t>
@@ -16070,7 +16469,7 @@
                                 </m:num>
                                 <m:den>
                                   <m:r>
-                                    <a:rPr lang="en-US" altLang="zh-TW" sz="2400" b="0" i="1" smtClean="0">
+                                    <a:rPr lang="en-US" altLang="zh-TW" sz="2000" b="0" i="1" smtClean="0">
                                       <a:latin typeface="Cambria Math" panose="02040503050406030204" pitchFamily="18" charset="0"/>
                                     </a:rPr>
                                     <m:t>8</m:t>
@@ -16080,7 +16479,7 @@
                             </m:e>
                             <m:e>
                               <m:r>
-                                <a:rPr lang="en-US" altLang="zh-TW" sz="2400" b="0" i="1" smtClean="0">
+                                <a:rPr lang="en-US" altLang="zh-TW" sz="2000" b="0" i="1" smtClean="0">
                                   <a:latin typeface="Cambria Math" panose="02040503050406030204" pitchFamily="18" charset="0"/>
                                 </a:rPr>
                                 <m:t>0</m:t>
@@ -16090,7 +16489,7 @@
                           <m:mr>
                             <m:e>
                               <m:r>
-                                <a:rPr lang="en-US" altLang="zh-TW" sz="2400" b="0" i="1" smtClean="0">
+                                <a:rPr lang="en-US" altLang="zh-TW" sz="2000" b="0" i="1" smtClean="0">
                                   <a:latin typeface="Cambria Math" panose="02040503050406030204" pitchFamily="18" charset="0"/>
                                 </a:rPr>
                                 <m:t>0</m:t>
@@ -16098,7 +16497,7 @@
                             </m:e>
                             <m:e>
                               <m:r>
-                                <a:rPr lang="en-US" altLang="zh-TW" sz="2400" b="0" i="1" smtClean="0">
+                                <a:rPr lang="en-US" altLang="zh-TW" sz="2000" b="0" i="1" smtClean="0">
                                   <a:latin typeface="Cambria Math" panose="02040503050406030204" pitchFamily="18" charset="0"/>
                                 </a:rPr>
                                 <m:t>0</m:t>
@@ -16106,7 +16505,7 @@
                             </m:e>
                             <m:e>
                               <m:r>
-                                <a:rPr lang="en-US" altLang="zh-TW" sz="2400" b="0" i="1" smtClean="0">
+                                <a:rPr lang="en-US" altLang="zh-TW" sz="2000" b="0" i="1" smtClean="0">
                                   <a:latin typeface="Cambria Math" panose="02040503050406030204" pitchFamily="18" charset="0"/>
                                 </a:rPr>
                                 <m:t>0</m:t>
@@ -16117,14 +16516,14 @@
                                 <m:fPr>
                                   <m:type m:val="skw"/>
                                   <m:ctrlPr>
-                                    <a:rPr lang="en-US" altLang="zh-TW" sz="2400" b="0" i="1" smtClean="0">
+                                    <a:rPr lang="en-US" altLang="zh-TW" sz="2000" b="0" i="1" smtClean="0">
                                       <a:latin typeface="Cambria Math" panose="02040503050406030204" pitchFamily="18" charset="0"/>
                                     </a:rPr>
                                   </m:ctrlPr>
                                 </m:fPr>
                                 <m:num>
                                   <m:r>
-                                    <a:rPr lang="zh-TW" altLang="en-US" sz="2400" b="0" i="1" smtClean="0">
+                                    <a:rPr lang="zh-TW" altLang="en-US" sz="2000" b="0" i="1" smtClean="0">
                                       <a:latin typeface="Cambria Math" panose="02040503050406030204" pitchFamily="18" charset="0"/>
                                     </a:rPr>
                                     <m:t>𝜋</m:t>
@@ -16132,7 +16531,7 @@
                                 </m:num>
                                 <m:den>
                                   <m:r>
-                                    <a:rPr lang="en-US" altLang="zh-TW" sz="2400" b="0" i="1" smtClean="0">
+                                    <a:rPr lang="en-US" altLang="zh-TW" sz="2000" b="0" i="1" smtClean="0">
                                       <a:latin typeface="Cambria Math" panose="02040503050406030204" pitchFamily="18" charset="0"/>
                                     </a:rPr>
                                     <m:t>8</m:t>
@@ -16145,7 +16544,7 @@
                       </m:e>
                     </m:d>
                     <m:r>
-                      <a:rPr lang="en-US" altLang="zh-TW" sz="2400" b="0" i="1" smtClean="0">
+                      <a:rPr lang="en-US" altLang="zh-TW" sz="2000" b="0" i="1" smtClean="0">
                         <a:latin typeface="Cambria Math" panose="02040503050406030204" pitchFamily="18" charset="0"/>
                       </a:rPr>
                       <m:t>+</m:t>
@@ -16153,7 +16552,7 @@
                     <m:d>
                       <m:dPr>
                         <m:ctrlPr>
-                          <a:rPr lang="en-US" altLang="zh-TW" sz="2400" b="0" i="1" smtClean="0">
+                          <a:rPr lang="en-US" altLang="zh-TW" sz="2000" b="0" i="1" smtClean="0">
                             <a:latin typeface="Cambria Math" panose="02040503050406030204" pitchFamily="18" charset="0"/>
                           </a:rPr>
                         </m:ctrlPr>
@@ -16170,7 +16569,7 @@
                               </m:mc>
                             </m:mcs>
                             <m:ctrlPr>
-                              <a:rPr lang="en-US" altLang="zh-TW" sz="2400" b="0" i="1" smtClean="0">
+                              <a:rPr lang="en-US" altLang="zh-TW" sz="2000" b="0" i="1" smtClean="0">
                                 <a:latin typeface="Cambria Math" panose="02040503050406030204" pitchFamily="18" charset="0"/>
                               </a:rPr>
                             </m:ctrlPr>
@@ -16181,7 +16580,7 @@
                                 <m:rPr>
                                   <m:brk m:alnAt="7"/>
                                 </m:rPr>
-                                <a:rPr lang="en-US" altLang="zh-TW" sz="2400" b="0" i="1" smtClean="0">
+                                <a:rPr lang="en-US" altLang="zh-TW" sz="2000" b="0" i="1" smtClean="0">
                                   <a:latin typeface="Cambria Math" panose="02040503050406030204" pitchFamily="18" charset="0"/>
                                 </a:rPr>
                                 <m:t>0</m:t>
@@ -16192,14 +16591,14 @@
                                 <m:fPr>
                                   <m:type m:val="skw"/>
                                   <m:ctrlPr>
-                                    <a:rPr lang="en-US" altLang="zh-TW" sz="2400" b="0" i="1" smtClean="0">
+                                    <a:rPr lang="en-US" altLang="zh-TW" sz="2000" b="0" i="1" smtClean="0">
                                       <a:latin typeface="Cambria Math" panose="02040503050406030204" pitchFamily="18" charset="0"/>
                                     </a:rPr>
                                   </m:ctrlPr>
                                 </m:fPr>
                                 <m:num>
                                   <m:r>
-                                    <a:rPr lang="zh-TW" altLang="en-US" sz="2400" b="0" i="1" smtClean="0">
+                                    <a:rPr lang="zh-TW" altLang="en-US" sz="2000" b="0" i="1" smtClean="0">
                                       <a:latin typeface="Cambria Math" panose="02040503050406030204" pitchFamily="18" charset="0"/>
                                     </a:rPr>
                                     <m:t>𝜋</m:t>
@@ -16207,7 +16606,7 @@
                                 </m:num>
                                 <m:den>
                                   <m:r>
-                                    <a:rPr lang="en-US" altLang="zh-TW" sz="2400" b="0" i="1" smtClean="0">
+                                    <a:rPr lang="en-US" altLang="zh-TW" sz="2000" b="0" i="1" smtClean="0">
                                       <a:latin typeface="Cambria Math" panose="02040503050406030204" pitchFamily="18" charset="0"/>
                                     </a:rPr>
                                     <m:t>8</m:t>
@@ -16217,7 +16616,7 @@
                             </m:e>
                             <m:e>
                               <m:r>
-                                <a:rPr lang="en-US" altLang="zh-TW" sz="2400" b="0" i="1" smtClean="0">
+                                <a:rPr lang="en-US" altLang="zh-TW" sz="2000" b="0" i="1" smtClean="0">
                                   <a:latin typeface="Cambria Math" panose="02040503050406030204" pitchFamily="18" charset="0"/>
                                 </a:rPr>
                                 <m:t>0</m:t>
@@ -16225,7 +16624,7 @@
                             </m:e>
                             <m:e>
                               <m:r>
-                                <a:rPr lang="en-US" altLang="zh-TW" sz="2400" b="0" i="1" smtClean="0">
+                                <a:rPr lang="en-US" altLang="zh-TW" sz="2000" b="0" i="1" smtClean="0">
                                   <a:latin typeface="Cambria Math" panose="02040503050406030204" pitchFamily="18" charset="0"/>
                                 </a:rPr>
                                 <m:t>0</m:t>
@@ -16238,14 +16637,14 @@
                                 <m:fPr>
                                   <m:type m:val="skw"/>
                                   <m:ctrlPr>
-                                    <a:rPr lang="en-US" altLang="zh-TW" sz="2400" b="0" i="1" smtClean="0">
+                                    <a:rPr lang="en-US" altLang="zh-TW" sz="2000" b="0" i="1" smtClean="0">
                                       <a:latin typeface="Cambria Math" panose="02040503050406030204" pitchFamily="18" charset="0"/>
                                     </a:rPr>
                                   </m:ctrlPr>
                                 </m:fPr>
                                 <m:num>
                                   <m:r>
-                                    <a:rPr lang="zh-TW" altLang="en-US" sz="2400" b="0" i="1" smtClean="0">
+                                    <a:rPr lang="zh-TW" altLang="en-US" sz="2000" b="0" i="1" smtClean="0">
                                       <a:latin typeface="Cambria Math" panose="02040503050406030204" pitchFamily="18" charset="0"/>
                                     </a:rPr>
                                     <m:t>𝜋</m:t>
@@ -16253,7 +16652,7 @@
                                 </m:num>
                                 <m:den>
                                   <m:r>
-                                    <a:rPr lang="en-US" altLang="zh-TW" sz="2400" b="0" i="1" smtClean="0">
+                                    <a:rPr lang="en-US" altLang="zh-TW" sz="2000" b="0" i="1" smtClean="0">
                                       <a:latin typeface="Cambria Math" panose="02040503050406030204" pitchFamily="18" charset="0"/>
                                     </a:rPr>
                                     <m:t>8</m:t>
@@ -16263,7 +16662,7 @@
                             </m:e>
                             <m:e>
                               <m:r>
-                                <a:rPr lang="en-US" altLang="zh-TW" sz="2400" b="0" i="1" smtClean="0">
+                                <a:rPr lang="en-US" altLang="zh-TW" sz="2000" b="0" i="1" smtClean="0">
                                   <a:latin typeface="Cambria Math" panose="02040503050406030204" pitchFamily="18" charset="0"/>
                                 </a:rPr>
                                 <m:t>0</m:t>
@@ -16271,7 +16670,7 @@
                             </m:e>
                             <m:e>
                               <m:r>
-                                <a:rPr lang="en-US" altLang="zh-TW" sz="2400" b="0" i="1" smtClean="0">
+                                <a:rPr lang="en-US" altLang="zh-TW" sz="2000" b="0" i="1" smtClean="0">
                                   <a:latin typeface="Cambria Math" panose="02040503050406030204" pitchFamily="18" charset="0"/>
                                 </a:rPr>
                                 <m:t>0</m:t>
@@ -16279,7 +16678,7 @@
                             </m:e>
                             <m:e>
                               <m:r>
-                                <a:rPr lang="en-US" altLang="zh-TW" sz="2400" b="0" i="1" smtClean="0">
+                                <a:rPr lang="en-US" altLang="zh-TW" sz="2000" b="0" i="1" smtClean="0">
                                   <a:latin typeface="Cambria Math" panose="02040503050406030204" pitchFamily="18" charset="0"/>
                                 </a:rPr>
                                 <m:t>0</m:t>
@@ -16289,7 +16688,7 @@
                           <m:mr>
                             <m:e>
                               <m:r>
-                                <a:rPr lang="en-US" altLang="zh-TW" sz="2400" b="0" i="1" smtClean="0">
+                                <a:rPr lang="en-US" altLang="zh-TW" sz="2000" b="0" i="1" smtClean="0">
                                   <a:latin typeface="Cambria Math" panose="02040503050406030204" pitchFamily="18" charset="0"/>
                                 </a:rPr>
                                 <m:t>0</m:t>
@@ -16297,7 +16696,7 @@
                             </m:e>
                             <m:e>
                               <m:r>
-                                <a:rPr lang="en-US" altLang="zh-TW" sz="2400" b="0" i="1" smtClean="0">
+                                <a:rPr lang="en-US" altLang="zh-TW" sz="2000" b="0" i="1" smtClean="0">
                                   <a:latin typeface="Cambria Math" panose="02040503050406030204" pitchFamily="18" charset="0"/>
                                 </a:rPr>
                                 <m:t>0</m:t>
@@ -16305,7 +16704,7 @@
                             </m:e>
                             <m:e>
                               <m:r>
-                                <a:rPr lang="en-US" altLang="zh-TW" sz="2400" b="0" i="1" smtClean="0">
+                                <a:rPr lang="en-US" altLang="zh-TW" sz="2000" b="0" i="1" smtClean="0">
                                   <a:latin typeface="Cambria Math" panose="02040503050406030204" pitchFamily="18" charset="0"/>
                                 </a:rPr>
                                 <m:t>0</m:t>
@@ -16316,14 +16715,14 @@
                                 <m:fPr>
                                   <m:type m:val="skw"/>
                                   <m:ctrlPr>
-                                    <a:rPr lang="en-US" altLang="zh-TW" sz="2400" b="0" i="1" smtClean="0">
+                                    <a:rPr lang="en-US" altLang="zh-TW" sz="2000" b="0" i="1" smtClean="0">
                                       <a:latin typeface="Cambria Math" panose="02040503050406030204" pitchFamily="18" charset="0"/>
                                     </a:rPr>
                                   </m:ctrlPr>
                                 </m:fPr>
                                 <m:num>
                                   <m:r>
-                                    <a:rPr lang="zh-TW" altLang="en-US" sz="2400" b="0" i="1" smtClean="0">
+                                    <a:rPr lang="zh-TW" altLang="en-US" sz="2000" b="0" i="1" smtClean="0">
                                       <a:latin typeface="Cambria Math" panose="02040503050406030204" pitchFamily="18" charset="0"/>
                                     </a:rPr>
                                     <m:t>𝜋</m:t>
@@ -16331,7 +16730,7 @@
                                 </m:num>
                                 <m:den>
                                   <m:r>
-                                    <a:rPr lang="en-US" altLang="zh-TW" sz="2400" b="0" i="1" smtClean="0">
+                                    <a:rPr lang="en-US" altLang="zh-TW" sz="2000" b="0" i="1" smtClean="0">
                                       <a:latin typeface="Cambria Math" panose="02040503050406030204" pitchFamily="18" charset="0"/>
                                     </a:rPr>
                                     <m:t>8</m:t>
@@ -16343,7 +16742,7 @@
                           <m:mr>
                             <m:e>
                               <m:r>
-                                <a:rPr lang="en-US" altLang="zh-TW" sz="2400" b="0" i="1" smtClean="0">
+                                <a:rPr lang="en-US" altLang="zh-TW" sz="2000" b="0" i="1" smtClean="0">
                                   <a:latin typeface="Cambria Math" panose="02040503050406030204" pitchFamily="18" charset="0"/>
                                 </a:rPr>
                                 <m:t>0</m:t>
@@ -16351,7 +16750,7 @@
                             </m:e>
                             <m:e>
                               <m:r>
-                                <a:rPr lang="en-US" altLang="zh-TW" sz="2400" b="0" i="1" smtClean="0">
+                                <a:rPr lang="en-US" altLang="zh-TW" sz="2000" b="0" i="1" smtClean="0">
                                   <a:latin typeface="Cambria Math" panose="02040503050406030204" pitchFamily="18" charset="0"/>
                                 </a:rPr>
                                 <m:t>0</m:t>
@@ -16362,14 +16761,14 @@
                                 <m:fPr>
                                   <m:type m:val="skw"/>
                                   <m:ctrlPr>
-                                    <a:rPr lang="en-US" altLang="zh-TW" sz="2400" b="0" i="1" smtClean="0">
+                                    <a:rPr lang="en-US" altLang="zh-TW" sz="2000" b="0" i="1" smtClean="0">
                                       <a:latin typeface="Cambria Math" panose="02040503050406030204" pitchFamily="18" charset="0"/>
                                     </a:rPr>
                                   </m:ctrlPr>
                                 </m:fPr>
                                 <m:num>
                                   <m:r>
-                                    <a:rPr lang="zh-TW" altLang="en-US" sz="2400" b="0" i="1" smtClean="0">
+                                    <a:rPr lang="zh-TW" altLang="en-US" sz="2000" b="0" i="1" smtClean="0">
                                       <a:latin typeface="Cambria Math" panose="02040503050406030204" pitchFamily="18" charset="0"/>
                                     </a:rPr>
                                     <m:t>𝜋</m:t>
@@ -16377,7 +16776,7 @@
                                 </m:num>
                                 <m:den>
                                   <m:r>
-                                    <a:rPr lang="en-US" altLang="zh-TW" sz="2400" b="0" i="1" smtClean="0">
+                                    <a:rPr lang="en-US" altLang="zh-TW" sz="2000" b="0" i="1" smtClean="0">
                                       <a:latin typeface="Cambria Math" panose="02040503050406030204" pitchFamily="18" charset="0"/>
                                     </a:rPr>
                                     <m:t>8</m:t>
@@ -16387,7 +16786,7 @@
                             </m:e>
                             <m:e>
                               <m:r>
-                                <a:rPr lang="en-US" altLang="zh-TW" sz="2400" b="0" i="1" smtClean="0">
+                                <a:rPr lang="en-US" altLang="zh-TW" sz="2000" b="0" i="1" smtClean="0">
                                   <a:latin typeface="Cambria Math" panose="02040503050406030204" pitchFamily="18" charset="0"/>
                                 </a:rPr>
                                 <m:t>0</m:t>
@@ -16398,7 +16797,7 @@
                       </m:e>
                     </m:d>
                     <m:r>
-                      <a:rPr lang="en-US" altLang="zh-TW" sz="2400" b="0" i="0" smtClean="0">
+                      <a:rPr lang="en-US" altLang="zh-TW" sz="2000" b="0" i="0" smtClean="0">
                         <a:latin typeface="Cambria Math" panose="02040503050406030204" pitchFamily="18" charset="0"/>
                       </a:rPr>
                       <m:t>+</m:t>
@@ -16406,7 +16805,7 @@
                     <m:d>
                       <m:dPr>
                         <m:ctrlPr>
-                          <a:rPr lang="en-US" altLang="zh-TW" sz="2400" b="0" i="1" smtClean="0">
+                          <a:rPr lang="en-US" altLang="zh-TW" sz="2000" b="0" i="1" smtClean="0">
                             <a:latin typeface="Cambria Math" panose="02040503050406030204" pitchFamily="18" charset="0"/>
                           </a:rPr>
                         </m:ctrlPr>
@@ -16423,7 +16822,7 @@
                               </m:mc>
                             </m:mcs>
                             <m:ctrlPr>
-                              <a:rPr lang="en-US" altLang="zh-TW" sz="2400" b="0" i="1" smtClean="0">
+                              <a:rPr lang="en-US" altLang="zh-TW" sz="2000" b="0" i="1" smtClean="0">
                                 <a:latin typeface="Cambria Math" panose="02040503050406030204" pitchFamily="18" charset="0"/>
                               </a:rPr>
                             </m:ctrlPr>
@@ -16434,7 +16833,7 @@
                                 <m:rPr>
                                   <m:brk m:alnAt="7"/>
                                 </m:rPr>
-                                <a:rPr lang="en-US" altLang="zh-TW" sz="2400" b="0" i="1" smtClean="0">
+                                <a:rPr lang="en-US" altLang="zh-TW" sz="2000" b="0" i="1" smtClean="0">
                                   <a:latin typeface="Cambria Math" panose="02040503050406030204" pitchFamily="18" charset="0"/>
                                 </a:rPr>
                                 <m:t>0</m:t>
@@ -16442,7 +16841,7 @@
                             </m:e>
                             <m:e>
                               <m:r>
-                                <a:rPr lang="en-US" altLang="zh-TW" sz="2400" b="0" i="1" smtClean="0">
+                                <a:rPr lang="en-US" altLang="zh-TW" sz="2000" b="0" i="1" smtClean="0">
                                   <a:latin typeface="Cambria Math" panose="02040503050406030204" pitchFamily="18" charset="0"/>
                                 </a:rPr>
                                 <m:t>0</m:t>
@@ -16450,7 +16849,7 @@
                             </m:e>
                             <m:e>
                               <m:r>
-                                <a:rPr lang="en-US" altLang="zh-TW" sz="2400" b="0" i="1" smtClean="0">
+                                <a:rPr lang="en-US" altLang="zh-TW" sz="2000" b="0" i="1" smtClean="0">
                                   <a:latin typeface="Cambria Math" panose="02040503050406030204" pitchFamily="18" charset="0"/>
                                 </a:rPr>
                                 <m:t>0</m:t>
@@ -16458,7 +16857,7 @@
                             </m:e>
                             <m:e>
                               <m:r>
-                                <a:rPr lang="en-US" altLang="zh-TW" sz="2400" b="0" i="1" smtClean="0">
+                                <a:rPr lang="en-US" altLang="zh-TW" sz="2000" b="0" i="1" smtClean="0">
                                   <a:latin typeface="Cambria Math" panose="02040503050406030204" pitchFamily="18" charset="0"/>
                                 </a:rPr>
                                 <m:t>0</m:t>
@@ -16468,7 +16867,7 @@
                           <m:mr>
                             <m:e>
                               <m:r>
-                                <a:rPr lang="en-US" altLang="zh-TW" sz="2400" b="0" i="1" smtClean="0">
+                                <a:rPr lang="en-US" altLang="zh-TW" sz="2000" b="0" i="1" smtClean="0">
                                   <a:latin typeface="Cambria Math" panose="02040503050406030204" pitchFamily="18" charset="0"/>
                                 </a:rPr>
                                 <m:t>0</m:t>
@@ -16476,7 +16875,7 @@
                             </m:e>
                             <m:e>
                               <m:r>
-                                <a:rPr lang="en-US" altLang="zh-TW" sz="2400" b="0" i="1" smtClean="0">
+                                <a:rPr lang="en-US" altLang="zh-TW" sz="2000" b="0" i="1" smtClean="0">
                                   <a:latin typeface="Cambria Math" panose="02040503050406030204" pitchFamily="18" charset="0"/>
                                 </a:rPr>
                                 <m:t>0</m:t>
@@ -16487,14 +16886,14 @@
                                 <m:fPr>
                                   <m:type m:val="skw"/>
                                   <m:ctrlPr>
-                                    <a:rPr lang="en-US" altLang="zh-TW" sz="2400" b="0" i="1" smtClean="0">
+                                    <a:rPr lang="en-US" altLang="zh-TW" sz="2000" b="0" i="1" smtClean="0">
                                       <a:latin typeface="Cambria Math" panose="02040503050406030204" pitchFamily="18" charset="0"/>
                                     </a:rPr>
                                   </m:ctrlPr>
                                 </m:fPr>
                                 <m:num>
                                   <m:r>
-                                    <a:rPr lang="zh-TW" altLang="en-US" sz="2400" b="0" i="1" smtClean="0">
+                                    <a:rPr lang="zh-TW" altLang="en-US" sz="2000" b="0" i="1" smtClean="0">
                                       <a:latin typeface="Cambria Math" panose="02040503050406030204" pitchFamily="18" charset="0"/>
                                     </a:rPr>
                                     <m:t>𝜋</m:t>
@@ -16502,7 +16901,7 @@
                                 </m:num>
                                 <m:den>
                                   <m:r>
-                                    <a:rPr lang="en-US" altLang="zh-TW" sz="2400" b="0" i="1" smtClean="0">
+                                    <a:rPr lang="en-US" altLang="zh-TW" sz="2000" b="0" i="1" smtClean="0">
                                       <a:latin typeface="Cambria Math" panose="02040503050406030204" pitchFamily="18" charset="0"/>
                                     </a:rPr>
                                     <m:t>8</m:t>
@@ -16512,7 +16911,7 @@
                             </m:e>
                             <m:e>
                               <m:r>
-                                <a:rPr lang="en-US" altLang="zh-TW" sz="2400" b="0" i="1" smtClean="0">
+                                <a:rPr lang="en-US" altLang="zh-TW" sz="2000" b="0" i="1" smtClean="0">
                                   <a:latin typeface="Cambria Math" panose="02040503050406030204" pitchFamily="18" charset="0"/>
                                 </a:rPr>
                                 <m:t>0</m:t>
@@ -16522,7 +16921,7 @@
                           <m:mr>
                             <m:e>
                               <m:r>
-                                <a:rPr lang="en-US" altLang="zh-TW" sz="2400" b="0" i="1" smtClean="0">
+                                <a:rPr lang="en-US" altLang="zh-TW" sz="2000" b="0" i="1" smtClean="0">
                                   <a:latin typeface="Cambria Math" panose="02040503050406030204" pitchFamily="18" charset="0"/>
                                 </a:rPr>
                                 <m:t>0</m:t>
@@ -16533,14 +16932,14 @@
                                 <m:fPr>
                                   <m:type m:val="skw"/>
                                   <m:ctrlPr>
-                                    <a:rPr lang="en-US" altLang="zh-TW" sz="2400" b="0" i="1" smtClean="0">
+                                    <a:rPr lang="en-US" altLang="zh-TW" sz="2000" b="0" i="1" smtClean="0">
                                       <a:latin typeface="Cambria Math" panose="02040503050406030204" pitchFamily="18" charset="0"/>
                                     </a:rPr>
                                   </m:ctrlPr>
                                 </m:fPr>
                                 <m:num>
                                   <m:r>
-                                    <a:rPr lang="zh-TW" altLang="en-US" sz="2400" b="0" i="1" smtClean="0">
+                                    <a:rPr lang="zh-TW" altLang="en-US" sz="2000" b="0" i="1" smtClean="0">
                                       <a:latin typeface="Cambria Math" panose="02040503050406030204" pitchFamily="18" charset="0"/>
                                     </a:rPr>
                                     <m:t>𝜋</m:t>
@@ -16548,7 +16947,7 @@
                                 </m:num>
                                 <m:den>
                                   <m:r>
-                                    <a:rPr lang="en-US" altLang="zh-TW" sz="2400" b="0" i="1" smtClean="0">
+                                    <a:rPr lang="en-US" altLang="zh-TW" sz="2000" b="0" i="1" smtClean="0">
                                       <a:latin typeface="Cambria Math" panose="02040503050406030204" pitchFamily="18" charset="0"/>
                                     </a:rPr>
                                     <m:t>8</m:t>
@@ -16558,7 +16957,7 @@
                             </m:e>
                             <m:e>
                               <m:r>
-                                <a:rPr lang="en-US" altLang="zh-TW" sz="2400" b="0" i="1" smtClean="0">
+                                <a:rPr lang="en-US" altLang="zh-TW" sz="2000" b="0" i="1" smtClean="0">
                                   <a:latin typeface="Cambria Math" panose="02040503050406030204" pitchFamily="18" charset="0"/>
                                 </a:rPr>
                                 <m:t>0</m:t>
@@ -16566,7 +16965,7 @@
                             </m:e>
                             <m:e>
                               <m:r>
-                                <a:rPr lang="en-US" altLang="zh-TW" sz="2400" b="0" i="1" smtClean="0">
+                                <a:rPr lang="en-US" altLang="zh-TW" sz="2000" b="0" i="1" smtClean="0">
                                   <a:latin typeface="Cambria Math" panose="02040503050406030204" pitchFamily="18" charset="0"/>
                                 </a:rPr>
                                 <m:t>0</m:t>
@@ -16576,7 +16975,7 @@
                           <m:mr>
                             <m:e>
                               <m:r>
-                                <a:rPr lang="en-US" altLang="zh-TW" sz="2400" b="0" i="1" smtClean="0">
+                                <a:rPr lang="en-US" altLang="zh-TW" sz="2000" b="0" i="1" smtClean="0">
                                   <a:latin typeface="Cambria Math" panose="02040503050406030204" pitchFamily="18" charset="0"/>
                                 </a:rPr>
                                 <m:t>0</m:t>
@@ -16584,7 +16983,7 @@
                             </m:e>
                             <m:e>
                               <m:r>
-                                <a:rPr lang="en-US" altLang="zh-TW" sz="2400" b="0" i="1" smtClean="0">
+                                <a:rPr lang="en-US" altLang="zh-TW" sz="2000" b="0" i="1" smtClean="0">
                                   <a:latin typeface="Cambria Math" panose="02040503050406030204" pitchFamily="18" charset="0"/>
                                 </a:rPr>
                                 <m:t>0</m:t>
@@ -16592,7 +16991,7 @@
                             </m:e>
                             <m:e>
                               <m:r>
-                                <a:rPr lang="en-US" altLang="zh-TW" sz="2400" b="0" i="1" smtClean="0">
+                                <a:rPr lang="en-US" altLang="zh-TW" sz="2000" b="0" i="1" smtClean="0">
                                   <a:latin typeface="Cambria Math" panose="02040503050406030204" pitchFamily="18" charset="0"/>
                                 </a:rPr>
                                 <m:t>0</m:t>
@@ -16600,7 +16999,7 @@
                             </m:e>
                             <m:e>
                               <m:r>
-                                <a:rPr lang="en-US" altLang="zh-TW" sz="2400" b="0" i="1" smtClean="0">
+                                <a:rPr lang="en-US" altLang="zh-TW" sz="2000" b="0" i="1" smtClean="0">
                                   <a:latin typeface="Cambria Math" panose="02040503050406030204" pitchFamily="18" charset="0"/>
                                 </a:rPr>
                                 <m:t>0</m:t>
@@ -16612,7 +17011,7 @@
                     </m:d>
                   </m:oMath>
                 </a14:m>
-                <a:endParaRPr lang="zh-TW" altLang="en-US" sz="2400" dirty="0"/>
+                <a:endParaRPr lang="zh-TW" altLang="en-US" sz="2000" dirty="0"/>
               </a:p>
             </p:txBody>
           </p:sp>
@@ -16629,7 +17028,7 @@
             <p:spPr>
               <a:xfrm>
                 <a:off x="398034" y="1358353"/>
-                <a:ext cx="3480099" cy="5499647"/>
+                <a:ext cx="3689872" cy="4723537"/>
               </a:xfrm>
               <a:prstGeom prst="rect">
                 <a:avLst/>
@@ -16637,7 +17036,7 @@
               <a:blipFill>
                 <a:blip r:embed="rId3"/>
                 <a:stretch>
-                  <a:fillRect l="-2277" t="-887" r="-4378"/>
+                  <a:fillRect l="-2145" t="-1032" r="-2970"/>
                 </a:stretch>
               </a:blipFill>
             </p:spPr>
@@ -16731,7 +17130,200 @@
           <a:bodyPr/>
           <a:lstStyle/>
           <a:p>
+            <a:r>
+              <a:rPr lang="en-US" altLang="zh-TW" dirty="0" smtClean="0"/>
+              <a:t>Debug</a:t>
+            </a:r>
             <a:endParaRPr lang="zh-TW" altLang="en-US" dirty="0"/>
+          </a:p>
+        </p:txBody>
+      </p:sp>
+      <p:pic>
+        <p:nvPicPr>
+          <p:cNvPr id="4" name="圖片 3"/>
+          <p:cNvPicPr>
+            <a:picLocks noChangeAspect="1"/>
+          </p:cNvPicPr>
+          <p:nvPr/>
+        </p:nvPicPr>
+        <p:blipFill>
+          <a:blip r:embed="rId2">
+            <a:extLst>
+              <a:ext uri="{28A0092B-C50C-407E-A947-70E740481C1C}">
+                <a14:useLocalDpi xmlns:a14="http://schemas.microsoft.com/office/drawing/2010/main" val="0"/>
+              </a:ext>
+            </a:extLst>
+          </a:blip>
+          <a:stretch>
+            <a:fillRect/>
+          </a:stretch>
+        </p:blipFill>
+        <p:spPr>
+          <a:xfrm>
+            <a:off x="4557601" y="1124958"/>
+            <a:ext cx="6981825" cy="5124450"/>
+          </a:xfrm>
+          <a:prstGeom prst="rect">
+            <a:avLst/>
+          </a:prstGeom>
+          <a:solidFill>
+            <a:schemeClr val="tx2"/>
+          </a:solidFill>
+        </p:spPr>
+      </p:pic>
+      <p:sp>
+        <p:nvSpPr>
+          <p:cNvPr id="5" name="文字方塊 4"/>
+          <p:cNvSpPr txBox="1"/>
+          <p:nvPr/>
+        </p:nvSpPr>
+        <p:spPr>
+          <a:xfrm>
+            <a:off x="8737695" y="5039135"/>
+            <a:ext cx="2246577" cy="830997"/>
+          </a:xfrm>
+          <a:prstGeom prst="rect">
+            <a:avLst/>
+          </a:prstGeom>
+          <a:noFill/>
+        </p:spPr>
+        <p:txBody>
+          <a:bodyPr wrap="none" rtlCol="0">
+            <a:spAutoFit/>
+          </a:bodyPr>
+          <a:lstStyle/>
+          <a:p>
+            <a:r>
+              <a:rPr lang="en-US" altLang="zh-TW" sz="2400" dirty="0" smtClean="0">
+                <a:solidFill>
+                  <a:srgbClr val="3A88BC"/>
+                </a:solidFill>
+              </a:rPr>
+              <a:t>Trotter-Suzuki</a:t>
+            </a:r>
+          </a:p>
+          <a:p>
+            <a:r>
+              <a:rPr lang="en-US" altLang="zh-TW" sz="2400" dirty="0" smtClean="0">
+                <a:solidFill>
+                  <a:srgbClr val="3A88BC"/>
+                </a:solidFill>
+              </a:rPr>
+              <a:t>(the simple way)</a:t>
+            </a:r>
+            <a:endParaRPr lang="zh-TW" altLang="en-US" sz="2400" dirty="0">
+              <a:solidFill>
+                <a:srgbClr val="3A88BC"/>
+              </a:solidFill>
+            </a:endParaRPr>
+          </a:p>
+        </p:txBody>
+      </p:sp>
+      <p:sp>
+        <p:nvSpPr>
+          <p:cNvPr id="6" name="文字方塊 5"/>
+          <p:cNvSpPr txBox="1"/>
+          <p:nvPr/>
+        </p:nvSpPr>
+        <p:spPr>
+          <a:xfrm>
+            <a:off x="7932392" y="4001294"/>
+            <a:ext cx="3551873" cy="830997"/>
+          </a:xfrm>
+          <a:prstGeom prst="rect">
+            <a:avLst/>
+          </a:prstGeom>
+          <a:noFill/>
+        </p:spPr>
+        <p:txBody>
+          <a:bodyPr wrap="square" rtlCol="0">
+            <a:spAutoFit/>
+          </a:bodyPr>
+          <a:lstStyle/>
+          <a:p>
+            <a:r>
+              <a:rPr lang="en-US" altLang="zh-TW" sz="2400" dirty="0" smtClean="0">
+                <a:solidFill>
+                  <a:srgbClr val="FF973C"/>
+                </a:solidFill>
+              </a:rPr>
+              <a:t>Our project</a:t>
+            </a:r>
+          </a:p>
+          <a:p>
+            <a:r>
+              <a:rPr lang="en-US" altLang="zh-TW" sz="2400" dirty="0" smtClean="0">
+                <a:solidFill>
+                  <a:srgbClr val="FF973C"/>
+                </a:solidFill>
+              </a:rPr>
+              <a:t>(the supposedly smart way)</a:t>
+            </a:r>
+            <a:endParaRPr lang="zh-TW" altLang="en-US" sz="2400" dirty="0">
+              <a:solidFill>
+                <a:srgbClr val="FF973C"/>
+              </a:solidFill>
+            </a:endParaRPr>
+          </a:p>
+        </p:txBody>
+      </p:sp>
+      <p:sp>
+        <p:nvSpPr>
+          <p:cNvPr id="7" name="文字方塊 6"/>
+          <p:cNvSpPr txBox="1"/>
+          <p:nvPr/>
+        </p:nvSpPr>
+        <p:spPr>
+          <a:xfrm rot="16200000">
+            <a:off x="3919510" y="3456351"/>
+            <a:ext cx="814518" cy="461665"/>
+          </a:xfrm>
+          <a:prstGeom prst="rect">
+            <a:avLst/>
+          </a:prstGeom>
+          <a:noFill/>
+        </p:spPr>
+        <p:txBody>
+          <a:bodyPr wrap="none" rtlCol="0">
+            <a:spAutoFit/>
+          </a:bodyPr>
+          <a:lstStyle/>
+          <a:p>
+            <a:r>
+              <a:rPr lang="en-US" altLang="zh-TW" sz="2400" dirty="0" smtClean="0"/>
+              <a:t>Error</a:t>
+            </a:r>
+            <a:endParaRPr lang="zh-TW" altLang="en-US" sz="2400" dirty="0"/>
+          </a:p>
+        </p:txBody>
+      </p:sp>
+      <p:sp>
+        <p:nvSpPr>
+          <p:cNvPr id="8" name="文字方塊 7"/>
+          <p:cNvSpPr txBox="1"/>
+          <p:nvPr/>
+        </p:nvSpPr>
+        <p:spPr>
+          <a:xfrm>
+            <a:off x="7257206" y="6280824"/>
+            <a:ext cx="1582613" cy="461665"/>
+          </a:xfrm>
+          <a:prstGeom prst="rect">
+            <a:avLst/>
+          </a:prstGeom>
+          <a:noFill/>
+        </p:spPr>
+        <p:txBody>
+          <a:bodyPr wrap="none" rtlCol="0">
+            <a:spAutoFit/>
+          </a:bodyPr>
+          <a:lstStyle/>
+          <a:p>
+            <a:r>
+              <a:rPr lang="en-US" altLang="zh-TW" sz="2400" dirty="0" smtClean="0"/>
+              <a:t>Complexity</a:t>
+            </a:r>
+            <a:endParaRPr lang="zh-TW" altLang="en-US" sz="2400" dirty="0"/>
           </a:p>
         </p:txBody>
       </p:sp>
@@ -16745,6 +17337,13 @@
   <p:clrMapOvr>
     <a:masterClrMapping/>
   </p:clrMapOvr>
+  <p:timing>
+    <p:tnLst>
+      <p:par>
+        <p:cTn id="1" dur="indefinite" restart="never" nodeType="tmRoot"/>
+      </p:par>
+    </p:tnLst>
+  </p:timing>
 </p:sld>
 </file>
 
@@ -16875,10 +17474,10 @@
                     </m:oMathParaPr>
                     <m:oMath xmlns:m="http://schemas.openxmlformats.org/officeDocument/2006/math">
                       <m:r>
-                        <a:rPr lang="en-US" altLang="zh-TW" sz="2400" i="1" smtClean="0">
+                        <a:rPr lang="en-US" altLang="zh-TW" sz="2400" b="0" i="1" smtClean="0">
                           <a:latin typeface="Cambria Math" panose="02040503050406030204" pitchFamily="18" charset="0"/>
                         </a:rPr>
-                        <m:t>𝐴</m:t>
+                        <m:t>𝐻</m:t>
                       </m:r>
                       <m:r>
                         <a:rPr lang="en-US" altLang="zh-TW" sz="2400" i="1" smtClean="0">
@@ -17887,7 +18486,7 @@
                             <a:rPr lang="en-US" altLang="zh-TW" sz="2400" b="0" i="1" smtClean="0">
                               <a:latin typeface="Cambria Math" panose="02040503050406030204" pitchFamily="18" charset="0"/>
                             </a:rPr>
-                            <m:t>𝐴</m:t>
+                            <m:t>𝐻</m:t>
                           </m:r>
                           <m:r>
                             <a:rPr lang="en-US" altLang="zh-TW" sz="2400" i="1">
@@ -18135,10 +18734,10 @@
                     </m:oMathParaPr>
                     <m:oMath xmlns:m="http://schemas.openxmlformats.org/officeDocument/2006/math">
                       <m:r>
-                        <a:rPr lang="en-US" altLang="zh-TW" sz="2400" i="1">
+                        <a:rPr lang="en-US" altLang="zh-TW" sz="2400" b="0" i="1" smtClean="0">
                           <a:latin typeface="Cambria Math" panose="02040503050406030204" pitchFamily="18" charset="0"/>
                         </a:rPr>
-                        <m:t>𝐴</m:t>
+                        <m:t>𝐻</m:t>
                       </m:r>
                     </m:oMath>
                   </m:oMathPara>
@@ -18234,7 +18833,7 @@
                       <m:sSup>
                         <m:sSupPr>
                           <m:ctrlPr>
-                            <a:rPr lang="en-US" altLang="zh-TW" sz="2400" i="1">
+                            <a:rPr lang="en-US" altLang="zh-TW" sz="2400" i="1" smtClean="0">
                               <a:latin typeface="Cambria Math" panose="02040503050406030204" pitchFamily="18" charset="0"/>
                             </a:rPr>
                           </m:ctrlPr>
@@ -18255,10 +18854,10 @@
                             <m:t>𝑖</m:t>
                           </m:r>
                           <m:r>
-                            <a:rPr lang="en-US" altLang="zh-TW" sz="2400" i="1">
+                            <a:rPr lang="en-US" altLang="zh-TW" sz="2400" b="0" i="1" smtClean="0">
                               <a:latin typeface="Cambria Math" panose="02040503050406030204" pitchFamily="18" charset="0"/>
                             </a:rPr>
-                            <m:t>𝐴</m:t>
+                            <m:t>𝐻</m:t>
                           </m:r>
                           <m:r>
                             <a:rPr lang="en-US" altLang="zh-TW" sz="2400" i="1">
@@ -19473,6 +20072,13 @@
       <p:transition spd="slow"/>
     </mc:Fallback>
   </mc:AlternateContent>
+  <p:timing>
+    <p:tnLst>
+      <p:par>
+        <p:cTn id="1" dur="indefinite" restart="never" nodeType="tmRoot"/>
+      </p:par>
+    </p:tnLst>
+  </p:timing>
 </p:sld>
 </file>
 

--- a/hackhackhack.pptx
+++ b/hackhackhack.pptx
@@ -4418,6 +4418,13 @@
       <p:transition spd="slow"/>
     </mc:Fallback>
   </mc:AlternateContent>
+  <p:timing>
+    <p:tnLst>
+      <p:par>
+        <p:cTn id="1" dur="indefinite" restart="never" nodeType="tmRoot"/>
+      </p:par>
+    </p:tnLst>
+  </p:timing>
 </p:sld>
 </file>
 
@@ -14514,49 +14521,6 @@
                     <m:sSup>
                       <m:sSupPr>
                         <m:ctrlPr>
-                          <a:rPr lang="en-US" altLang="zh-TW" i="1" smtClean="0">
-                            <a:latin typeface="Cambria Math" panose="02040503050406030204" pitchFamily="18" charset="0"/>
-                          </a:rPr>
-                        </m:ctrlPr>
-                      </m:sSupPr>
-                      <m:e>
-                        <m:r>
-                          <a:rPr lang="en-US" altLang="zh-TW" i="1">
-                            <a:latin typeface="Cambria Math" panose="02040503050406030204" pitchFamily="18" charset="0"/>
-                          </a:rPr>
-                          <m:t>𝑒</m:t>
-                        </m:r>
-                      </m:e>
-                      <m:sup>
-                        <m:r>
-                          <a:rPr lang="en-US" altLang="zh-TW" i="1">
-                            <a:latin typeface="Cambria Math" panose="02040503050406030204" pitchFamily="18" charset="0"/>
-                          </a:rPr>
-                          <m:t>𝑖</m:t>
-                        </m:r>
-                        <m:r>
-                          <a:rPr lang="en-US" altLang="zh-TW" b="0" i="1" smtClean="0">
-                            <a:latin typeface="Cambria Math" panose="02040503050406030204" pitchFamily="18" charset="0"/>
-                          </a:rPr>
-                          <m:t>𝐻</m:t>
-                        </m:r>
-                        <m:r>
-                          <a:rPr lang="en-US" altLang="zh-TW" i="1">
-                            <a:latin typeface="Cambria Math" panose="02040503050406030204" pitchFamily="18" charset="0"/>
-                          </a:rPr>
-                          <m:t>𝑡</m:t>
-                        </m:r>
-                      </m:sup>
-                    </m:sSup>
-                    <m:r>
-                      <a:rPr lang="en-US" altLang="zh-TW" b="0" i="1" smtClean="0">
-                        <a:latin typeface="Cambria Math" panose="02040503050406030204" pitchFamily="18" charset="0"/>
-                      </a:rPr>
-                      <m:t>=</m:t>
-                    </m:r>
-                    <m:sSup>
-                      <m:sSupPr>
-                        <m:ctrlPr>
                           <a:rPr lang="en-US" altLang="zh-TW" i="1">
                             <a:latin typeface="Cambria Math" panose="02040503050406030204" pitchFamily="18" charset="0"/>
                           </a:rPr>
@@ -14658,6 +14622,49 @@
                             </m:r>
                           </m:sub>
                         </m:sSub>
+                        <m:r>
+                          <a:rPr lang="en-US" altLang="zh-TW" i="1">
+                            <a:latin typeface="Cambria Math" panose="02040503050406030204" pitchFamily="18" charset="0"/>
+                          </a:rPr>
+                          <m:t>𝑡</m:t>
+                        </m:r>
+                      </m:sup>
+                    </m:sSup>
+                    <m:r>
+                      <a:rPr lang="en-US" altLang="zh-TW" b="0" i="1" smtClean="0">
+                        <a:latin typeface="Cambria Math" panose="02040503050406030204" pitchFamily="18" charset="0"/>
+                      </a:rPr>
+                      <m:t>=</m:t>
+                    </m:r>
+                    <m:sSup>
+                      <m:sSupPr>
+                        <m:ctrlPr>
+                          <a:rPr lang="en-US" altLang="zh-TW" i="1">
+                            <a:latin typeface="Cambria Math" panose="02040503050406030204" pitchFamily="18" charset="0"/>
+                          </a:rPr>
+                        </m:ctrlPr>
+                      </m:sSupPr>
+                      <m:e>
+                        <m:r>
+                          <a:rPr lang="en-US" altLang="zh-TW" i="1">
+                            <a:latin typeface="Cambria Math" panose="02040503050406030204" pitchFamily="18" charset="0"/>
+                          </a:rPr>
+                          <m:t>𝑒</m:t>
+                        </m:r>
+                      </m:e>
+                      <m:sup>
+                        <m:r>
+                          <a:rPr lang="en-US" altLang="zh-TW" i="1">
+                            <a:latin typeface="Cambria Math" panose="02040503050406030204" pitchFamily="18" charset="0"/>
+                          </a:rPr>
+                          <m:t>𝑖</m:t>
+                        </m:r>
+                        <m:r>
+                          <a:rPr lang="en-US" altLang="zh-TW" i="1">
+                            <a:latin typeface="Cambria Math" panose="02040503050406030204" pitchFamily="18" charset="0"/>
+                          </a:rPr>
+                          <m:t>𝐻</m:t>
+                        </m:r>
                         <m:r>
                           <a:rPr lang="en-US" altLang="zh-TW" i="1">
                             <a:latin typeface="Cambria Math" panose="02040503050406030204" pitchFamily="18" charset="0"/>
@@ -14732,6 +14739,319 @@
                         <a:solidFill>
                           <a:srgbClr val="C00000"/>
                         </a:solidFill>
+                        <a:latin typeface="Cambria Math" panose="02040503050406030204" pitchFamily="18" charset="0"/>
+                      </a:rPr>
+                      <m:t>)</m:t>
+                    </m:r>
+                  </m:oMath>
+                </a14:m>
+                <a:endParaRPr lang="en-US" altLang="zh-TW" b="1" dirty="0" smtClean="0">
+                  <a:solidFill>
+                    <a:schemeClr val="tx1"/>
+                  </a:solidFill>
+                  <a:ea typeface="Cambria Math" panose="02040503050406030204" pitchFamily="18" charset="0"/>
+                </a:endParaRPr>
+              </a:p>
+              <a:p>
+                <a14:m>
+                  <m:oMath xmlns:m="http://schemas.openxmlformats.org/officeDocument/2006/math">
+                    <m:sSup>
+                      <m:sSupPr>
+                        <m:ctrlPr>
+                          <a:rPr lang="en-US" altLang="zh-TW" i="1">
+                            <a:latin typeface="Cambria Math" panose="02040503050406030204" pitchFamily="18" charset="0"/>
+                          </a:rPr>
+                        </m:ctrlPr>
+                      </m:sSupPr>
+                      <m:e>
+                        <m:r>
+                          <a:rPr lang="en-US" altLang="zh-TW" i="1">
+                            <a:latin typeface="Cambria Math" panose="02040503050406030204" pitchFamily="18" charset="0"/>
+                          </a:rPr>
+                          <m:t>(</m:t>
+                        </m:r>
+                        <m:sSup>
+                          <m:sSupPr>
+                            <m:ctrlPr>
+                              <a:rPr lang="en-US" altLang="zh-TW" i="1">
+                                <a:latin typeface="Cambria Math" panose="02040503050406030204" pitchFamily="18" charset="0"/>
+                              </a:rPr>
+                            </m:ctrlPr>
+                          </m:sSupPr>
+                          <m:e>
+                            <m:r>
+                              <a:rPr lang="en-US" altLang="zh-TW" i="1">
+                                <a:latin typeface="Cambria Math" panose="02040503050406030204" pitchFamily="18" charset="0"/>
+                              </a:rPr>
+                              <m:t>𝑒</m:t>
+                            </m:r>
+                          </m:e>
+                          <m:sup>
+                            <m:f>
+                              <m:fPr>
+                                <m:ctrlPr>
+                                  <a:rPr lang="en-US" altLang="zh-TW" i="1">
+                                    <a:latin typeface="Cambria Math" panose="02040503050406030204" pitchFamily="18" charset="0"/>
+                                  </a:rPr>
+                                </m:ctrlPr>
+                              </m:fPr>
+                              <m:num>
+                                <m:r>
+                                  <a:rPr lang="en-US" altLang="zh-TW" i="1">
+                                    <a:latin typeface="Cambria Math" panose="02040503050406030204" pitchFamily="18" charset="0"/>
+                                  </a:rPr>
+                                  <m:t>𝑖</m:t>
+                                </m:r>
+                                <m:sSub>
+                                  <m:sSubPr>
+                                    <m:ctrlPr>
+                                      <a:rPr lang="en-US" altLang="zh-TW" i="1">
+                                        <a:latin typeface="Cambria Math" panose="02040503050406030204" pitchFamily="18" charset="0"/>
+                                      </a:rPr>
+                                    </m:ctrlPr>
+                                  </m:sSubPr>
+                                  <m:e>
+                                    <m:r>
+                                      <a:rPr lang="en-US" altLang="zh-TW" i="1">
+                                        <a:latin typeface="Cambria Math" panose="02040503050406030204" pitchFamily="18" charset="0"/>
+                                      </a:rPr>
+                                      <m:t>𝐻</m:t>
+                                    </m:r>
+                                  </m:e>
+                                  <m:sub>
+                                    <m:r>
+                                      <a:rPr lang="en-US" altLang="zh-TW" i="1">
+                                        <a:latin typeface="Cambria Math" panose="02040503050406030204" pitchFamily="18" charset="0"/>
+                                      </a:rPr>
+                                      <m:t>1</m:t>
+                                    </m:r>
+                                  </m:sub>
+                                </m:sSub>
+                                <m:r>
+                                  <a:rPr lang="en-US" altLang="zh-TW" i="1">
+                                    <a:latin typeface="Cambria Math" panose="02040503050406030204" pitchFamily="18" charset="0"/>
+                                  </a:rPr>
+                                  <m:t>𝑡</m:t>
+                                </m:r>
+                              </m:num>
+                              <m:den>
+                                <m:r>
+                                  <m:rPr>
+                                    <m:sty m:val="p"/>
+                                  </m:rPr>
+                                  <a:rPr lang="en-US" altLang="zh-TW" i="1">
+                                    <a:latin typeface="Cambria Math" panose="02040503050406030204" pitchFamily="18" charset="0"/>
+                                  </a:rPr>
+                                  <m:t>M</m:t>
+                                </m:r>
+                              </m:den>
+                            </m:f>
+                          </m:sup>
+                        </m:sSup>
+                        <m:sSup>
+                          <m:sSupPr>
+                            <m:ctrlPr>
+                              <a:rPr lang="en-US" altLang="zh-TW" i="1">
+                                <a:latin typeface="Cambria Math" panose="02040503050406030204" pitchFamily="18" charset="0"/>
+                              </a:rPr>
+                            </m:ctrlPr>
+                          </m:sSupPr>
+                          <m:e>
+                            <m:r>
+                              <a:rPr lang="en-US" altLang="zh-TW" i="1">
+                                <a:latin typeface="Cambria Math" panose="02040503050406030204" pitchFamily="18" charset="0"/>
+                              </a:rPr>
+                              <m:t>𝑒</m:t>
+                            </m:r>
+                          </m:e>
+                          <m:sup>
+                            <m:f>
+                              <m:fPr>
+                                <m:ctrlPr>
+                                  <a:rPr lang="en-US" altLang="zh-TW" i="1">
+                                    <a:latin typeface="Cambria Math" panose="02040503050406030204" pitchFamily="18" charset="0"/>
+                                  </a:rPr>
+                                </m:ctrlPr>
+                              </m:fPr>
+                              <m:num>
+                                <m:r>
+                                  <a:rPr lang="en-US" altLang="zh-TW" i="1">
+                                    <a:latin typeface="Cambria Math" panose="02040503050406030204" pitchFamily="18" charset="0"/>
+                                  </a:rPr>
+                                  <m:t>𝑖</m:t>
+                                </m:r>
+                                <m:sSub>
+                                  <m:sSubPr>
+                                    <m:ctrlPr>
+                                      <a:rPr lang="en-US" altLang="zh-TW" i="1">
+                                        <a:latin typeface="Cambria Math" panose="02040503050406030204" pitchFamily="18" charset="0"/>
+                                      </a:rPr>
+                                    </m:ctrlPr>
+                                  </m:sSubPr>
+                                  <m:e>
+                                    <m:r>
+                                      <a:rPr lang="en-US" altLang="zh-TW" i="1">
+                                        <a:latin typeface="Cambria Math" panose="02040503050406030204" pitchFamily="18" charset="0"/>
+                                      </a:rPr>
+                                      <m:t>𝐻</m:t>
+                                    </m:r>
+                                  </m:e>
+                                  <m:sub>
+                                    <m:r>
+                                      <a:rPr lang="en-US" altLang="zh-TW" i="1">
+                                        <a:latin typeface="Cambria Math" panose="02040503050406030204" pitchFamily="18" charset="0"/>
+                                      </a:rPr>
+                                      <m:t>2</m:t>
+                                    </m:r>
+                                  </m:sub>
+                                </m:sSub>
+                                <m:r>
+                                  <a:rPr lang="en-US" altLang="zh-TW" i="1">
+                                    <a:latin typeface="Cambria Math" panose="02040503050406030204" pitchFamily="18" charset="0"/>
+                                  </a:rPr>
+                                  <m:t>𝑡</m:t>
+                                </m:r>
+                              </m:num>
+                              <m:den>
+                                <m:r>
+                                  <m:rPr>
+                                    <m:sty m:val="p"/>
+                                  </m:rPr>
+                                  <a:rPr lang="en-US" altLang="zh-TW" i="1">
+                                    <a:latin typeface="Cambria Math" panose="02040503050406030204" pitchFamily="18" charset="0"/>
+                                  </a:rPr>
+                                  <m:t>M</m:t>
+                                </m:r>
+                              </m:den>
+                            </m:f>
+                          </m:sup>
+                        </m:sSup>
+                        <m:r>
+                          <a:rPr lang="en-US" altLang="zh-TW" i="1">
+                            <a:latin typeface="Cambria Math" panose="02040503050406030204" pitchFamily="18" charset="0"/>
+                          </a:rPr>
+                          <m:t>)</m:t>
+                        </m:r>
+                      </m:e>
+                      <m:sup>
+                        <m:r>
+                          <m:rPr>
+                            <m:sty m:val="p"/>
+                          </m:rPr>
+                          <a:rPr lang="en-US" altLang="zh-TW" i="1">
+                            <a:latin typeface="Cambria Math" panose="02040503050406030204" pitchFamily="18" charset="0"/>
+                          </a:rPr>
+                          <m:t>M</m:t>
+                        </m:r>
+                      </m:sup>
+                    </m:sSup>
+                    <m:r>
+                      <a:rPr lang="en-US" altLang="zh-TW" i="1">
+                        <a:latin typeface="Cambria Math" panose="02040503050406030204" pitchFamily="18" charset="0"/>
+                      </a:rPr>
+                      <m:t>=</m:t>
+                    </m:r>
+                    <m:sSup>
+                      <m:sSupPr>
+                        <m:ctrlPr>
+                          <a:rPr lang="en-US" altLang="zh-TW" i="1">
+                            <a:latin typeface="Cambria Math" panose="02040503050406030204" pitchFamily="18" charset="0"/>
+                          </a:rPr>
+                        </m:ctrlPr>
+                      </m:sSupPr>
+                      <m:e>
+                        <m:r>
+                          <a:rPr lang="en-US" altLang="zh-TW" i="1">
+                            <a:latin typeface="Cambria Math" panose="02040503050406030204" pitchFamily="18" charset="0"/>
+                          </a:rPr>
+                          <m:t>𝑒</m:t>
+                        </m:r>
+                      </m:e>
+                      <m:sup>
+                        <m:r>
+                          <a:rPr lang="en-US" altLang="zh-TW" i="1">
+                            <a:latin typeface="Cambria Math" panose="02040503050406030204" pitchFamily="18" charset="0"/>
+                          </a:rPr>
+                          <m:t>𝑖</m:t>
+                        </m:r>
+                        <m:r>
+                          <a:rPr lang="en-US" altLang="zh-TW" b="0" i="1" smtClean="0">
+                            <a:latin typeface="Cambria Math" panose="02040503050406030204" pitchFamily="18" charset="0"/>
+                          </a:rPr>
+                          <m:t>𝐻</m:t>
+                        </m:r>
+                        <m:r>
+                          <a:rPr lang="en-US" altLang="zh-TW" i="1">
+                            <a:latin typeface="Cambria Math" panose="02040503050406030204" pitchFamily="18" charset="0"/>
+                          </a:rPr>
+                          <m:t>𝑡</m:t>
+                        </m:r>
+                      </m:sup>
+                    </m:sSup>
+                    <m:r>
+                      <a:rPr lang="en-US" altLang="zh-TW" i="1">
+                        <a:latin typeface="Cambria Math" panose="02040503050406030204" pitchFamily="18" charset="0"/>
+                      </a:rPr>
+                      <m:t>+</m:t>
+                    </m:r>
+                    <m:r>
+                      <a:rPr lang="zh-TW" altLang="en-US" i="1">
+                        <a:latin typeface="Cambria Math" panose="02040503050406030204" pitchFamily="18" charset="0"/>
+                      </a:rPr>
+                      <m:t>𝒪</m:t>
+                    </m:r>
+                    <m:r>
+                      <a:rPr lang="en-US" altLang="zh-TW" i="1">
+                        <a:latin typeface="Cambria Math" panose="02040503050406030204" pitchFamily="18" charset="0"/>
+                      </a:rPr>
+                      <m:t>(</m:t>
+                    </m:r>
+                    <m:f>
+                      <m:fPr>
+                        <m:ctrlPr>
+                          <a:rPr lang="en-US" altLang="zh-TW" i="1">
+                            <a:latin typeface="Cambria Math" panose="02040503050406030204" pitchFamily="18" charset="0"/>
+                          </a:rPr>
+                        </m:ctrlPr>
+                      </m:fPr>
+                      <m:num>
+                        <m:sSup>
+                          <m:sSupPr>
+                            <m:ctrlPr>
+                              <a:rPr lang="en-US" altLang="zh-TW" i="1">
+                                <a:latin typeface="Cambria Math" panose="02040503050406030204" pitchFamily="18" charset="0"/>
+                              </a:rPr>
+                            </m:ctrlPr>
+                          </m:sSupPr>
+                          <m:e>
+                            <m:r>
+                              <a:rPr lang="en-US" altLang="zh-TW" i="1">
+                                <a:latin typeface="Cambria Math" panose="02040503050406030204" pitchFamily="18" charset="0"/>
+                              </a:rPr>
+                              <m:t>𝑡</m:t>
+                            </m:r>
+                          </m:e>
+                          <m:sup>
+                            <m:r>
+                              <a:rPr lang="en-US" altLang="zh-TW" i="1">
+                                <a:latin typeface="Cambria Math" panose="02040503050406030204" pitchFamily="18" charset="0"/>
+                              </a:rPr>
+                              <m:t>2</m:t>
+                            </m:r>
+                          </m:sup>
+                        </m:sSup>
+                      </m:num>
+                      <m:den>
+                        <m:r>
+                          <a:rPr lang="en-US" altLang="zh-TW" i="1">
+                            <a:latin typeface="Cambria Math" panose="02040503050406030204" pitchFamily="18" charset="0"/>
+                          </a:rPr>
+                          <m:t>𝑀</m:t>
+                        </m:r>
+                      </m:den>
+                    </m:f>
+                    <m:r>
+                      <a:rPr lang="en-US" altLang="zh-TW" i="1">
                         <a:latin typeface="Cambria Math" panose="02040503050406030204" pitchFamily="18" charset="0"/>
                       </a:rPr>
                       <m:t>)</m:t>
@@ -14858,7 +15178,7 @@
         </p:blipFill>
         <p:spPr>
           <a:xfrm>
-            <a:off x="2668960" y="4814047"/>
+            <a:off x="2666458" y="5545567"/>
             <a:ext cx="6859083" cy="1107141"/>
           </a:xfrm>
           <a:prstGeom prst="rect">
@@ -14874,10 +15194,10 @@
         </p:nvGrpSpPr>
         <p:grpSpPr>
           <a:xfrm>
-            <a:off x="3668359" y="4881731"/>
-            <a:ext cx="5777914" cy="1394443"/>
+            <a:off x="3652222" y="5607872"/>
+            <a:ext cx="6014582" cy="1163610"/>
             <a:chOff x="3668359" y="4881731"/>
-            <a:chExt cx="5777914" cy="1394443"/>
+            <a:chExt cx="6014582" cy="1163610"/>
           </a:xfrm>
         </p:grpSpPr>
         <p:sp>
@@ -14934,7 +15254,7 @@
           </p:nvSpPr>
           <p:spPr>
             <a:xfrm>
-              <a:off x="4249401" y="5814509"/>
+              <a:off x="4486069" y="5583676"/>
               <a:ext cx="5196872" cy="461665"/>
             </a:xfrm>
             <a:prstGeom prst="rect">
@@ -14999,6 +15319,9 @@
                     <p:cTn id="3" fill="hold">
                       <p:stCondLst>
                         <p:cond delay="indefinite"/>
+                        <p:cond evt="onBegin" delay="0">
+                          <p:tn val="2"/>
+                        </p:cond>
                       </p:stCondLst>
                       <p:childTnLst>
                         <p:par>
@@ -15008,7 +15331,7 @@
                             </p:stCondLst>
                             <p:childTnLst>
                               <p:par>
-                                <p:cTn id="5" presetID="1" presetClass="entr" presetSubtype="0" fill="hold" nodeType="clickEffect">
+                                <p:cTn id="5" presetID="1" presetClass="entr" presetSubtype="0" fill="hold" grpId="0" nodeType="withEffect">
                                   <p:stCondLst>
                                     <p:cond delay="0"/>
                                   </p:stCondLst>
@@ -15016,6 +15339,55 @@
                                     <p:set>
                                       <p:cBhvr>
                                         <p:cTn id="6" dur="1" fill="hold">
+                                          <p:stCondLst>
+                                            <p:cond delay="0"/>
+                                          </p:stCondLst>
+                                        </p:cTn>
+                                        <p:tgtEl>
+                                          <p:spTgt spid="3">
+                                            <p:txEl>
+                                              <p:pRg st="0" end="0"/>
+                                            </p:txEl>
+                                          </p:spTgt>
+                                        </p:tgtEl>
+                                        <p:attrNameLst>
+                                          <p:attrName>style.visibility</p:attrName>
+                                        </p:attrNameLst>
+                                      </p:cBhvr>
+                                      <p:to>
+                                        <p:strVal val="visible"/>
+                                      </p:to>
+                                    </p:set>
+                                  </p:childTnLst>
+                                </p:cTn>
+                              </p:par>
+                            </p:childTnLst>
+                          </p:cTn>
+                        </p:par>
+                      </p:childTnLst>
+                    </p:cTn>
+                  </p:par>
+                  <p:par>
+                    <p:cTn id="7" fill="hold">
+                      <p:stCondLst>
+                        <p:cond delay="indefinite"/>
+                      </p:stCondLst>
+                      <p:childTnLst>
+                        <p:par>
+                          <p:cTn id="8" fill="hold">
+                            <p:stCondLst>
+                              <p:cond delay="0"/>
+                            </p:stCondLst>
+                            <p:childTnLst>
+                              <p:par>
+                                <p:cTn id="9" presetID="1" presetClass="entr" presetSubtype="0" fill="hold" grpId="0" nodeType="clickEffect">
+                                  <p:stCondLst>
+                                    <p:cond delay="0"/>
+                                  </p:stCondLst>
+                                  <p:childTnLst>
+                                    <p:set>
+                                      <p:cBhvr>
+                                        <p:cTn id="10" dur="1" fill="hold">
                                           <p:stCondLst>
                                             <p:cond delay="0"/>
                                           </p:stCondLst>
@@ -15038,15 +15410,33 @@
                                   </p:childTnLst>
                                 </p:cTn>
                               </p:par>
+                            </p:childTnLst>
+                          </p:cTn>
+                        </p:par>
+                      </p:childTnLst>
+                    </p:cTn>
+                  </p:par>
+                  <p:par>
+                    <p:cTn id="11" fill="hold">
+                      <p:stCondLst>
+                        <p:cond delay="indefinite"/>
+                      </p:stCondLst>
+                      <p:childTnLst>
+                        <p:par>
+                          <p:cTn id="12" fill="hold">
+                            <p:stCondLst>
+                              <p:cond delay="0"/>
+                            </p:stCondLst>
+                            <p:childTnLst>
                               <p:par>
-                                <p:cTn id="7" presetID="1" presetClass="entr" presetSubtype="0" fill="hold" nodeType="withEffect">
+                                <p:cTn id="13" presetID="1" presetClass="entr" presetSubtype="0" fill="hold" grpId="0" nodeType="clickEffect">
                                   <p:stCondLst>
                                     <p:cond delay="0"/>
                                   </p:stCondLst>
                                   <p:childTnLst>
                                     <p:set>
                                       <p:cBhvr>
-                                        <p:cTn id="8" dur="1" fill="hold">
+                                        <p:cTn id="14" dur="1" fill="hold">
                                           <p:stCondLst>
                                             <p:cond delay="0"/>
                                           </p:stCondLst>
@@ -15076,99 +15466,19 @@
                     </p:cTn>
                   </p:par>
                   <p:par>
-                    <p:cTn id="9" fill="hold">
+                    <p:cTn id="15" fill="hold">
                       <p:stCondLst>
                         <p:cond delay="indefinite"/>
                       </p:stCondLst>
                       <p:childTnLst>
                         <p:par>
-                          <p:cTn id="10" fill="hold">
+                          <p:cTn id="16" fill="hold">
                             <p:stCondLst>
                               <p:cond delay="0"/>
                             </p:stCondLst>
                             <p:childTnLst>
                               <p:par>
-                                <p:cTn id="11" presetID="1" presetClass="entr" presetSubtype="0" fill="hold" nodeType="clickEffect">
-                                  <p:stCondLst>
-                                    <p:cond delay="0"/>
-                                  </p:stCondLst>
-                                  <p:childTnLst>
-                                    <p:set>
-                                      <p:cBhvr>
-                                        <p:cTn id="12" dur="1" fill="hold">
-                                          <p:stCondLst>
-                                            <p:cond delay="0"/>
-                                          </p:stCondLst>
-                                        </p:cTn>
-                                        <p:tgtEl>
-                                          <p:spTgt spid="3">
-                                            <p:txEl>
-                                              <p:pRg st="3" end="3"/>
-                                            </p:txEl>
-                                          </p:spTgt>
-                                        </p:tgtEl>
-                                        <p:attrNameLst>
-                                          <p:attrName>style.visibility</p:attrName>
-                                        </p:attrNameLst>
-                                      </p:cBhvr>
-                                      <p:to>
-                                        <p:strVal val="visible"/>
-                                      </p:to>
-                                    </p:set>
-                                  </p:childTnLst>
-                                </p:cTn>
-                              </p:par>
-                            </p:childTnLst>
-                          </p:cTn>
-                        </p:par>
-                      </p:childTnLst>
-                    </p:cTn>
-                  </p:par>
-                  <p:par>
-                    <p:cTn id="13" fill="hold">
-                      <p:stCondLst>
-                        <p:cond delay="indefinite"/>
-                      </p:stCondLst>
-                      <p:childTnLst>
-                        <p:par>
-                          <p:cTn id="14" fill="hold">
-                            <p:stCondLst>
-                              <p:cond delay="0"/>
-                            </p:stCondLst>
-                            <p:childTnLst>
-                              <p:par>
-                                <p:cTn id="15" presetID="1" presetClass="entr" presetSubtype="0" fill="hold" nodeType="clickEffect">
-                                  <p:stCondLst>
-                                    <p:cond delay="0"/>
-                                  </p:stCondLst>
-                                  <p:childTnLst>
-                                    <p:set>
-                                      <p:cBhvr>
-                                        <p:cTn id="16" dur="1" fill="hold">
-                                          <p:stCondLst>
-                                            <p:cond delay="0"/>
-                                          </p:stCondLst>
-                                        </p:cTn>
-                                        <p:tgtEl>
-                                          <p:spTgt spid="3">
-                                            <p:txEl>
-                                              <p:pRg st="4" end="4"/>
-                                            </p:txEl>
-                                          </p:spTgt>
-                                        </p:tgtEl>
-                                        <p:attrNameLst>
-                                          <p:attrName>style.visibility</p:attrName>
-                                        </p:attrNameLst>
-                                      </p:cBhvr>
-                                      <p:to>
-                                        <p:strVal val="visible"/>
-                                      </p:to>
-                                    </p:set>
-                                  </p:childTnLst>
-                                </p:cTn>
-                              </p:par>
-                              <p:par>
-                                <p:cTn id="17" presetID="1" presetClass="entr" presetSubtype="0" fill="hold" nodeType="withEffect">
+                                <p:cTn id="17" presetID="1" presetClass="entr" presetSubtype="0" fill="hold" grpId="0" nodeType="clickEffect">
                                   <p:stCondLst>
                                     <p:cond delay="0"/>
                                   </p:stCondLst>
@@ -15181,7 +15491,11 @@
                                           </p:stCondLst>
                                         </p:cTn>
                                         <p:tgtEl>
-                                          <p:spTgt spid="5"/>
+                                          <p:spTgt spid="3">
+                                            <p:txEl>
+                                              <p:pRg st="3" end="3"/>
+                                            </p:txEl>
+                                          </p:spTgt>
                                         </p:tgtEl>
                                         <p:attrNameLst>
                                           <p:attrName>style.visibility</p:attrName>
@@ -15213,7 +15527,7 @@
                             </p:stCondLst>
                             <p:childTnLst>
                               <p:par>
-                                <p:cTn id="21" presetID="1" presetClass="entr" presetSubtype="0" fill="hold" nodeType="clickEffect">
+                                <p:cTn id="21" presetID="1" presetClass="entr" presetSubtype="0" fill="hold" grpId="0" nodeType="clickEffect">
                                   <p:stCondLst>
                                     <p:cond delay="0"/>
                                   </p:stCondLst>
@@ -15221,6 +15535,149 @@
                                     <p:set>
                                       <p:cBhvr>
                                         <p:cTn id="22" dur="1" fill="hold">
+                                          <p:stCondLst>
+                                            <p:cond delay="0"/>
+                                          </p:stCondLst>
+                                        </p:cTn>
+                                        <p:tgtEl>
+                                          <p:spTgt spid="3">
+                                            <p:txEl>
+                                              <p:pRg st="4" end="4"/>
+                                            </p:txEl>
+                                          </p:spTgt>
+                                        </p:tgtEl>
+                                        <p:attrNameLst>
+                                          <p:attrName>style.visibility</p:attrName>
+                                        </p:attrNameLst>
+                                      </p:cBhvr>
+                                      <p:to>
+                                        <p:strVal val="visible"/>
+                                      </p:to>
+                                    </p:set>
+                                  </p:childTnLst>
+                                </p:cTn>
+                              </p:par>
+                            </p:childTnLst>
+                          </p:cTn>
+                        </p:par>
+                      </p:childTnLst>
+                    </p:cTn>
+                  </p:par>
+                  <p:par>
+                    <p:cTn id="23" fill="hold">
+                      <p:stCondLst>
+                        <p:cond delay="indefinite"/>
+                      </p:stCondLst>
+                      <p:childTnLst>
+                        <p:par>
+                          <p:cTn id="24" fill="hold">
+                            <p:stCondLst>
+                              <p:cond delay="0"/>
+                            </p:stCondLst>
+                            <p:childTnLst>
+                              <p:par>
+                                <p:cTn id="25" presetID="1" presetClass="entr" presetSubtype="0" fill="hold" grpId="0" nodeType="clickEffect">
+                                  <p:stCondLst>
+                                    <p:cond delay="0"/>
+                                  </p:stCondLst>
+                                  <p:childTnLst>
+                                    <p:set>
+                                      <p:cBhvr>
+                                        <p:cTn id="26" dur="1" fill="hold">
+                                          <p:stCondLst>
+                                            <p:cond delay="0"/>
+                                          </p:stCondLst>
+                                        </p:cTn>
+                                        <p:tgtEl>
+                                          <p:spTgt spid="3">
+                                            <p:txEl>
+                                              <p:pRg st="5" end="5"/>
+                                            </p:txEl>
+                                          </p:spTgt>
+                                        </p:tgtEl>
+                                        <p:attrNameLst>
+                                          <p:attrName>style.visibility</p:attrName>
+                                        </p:attrNameLst>
+                                      </p:cBhvr>
+                                      <p:to>
+                                        <p:strVal val="visible"/>
+                                      </p:to>
+                                    </p:set>
+                                  </p:childTnLst>
+                                </p:cTn>
+                              </p:par>
+                            </p:childTnLst>
+                          </p:cTn>
+                        </p:par>
+                      </p:childTnLst>
+                    </p:cTn>
+                  </p:par>
+                  <p:par>
+                    <p:cTn id="27" fill="hold">
+                      <p:stCondLst>
+                        <p:cond delay="indefinite"/>
+                      </p:stCondLst>
+                      <p:childTnLst>
+                        <p:par>
+                          <p:cTn id="28" fill="hold">
+                            <p:stCondLst>
+                              <p:cond delay="0"/>
+                            </p:stCondLst>
+                            <p:childTnLst>
+                              <p:par>
+                                <p:cTn id="29" presetID="1" presetClass="entr" presetSubtype="0" fill="hold" nodeType="clickEffect">
+                                  <p:stCondLst>
+                                    <p:cond delay="0"/>
+                                  </p:stCondLst>
+                                  <p:childTnLst>
+                                    <p:set>
+                                      <p:cBhvr>
+                                        <p:cTn id="30" dur="1" fill="hold">
+                                          <p:stCondLst>
+                                            <p:cond delay="0"/>
+                                          </p:stCondLst>
+                                        </p:cTn>
+                                        <p:tgtEl>
+                                          <p:spTgt spid="5"/>
+                                        </p:tgtEl>
+                                        <p:attrNameLst>
+                                          <p:attrName>style.visibility</p:attrName>
+                                        </p:attrNameLst>
+                                      </p:cBhvr>
+                                      <p:to>
+                                        <p:strVal val="visible"/>
+                                      </p:to>
+                                    </p:set>
+                                  </p:childTnLst>
+                                </p:cTn>
+                              </p:par>
+                            </p:childTnLst>
+                          </p:cTn>
+                        </p:par>
+                      </p:childTnLst>
+                    </p:cTn>
+                  </p:par>
+                  <p:par>
+                    <p:cTn id="31" fill="hold">
+                      <p:stCondLst>
+                        <p:cond delay="indefinite"/>
+                      </p:stCondLst>
+                      <p:childTnLst>
+                        <p:par>
+                          <p:cTn id="32" fill="hold">
+                            <p:stCondLst>
+                              <p:cond delay="0"/>
+                            </p:stCondLst>
+                            <p:childTnLst>
+                              <p:par>
+                                <p:cTn id="33" presetID="1" presetClass="entr" presetSubtype="0" fill="hold" nodeType="clickEffect">
+                                  <p:stCondLst>
+                                    <p:cond delay="0"/>
+                                  </p:stCondLst>
+                                  <p:childTnLst>
+                                    <p:set>
+                                      <p:cBhvr>
+                                        <p:cTn id="34" dur="1" fill="hold">
                                           <p:stCondLst>
                                             <p:cond delay="0"/>
                                           </p:stCondLst>
@@ -15266,6 +15723,9 @@
         </p:cTn>
       </p:par>
     </p:tnLst>
+    <p:bldLst>
+      <p:bldP spid="3" grpId="0" build="p"/>
+    </p:bldLst>
   </p:timing>
 </p:sld>
 </file>
